--- a/Путь в науку 2024/Микросервисная архитектура в ОС.pptx
+++ b/Путь в науку 2024/Микросервисная архитектура в ОС.pptx
@@ -7,7 +7,21 @@
   <p:sldIdLst>
     <p:sldId id="256" r:id="rId2"/>
     <p:sldId id="257" r:id="rId3"/>
-    <p:sldId id="258" r:id="rId4"/>
+    <p:sldId id="259" r:id="rId4"/>
+    <p:sldId id="260" r:id="rId5"/>
+    <p:sldId id="261" r:id="rId6"/>
+    <p:sldId id="262" r:id="rId7"/>
+    <p:sldId id="263" r:id="rId8"/>
+    <p:sldId id="265" r:id="rId9"/>
+    <p:sldId id="266" r:id="rId10"/>
+    <p:sldId id="267" r:id="rId11"/>
+    <p:sldId id="268" r:id="rId12"/>
+    <p:sldId id="269" r:id="rId13"/>
+    <p:sldId id="271" r:id="rId14"/>
+    <p:sldId id="272" r:id="rId15"/>
+    <p:sldId id="274" r:id="rId16"/>
+    <p:sldId id="273" r:id="rId17"/>
+    <p:sldId id="264" r:id="rId18"/>
   </p:sldIdLst>
   <p:sldSz cx="12192000" cy="6858000"/>
   <p:notesSz cx="6858000" cy="9144000"/>
@@ -106,6 +120,11 @@
       </a:defRPr>
     </a:lvl9pPr>
   </p:defaultTextStyle>
+  <p:extLst>
+    <p:ext uri="{EFAFB233-063F-42B5-8137-9DF3F51BA10A}">
+      <p15:sldGuideLst xmlns:p15="http://schemas.microsoft.com/office/powerpoint/2012/main"/>
+    </p:ext>
+  </p:extLst>
 </p:presentation>
 </file>
 
@@ -284,7 +303,7 @@
           <a:p>
             <a:fld id="{727BC1F1-26C4-4172-9B9C-25E3323FD759}" type="datetimeFigureOut">
               <a:rPr lang="ru-UA" smtClean="0"/>
-              <a:t>03.02.2023</a:t>
+              <a:t>05/12/2024</a:t>
             </a:fld>
             <a:endParaRPr lang="ru-UA"/>
           </a:p>
@@ -484,7 +503,7 @@
           <a:p>
             <a:fld id="{727BC1F1-26C4-4172-9B9C-25E3323FD759}" type="datetimeFigureOut">
               <a:rPr lang="ru-UA" smtClean="0"/>
-              <a:t>03.02.2023</a:t>
+              <a:t>05/12/2024</a:t>
             </a:fld>
             <a:endParaRPr lang="ru-UA"/>
           </a:p>
@@ -694,7 +713,7 @@
           <a:p>
             <a:fld id="{727BC1F1-26C4-4172-9B9C-25E3323FD759}" type="datetimeFigureOut">
               <a:rPr lang="ru-UA" smtClean="0"/>
-              <a:t>03.02.2023</a:t>
+              <a:t>05/12/2024</a:t>
             </a:fld>
             <a:endParaRPr lang="ru-UA"/>
           </a:p>
@@ -951,7 +970,7 @@
           <a:p>
             <a:fld id="{727BC1F1-26C4-4172-9B9C-25E3323FD759}" type="datetimeFigureOut">
               <a:rPr lang="ru-UA" smtClean="0"/>
-              <a:t>03.02.2023</a:t>
+              <a:t>05/12/2024</a:t>
             </a:fld>
             <a:endParaRPr lang="ru-UA"/>
           </a:p>
@@ -1227,7 +1246,7 @@
           <a:p>
             <a:fld id="{727BC1F1-26C4-4172-9B9C-25E3323FD759}" type="datetimeFigureOut">
               <a:rPr lang="ru-UA" smtClean="0"/>
-              <a:t>03.02.2023</a:t>
+              <a:t>05/12/2024</a:t>
             </a:fld>
             <a:endParaRPr lang="ru-UA"/>
           </a:p>
@@ -1495,7 +1514,7 @@
           <a:p>
             <a:fld id="{727BC1F1-26C4-4172-9B9C-25E3323FD759}" type="datetimeFigureOut">
               <a:rPr lang="ru-UA" smtClean="0"/>
-              <a:t>03.02.2023</a:t>
+              <a:t>05/12/2024</a:t>
             </a:fld>
             <a:endParaRPr lang="ru-UA"/>
           </a:p>
@@ -1910,7 +1929,7 @@
           <a:p>
             <a:fld id="{727BC1F1-26C4-4172-9B9C-25E3323FD759}" type="datetimeFigureOut">
               <a:rPr lang="ru-UA" smtClean="0"/>
-              <a:t>03.02.2023</a:t>
+              <a:t>05/12/2024</a:t>
             </a:fld>
             <a:endParaRPr lang="ru-UA"/>
           </a:p>
@@ -2052,7 +2071,7 @@
           <a:p>
             <a:fld id="{727BC1F1-26C4-4172-9B9C-25E3323FD759}" type="datetimeFigureOut">
               <a:rPr lang="ru-UA" smtClean="0"/>
-              <a:t>03.02.2023</a:t>
+              <a:t>05/12/2024</a:t>
             </a:fld>
             <a:endParaRPr lang="ru-UA"/>
           </a:p>
@@ -2165,7 +2184,7 @@
           <a:p>
             <a:fld id="{727BC1F1-26C4-4172-9B9C-25E3323FD759}" type="datetimeFigureOut">
               <a:rPr lang="ru-UA" smtClean="0"/>
-              <a:t>03.02.2023</a:t>
+              <a:t>05/12/2024</a:t>
             </a:fld>
             <a:endParaRPr lang="ru-UA"/>
           </a:p>
@@ -2478,7 +2497,7 @@
           <a:p>
             <a:fld id="{727BC1F1-26C4-4172-9B9C-25E3323FD759}" type="datetimeFigureOut">
               <a:rPr lang="ru-UA" smtClean="0"/>
-              <a:t>03.02.2023</a:t>
+              <a:t>05/12/2024</a:t>
             </a:fld>
             <a:endParaRPr lang="ru-UA"/>
           </a:p>
@@ -2767,7 +2786,7 @@
           <a:p>
             <a:fld id="{727BC1F1-26C4-4172-9B9C-25E3323FD759}" type="datetimeFigureOut">
               <a:rPr lang="ru-UA" smtClean="0"/>
-              <a:t>03.02.2023</a:t>
+              <a:t>05/12/2024</a:t>
             </a:fld>
             <a:endParaRPr lang="ru-UA"/>
           </a:p>
@@ -3046,7 +3065,7 @@
           <a:p>
             <a:fld id="{727BC1F1-26C4-4172-9B9C-25E3323FD759}" type="datetimeFigureOut">
               <a:rPr lang="ru-UA" smtClean="0"/>
-              <a:t>03.02.2023</a:t>
+              <a:t>05/12/2024</a:t>
             </a:fld>
             <a:endParaRPr lang="ru-UA"/>
           </a:p>
@@ -3481,22 +3500,34 @@
         </p:nvSpPr>
         <p:spPr>
           <a:xfrm>
-            <a:off x="4343772" y="133514"/>
-            <a:ext cx="6881091" cy="2387600"/>
+            <a:off x="3977059" y="1899138"/>
+            <a:ext cx="4461185" cy="1380391"/>
           </a:xfrm>
         </p:spPr>
         <p:txBody>
-          <a:bodyPr/>
+          <a:bodyPr>
+            <a:noAutofit/>
+          </a:bodyPr>
           <a:lstStyle/>
           <a:p>
-            <a:r>
-              <a:rPr lang="en-US" dirty="0">
-                <a:latin typeface="+mn-lt"/>
+            <a:pPr algn="ctr"/>
+            <a:r>
+              <a:rPr lang="en-US" sz="8800" b="0" dirty="0" smtClean="0">
+                <a:latin typeface="Times New Roman" panose="02020603050405020304" pitchFamily="18" charset="0"/>
+                <a:cs typeface="Times New Roman" panose="02020603050405020304" pitchFamily="18" charset="0"/>
               </a:rPr>
-              <a:t>NAME OF PRESENTATION</a:t>
-            </a:r>
-            <a:endParaRPr lang="ru-UA" dirty="0">
-              <a:latin typeface="+mn-lt"/>
+              <a:t>MINIX</a:t>
+            </a:r>
+            <a:r>
+              <a:rPr lang="ru-RU" sz="8800" b="0" dirty="0">
+                <a:latin typeface="Times New Roman" panose="02020603050405020304" pitchFamily="18" charset="0"/>
+                <a:cs typeface="Times New Roman" panose="02020603050405020304" pitchFamily="18" charset="0"/>
+              </a:rPr>
+              <a:t> </a:t>
+            </a:r>
+            <a:endParaRPr lang="ru-UA" sz="8800" dirty="0">
+              <a:latin typeface="Times New Roman" panose="02020603050405020304" pitchFamily="18" charset="0"/>
+              <a:cs typeface="Times New Roman" panose="02020603050405020304" pitchFamily="18" charset="0"/>
             </a:endParaRPr>
           </a:p>
         </p:txBody>
@@ -3519,23 +3550,121 @@
         </p:nvSpPr>
         <p:spPr>
           <a:xfrm>
-            <a:off x="4488277" y="2521114"/>
-            <a:ext cx="5303982" cy="1201190"/>
+            <a:off x="2004647" y="4888523"/>
+            <a:ext cx="5978769" cy="1846386"/>
           </a:xfrm>
         </p:spPr>
         <p:txBody>
           <a:bodyPr/>
           <a:lstStyle/>
           <a:p>
-            <a:pPr algn="l"/>
-            <a:r>
-              <a:rPr lang="en-US" b="0" dirty="0"/>
-              <a:t>Subtitle here</a:t>
-            </a:r>
-            <a:endParaRPr lang="ru-UA" b="0" dirty="0"/>
+            <a:pPr algn="ctr"/>
+            <a:r>
+              <a:rPr lang="ru-RU" b="0" dirty="0" smtClean="0">
+                <a:latin typeface="Times New Roman" panose="02020603050405020304" pitchFamily="18" charset="0"/>
+                <a:cs typeface="Times New Roman" panose="02020603050405020304" pitchFamily="18" charset="0"/>
+              </a:rPr>
+              <a:t>Подготовил</a:t>
+            </a:r>
+            <a:r>
+              <a:rPr lang="en-US" b="0" dirty="0" smtClean="0">
+                <a:latin typeface="Times New Roman" panose="02020603050405020304" pitchFamily="18" charset="0"/>
+                <a:cs typeface="Times New Roman" panose="02020603050405020304" pitchFamily="18" charset="0"/>
+              </a:rPr>
+              <a:t>:</a:t>
+            </a:r>
+            <a:r>
+              <a:rPr lang="ru-RU" b="0" dirty="0" smtClean="0">
+                <a:latin typeface="Times New Roman" panose="02020603050405020304" pitchFamily="18" charset="0"/>
+                <a:cs typeface="Times New Roman" panose="02020603050405020304" pitchFamily="18" charset="0"/>
+              </a:rPr>
+              <a:t> студент КБ-41СО</a:t>
+            </a:r>
+          </a:p>
+          <a:p>
+            <a:pPr algn="ctr"/>
+            <a:r>
+              <a:rPr lang="ru-RU" b="0" dirty="0" err="1" smtClean="0">
+                <a:latin typeface="Times New Roman" panose="02020603050405020304" pitchFamily="18" charset="0"/>
+                <a:cs typeface="Times New Roman" panose="02020603050405020304" pitchFamily="18" charset="0"/>
+              </a:rPr>
+              <a:t>Сластухин</a:t>
+            </a:r>
+            <a:r>
+              <a:rPr lang="ru-RU" b="0" dirty="0" smtClean="0">
+                <a:latin typeface="Times New Roman" panose="02020603050405020304" pitchFamily="18" charset="0"/>
+                <a:cs typeface="Times New Roman" panose="02020603050405020304" pitchFamily="18" charset="0"/>
+              </a:rPr>
+              <a:t> А.</a:t>
+            </a:r>
+          </a:p>
+          <a:p>
+            <a:pPr algn="ctr"/>
+            <a:r>
+              <a:rPr lang="ru-RU" b="0" dirty="0" smtClean="0">
+                <a:latin typeface="Times New Roman" panose="02020603050405020304" pitchFamily="18" charset="0"/>
+                <a:cs typeface="Times New Roman" panose="02020603050405020304" pitchFamily="18" charset="0"/>
+              </a:rPr>
+              <a:t>Научный руководитель:</a:t>
+            </a:r>
+          </a:p>
+          <a:p>
+            <a:pPr algn="ctr"/>
+            <a:r>
+              <a:rPr lang="ru-RU" b="0" dirty="0" smtClean="0">
+                <a:latin typeface="Times New Roman" panose="02020603050405020304" pitchFamily="18" charset="0"/>
+                <a:cs typeface="Times New Roman" panose="02020603050405020304" pitchFamily="18" charset="0"/>
+              </a:rPr>
+              <a:t>Савинов Д.А.</a:t>
+            </a:r>
+            <a:endParaRPr lang="ru-UA" b="0" dirty="0">
+              <a:latin typeface="Times New Roman" panose="02020603050405020304" pitchFamily="18" charset="0"/>
+              <a:cs typeface="Times New Roman" panose="02020603050405020304" pitchFamily="18" charset="0"/>
+            </a:endParaRPr>
           </a:p>
         </p:txBody>
       </p:sp>
+      <p:pic>
+        <p:nvPicPr>
+          <p:cNvPr id="1026" name="Picture 2" descr="Ярославский государственный университет — Википедия"/>
+          <p:cNvPicPr>
+            <a:picLocks noChangeAspect="1" noChangeArrowheads="1"/>
+          </p:cNvPicPr>
+          <p:nvPr/>
+        </p:nvPicPr>
+        <p:blipFill>
+          <a:blip r:embed="rId2">
+            <a:extLst>
+              <a:ext uri="{28A0092B-C50C-407E-A947-70E740481C1C}">
+                <a14:useLocalDpi xmlns:a14="http://schemas.microsoft.com/office/drawing/2010/main" val="0"/>
+              </a:ext>
+            </a:extLst>
+          </a:blip>
+          <a:srcRect/>
+          <a:stretch>
+            <a:fillRect/>
+          </a:stretch>
+        </p:blipFill>
+        <p:spPr bwMode="auto">
+          <a:xfrm>
+            <a:off x="0" y="5477607"/>
+            <a:ext cx="1380392" cy="1380393"/>
+          </a:xfrm>
+          <a:prstGeom prst="rect">
+            <a:avLst/>
+          </a:prstGeom>
+          <a:noFill/>
+          <a:extLst>
+            <a:ext uri="{909E8E84-426E-40DD-AFC4-6F175D3DCCD1}">
+              <a14:hiddenFill xmlns:a14="http://schemas.microsoft.com/office/drawing/2010/main">
+                <a:solidFill>
+                  <a:srgbClr val="FFFFFF"/>
+                </a:solidFill>
+              </a14:hiddenFill>
+            </a:ext>
+          </a:extLst>
+        </p:spPr>
+      </p:pic>
     </p:spTree>
     <p:extLst>
       <p:ext uri="{BB962C8B-B14F-4D97-AF65-F5344CB8AC3E}">
@@ -3546,6 +3675,3352 @@
   <p:clrMapOvr>
     <a:masterClrMapping/>
   </p:clrMapOvr>
+  <p:timing>
+    <p:tnLst>
+      <p:par>
+        <p:cTn id="1" dur="indefinite" restart="never" nodeType="tmRoot"/>
+      </p:par>
+    </p:tnLst>
+  </p:timing>
+</p:sld>
+</file>
+
+<file path=ppt/slides/slide10.xml><?xml version="1.0" encoding="utf-8"?>
+<p:sld xmlns:a="http://schemas.openxmlformats.org/drawingml/2006/main" xmlns:r="http://schemas.openxmlformats.org/officeDocument/2006/relationships" xmlns:p="http://schemas.openxmlformats.org/presentationml/2006/main">
+  <p:cSld>
+    <p:spTree>
+      <p:nvGrpSpPr>
+        <p:cNvPr id="1" name=""/>
+        <p:cNvGrpSpPr/>
+        <p:nvPr/>
+      </p:nvGrpSpPr>
+      <p:grpSpPr>
+        <a:xfrm>
+          <a:off x="0" y="0"/>
+          <a:ext cx="0" cy="0"/>
+          <a:chOff x="0" y="0"/>
+          <a:chExt cx="0" cy="0"/>
+        </a:xfrm>
+      </p:grpSpPr>
+      <p:graphicFrame>
+        <p:nvGraphicFramePr>
+          <p:cNvPr id="8" name="Объект 7"/>
+          <p:cNvGraphicFramePr>
+            <a:graphicFrameLocks noGrp="1"/>
+          </p:cNvGraphicFramePr>
+          <p:nvPr>
+            <p:ph idx="1"/>
+            <p:extLst>
+              <p:ext uri="{D42A27DB-BD31-4B8C-83A1-F6EECF244321}">
+                <p14:modId xmlns:p14="http://schemas.microsoft.com/office/powerpoint/2010/main" val="2607897717"/>
+              </p:ext>
+            </p:extLst>
+          </p:nvPr>
+        </p:nvGraphicFramePr>
+        <p:xfrm>
+          <a:off x="1846385" y="1"/>
+          <a:ext cx="8440614" cy="6858000"/>
+        </p:xfrm>
+        <a:graphic>
+          <a:graphicData uri="http://schemas.openxmlformats.org/drawingml/2006/table">
+            <a:tbl>
+              <a:tblPr firstRow="1" bandRow="1">
+                <a:tableStyleId>{5C22544A-7EE6-4342-B048-85BDC9FD1C3A}</a:tableStyleId>
+              </a:tblPr>
+              <a:tblGrid>
+                <a:gridCol w="2813538">
+                  <a:extLst>
+                    <a:ext uri="{9D8B030D-6E8A-4147-A177-3AD203B41FA5}">
+                      <a16:colId xmlns:a16="http://schemas.microsoft.com/office/drawing/2014/main" val="1587320423"/>
+                    </a:ext>
+                  </a:extLst>
+                </a:gridCol>
+                <a:gridCol w="2813538">
+                  <a:extLst>
+                    <a:ext uri="{9D8B030D-6E8A-4147-A177-3AD203B41FA5}">
+                      <a16:colId xmlns:a16="http://schemas.microsoft.com/office/drawing/2014/main" val="2061861311"/>
+                    </a:ext>
+                  </a:extLst>
+                </a:gridCol>
+                <a:gridCol w="2813538">
+                  <a:extLst>
+                    <a:ext uri="{9D8B030D-6E8A-4147-A177-3AD203B41FA5}">
+                      <a16:colId xmlns:a16="http://schemas.microsoft.com/office/drawing/2014/main" val="846550858"/>
+                    </a:ext>
+                  </a:extLst>
+                </a:gridCol>
+              </a:tblGrid>
+              <a:tr h="2236391">
+                <a:tc>
+                  <a:txBody>
+                    <a:bodyPr/>
+                    <a:lstStyle/>
+                    <a:p>
+                      <a:endParaRPr lang="ru-RU" dirty="0"/>
+                    </a:p>
+                  </a:txBody>
+                  <a:tcPr>
+                    <a:lnL w="12700" cap="flat" cmpd="sng" algn="ctr">
+                      <a:solidFill>
+                        <a:schemeClr val="tx1"/>
+                      </a:solidFill>
+                      <a:prstDash val="solid"/>
+                      <a:round/>
+                      <a:headEnd type="none" w="med" len="med"/>
+                      <a:tailEnd type="none" w="med" len="med"/>
+                    </a:lnL>
+                    <a:lnR w="12700" cap="flat" cmpd="sng" algn="ctr">
+                      <a:solidFill>
+                        <a:schemeClr val="tx1"/>
+                      </a:solidFill>
+                      <a:prstDash val="solid"/>
+                      <a:round/>
+                      <a:headEnd type="none" w="med" len="med"/>
+                      <a:tailEnd type="none" w="med" len="med"/>
+                    </a:lnR>
+                    <a:lnT w="12700" cap="flat" cmpd="sng" algn="ctr">
+                      <a:noFill/>
+                      <a:prstDash val="solid"/>
+                      <a:round/>
+                      <a:headEnd type="none" w="med" len="med"/>
+                      <a:tailEnd type="none" w="med" len="med"/>
+                    </a:lnT>
+                    <a:lnB w="12700" cap="flat" cmpd="sng" algn="ctr">
+                      <a:solidFill>
+                        <a:schemeClr val="tx1"/>
+                      </a:solidFill>
+                      <a:prstDash val="solid"/>
+                      <a:round/>
+                      <a:headEnd type="none" w="med" len="med"/>
+                      <a:tailEnd type="none" w="med" len="med"/>
+                    </a:lnB>
+                    <a:lnTlToBr w="12700" cap="flat" cmpd="sng" algn="ctr">
+                      <a:solidFill>
+                        <a:schemeClr val="tx1"/>
+                      </a:solidFill>
+                      <a:prstDash val="solid"/>
+                      <a:round/>
+                      <a:headEnd type="none" w="med" len="med"/>
+                      <a:tailEnd type="none" w="med" len="med"/>
+                    </a:lnTlToBr>
+                    <a:lnBlToTr w="12700" cmpd="sng">
+                      <a:noFill/>
+                      <a:prstDash val="solid"/>
+                    </a:lnBlToTr>
+                    <a:solidFill>
+                      <a:schemeClr val="bg1"/>
+                    </a:solidFill>
+                  </a:tcPr>
+                </a:tc>
+                <a:tc>
+                  <a:txBody>
+                    <a:bodyPr/>
+                    <a:lstStyle/>
+                    <a:p>
+                      <a:endParaRPr lang="ru-RU" dirty="0" smtClean="0">
+                        <a:solidFill>
+                          <a:schemeClr val="accent1"/>
+                        </a:solidFill>
+                      </a:endParaRPr>
+                    </a:p>
+                    <a:p>
+                      <a:endParaRPr lang="ru-RU" dirty="0" smtClean="0">
+                        <a:solidFill>
+                          <a:schemeClr val="accent1"/>
+                        </a:solidFill>
+                      </a:endParaRPr>
+                    </a:p>
+                    <a:p>
+                      <a:endParaRPr lang="ru-RU" dirty="0" smtClean="0">
+                        <a:solidFill>
+                          <a:schemeClr val="accent1"/>
+                        </a:solidFill>
+                      </a:endParaRPr>
+                    </a:p>
+                    <a:p>
+                      <a:endParaRPr lang="ru-RU" dirty="0" smtClean="0">
+                        <a:solidFill>
+                          <a:schemeClr val="accent1"/>
+                        </a:solidFill>
+                      </a:endParaRPr>
+                    </a:p>
+                    <a:p>
+                      <a:endParaRPr lang="ru-RU" dirty="0" smtClean="0">
+                        <a:solidFill>
+                          <a:schemeClr val="accent1"/>
+                        </a:solidFill>
+                      </a:endParaRPr>
+                    </a:p>
+                    <a:p>
+                      <a:endParaRPr lang="ru-RU" dirty="0" smtClean="0">
+                        <a:solidFill>
+                          <a:schemeClr val="accent1"/>
+                        </a:solidFill>
+                      </a:endParaRPr>
+                    </a:p>
+                    <a:p>
+                      <a:pPr algn="ctr"/>
+                      <a:r>
+                        <a:rPr lang="ru-RU" dirty="0" smtClean="0">
+                          <a:solidFill>
+                            <a:schemeClr val="accent1"/>
+                          </a:solidFill>
+                        </a:rPr>
+                        <a:t>Монолит</a:t>
+                      </a:r>
+                      <a:endParaRPr lang="ru-RU" dirty="0">
+                        <a:solidFill>
+                          <a:schemeClr val="accent1"/>
+                        </a:solidFill>
+                      </a:endParaRPr>
+                    </a:p>
+                  </a:txBody>
+                  <a:tcPr>
+                    <a:lnL w="12700" cap="flat" cmpd="sng" algn="ctr">
+                      <a:solidFill>
+                        <a:schemeClr val="tx1"/>
+                      </a:solidFill>
+                      <a:prstDash val="solid"/>
+                      <a:round/>
+                      <a:headEnd type="none" w="med" len="med"/>
+                      <a:tailEnd type="none" w="med" len="med"/>
+                    </a:lnL>
+                    <a:lnR w="12700" cap="flat" cmpd="sng" algn="ctr">
+                      <a:noFill/>
+                      <a:prstDash val="solid"/>
+                      <a:round/>
+                      <a:headEnd type="none" w="med" len="med"/>
+                      <a:tailEnd type="none" w="med" len="med"/>
+                    </a:lnR>
+                    <a:lnT w="12700" cap="flat" cmpd="sng" algn="ctr">
+                      <a:noFill/>
+                      <a:prstDash val="solid"/>
+                      <a:round/>
+                      <a:headEnd type="none" w="med" len="med"/>
+                      <a:tailEnd type="none" w="med" len="med"/>
+                    </a:lnT>
+                    <a:lnB w="12700" cap="flat" cmpd="sng" algn="ctr">
+                      <a:noFill/>
+                      <a:prstDash val="solid"/>
+                      <a:round/>
+                      <a:headEnd type="none" w="med" len="med"/>
+                      <a:tailEnd type="none" w="med" len="med"/>
+                    </a:lnB>
+                    <a:lnTlToBr w="12700" cmpd="sng">
+                      <a:noFill/>
+                      <a:prstDash val="solid"/>
+                    </a:lnTlToBr>
+                    <a:lnBlToTr w="12700" cmpd="sng">
+                      <a:noFill/>
+                      <a:prstDash val="solid"/>
+                    </a:lnBlToTr>
+                    <a:solidFill>
+                      <a:schemeClr val="bg1"/>
+                    </a:solidFill>
+                  </a:tcPr>
+                </a:tc>
+                <a:tc>
+                  <a:txBody>
+                    <a:bodyPr/>
+                    <a:lstStyle/>
+                    <a:p>
+                      <a:endParaRPr lang="ru-RU" dirty="0" smtClean="0"/>
+                    </a:p>
+                    <a:p>
+                      <a:endParaRPr lang="ru-RU" dirty="0" smtClean="0"/>
+                    </a:p>
+                    <a:p>
+                      <a:endParaRPr lang="ru-RU" dirty="0" smtClean="0"/>
+                    </a:p>
+                    <a:p>
+                      <a:endParaRPr lang="ru-RU" dirty="0" smtClean="0"/>
+                    </a:p>
+                    <a:p>
+                      <a:endParaRPr lang="ru-RU" dirty="0" smtClean="0"/>
+                    </a:p>
+                    <a:p>
+                      <a:endParaRPr lang="ru-RU" dirty="0" smtClean="0"/>
+                    </a:p>
+                    <a:p>
+                      <a:pPr algn="ctr"/>
+                      <a:r>
+                        <a:rPr lang="ru-RU" dirty="0" err="1" smtClean="0">
+                          <a:solidFill>
+                            <a:schemeClr val="accent1"/>
+                          </a:solidFill>
+                        </a:rPr>
+                        <a:t>Микросервис</a:t>
+                      </a:r>
+                      <a:endParaRPr lang="ru-RU" dirty="0" smtClean="0">
+                        <a:solidFill>
+                          <a:schemeClr val="accent1"/>
+                        </a:solidFill>
+                      </a:endParaRPr>
+                    </a:p>
+                  </a:txBody>
+                  <a:tcPr>
+                    <a:lnL w="12700" cap="flat" cmpd="sng" algn="ctr">
+                      <a:noFill/>
+                      <a:prstDash val="solid"/>
+                      <a:round/>
+                      <a:headEnd type="none" w="med" len="med"/>
+                      <a:tailEnd type="none" w="med" len="med"/>
+                    </a:lnL>
+                    <a:lnR w="12700" cmpd="sng">
+                      <a:noFill/>
+                    </a:lnR>
+                    <a:lnT w="12700" cmpd="sng">
+                      <a:noFill/>
+                    </a:lnT>
+                    <a:lnB w="38100" cmpd="sng">
+                      <a:noFill/>
+                    </a:lnB>
+                    <a:lnTlToBr w="12700" cmpd="sng">
+                      <a:noFill/>
+                      <a:prstDash val="solid"/>
+                    </a:lnTlToBr>
+                    <a:lnBlToTr w="12700" cmpd="sng">
+                      <a:noFill/>
+                      <a:prstDash val="solid"/>
+                    </a:lnBlToTr>
+                    <a:solidFill>
+                      <a:schemeClr val="bg1"/>
+                    </a:solidFill>
+                  </a:tcPr>
+                </a:tc>
+                <a:extLst>
+                  <a:ext uri="{0D108BD9-81ED-4DB2-BD59-A6C34878D82A}">
+                    <a16:rowId xmlns:a16="http://schemas.microsoft.com/office/drawing/2014/main" val="4106997940"/>
+                  </a:ext>
+                </a:extLst>
+              </a:tr>
+              <a:tr h="1005667">
+                <a:tc>
+                  <a:txBody>
+                    <a:bodyPr/>
+                    <a:lstStyle/>
+                    <a:p>
+                      <a:pPr algn="ctr"/>
+                      <a:r>
+                        <a:rPr lang="ru-RU" sz="1800" kern="1200" dirty="0" smtClean="0">
+                          <a:solidFill>
+                            <a:schemeClr val="dk1"/>
+                          </a:solidFill>
+                          <a:effectLst/>
+                          <a:latin typeface="Times New Roman" panose="02020603050405020304" pitchFamily="18" charset="0"/>
+                          <a:ea typeface="+mn-ea"/>
+                          <a:cs typeface="Times New Roman" panose="02020603050405020304" pitchFamily="18" charset="0"/>
+                        </a:rPr>
+                        <a:t>Гибкость технологий</a:t>
+                      </a:r>
+                      <a:endParaRPr lang="ru-RU" sz="1800" dirty="0">
+                        <a:latin typeface="Times New Roman" panose="02020603050405020304" pitchFamily="18" charset="0"/>
+                        <a:cs typeface="Times New Roman" panose="02020603050405020304" pitchFamily="18" charset="0"/>
+                      </a:endParaRPr>
+                    </a:p>
+                  </a:txBody>
+                  <a:tcPr>
+                    <a:lnT w="12700" cap="flat" cmpd="sng" algn="ctr">
+                      <a:solidFill>
+                        <a:schemeClr val="tx1"/>
+                      </a:solidFill>
+                      <a:prstDash val="solid"/>
+                      <a:round/>
+                      <a:headEnd type="none" w="med" len="med"/>
+                      <a:tailEnd type="none" w="med" len="med"/>
+                    </a:lnT>
+                  </a:tcPr>
+                </a:tc>
+                <a:tc>
+                  <a:txBody>
+                    <a:bodyPr/>
+                    <a:lstStyle/>
+                    <a:p>
+                      <a:r>
+                        <a:rPr lang="ru-RU" sz="1800" kern="1200" dirty="0" smtClean="0">
+                          <a:solidFill>
+                            <a:schemeClr val="dk1"/>
+                          </a:solidFill>
+                          <a:effectLst/>
+                          <a:latin typeface="Times New Roman" panose="02020603050405020304" pitchFamily="18" charset="0"/>
+                          <a:ea typeface="+mn-ea"/>
+                          <a:cs typeface="Times New Roman" panose="02020603050405020304" pitchFamily="18" charset="0"/>
+                        </a:rPr>
+                        <a:t>Привязанность к технологии,</a:t>
+                      </a:r>
+                      <a:r>
+                        <a:rPr lang="ru-RU" sz="1800" kern="1200" baseline="0" dirty="0" smtClean="0">
+                          <a:solidFill>
+                            <a:schemeClr val="dk1"/>
+                          </a:solidFill>
+                          <a:effectLst/>
+                          <a:latin typeface="Times New Roman" panose="02020603050405020304" pitchFamily="18" charset="0"/>
+                          <a:ea typeface="+mn-ea"/>
+                          <a:cs typeface="Times New Roman" panose="02020603050405020304" pitchFamily="18" charset="0"/>
+                        </a:rPr>
+                        <a:t> тяжело заменить</a:t>
+                      </a:r>
+                      <a:endParaRPr lang="ru-RU" sz="1800" dirty="0">
+                        <a:latin typeface="Times New Roman" panose="02020603050405020304" pitchFamily="18" charset="0"/>
+                        <a:cs typeface="Times New Roman" panose="02020603050405020304" pitchFamily="18" charset="0"/>
+                      </a:endParaRPr>
+                    </a:p>
+                  </a:txBody>
+                  <a:tcPr>
+                    <a:lnT w="12700" cap="flat" cmpd="sng" algn="ctr">
+                      <a:noFill/>
+                      <a:prstDash val="solid"/>
+                      <a:round/>
+                      <a:headEnd type="none" w="med" len="med"/>
+                      <a:tailEnd type="none" w="med" len="med"/>
+                    </a:lnT>
+                  </a:tcPr>
+                </a:tc>
+                <a:tc>
+                  <a:txBody>
+                    <a:bodyPr/>
+                    <a:lstStyle/>
+                    <a:p>
+                      <a:r>
+                        <a:rPr lang="ru-RU" dirty="0" smtClean="0">
+                          <a:latin typeface="Times New Roman" panose="02020603050405020304" pitchFamily="18" charset="0"/>
+                          <a:cs typeface="Times New Roman" panose="02020603050405020304" pitchFamily="18" charset="0"/>
+                        </a:rPr>
+                        <a:t>Каждый</a:t>
+                      </a:r>
+                      <a:r>
+                        <a:rPr lang="ru-RU" baseline="0" dirty="0" smtClean="0">
+                          <a:latin typeface="Times New Roman" panose="02020603050405020304" pitchFamily="18" charset="0"/>
+                          <a:cs typeface="Times New Roman" panose="02020603050405020304" pitchFamily="18" charset="0"/>
+                        </a:rPr>
+                        <a:t> </a:t>
+                      </a:r>
+                      <a:r>
+                        <a:rPr lang="ru-RU" baseline="0" dirty="0" err="1" smtClean="0">
+                          <a:latin typeface="Times New Roman" panose="02020603050405020304" pitchFamily="18" charset="0"/>
+                          <a:cs typeface="Times New Roman" panose="02020603050405020304" pitchFamily="18" charset="0"/>
+                        </a:rPr>
+                        <a:t>микросервис</a:t>
+                      </a:r>
+                      <a:r>
+                        <a:rPr lang="ru-RU" baseline="0" dirty="0" smtClean="0">
+                          <a:latin typeface="Times New Roman" panose="02020603050405020304" pitchFamily="18" charset="0"/>
+                          <a:cs typeface="Times New Roman" panose="02020603050405020304" pitchFamily="18" charset="0"/>
+                        </a:rPr>
+                        <a:t> может быть реализован отличными технологиями</a:t>
+                      </a:r>
+                      <a:endParaRPr lang="ru-RU" dirty="0">
+                        <a:latin typeface="Times New Roman" panose="02020603050405020304" pitchFamily="18" charset="0"/>
+                        <a:cs typeface="Times New Roman" panose="02020603050405020304" pitchFamily="18" charset="0"/>
+                      </a:endParaRPr>
+                    </a:p>
+                  </a:txBody>
+                  <a:tcPr>
+                    <a:lnT w="38100" cmpd="sng">
+                      <a:noFill/>
+                    </a:lnT>
+                  </a:tcPr>
+                </a:tc>
+                <a:extLst>
+                  <a:ext uri="{0D108BD9-81ED-4DB2-BD59-A6C34878D82A}">
+                    <a16:rowId xmlns:a16="http://schemas.microsoft.com/office/drawing/2014/main" val="1664867705"/>
+                  </a:ext>
+                </a:extLst>
+              </a:tr>
+              <a:tr h="962886">
+                <a:tc>
+                  <a:txBody>
+                    <a:bodyPr/>
+                    <a:lstStyle/>
+                    <a:p>
+                      <a:pPr algn="ctr"/>
+                      <a:r>
+                        <a:rPr lang="ru-RU" sz="1800" kern="1200" dirty="0" smtClean="0">
+                          <a:solidFill>
+                            <a:schemeClr val="dk1"/>
+                          </a:solidFill>
+                          <a:effectLst/>
+                          <a:latin typeface="Times New Roman" panose="02020603050405020304" pitchFamily="18" charset="0"/>
+                          <a:ea typeface="+mn-ea"/>
+                          <a:cs typeface="Times New Roman" panose="02020603050405020304" pitchFamily="18" charset="0"/>
+                        </a:rPr>
+                        <a:t>Масштабируемость</a:t>
+                      </a:r>
+                      <a:endParaRPr lang="ru-RU" sz="1800" dirty="0">
+                        <a:latin typeface="Times New Roman" panose="02020603050405020304" pitchFamily="18" charset="0"/>
+                        <a:cs typeface="Times New Roman" panose="02020603050405020304" pitchFamily="18" charset="0"/>
+                      </a:endParaRPr>
+                    </a:p>
+                  </a:txBody>
+                  <a:tcPr/>
+                </a:tc>
+                <a:tc>
+                  <a:txBody>
+                    <a:bodyPr/>
+                    <a:lstStyle/>
+                    <a:p>
+                      <a:r>
+                        <a:rPr lang="ru-RU" dirty="0" smtClean="0"/>
+                        <a:t>Масштабируется</a:t>
+                      </a:r>
+                      <a:r>
+                        <a:rPr lang="ru-RU" baseline="0" dirty="0" smtClean="0"/>
+                        <a:t> целиком</a:t>
+                      </a:r>
+                    </a:p>
+                  </a:txBody>
+                  <a:tcPr/>
+                </a:tc>
+                <a:tc>
+                  <a:txBody>
+                    <a:bodyPr/>
+                    <a:lstStyle/>
+                    <a:p>
+                      <a:r>
+                        <a:rPr lang="ru-RU" dirty="0" smtClean="0"/>
+                        <a:t>Масштабируется</a:t>
+                      </a:r>
+                      <a:r>
+                        <a:rPr lang="ru-RU" baseline="0" dirty="0" smtClean="0"/>
+                        <a:t> на уровне конкретного сервиса</a:t>
+                      </a:r>
+                      <a:endParaRPr lang="ru-RU" dirty="0"/>
+                    </a:p>
+                  </a:txBody>
+                  <a:tcPr/>
+                </a:tc>
+                <a:extLst>
+                  <a:ext uri="{0D108BD9-81ED-4DB2-BD59-A6C34878D82A}">
+                    <a16:rowId xmlns:a16="http://schemas.microsoft.com/office/drawing/2014/main" val="289328492"/>
+                  </a:ext>
+                </a:extLst>
+              </a:tr>
+              <a:tr h="1326528">
+                <a:tc>
+                  <a:txBody>
+                    <a:bodyPr/>
+                    <a:lstStyle/>
+                    <a:p>
+                      <a:pPr algn="ctr"/>
+                      <a:r>
+                        <a:rPr lang="ru-RU" sz="1800" kern="1200" dirty="0" smtClean="0">
+                          <a:solidFill>
+                            <a:schemeClr val="dk1"/>
+                          </a:solidFill>
+                          <a:effectLst/>
+                          <a:latin typeface="Times New Roman" panose="02020603050405020304" pitchFamily="18" charset="0"/>
+                          <a:ea typeface="+mn-ea"/>
+                          <a:cs typeface="Times New Roman" panose="02020603050405020304" pitchFamily="18" charset="0"/>
+                        </a:rPr>
+                        <a:t>Тестирование</a:t>
+                      </a:r>
+                      <a:endParaRPr lang="ru-RU" dirty="0">
+                        <a:latin typeface="Times New Roman" panose="02020603050405020304" pitchFamily="18" charset="0"/>
+                        <a:cs typeface="Times New Roman" panose="02020603050405020304" pitchFamily="18" charset="0"/>
+                      </a:endParaRPr>
+                    </a:p>
+                  </a:txBody>
+                  <a:tcPr/>
+                </a:tc>
+                <a:tc>
+                  <a:txBody>
+                    <a:bodyPr/>
+                    <a:lstStyle/>
+                    <a:p>
+                      <a:r>
+                        <a:rPr lang="ru-RU" dirty="0" smtClean="0"/>
+                        <a:t>Количество</a:t>
+                      </a:r>
+                      <a:r>
+                        <a:rPr lang="ru-RU" baseline="0" dirty="0" smtClean="0"/>
+                        <a:t> тестов экспоненциально зависит от размера приложения, тестирование затруднено</a:t>
+                      </a:r>
+                      <a:endParaRPr lang="ru-RU" dirty="0"/>
+                    </a:p>
+                  </a:txBody>
+                  <a:tcPr/>
+                </a:tc>
+                <a:tc>
+                  <a:txBody>
+                    <a:bodyPr/>
+                    <a:lstStyle/>
+                    <a:p>
+                      <a:r>
+                        <a:rPr lang="ru-RU" dirty="0" smtClean="0"/>
+                        <a:t>Тестов требуется значительно меньше,</a:t>
+                      </a:r>
+                      <a:r>
+                        <a:rPr lang="ru-RU" baseline="0" dirty="0" smtClean="0"/>
+                        <a:t> дополнительно требуются </a:t>
+                      </a:r>
+                      <a:r>
+                        <a:rPr lang="ru-RU" baseline="0" dirty="0" err="1" smtClean="0"/>
+                        <a:t>межсервисные</a:t>
+                      </a:r>
+                      <a:r>
+                        <a:rPr lang="ru-RU" baseline="0" dirty="0" smtClean="0"/>
+                        <a:t> тесты</a:t>
+                      </a:r>
+                      <a:endParaRPr lang="ru-RU" dirty="0"/>
+                    </a:p>
+                  </a:txBody>
+                  <a:tcPr/>
+                </a:tc>
+                <a:extLst>
+                  <a:ext uri="{0D108BD9-81ED-4DB2-BD59-A6C34878D82A}">
+                    <a16:rowId xmlns:a16="http://schemas.microsoft.com/office/drawing/2014/main" val="3942513902"/>
+                  </a:ext>
+                </a:extLst>
+              </a:tr>
+              <a:tr h="1326528">
+                <a:tc>
+                  <a:txBody>
+                    <a:bodyPr/>
+                    <a:lstStyle/>
+                    <a:p>
+                      <a:pPr algn="ctr"/>
+                      <a:r>
+                        <a:rPr lang="ru-RU" sz="1800" kern="1200" dirty="0" smtClean="0">
+                          <a:solidFill>
+                            <a:schemeClr val="dk1"/>
+                          </a:solidFill>
+                          <a:effectLst/>
+                          <a:latin typeface="Times New Roman" panose="02020603050405020304" pitchFamily="18" charset="0"/>
+                          <a:ea typeface="+mn-ea"/>
+                          <a:cs typeface="Times New Roman" panose="02020603050405020304" pitchFamily="18" charset="0"/>
+                        </a:rPr>
+                        <a:t>Стоимость инфраструктуры</a:t>
+                      </a:r>
+                      <a:endParaRPr lang="ru-RU" dirty="0">
+                        <a:latin typeface="Times New Roman" panose="02020603050405020304" pitchFamily="18" charset="0"/>
+                        <a:cs typeface="Times New Roman" panose="02020603050405020304" pitchFamily="18" charset="0"/>
+                      </a:endParaRPr>
+                    </a:p>
+                  </a:txBody>
+                  <a:tcPr/>
+                </a:tc>
+                <a:tc>
+                  <a:txBody>
+                    <a:bodyPr/>
+                    <a:lstStyle/>
+                    <a:p>
+                      <a:r>
+                        <a:rPr lang="ru-RU" dirty="0" smtClean="0"/>
+                        <a:t>Экономичная за счёт использования общих ресурсов,</a:t>
+                      </a:r>
+                      <a:r>
+                        <a:rPr lang="ru-RU" baseline="0" dirty="0" smtClean="0"/>
+                        <a:t> </a:t>
+                      </a:r>
+                      <a:r>
+                        <a:rPr lang="ru-RU" baseline="0" dirty="0" err="1" smtClean="0"/>
+                        <a:t>репозиториев</a:t>
+                      </a:r>
+                      <a:r>
+                        <a:rPr lang="ru-RU" baseline="0" dirty="0" smtClean="0"/>
+                        <a:t>, технологий</a:t>
+                      </a:r>
+                      <a:endParaRPr lang="ru-RU" dirty="0"/>
+                    </a:p>
+                  </a:txBody>
+                  <a:tcPr/>
+                </a:tc>
+                <a:tc>
+                  <a:txBody>
+                    <a:bodyPr/>
+                    <a:lstStyle/>
+                    <a:p>
+                      <a:r>
+                        <a:rPr lang="ru-RU" dirty="0" smtClean="0"/>
+                        <a:t>Экспоненциальная,</a:t>
+                      </a:r>
+                      <a:r>
+                        <a:rPr lang="ru-RU" baseline="0" dirty="0" smtClean="0"/>
+                        <a:t> </a:t>
+                      </a:r>
+                      <a:r>
+                        <a:rPr lang="ru-RU" baseline="0" dirty="0" err="1" smtClean="0"/>
+                        <a:t>тк</a:t>
+                      </a:r>
+                      <a:r>
+                        <a:rPr lang="ru-RU" baseline="0" dirty="0" smtClean="0"/>
+                        <a:t> каждый сервис требует поддержку своих </a:t>
+                      </a:r>
+                      <a:r>
+                        <a:rPr lang="ru-RU" baseline="0" dirty="0" err="1" smtClean="0"/>
+                        <a:t>репозиториев</a:t>
+                      </a:r>
+                      <a:r>
+                        <a:rPr lang="ru-RU" baseline="0" dirty="0" smtClean="0"/>
+                        <a:t> и ресурсов</a:t>
+                      </a:r>
+                      <a:endParaRPr lang="ru-RU" dirty="0"/>
+                    </a:p>
+                  </a:txBody>
+                  <a:tcPr/>
+                </a:tc>
+                <a:extLst>
+                  <a:ext uri="{0D108BD9-81ED-4DB2-BD59-A6C34878D82A}">
+                    <a16:rowId xmlns:a16="http://schemas.microsoft.com/office/drawing/2014/main" val="2546567189"/>
+                  </a:ext>
+                </a:extLst>
+              </a:tr>
+            </a:tbl>
+          </a:graphicData>
+        </a:graphic>
+      </p:graphicFrame>
+      <p:pic>
+        <p:nvPicPr>
+          <p:cNvPr id="6" name="Рисунок 5"/>
+          <p:cNvPicPr>
+            <a:picLocks noChangeAspect="1"/>
+          </p:cNvPicPr>
+          <p:nvPr/>
+        </p:nvPicPr>
+        <p:blipFill>
+          <a:blip r:embed="rId2"/>
+          <a:stretch>
+            <a:fillRect/>
+          </a:stretch>
+        </p:blipFill>
+        <p:spPr>
+          <a:xfrm>
+            <a:off x="7929558" y="0"/>
+            <a:ext cx="1799371" cy="1696915"/>
+          </a:xfrm>
+          <a:prstGeom prst="rect">
+            <a:avLst/>
+          </a:prstGeom>
+        </p:spPr>
+      </p:pic>
+      <p:pic>
+        <p:nvPicPr>
+          <p:cNvPr id="5" name="Рисунок 4"/>
+          <p:cNvPicPr>
+            <a:picLocks noChangeAspect="1"/>
+          </p:cNvPicPr>
+          <p:nvPr/>
+        </p:nvPicPr>
+        <p:blipFill>
+          <a:blip r:embed="rId3"/>
+          <a:stretch>
+            <a:fillRect/>
+          </a:stretch>
+        </p:blipFill>
+        <p:spPr>
+          <a:xfrm>
+            <a:off x="5232309" y="0"/>
+            <a:ext cx="1769829" cy="1696915"/>
+          </a:xfrm>
+          <a:prstGeom prst="rect">
+            <a:avLst/>
+          </a:prstGeom>
+        </p:spPr>
+      </p:pic>
+      <p:sp>
+        <p:nvSpPr>
+          <p:cNvPr id="9" name="TextBox 8"/>
+          <p:cNvSpPr txBox="1"/>
+          <p:nvPr/>
+        </p:nvSpPr>
+        <p:spPr>
+          <a:xfrm>
+            <a:off x="2529617" y="67008"/>
+            <a:ext cx="2215661" cy="461665"/>
+          </a:xfrm>
+          <a:prstGeom prst="rect">
+            <a:avLst/>
+          </a:prstGeom>
+          <a:noFill/>
+        </p:spPr>
+        <p:txBody>
+          <a:bodyPr wrap="square" rtlCol="0">
+            <a:spAutoFit/>
+          </a:bodyPr>
+          <a:lstStyle/>
+          <a:p>
+            <a:r>
+              <a:rPr lang="ru-RU" sz="2400" dirty="0" smtClean="0">
+                <a:latin typeface="Times New Roman" panose="02020603050405020304" pitchFamily="18" charset="0"/>
+                <a:cs typeface="Times New Roman" panose="02020603050405020304" pitchFamily="18" charset="0"/>
+              </a:rPr>
+              <a:t>Архитектура</a:t>
+            </a:r>
+            <a:endParaRPr lang="ru-RU" sz="2400" dirty="0">
+              <a:latin typeface="Times New Roman" panose="02020603050405020304" pitchFamily="18" charset="0"/>
+              <a:cs typeface="Times New Roman" panose="02020603050405020304" pitchFamily="18" charset="0"/>
+            </a:endParaRPr>
+          </a:p>
+        </p:txBody>
+      </p:sp>
+      <p:sp>
+        <p:nvSpPr>
+          <p:cNvPr id="10" name="TextBox 9"/>
+          <p:cNvSpPr txBox="1"/>
+          <p:nvPr/>
+        </p:nvSpPr>
+        <p:spPr>
+          <a:xfrm>
+            <a:off x="1987061" y="1696915"/>
+            <a:ext cx="2317828" cy="461665"/>
+          </a:xfrm>
+          <a:prstGeom prst="rect">
+            <a:avLst/>
+          </a:prstGeom>
+          <a:noFill/>
+        </p:spPr>
+        <p:txBody>
+          <a:bodyPr wrap="square" rtlCol="0">
+            <a:spAutoFit/>
+          </a:bodyPr>
+          <a:lstStyle/>
+          <a:p>
+            <a:r>
+              <a:rPr lang="ru-RU" sz="2400" dirty="0" smtClean="0">
+                <a:latin typeface="Times New Roman" panose="02020603050405020304" pitchFamily="18" charset="0"/>
+                <a:cs typeface="Times New Roman" panose="02020603050405020304" pitchFamily="18" charset="0"/>
+              </a:rPr>
+              <a:t>Характеристика</a:t>
+            </a:r>
+            <a:endParaRPr lang="ru-RU" sz="2400" dirty="0">
+              <a:latin typeface="Times New Roman" panose="02020603050405020304" pitchFamily="18" charset="0"/>
+              <a:cs typeface="Times New Roman" panose="02020603050405020304" pitchFamily="18" charset="0"/>
+            </a:endParaRPr>
+          </a:p>
+        </p:txBody>
+      </p:sp>
+      <p:sp>
+        <p:nvSpPr>
+          <p:cNvPr id="11" name="Плюс 10"/>
+          <p:cNvSpPr/>
+          <p:nvPr/>
+        </p:nvSpPr>
+        <p:spPr>
+          <a:xfrm>
+            <a:off x="9738415" y="2259623"/>
+            <a:ext cx="548584" cy="518747"/>
+          </a:xfrm>
+          <a:prstGeom prst="mathPlus">
+            <a:avLst/>
+          </a:prstGeom>
+        </p:spPr>
+        <p:style>
+          <a:lnRef idx="2">
+            <a:schemeClr val="accent6">
+              <a:shade val="50000"/>
+            </a:schemeClr>
+          </a:lnRef>
+          <a:fillRef idx="1">
+            <a:schemeClr val="accent6"/>
+          </a:fillRef>
+          <a:effectRef idx="0">
+            <a:schemeClr val="accent6"/>
+          </a:effectRef>
+          <a:fontRef idx="minor">
+            <a:schemeClr val="lt1"/>
+          </a:fontRef>
+        </p:style>
+        <p:txBody>
+          <a:bodyPr rtlCol="0" anchor="ctr"/>
+          <a:lstStyle/>
+          <a:p>
+            <a:pPr algn="ctr"/>
+            <a:endParaRPr lang="ru-RU"/>
+          </a:p>
+        </p:txBody>
+      </p:sp>
+      <p:sp>
+        <p:nvSpPr>
+          <p:cNvPr id="12" name="Плюс 11"/>
+          <p:cNvSpPr/>
+          <p:nvPr/>
+        </p:nvSpPr>
+        <p:spPr>
+          <a:xfrm>
+            <a:off x="9738415" y="3429001"/>
+            <a:ext cx="548584" cy="518747"/>
+          </a:xfrm>
+          <a:prstGeom prst="mathPlus">
+            <a:avLst/>
+          </a:prstGeom>
+        </p:spPr>
+        <p:style>
+          <a:lnRef idx="2">
+            <a:schemeClr val="accent6">
+              <a:shade val="50000"/>
+            </a:schemeClr>
+          </a:lnRef>
+          <a:fillRef idx="1">
+            <a:schemeClr val="accent6"/>
+          </a:fillRef>
+          <a:effectRef idx="0">
+            <a:schemeClr val="accent6"/>
+          </a:effectRef>
+          <a:fontRef idx="minor">
+            <a:schemeClr val="lt1"/>
+          </a:fontRef>
+        </p:style>
+        <p:txBody>
+          <a:bodyPr rtlCol="0" anchor="ctr"/>
+          <a:lstStyle/>
+          <a:p>
+            <a:pPr algn="ctr"/>
+            <a:endParaRPr lang="ru-RU"/>
+          </a:p>
+        </p:txBody>
+      </p:sp>
+      <p:sp>
+        <p:nvSpPr>
+          <p:cNvPr id="13" name="Плюс 12"/>
+          <p:cNvSpPr/>
+          <p:nvPr/>
+        </p:nvSpPr>
+        <p:spPr>
+          <a:xfrm>
+            <a:off x="9738415" y="4193931"/>
+            <a:ext cx="548584" cy="518747"/>
+          </a:xfrm>
+          <a:prstGeom prst="mathPlus">
+            <a:avLst/>
+          </a:prstGeom>
+        </p:spPr>
+        <p:style>
+          <a:lnRef idx="2">
+            <a:schemeClr val="accent6">
+              <a:shade val="50000"/>
+            </a:schemeClr>
+          </a:lnRef>
+          <a:fillRef idx="1">
+            <a:schemeClr val="accent6"/>
+          </a:fillRef>
+          <a:effectRef idx="0">
+            <a:schemeClr val="accent6"/>
+          </a:effectRef>
+          <a:fontRef idx="minor">
+            <a:schemeClr val="lt1"/>
+          </a:fontRef>
+        </p:style>
+        <p:txBody>
+          <a:bodyPr rtlCol="0" anchor="ctr"/>
+          <a:lstStyle/>
+          <a:p>
+            <a:pPr algn="ctr"/>
+            <a:endParaRPr lang="ru-RU"/>
+          </a:p>
+        </p:txBody>
+      </p:sp>
+      <p:sp>
+        <p:nvSpPr>
+          <p:cNvPr id="14" name="Плюс 13"/>
+          <p:cNvSpPr/>
+          <p:nvPr/>
+        </p:nvSpPr>
+        <p:spPr>
+          <a:xfrm>
+            <a:off x="6893170" y="5521570"/>
+            <a:ext cx="548584" cy="518747"/>
+          </a:xfrm>
+          <a:prstGeom prst="mathPlus">
+            <a:avLst/>
+          </a:prstGeom>
+        </p:spPr>
+        <p:style>
+          <a:lnRef idx="2">
+            <a:schemeClr val="accent6">
+              <a:shade val="50000"/>
+            </a:schemeClr>
+          </a:lnRef>
+          <a:fillRef idx="1">
+            <a:schemeClr val="accent6"/>
+          </a:fillRef>
+          <a:effectRef idx="0">
+            <a:schemeClr val="accent6"/>
+          </a:effectRef>
+          <a:fontRef idx="minor">
+            <a:schemeClr val="lt1"/>
+          </a:fontRef>
+        </p:style>
+        <p:txBody>
+          <a:bodyPr rtlCol="0" anchor="ctr"/>
+          <a:lstStyle/>
+          <a:p>
+            <a:pPr algn="ctr"/>
+            <a:endParaRPr lang="ru-RU"/>
+          </a:p>
+        </p:txBody>
+      </p:sp>
+      <p:pic>
+        <p:nvPicPr>
+          <p:cNvPr id="15" name="Picture 2" descr="Ярославский государственный университет — Википедия"/>
+          <p:cNvPicPr>
+            <a:picLocks noChangeAspect="1" noChangeArrowheads="1"/>
+          </p:cNvPicPr>
+          <p:nvPr/>
+        </p:nvPicPr>
+        <p:blipFill>
+          <a:blip r:embed="rId4">
+            <a:extLst>
+              <a:ext uri="{28A0092B-C50C-407E-A947-70E740481C1C}">
+                <a14:useLocalDpi xmlns:a14="http://schemas.microsoft.com/office/drawing/2010/main" val="0"/>
+              </a:ext>
+            </a:extLst>
+          </a:blip>
+          <a:srcRect/>
+          <a:stretch>
+            <a:fillRect/>
+          </a:stretch>
+        </p:blipFill>
+        <p:spPr bwMode="auto">
+          <a:xfrm>
+            <a:off x="0" y="5477607"/>
+            <a:ext cx="1380392" cy="1380393"/>
+          </a:xfrm>
+          <a:prstGeom prst="rect">
+            <a:avLst/>
+          </a:prstGeom>
+          <a:noFill/>
+          <a:extLst>
+            <a:ext uri="{909E8E84-426E-40DD-AFC4-6F175D3DCCD1}">
+              <a14:hiddenFill xmlns:a14="http://schemas.microsoft.com/office/drawing/2010/main">
+                <a:solidFill>
+                  <a:srgbClr val="FFFFFF"/>
+                </a:solidFill>
+              </a14:hiddenFill>
+            </a:ext>
+          </a:extLst>
+        </p:spPr>
+      </p:pic>
+    </p:spTree>
+    <p:extLst>
+      <p:ext uri="{BB962C8B-B14F-4D97-AF65-F5344CB8AC3E}">
+        <p14:creationId xmlns:p14="http://schemas.microsoft.com/office/powerpoint/2010/main" val="1534224242"/>
+      </p:ext>
+    </p:extLst>
+  </p:cSld>
+  <p:clrMapOvr>
+    <a:masterClrMapping/>
+  </p:clrMapOvr>
+  <p:timing>
+    <p:tnLst>
+      <p:par>
+        <p:cTn id="1" dur="indefinite" restart="never" nodeType="tmRoot"/>
+      </p:par>
+    </p:tnLst>
+  </p:timing>
+</p:sld>
+</file>
+
+<file path=ppt/slides/slide11.xml><?xml version="1.0" encoding="utf-8"?>
+<p:sld xmlns:a="http://schemas.openxmlformats.org/drawingml/2006/main" xmlns:r="http://schemas.openxmlformats.org/officeDocument/2006/relationships" xmlns:p="http://schemas.openxmlformats.org/presentationml/2006/main">
+  <p:cSld>
+    <p:spTree>
+      <p:nvGrpSpPr>
+        <p:cNvPr id="1" name=""/>
+        <p:cNvGrpSpPr/>
+        <p:nvPr/>
+      </p:nvGrpSpPr>
+      <p:grpSpPr>
+        <a:xfrm>
+          <a:off x="0" y="0"/>
+          <a:ext cx="0" cy="0"/>
+          <a:chOff x="0" y="0"/>
+          <a:chExt cx="0" cy="0"/>
+        </a:xfrm>
+      </p:grpSpPr>
+      <p:graphicFrame>
+        <p:nvGraphicFramePr>
+          <p:cNvPr id="8" name="Объект 7"/>
+          <p:cNvGraphicFramePr>
+            <a:graphicFrameLocks noGrp="1"/>
+          </p:cNvGraphicFramePr>
+          <p:nvPr>
+            <p:ph idx="1"/>
+            <p:extLst>
+              <p:ext uri="{D42A27DB-BD31-4B8C-83A1-F6EECF244321}">
+                <p14:modId xmlns:p14="http://schemas.microsoft.com/office/powerpoint/2010/main" val="3708118332"/>
+              </p:ext>
+            </p:extLst>
+          </p:nvPr>
+        </p:nvGraphicFramePr>
+        <p:xfrm>
+          <a:off x="1846385" y="60621"/>
+          <a:ext cx="8440614" cy="6687916"/>
+        </p:xfrm>
+        <a:graphic>
+          <a:graphicData uri="http://schemas.openxmlformats.org/drawingml/2006/table">
+            <a:tbl>
+              <a:tblPr firstRow="1" bandRow="1">
+                <a:tableStyleId>{5C22544A-7EE6-4342-B048-85BDC9FD1C3A}</a:tableStyleId>
+              </a:tblPr>
+              <a:tblGrid>
+                <a:gridCol w="2813538">
+                  <a:extLst>
+                    <a:ext uri="{9D8B030D-6E8A-4147-A177-3AD203B41FA5}">
+                      <a16:colId xmlns:a16="http://schemas.microsoft.com/office/drawing/2014/main" val="1587320423"/>
+                    </a:ext>
+                  </a:extLst>
+                </a:gridCol>
+                <a:gridCol w="2813538">
+                  <a:extLst>
+                    <a:ext uri="{9D8B030D-6E8A-4147-A177-3AD203B41FA5}">
+                      <a16:colId xmlns:a16="http://schemas.microsoft.com/office/drawing/2014/main" val="2061861311"/>
+                    </a:ext>
+                  </a:extLst>
+                </a:gridCol>
+                <a:gridCol w="2813538">
+                  <a:extLst>
+                    <a:ext uri="{9D8B030D-6E8A-4147-A177-3AD203B41FA5}">
+                      <a16:colId xmlns:a16="http://schemas.microsoft.com/office/drawing/2014/main" val="846550858"/>
+                    </a:ext>
+                  </a:extLst>
+                </a:gridCol>
+              </a:tblGrid>
+              <a:tr h="2155041">
+                <a:tc>
+                  <a:txBody>
+                    <a:bodyPr/>
+                    <a:lstStyle/>
+                    <a:p>
+                      <a:endParaRPr lang="ru-RU" dirty="0"/>
+                    </a:p>
+                  </a:txBody>
+                  <a:tcPr>
+                    <a:lnL w="12700" cap="flat" cmpd="sng" algn="ctr">
+                      <a:solidFill>
+                        <a:schemeClr val="tx1"/>
+                      </a:solidFill>
+                      <a:prstDash val="solid"/>
+                      <a:round/>
+                      <a:headEnd type="none" w="med" len="med"/>
+                      <a:tailEnd type="none" w="med" len="med"/>
+                    </a:lnL>
+                    <a:lnR w="12700" cap="flat" cmpd="sng" algn="ctr">
+                      <a:solidFill>
+                        <a:schemeClr val="tx1"/>
+                      </a:solidFill>
+                      <a:prstDash val="solid"/>
+                      <a:round/>
+                      <a:headEnd type="none" w="med" len="med"/>
+                      <a:tailEnd type="none" w="med" len="med"/>
+                    </a:lnR>
+                    <a:lnT w="12700" cap="flat" cmpd="sng" algn="ctr">
+                      <a:noFill/>
+                      <a:prstDash val="solid"/>
+                      <a:round/>
+                      <a:headEnd type="none" w="med" len="med"/>
+                      <a:tailEnd type="none" w="med" len="med"/>
+                    </a:lnT>
+                    <a:lnB w="12700" cap="flat" cmpd="sng" algn="ctr">
+                      <a:solidFill>
+                        <a:schemeClr val="tx1"/>
+                      </a:solidFill>
+                      <a:prstDash val="solid"/>
+                      <a:round/>
+                      <a:headEnd type="none" w="med" len="med"/>
+                      <a:tailEnd type="none" w="med" len="med"/>
+                    </a:lnB>
+                    <a:lnTlToBr w="12700" cap="flat" cmpd="sng" algn="ctr">
+                      <a:solidFill>
+                        <a:schemeClr val="tx1"/>
+                      </a:solidFill>
+                      <a:prstDash val="solid"/>
+                      <a:round/>
+                      <a:headEnd type="none" w="med" len="med"/>
+                      <a:tailEnd type="none" w="med" len="med"/>
+                    </a:lnTlToBr>
+                    <a:lnBlToTr w="12700" cmpd="sng">
+                      <a:noFill/>
+                      <a:prstDash val="solid"/>
+                    </a:lnBlToTr>
+                    <a:solidFill>
+                      <a:schemeClr val="bg1"/>
+                    </a:solidFill>
+                  </a:tcPr>
+                </a:tc>
+                <a:tc>
+                  <a:txBody>
+                    <a:bodyPr/>
+                    <a:lstStyle/>
+                    <a:p>
+                      <a:endParaRPr lang="ru-RU" dirty="0" smtClean="0">
+                        <a:solidFill>
+                          <a:schemeClr val="accent1"/>
+                        </a:solidFill>
+                      </a:endParaRPr>
+                    </a:p>
+                    <a:p>
+                      <a:endParaRPr lang="ru-RU" dirty="0" smtClean="0">
+                        <a:solidFill>
+                          <a:schemeClr val="accent1"/>
+                        </a:solidFill>
+                      </a:endParaRPr>
+                    </a:p>
+                    <a:p>
+                      <a:endParaRPr lang="ru-RU" dirty="0" smtClean="0">
+                        <a:solidFill>
+                          <a:schemeClr val="accent1"/>
+                        </a:solidFill>
+                      </a:endParaRPr>
+                    </a:p>
+                    <a:p>
+                      <a:endParaRPr lang="ru-RU" dirty="0" smtClean="0">
+                        <a:solidFill>
+                          <a:schemeClr val="accent1"/>
+                        </a:solidFill>
+                      </a:endParaRPr>
+                    </a:p>
+                    <a:p>
+                      <a:endParaRPr lang="ru-RU" dirty="0" smtClean="0">
+                        <a:solidFill>
+                          <a:schemeClr val="accent1"/>
+                        </a:solidFill>
+                      </a:endParaRPr>
+                    </a:p>
+                    <a:p>
+                      <a:endParaRPr lang="ru-RU" dirty="0" smtClean="0">
+                        <a:solidFill>
+                          <a:schemeClr val="accent1"/>
+                        </a:solidFill>
+                      </a:endParaRPr>
+                    </a:p>
+                    <a:p>
+                      <a:pPr algn="ctr"/>
+                      <a:r>
+                        <a:rPr lang="ru-RU" dirty="0" smtClean="0">
+                          <a:solidFill>
+                            <a:schemeClr val="accent1"/>
+                          </a:solidFill>
+                        </a:rPr>
+                        <a:t>Монолит</a:t>
+                      </a:r>
+                      <a:endParaRPr lang="ru-RU" dirty="0">
+                        <a:solidFill>
+                          <a:schemeClr val="accent1"/>
+                        </a:solidFill>
+                      </a:endParaRPr>
+                    </a:p>
+                  </a:txBody>
+                  <a:tcPr>
+                    <a:lnL w="12700" cap="flat" cmpd="sng" algn="ctr">
+                      <a:solidFill>
+                        <a:schemeClr val="tx1"/>
+                      </a:solidFill>
+                      <a:prstDash val="solid"/>
+                      <a:round/>
+                      <a:headEnd type="none" w="med" len="med"/>
+                      <a:tailEnd type="none" w="med" len="med"/>
+                    </a:lnL>
+                    <a:lnR w="12700" cap="flat" cmpd="sng" algn="ctr">
+                      <a:noFill/>
+                      <a:prstDash val="solid"/>
+                      <a:round/>
+                      <a:headEnd type="none" w="med" len="med"/>
+                      <a:tailEnd type="none" w="med" len="med"/>
+                    </a:lnR>
+                    <a:lnT w="12700" cap="flat" cmpd="sng" algn="ctr">
+                      <a:noFill/>
+                      <a:prstDash val="solid"/>
+                      <a:round/>
+                      <a:headEnd type="none" w="med" len="med"/>
+                      <a:tailEnd type="none" w="med" len="med"/>
+                    </a:lnT>
+                    <a:lnB w="12700" cap="flat" cmpd="sng" algn="ctr">
+                      <a:noFill/>
+                      <a:prstDash val="solid"/>
+                      <a:round/>
+                      <a:headEnd type="none" w="med" len="med"/>
+                      <a:tailEnd type="none" w="med" len="med"/>
+                    </a:lnB>
+                    <a:lnTlToBr w="12700" cmpd="sng">
+                      <a:noFill/>
+                      <a:prstDash val="solid"/>
+                    </a:lnTlToBr>
+                    <a:lnBlToTr w="12700" cmpd="sng">
+                      <a:noFill/>
+                      <a:prstDash val="solid"/>
+                    </a:lnBlToTr>
+                    <a:solidFill>
+                      <a:schemeClr val="bg1"/>
+                    </a:solidFill>
+                  </a:tcPr>
+                </a:tc>
+                <a:tc>
+                  <a:txBody>
+                    <a:bodyPr/>
+                    <a:lstStyle/>
+                    <a:p>
+                      <a:endParaRPr lang="ru-RU" dirty="0" smtClean="0"/>
+                    </a:p>
+                    <a:p>
+                      <a:endParaRPr lang="ru-RU" dirty="0" smtClean="0"/>
+                    </a:p>
+                    <a:p>
+                      <a:endParaRPr lang="ru-RU" dirty="0" smtClean="0"/>
+                    </a:p>
+                    <a:p>
+                      <a:endParaRPr lang="ru-RU" dirty="0" smtClean="0"/>
+                    </a:p>
+                    <a:p>
+                      <a:endParaRPr lang="ru-RU" dirty="0" smtClean="0"/>
+                    </a:p>
+                    <a:p>
+                      <a:endParaRPr lang="ru-RU" dirty="0" smtClean="0"/>
+                    </a:p>
+                    <a:p>
+                      <a:pPr algn="ctr"/>
+                      <a:r>
+                        <a:rPr lang="ru-RU" dirty="0" err="1" smtClean="0">
+                          <a:solidFill>
+                            <a:schemeClr val="accent1"/>
+                          </a:solidFill>
+                        </a:rPr>
+                        <a:t>Микросервис</a:t>
+                      </a:r>
+                      <a:endParaRPr lang="ru-RU" dirty="0" smtClean="0">
+                        <a:solidFill>
+                          <a:schemeClr val="accent1"/>
+                        </a:solidFill>
+                      </a:endParaRPr>
+                    </a:p>
+                  </a:txBody>
+                  <a:tcPr>
+                    <a:lnL w="12700" cap="flat" cmpd="sng" algn="ctr">
+                      <a:noFill/>
+                      <a:prstDash val="solid"/>
+                      <a:round/>
+                      <a:headEnd type="none" w="med" len="med"/>
+                      <a:tailEnd type="none" w="med" len="med"/>
+                    </a:lnL>
+                    <a:lnR w="12700" cmpd="sng">
+                      <a:noFill/>
+                    </a:lnR>
+                    <a:lnT w="12700" cmpd="sng">
+                      <a:noFill/>
+                    </a:lnT>
+                    <a:lnB w="38100" cmpd="sng">
+                      <a:noFill/>
+                    </a:lnB>
+                    <a:lnTlToBr w="12700" cmpd="sng">
+                      <a:noFill/>
+                      <a:prstDash val="solid"/>
+                    </a:lnTlToBr>
+                    <a:lnBlToTr w="12700" cmpd="sng">
+                      <a:noFill/>
+                      <a:prstDash val="solid"/>
+                    </a:lnBlToTr>
+                    <a:solidFill>
+                      <a:schemeClr val="bg1"/>
+                    </a:solidFill>
+                  </a:tcPr>
+                </a:tc>
+                <a:extLst>
+                  <a:ext uri="{0D108BD9-81ED-4DB2-BD59-A6C34878D82A}">
+                    <a16:rowId xmlns:a16="http://schemas.microsoft.com/office/drawing/2014/main" val="4106997940"/>
+                  </a:ext>
+                </a:extLst>
+              </a:tr>
+              <a:tr h="1079257">
+                <a:tc>
+                  <a:txBody>
+                    <a:bodyPr/>
+                    <a:lstStyle/>
+                    <a:p>
+                      <a:pPr algn="ctr"/>
+                      <a:r>
+                        <a:rPr lang="ru-RU" sz="1800" kern="1200" dirty="0" smtClean="0">
+                          <a:solidFill>
+                            <a:schemeClr val="dk1"/>
+                          </a:solidFill>
+                          <a:effectLst/>
+                          <a:latin typeface="+mn-lt"/>
+                          <a:ea typeface="+mn-ea"/>
+                          <a:cs typeface="+mn-cs"/>
+                        </a:rPr>
+                        <a:t>Безопасность</a:t>
+                      </a:r>
+                      <a:endParaRPr lang="ru-RU" sz="1800" dirty="0">
+                        <a:latin typeface="Times New Roman" panose="02020603050405020304" pitchFamily="18" charset="0"/>
+                        <a:cs typeface="Times New Roman" panose="02020603050405020304" pitchFamily="18" charset="0"/>
+                      </a:endParaRPr>
+                    </a:p>
+                  </a:txBody>
+                  <a:tcPr>
+                    <a:lnT w="12700" cap="flat" cmpd="sng" algn="ctr">
+                      <a:solidFill>
+                        <a:schemeClr val="tx1"/>
+                      </a:solidFill>
+                      <a:prstDash val="solid"/>
+                      <a:round/>
+                      <a:headEnd type="none" w="med" len="med"/>
+                      <a:tailEnd type="none" w="med" len="med"/>
+                    </a:lnT>
+                  </a:tcPr>
+                </a:tc>
+                <a:tc>
+                  <a:txBody>
+                    <a:bodyPr/>
+                    <a:lstStyle/>
+                    <a:p>
+                      <a:r>
+                        <a:rPr lang="ru-RU" sz="1800" kern="1200" dirty="0" smtClean="0">
+                          <a:solidFill>
+                            <a:schemeClr val="dk1"/>
+                          </a:solidFill>
+                          <a:effectLst/>
+                          <a:latin typeface="Times New Roman" panose="02020603050405020304" pitchFamily="18" charset="0"/>
+                          <a:ea typeface="+mn-ea"/>
+                          <a:cs typeface="Times New Roman" panose="02020603050405020304" pitchFamily="18" charset="0"/>
+                        </a:rPr>
+                        <a:t>Практически</a:t>
+                      </a:r>
+                      <a:r>
+                        <a:rPr lang="ru-RU" sz="1800" kern="1200" baseline="0" dirty="0" smtClean="0">
+                          <a:solidFill>
+                            <a:schemeClr val="dk1"/>
+                          </a:solidFill>
+                          <a:effectLst/>
+                          <a:latin typeface="Times New Roman" panose="02020603050405020304" pitchFamily="18" charset="0"/>
+                          <a:ea typeface="+mn-ea"/>
+                          <a:cs typeface="Times New Roman" panose="02020603050405020304" pitchFamily="18" charset="0"/>
+                        </a:rPr>
+                        <a:t> недостижима</a:t>
+                      </a:r>
+                      <a:endParaRPr lang="ru-RU" sz="1800" dirty="0">
+                        <a:latin typeface="Times New Roman" panose="02020603050405020304" pitchFamily="18" charset="0"/>
+                        <a:cs typeface="Times New Roman" panose="02020603050405020304" pitchFamily="18" charset="0"/>
+                      </a:endParaRPr>
+                    </a:p>
+                  </a:txBody>
+                  <a:tcPr>
+                    <a:lnT w="12700" cap="flat" cmpd="sng" algn="ctr">
+                      <a:noFill/>
+                      <a:prstDash val="solid"/>
+                      <a:round/>
+                      <a:headEnd type="none" w="med" len="med"/>
+                      <a:tailEnd type="none" w="med" len="med"/>
+                    </a:lnT>
+                  </a:tcPr>
+                </a:tc>
+                <a:tc>
+                  <a:txBody>
+                    <a:bodyPr/>
+                    <a:lstStyle/>
+                    <a:p>
+                      <a:r>
+                        <a:rPr lang="ru-RU" dirty="0" smtClean="0">
+                          <a:latin typeface="Times New Roman" panose="02020603050405020304" pitchFamily="18" charset="0"/>
+                          <a:cs typeface="Times New Roman" panose="02020603050405020304" pitchFamily="18" charset="0"/>
+                        </a:rPr>
+                        <a:t>Реализуема</a:t>
+                      </a:r>
+                      <a:r>
+                        <a:rPr lang="ru-RU" baseline="0" dirty="0" smtClean="0">
+                          <a:latin typeface="Times New Roman" panose="02020603050405020304" pitchFamily="18" charset="0"/>
+                          <a:cs typeface="Times New Roman" panose="02020603050405020304" pitchFamily="18" charset="0"/>
+                        </a:rPr>
+                        <a:t> за счёт разделения ответственностей</a:t>
+                      </a:r>
+                      <a:endParaRPr lang="ru-RU" dirty="0">
+                        <a:latin typeface="Times New Roman" panose="02020603050405020304" pitchFamily="18" charset="0"/>
+                        <a:cs typeface="Times New Roman" panose="02020603050405020304" pitchFamily="18" charset="0"/>
+                      </a:endParaRPr>
+                    </a:p>
+                  </a:txBody>
+                  <a:tcPr>
+                    <a:lnT w="38100" cmpd="sng">
+                      <a:noFill/>
+                    </a:lnT>
+                  </a:tcPr>
+                </a:tc>
+                <a:extLst>
+                  <a:ext uri="{0D108BD9-81ED-4DB2-BD59-A6C34878D82A}">
+                    <a16:rowId xmlns:a16="http://schemas.microsoft.com/office/drawing/2014/main" val="1664867705"/>
+                  </a:ext>
+                </a:extLst>
+              </a:tr>
+              <a:tr h="1403032">
+                <a:tc>
+                  <a:txBody>
+                    <a:bodyPr/>
+                    <a:lstStyle/>
+                    <a:p>
+                      <a:pPr algn="ctr"/>
+                      <a:r>
+                        <a:rPr lang="ru-RU" sz="1800" kern="1200" dirty="0" smtClean="0">
+                          <a:solidFill>
+                            <a:schemeClr val="dk1"/>
+                          </a:solidFill>
+                          <a:effectLst/>
+                          <a:latin typeface="Times New Roman" panose="02020603050405020304" pitchFamily="18" charset="0"/>
+                          <a:ea typeface="+mn-ea"/>
+                          <a:cs typeface="Times New Roman" panose="02020603050405020304" pitchFamily="18" charset="0"/>
+                        </a:rPr>
+                        <a:t>Надёжность</a:t>
+                      </a:r>
+                      <a:endParaRPr lang="ru-RU" sz="1800" dirty="0">
+                        <a:latin typeface="Times New Roman" panose="02020603050405020304" pitchFamily="18" charset="0"/>
+                        <a:cs typeface="Times New Roman" panose="02020603050405020304" pitchFamily="18" charset="0"/>
+                      </a:endParaRPr>
+                    </a:p>
+                  </a:txBody>
+                  <a:tcPr/>
+                </a:tc>
+                <a:tc>
+                  <a:txBody>
+                    <a:bodyPr/>
+                    <a:lstStyle/>
+                    <a:p>
+                      <a:r>
+                        <a:rPr lang="ru-RU" baseline="0" dirty="0" smtClean="0">
+                          <a:latin typeface="Times New Roman" panose="02020603050405020304" pitchFamily="18" charset="0"/>
+                          <a:cs typeface="Times New Roman" panose="02020603050405020304" pitchFamily="18" charset="0"/>
+                        </a:rPr>
+                        <a:t>Низкая. В случае проблем с каким-то компонентом, система может «упасть»</a:t>
+                      </a:r>
+                    </a:p>
+                  </a:txBody>
+                  <a:tcPr/>
+                </a:tc>
+                <a:tc>
+                  <a:txBody>
+                    <a:bodyPr/>
+                    <a:lstStyle/>
+                    <a:p>
+                      <a:r>
+                        <a:rPr lang="ru-RU" dirty="0" smtClean="0">
+                          <a:latin typeface="Times New Roman" panose="02020603050405020304" pitchFamily="18" charset="0"/>
+                          <a:cs typeface="Times New Roman" panose="02020603050405020304" pitchFamily="18" charset="0"/>
+                        </a:rPr>
+                        <a:t>Высокая. Проблемы одного сервиса не затрагивают</a:t>
+                      </a:r>
+                      <a:r>
+                        <a:rPr lang="ru-RU" baseline="0" dirty="0" smtClean="0">
+                          <a:latin typeface="Times New Roman" panose="02020603050405020304" pitchFamily="18" charset="0"/>
+                          <a:cs typeface="Times New Roman" panose="02020603050405020304" pitchFamily="18" charset="0"/>
+                        </a:rPr>
+                        <a:t> другие сервисы</a:t>
+                      </a:r>
+                      <a:endParaRPr lang="ru-RU" dirty="0">
+                        <a:latin typeface="Times New Roman" panose="02020603050405020304" pitchFamily="18" charset="0"/>
+                        <a:cs typeface="Times New Roman" panose="02020603050405020304" pitchFamily="18" charset="0"/>
+                      </a:endParaRPr>
+                    </a:p>
+                  </a:txBody>
+                  <a:tcPr/>
+                </a:tc>
+                <a:extLst>
+                  <a:ext uri="{0D108BD9-81ED-4DB2-BD59-A6C34878D82A}">
+                    <a16:rowId xmlns:a16="http://schemas.microsoft.com/office/drawing/2014/main" val="289328492"/>
+                  </a:ext>
+                </a:extLst>
+              </a:tr>
+              <a:tr h="2050586">
+                <a:tc>
+                  <a:txBody>
+                    <a:bodyPr/>
+                    <a:lstStyle/>
+                    <a:p>
+                      <a:pPr algn="ctr"/>
+                      <a:r>
+                        <a:rPr lang="ru-RU" sz="1800" kern="1200" dirty="0" smtClean="0">
+                          <a:solidFill>
+                            <a:schemeClr val="dk1"/>
+                          </a:solidFill>
+                          <a:effectLst/>
+                          <a:latin typeface="Times New Roman" panose="02020603050405020304" pitchFamily="18" charset="0"/>
+                          <a:ea typeface="+mn-ea"/>
+                          <a:cs typeface="Times New Roman" panose="02020603050405020304" pitchFamily="18" charset="0"/>
+                        </a:rPr>
+                        <a:t>Управление и коммуникация</a:t>
+                      </a:r>
+                      <a:endParaRPr lang="ru-RU" dirty="0">
+                        <a:latin typeface="Times New Roman" panose="02020603050405020304" pitchFamily="18" charset="0"/>
+                        <a:cs typeface="Times New Roman" panose="02020603050405020304" pitchFamily="18" charset="0"/>
+                      </a:endParaRPr>
+                    </a:p>
+                  </a:txBody>
+                  <a:tcPr/>
+                </a:tc>
+                <a:tc>
+                  <a:txBody>
+                    <a:bodyPr/>
+                    <a:lstStyle/>
+                    <a:p>
+                      <a:r>
+                        <a:rPr lang="ru-RU" dirty="0" smtClean="0"/>
+                        <a:t>Сложная</a:t>
+                      </a:r>
+                      <a:r>
+                        <a:rPr lang="ru-RU" baseline="0" dirty="0" smtClean="0"/>
+                        <a:t> иерархическая структура. Требуется большая команда. Коммуникация затруднена</a:t>
+                      </a:r>
+                      <a:endParaRPr lang="ru-RU" dirty="0"/>
+                    </a:p>
+                  </a:txBody>
+                  <a:tcPr/>
+                </a:tc>
+                <a:tc>
+                  <a:txBody>
+                    <a:bodyPr/>
+                    <a:lstStyle/>
+                    <a:p>
+                      <a:r>
+                        <a:rPr lang="ru-RU" dirty="0" smtClean="0"/>
+                        <a:t>Каждый</a:t>
+                      </a:r>
+                      <a:r>
+                        <a:rPr lang="ru-RU" baseline="0" dirty="0" smtClean="0"/>
+                        <a:t> </a:t>
+                      </a:r>
+                      <a:r>
+                        <a:rPr lang="ru-RU" baseline="0" dirty="0" err="1" smtClean="0"/>
+                        <a:t>микросервис</a:t>
+                      </a:r>
+                      <a:r>
+                        <a:rPr lang="ru-RU" baseline="0" dirty="0" smtClean="0"/>
+                        <a:t> имеет свою команду, подход к разработке - гибкий. Коммуникация между командами необязательна.</a:t>
+                      </a:r>
+                      <a:endParaRPr lang="ru-RU" dirty="0"/>
+                    </a:p>
+                  </a:txBody>
+                  <a:tcPr/>
+                </a:tc>
+                <a:extLst>
+                  <a:ext uri="{0D108BD9-81ED-4DB2-BD59-A6C34878D82A}">
+                    <a16:rowId xmlns:a16="http://schemas.microsoft.com/office/drawing/2014/main" val="3942513902"/>
+                  </a:ext>
+                </a:extLst>
+              </a:tr>
+            </a:tbl>
+          </a:graphicData>
+        </a:graphic>
+      </p:graphicFrame>
+      <p:pic>
+        <p:nvPicPr>
+          <p:cNvPr id="6" name="Рисунок 5"/>
+          <p:cNvPicPr>
+            <a:picLocks noChangeAspect="1"/>
+          </p:cNvPicPr>
+          <p:nvPr/>
+        </p:nvPicPr>
+        <p:blipFill>
+          <a:blip r:embed="rId2"/>
+          <a:stretch>
+            <a:fillRect/>
+          </a:stretch>
+        </p:blipFill>
+        <p:spPr>
+          <a:xfrm>
+            <a:off x="7921154" y="-49238"/>
+            <a:ext cx="1799371" cy="1696915"/>
+          </a:xfrm>
+          <a:prstGeom prst="rect">
+            <a:avLst/>
+          </a:prstGeom>
+        </p:spPr>
+      </p:pic>
+      <p:pic>
+        <p:nvPicPr>
+          <p:cNvPr id="5" name="Рисунок 4"/>
+          <p:cNvPicPr>
+            <a:picLocks noChangeAspect="1"/>
+          </p:cNvPicPr>
+          <p:nvPr/>
+        </p:nvPicPr>
+        <p:blipFill>
+          <a:blip r:embed="rId3"/>
+          <a:stretch>
+            <a:fillRect/>
+          </a:stretch>
+        </p:blipFill>
+        <p:spPr>
+          <a:xfrm>
+            <a:off x="5228107" y="-63605"/>
+            <a:ext cx="1769829" cy="1696915"/>
+          </a:xfrm>
+          <a:prstGeom prst="rect">
+            <a:avLst/>
+          </a:prstGeom>
+        </p:spPr>
+      </p:pic>
+      <p:sp>
+        <p:nvSpPr>
+          <p:cNvPr id="9" name="TextBox 8"/>
+          <p:cNvSpPr txBox="1"/>
+          <p:nvPr/>
+        </p:nvSpPr>
+        <p:spPr>
+          <a:xfrm>
+            <a:off x="2529617" y="67008"/>
+            <a:ext cx="2215661" cy="461665"/>
+          </a:xfrm>
+          <a:prstGeom prst="rect">
+            <a:avLst/>
+          </a:prstGeom>
+          <a:noFill/>
+        </p:spPr>
+        <p:txBody>
+          <a:bodyPr wrap="square" rtlCol="0">
+            <a:spAutoFit/>
+          </a:bodyPr>
+          <a:lstStyle/>
+          <a:p>
+            <a:r>
+              <a:rPr lang="ru-RU" sz="2400" dirty="0" smtClean="0">
+                <a:latin typeface="Times New Roman" panose="02020603050405020304" pitchFamily="18" charset="0"/>
+                <a:cs typeface="Times New Roman" panose="02020603050405020304" pitchFamily="18" charset="0"/>
+              </a:rPr>
+              <a:t>Архитектура</a:t>
+            </a:r>
+            <a:endParaRPr lang="ru-RU" sz="2400" dirty="0">
+              <a:latin typeface="Times New Roman" panose="02020603050405020304" pitchFamily="18" charset="0"/>
+              <a:cs typeface="Times New Roman" panose="02020603050405020304" pitchFamily="18" charset="0"/>
+            </a:endParaRPr>
+          </a:p>
+        </p:txBody>
+      </p:sp>
+      <p:sp>
+        <p:nvSpPr>
+          <p:cNvPr id="10" name="TextBox 9"/>
+          <p:cNvSpPr txBox="1"/>
+          <p:nvPr/>
+        </p:nvSpPr>
+        <p:spPr>
+          <a:xfrm>
+            <a:off x="1987061" y="1633310"/>
+            <a:ext cx="2317828" cy="461665"/>
+          </a:xfrm>
+          <a:prstGeom prst="rect">
+            <a:avLst/>
+          </a:prstGeom>
+          <a:noFill/>
+        </p:spPr>
+        <p:txBody>
+          <a:bodyPr wrap="square" rtlCol="0">
+            <a:spAutoFit/>
+          </a:bodyPr>
+          <a:lstStyle/>
+          <a:p>
+            <a:r>
+              <a:rPr lang="ru-RU" sz="2400" dirty="0" smtClean="0">
+                <a:latin typeface="Times New Roman" panose="02020603050405020304" pitchFamily="18" charset="0"/>
+                <a:cs typeface="Times New Roman" panose="02020603050405020304" pitchFamily="18" charset="0"/>
+              </a:rPr>
+              <a:t>Характеристика</a:t>
+            </a:r>
+            <a:endParaRPr lang="ru-RU" sz="2400" dirty="0">
+              <a:latin typeface="Times New Roman" panose="02020603050405020304" pitchFamily="18" charset="0"/>
+              <a:cs typeface="Times New Roman" panose="02020603050405020304" pitchFamily="18" charset="0"/>
+            </a:endParaRPr>
+          </a:p>
+        </p:txBody>
+      </p:sp>
+      <p:sp>
+        <p:nvSpPr>
+          <p:cNvPr id="7" name="Плюс 6"/>
+          <p:cNvSpPr/>
+          <p:nvPr/>
+        </p:nvSpPr>
+        <p:spPr>
+          <a:xfrm>
+            <a:off x="9738415" y="2224454"/>
+            <a:ext cx="548584" cy="518747"/>
+          </a:xfrm>
+          <a:prstGeom prst="mathPlus">
+            <a:avLst/>
+          </a:prstGeom>
+        </p:spPr>
+        <p:style>
+          <a:lnRef idx="2">
+            <a:schemeClr val="accent6">
+              <a:shade val="50000"/>
+            </a:schemeClr>
+          </a:lnRef>
+          <a:fillRef idx="1">
+            <a:schemeClr val="accent6"/>
+          </a:fillRef>
+          <a:effectRef idx="0">
+            <a:schemeClr val="accent6"/>
+          </a:effectRef>
+          <a:fontRef idx="minor">
+            <a:schemeClr val="lt1"/>
+          </a:fontRef>
+        </p:style>
+        <p:txBody>
+          <a:bodyPr rtlCol="0" anchor="ctr"/>
+          <a:lstStyle/>
+          <a:p>
+            <a:pPr algn="ctr"/>
+            <a:endParaRPr lang="ru-RU"/>
+          </a:p>
+        </p:txBody>
+      </p:sp>
+      <p:sp>
+        <p:nvSpPr>
+          <p:cNvPr id="11" name="Плюс 10"/>
+          <p:cNvSpPr/>
+          <p:nvPr/>
+        </p:nvSpPr>
+        <p:spPr>
+          <a:xfrm>
+            <a:off x="9738415" y="3219742"/>
+            <a:ext cx="548584" cy="518747"/>
+          </a:xfrm>
+          <a:prstGeom prst="mathPlus">
+            <a:avLst/>
+          </a:prstGeom>
+        </p:spPr>
+        <p:style>
+          <a:lnRef idx="2">
+            <a:schemeClr val="accent6">
+              <a:shade val="50000"/>
+            </a:schemeClr>
+          </a:lnRef>
+          <a:fillRef idx="1">
+            <a:schemeClr val="accent6"/>
+          </a:fillRef>
+          <a:effectRef idx="0">
+            <a:schemeClr val="accent6"/>
+          </a:effectRef>
+          <a:fontRef idx="minor">
+            <a:schemeClr val="lt1"/>
+          </a:fontRef>
+        </p:style>
+        <p:txBody>
+          <a:bodyPr rtlCol="0" anchor="ctr"/>
+          <a:lstStyle/>
+          <a:p>
+            <a:pPr algn="ctr"/>
+            <a:endParaRPr lang="ru-RU"/>
+          </a:p>
+        </p:txBody>
+      </p:sp>
+      <p:sp>
+        <p:nvSpPr>
+          <p:cNvPr id="12" name="Плюс 11"/>
+          <p:cNvSpPr/>
+          <p:nvPr/>
+        </p:nvSpPr>
+        <p:spPr>
+          <a:xfrm>
+            <a:off x="9738415" y="4594858"/>
+            <a:ext cx="548584" cy="518747"/>
+          </a:xfrm>
+          <a:prstGeom prst="mathPlus">
+            <a:avLst/>
+          </a:prstGeom>
+        </p:spPr>
+        <p:style>
+          <a:lnRef idx="2">
+            <a:schemeClr val="accent6">
+              <a:shade val="50000"/>
+            </a:schemeClr>
+          </a:lnRef>
+          <a:fillRef idx="1">
+            <a:schemeClr val="accent6"/>
+          </a:fillRef>
+          <a:effectRef idx="0">
+            <a:schemeClr val="accent6"/>
+          </a:effectRef>
+          <a:fontRef idx="minor">
+            <a:schemeClr val="lt1"/>
+          </a:fontRef>
+        </p:style>
+        <p:txBody>
+          <a:bodyPr rtlCol="0" anchor="ctr"/>
+          <a:lstStyle/>
+          <a:p>
+            <a:pPr algn="ctr"/>
+            <a:endParaRPr lang="ru-RU"/>
+          </a:p>
+        </p:txBody>
+      </p:sp>
+      <p:pic>
+        <p:nvPicPr>
+          <p:cNvPr id="13" name="Picture 2" descr="Ярославский государственный университет — Википедия"/>
+          <p:cNvPicPr>
+            <a:picLocks noChangeAspect="1" noChangeArrowheads="1"/>
+          </p:cNvPicPr>
+          <p:nvPr/>
+        </p:nvPicPr>
+        <p:blipFill>
+          <a:blip r:embed="rId4">
+            <a:extLst>
+              <a:ext uri="{28A0092B-C50C-407E-A947-70E740481C1C}">
+                <a14:useLocalDpi xmlns:a14="http://schemas.microsoft.com/office/drawing/2010/main" val="0"/>
+              </a:ext>
+            </a:extLst>
+          </a:blip>
+          <a:srcRect/>
+          <a:stretch>
+            <a:fillRect/>
+          </a:stretch>
+        </p:blipFill>
+        <p:spPr bwMode="auto">
+          <a:xfrm>
+            <a:off x="0" y="5477607"/>
+            <a:ext cx="1380392" cy="1380393"/>
+          </a:xfrm>
+          <a:prstGeom prst="rect">
+            <a:avLst/>
+          </a:prstGeom>
+          <a:noFill/>
+          <a:extLst>
+            <a:ext uri="{909E8E84-426E-40DD-AFC4-6F175D3DCCD1}">
+              <a14:hiddenFill xmlns:a14="http://schemas.microsoft.com/office/drawing/2010/main">
+                <a:solidFill>
+                  <a:srgbClr val="FFFFFF"/>
+                </a:solidFill>
+              </a14:hiddenFill>
+            </a:ext>
+          </a:extLst>
+        </p:spPr>
+      </p:pic>
+    </p:spTree>
+    <p:extLst>
+      <p:ext uri="{BB962C8B-B14F-4D97-AF65-F5344CB8AC3E}">
+        <p14:creationId xmlns:p14="http://schemas.microsoft.com/office/powerpoint/2010/main" val="2263553569"/>
+      </p:ext>
+    </p:extLst>
+  </p:cSld>
+  <p:clrMapOvr>
+    <a:masterClrMapping/>
+  </p:clrMapOvr>
+  <p:timing>
+    <p:tnLst>
+      <p:par>
+        <p:cTn id="1" dur="indefinite" restart="never" nodeType="tmRoot"/>
+      </p:par>
+    </p:tnLst>
+  </p:timing>
+</p:sld>
+</file>
+
+<file path=ppt/slides/slide12.xml><?xml version="1.0" encoding="utf-8"?>
+<p:sld xmlns:a="http://schemas.openxmlformats.org/drawingml/2006/main" xmlns:r="http://schemas.openxmlformats.org/officeDocument/2006/relationships" xmlns:p="http://schemas.openxmlformats.org/presentationml/2006/main">
+  <p:cSld>
+    <p:spTree>
+      <p:nvGrpSpPr>
+        <p:cNvPr id="1" name=""/>
+        <p:cNvGrpSpPr/>
+        <p:nvPr/>
+      </p:nvGrpSpPr>
+      <p:grpSpPr>
+        <a:xfrm>
+          <a:off x="0" y="0"/>
+          <a:ext cx="0" cy="0"/>
+          <a:chOff x="0" y="0"/>
+          <a:chExt cx="0" cy="0"/>
+        </a:xfrm>
+      </p:grpSpPr>
+      <p:sp>
+        <p:nvSpPr>
+          <p:cNvPr id="2" name="Заголовок 1"/>
+          <p:cNvSpPr>
+            <a:spLocks noGrp="1"/>
+          </p:cNvSpPr>
+          <p:nvPr>
+            <p:ph type="title"/>
+          </p:nvPr>
+        </p:nvSpPr>
+        <p:spPr>
+          <a:xfrm>
+            <a:off x="0" y="291305"/>
+            <a:ext cx="12192000" cy="696667"/>
+          </a:xfrm>
+        </p:spPr>
+        <p:txBody>
+          <a:bodyPr/>
+          <a:lstStyle/>
+          <a:p>
+            <a:pPr algn="ctr"/>
+            <a:r>
+              <a:rPr lang="ru-RU" dirty="0" smtClean="0">
+                <a:latin typeface="Times New Roman" panose="02020603050405020304" pitchFamily="18" charset="0"/>
+                <a:cs typeface="Times New Roman" panose="02020603050405020304" pitchFamily="18" charset="0"/>
+              </a:rPr>
+              <a:t>Итоги сравнения</a:t>
+            </a:r>
+            <a:r>
+              <a:rPr lang="en-US" dirty="0" smtClean="0">
+                <a:latin typeface="Times New Roman" panose="02020603050405020304" pitchFamily="18" charset="0"/>
+                <a:cs typeface="Times New Roman" panose="02020603050405020304" pitchFamily="18" charset="0"/>
+              </a:rPr>
+              <a:t>: </a:t>
+            </a:r>
+            <a:r>
+              <a:rPr lang="ru-RU" dirty="0" smtClean="0">
+                <a:latin typeface="Times New Roman" panose="02020603050405020304" pitchFamily="18" charset="0"/>
+                <a:cs typeface="Times New Roman" panose="02020603050405020304" pitchFamily="18" charset="0"/>
+              </a:rPr>
+              <a:t>Монолит</a:t>
+            </a:r>
+            <a:endParaRPr lang="ru-RU" dirty="0">
+              <a:latin typeface="Times New Roman" panose="02020603050405020304" pitchFamily="18" charset="0"/>
+              <a:cs typeface="Times New Roman" panose="02020603050405020304" pitchFamily="18" charset="0"/>
+            </a:endParaRPr>
+          </a:p>
+        </p:txBody>
+      </p:sp>
+      <p:sp>
+        <p:nvSpPr>
+          <p:cNvPr id="6" name="TextBox 5"/>
+          <p:cNvSpPr txBox="1"/>
+          <p:nvPr/>
+        </p:nvSpPr>
+        <p:spPr>
+          <a:xfrm>
+            <a:off x="5498123" y="1080136"/>
+            <a:ext cx="5210908" cy="5632311"/>
+          </a:xfrm>
+          <a:prstGeom prst="rect">
+            <a:avLst/>
+          </a:prstGeom>
+          <a:noFill/>
+        </p:spPr>
+        <p:txBody>
+          <a:bodyPr wrap="square" rtlCol="0">
+            <a:spAutoFit/>
+          </a:bodyPr>
+          <a:lstStyle/>
+          <a:p>
+            <a:r>
+              <a:rPr lang="ru-RU" dirty="0" smtClean="0"/>
+              <a:t>Основные плюсы: </a:t>
+            </a:r>
+          </a:p>
+          <a:p>
+            <a:pPr marL="285750" indent="-285750">
+              <a:buFont typeface="Wingdings" panose="05000000000000000000" pitchFamily="2" charset="2"/>
+              <a:buChar char="ü"/>
+            </a:pPr>
+            <a:r>
+              <a:rPr lang="ru-RU" dirty="0"/>
+              <a:t>б</a:t>
+            </a:r>
+            <a:r>
+              <a:rPr lang="ru-RU" dirty="0" smtClean="0"/>
+              <a:t>ыстрый старт</a:t>
+            </a:r>
+          </a:p>
+          <a:p>
+            <a:pPr marL="285750" indent="-285750">
+              <a:buFont typeface="Wingdings" panose="05000000000000000000" pitchFamily="2" charset="2"/>
+              <a:buChar char="ü"/>
+            </a:pPr>
+            <a:r>
+              <a:rPr lang="ru-RU" dirty="0" smtClean="0"/>
+              <a:t>единые технологии</a:t>
+            </a:r>
+          </a:p>
+          <a:p>
+            <a:pPr marL="285750" indent="-285750">
+              <a:buFont typeface="Wingdings" panose="05000000000000000000" pitchFamily="2" charset="2"/>
+              <a:buChar char="ü"/>
+            </a:pPr>
+            <a:r>
+              <a:rPr lang="ru-RU" dirty="0" smtClean="0"/>
+              <a:t>низкие затраты на инфраструктуру</a:t>
+            </a:r>
+          </a:p>
+          <a:p>
+            <a:endParaRPr lang="ru-RU" dirty="0"/>
+          </a:p>
+          <a:p>
+            <a:r>
+              <a:rPr lang="ru-RU" dirty="0"/>
+              <a:t>О</a:t>
+            </a:r>
+            <a:r>
+              <a:rPr lang="ru-RU" dirty="0" smtClean="0"/>
+              <a:t>сновные минусы</a:t>
+            </a:r>
+            <a:r>
+              <a:rPr lang="en-US" dirty="0" smtClean="0"/>
+              <a:t>:</a:t>
+            </a:r>
+          </a:p>
+          <a:p>
+            <a:pPr marL="285750" indent="-285750">
+              <a:buFont typeface="Arial" panose="020B0604020202020204" pitchFamily="34" charset="0"/>
+              <a:buChar char="•"/>
+            </a:pPr>
+            <a:r>
+              <a:rPr lang="ru-RU" dirty="0" smtClean="0"/>
+              <a:t>тяжеловесность</a:t>
+            </a:r>
+          </a:p>
+          <a:p>
+            <a:pPr marL="285750" indent="-285750">
+              <a:buFont typeface="Arial" panose="020B0604020202020204" pitchFamily="34" charset="0"/>
+              <a:buChar char="•"/>
+            </a:pPr>
+            <a:r>
+              <a:rPr lang="ru-RU" dirty="0" smtClean="0"/>
+              <a:t>требует огромного числа тестов</a:t>
+            </a:r>
+          </a:p>
+          <a:p>
+            <a:pPr marL="285750" indent="-285750">
+              <a:buFont typeface="Arial" panose="020B0604020202020204" pitchFamily="34" charset="0"/>
+              <a:buChar char="•"/>
+            </a:pPr>
+            <a:r>
+              <a:rPr lang="ru-RU" dirty="0"/>
+              <a:t>н</a:t>
+            </a:r>
+            <a:r>
+              <a:rPr lang="ru-RU" dirty="0" smtClean="0"/>
+              <a:t>аличие неявных зависимостей</a:t>
+            </a:r>
+            <a:endParaRPr lang="en-US" dirty="0"/>
+          </a:p>
+          <a:p>
+            <a:pPr marL="285750" indent="-285750">
+              <a:buFont typeface="Arial" panose="020B0604020202020204" pitchFamily="34" charset="0"/>
+              <a:buChar char="•"/>
+            </a:pPr>
+            <a:r>
+              <a:rPr lang="ru-RU" dirty="0" smtClean="0"/>
+              <a:t>безопасность </a:t>
+            </a:r>
+          </a:p>
+          <a:p>
+            <a:pPr marL="285750" indent="-285750">
+              <a:buFont typeface="Arial" panose="020B0604020202020204" pitchFamily="34" charset="0"/>
+              <a:buChar char="•"/>
+            </a:pPr>
+            <a:r>
+              <a:rPr lang="ru-RU" dirty="0" smtClean="0"/>
+              <a:t>масштабируемость </a:t>
+            </a:r>
+          </a:p>
+          <a:p>
+            <a:endParaRPr lang="ru-RU" dirty="0" smtClean="0"/>
+          </a:p>
+          <a:p>
+            <a:r>
+              <a:rPr lang="ru-RU" dirty="0" smtClean="0"/>
+              <a:t>С ростом проекта влияние минусов усиливается. </a:t>
+            </a:r>
+          </a:p>
+          <a:p>
+            <a:r>
+              <a:rPr lang="ru-RU" dirty="0" smtClean="0"/>
+              <a:t>Плюсы ослабевают.</a:t>
+            </a:r>
+          </a:p>
+          <a:p>
+            <a:endParaRPr lang="ru-RU" dirty="0" smtClean="0"/>
+          </a:p>
+          <a:p>
+            <a:r>
+              <a:rPr lang="ru-RU" dirty="0" smtClean="0"/>
+              <a:t>*Отлично подходит</a:t>
+            </a:r>
+            <a:r>
+              <a:rPr lang="ru-RU" dirty="0">
+                <a:solidFill>
+                  <a:schemeClr val="accent6"/>
+                </a:solidFill>
+              </a:rPr>
+              <a:t> </a:t>
+            </a:r>
+            <a:r>
+              <a:rPr lang="ru-RU" dirty="0" smtClean="0">
+                <a:solidFill>
+                  <a:schemeClr val="accent6"/>
+                </a:solidFill>
+              </a:rPr>
+              <a:t>для НЕБОЛЬШИХ проектов</a:t>
+            </a:r>
+            <a:r>
+              <a:rPr lang="ru-RU" dirty="0" smtClean="0"/>
+              <a:t>–благодаря высокой начальной эффективности.</a:t>
+            </a:r>
+          </a:p>
+          <a:p>
+            <a:endParaRPr lang="ru-RU" dirty="0" smtClean="0"/>
+          </a:p>
+          <a:p>
+            <a:r>
+              <a:rPr lang="ru-RU" dirty="0" smtClean="0"/>
+              <a:t>*</a:t>
+            </a:r>
+            <a:r>
+              <a:rPr lang="ru-RU" dirty="0" smtClean="0">
+                <a:solidFill>
+                  <a:srgbClr val="C00000"/>
+                </a:solidFill>
+              </a:rPr>
+              <a:t>Для больших проектов не стоит использовать</a:t>
+            </a:r>
+            <a:r>
+              <a:rPr lang="ru-RU" dirty="0" smtClean="0"/>
+              <a:t> – скорость разработки сильно падает, затраты растут</a:t>
+            </a:r>
+          </a:p>
+        </p:txBody>
+      </p:sp>
+      <p:pic>
+        <p:nvPicPr>
+          <p:cNvPr id="8" name="Рисунок 7"/>
+          <p:cNvPicPr>
+            <a:picLocks noChangeAspect="1"/>
+          </p:cNvPicPr>
+          <p:nvPr/>
+        </p:nvPicPr>
+        <p:blipFill>
+          <a:blip r:embed="rId2"/>
+          <a:stretch>
+            <a:fillRect/>
+          </a:stretch>
+        </p:blipFill>
+        <p:spPr>
+          <a:xfrm>
+            <a:off x="1135093" y="1080136"/>
+            <a:ext cx="4368111" cy="5039310"/>
+          </a:xfrm>
+          <a:prstGeom prst="rect">
+            <a:avLst/>
+          </a:prstGeom>
+        </p:spPr>
+      </p:pic>
+      <p:pic>
+        <p:nvPicPr>
+          <p:cNvPr id="9" name="Picture 2" descr="Ярославский государственный университет — Википедия"/>
+          <p:cNvPicPr>
+            <a:picLocks noChangeAspect="1" noChangeArrowheads="1"/>
+          </p:cNvPicPr>
+          <p:nvPr/>
+        </p:nvPicPr>
+        <p:blipFill>
+          <a:blip r:embed="rId3">
+            <a:extLst>
+              <a:ext uri="{28A0092B-C50C-407E-A947-70E740481C1C}">
+                <a14:useLocalDpi xmlns:a14="http://schemas.microsoft.com/office/drawing/2010/main" val="0"/>
+              </a:ext>
+            </a:extLst>
+          </a:blip>
+          <a:srcRect/>
+          <a:stretch>
+            <a:fillRect/>
+          </a:stretch>
+        </p:blipFill>
+        <p:spPr bwMode="auto">
+          <a:xfrm>
+            <a:off x="0" y="5477607"/>
+            <a:ext cx="1380392" cy="1380393"/>
+          </a:xfrm>
+          <a:prstGeom prst="rect">
+            <a:avLst/>
+          </a:prstGeom>
+          <a:noFill/>
+          <a:extLst>
+            <a:ext uri="{909E8E84-426E-40DD-AFC4-6F175D3DCCD1}">
+              <a14:hiddenFill xmlns:a14="http://schemas.microsoft.com/office/drawing/2010/main">
+                <a:solidFill>
+                  <a:srgbClr val="FFFFFF"/>
+                </a:solidFill>
+              </a14:hiddenFill>
+            </a:ext>
+          </a:extLst>
+        </p:spPr>
+      </p:pic>
+    </p:spTree>
+    <p:extLst>
+      <p:ext uri="{BB962C8B-B14F-4D97-AF65-F5344CB8AC3E}">
+        <p14:creationId xmlns:p14="http://schemas.microsoft.com/office/powerpoint/2010/main" val="3696898108"/>
+      </p:ext>
+    </p:extLst>
+  </p:cSld>
+  <p:clrMapOvr>
+    <a:masterClrMapping/>
+  </p:clrMapOvr>
+  <p:timing>
+    <p:tnLst>
+      <p:par>
+        <p:cTn id="1" dur="indefinite" restart="never" nodeType="tmRoot"/>
+      </p:par>
+    </p:tnLst>
+  </p:timing>
+</p:sld>
+</file>
+
+<file path=ppt/slides/slide13.xml><?xml version="1.0" encoding="utf-8"?>
+<p:sld xmlns:a="http://schemas.openxmlformats.org/drawingml/2006/main" xmlns:r="http://schemas.openxmlformats.org/officeDocument/2006/relationships" xmlns:p="http://schemas.openxmlformats.org/presentationml/2006/main">
+  <p:cSld>
+    <p:spTree>
+      <p:nvGrpSpPr>
+        <p:cNvPr id="1" name=""/>
+        <p:cNvGrpSpPr/>
+        <p:nvPr/>
+      </p:nvGrpSpPr>
+      <p:grpSpPr>
+        <a:xfrm>
+          <a:off x="0" y="0"/>
+          <a:ext cx="0" cy="0"/>
+          <a:chOff x="0" y="0"/>
+          <a:chExt cx="0" cy="0"/>
+        </a:xfrm>
+      </p:grpSpPr>
+      <p:sp>
+        <p:nvSpPr>
+          <p:cNvPr id="2" name="Заголовок 1"/>
+          <p:cNvSpPr>
+            <a:spLocks noGrp="1"/>
+          </p:cNvSpPr>
+          <p:nvPr>
+            <p:ph type="title"/>
+          </p:nvPr>
+        </p:nvSpPr>
+        <p:spPr>
+          <a:xfrm>
+            <a:off x="0" y="291305"/>
+            <a:ext cx="12192000" cy="696667"/>
+          </a:xfrm>
+        </p:spPr>
+        <p:txBody>
+          <a:bodyPr/>
+          <a:lstStyle/>
+          <a:p>
+            <a:pPr algn="ctr"/>
+            <a:r>
+              <a:rPr lang="ru-RU" dirty="0" smtClean="0">
+                <a:latin typeface="Times New Roman" panose="02020603050405020304" pitchFamily="18" charset="0"/>
+                <a:cs typeface="Times New Roman" panose="02020603050405020304" pitchFamily="18" charset="0"/>
+              </a:rPr>
+              <a:t>Итоги сравнения</a:t>
+            </a:r>
+            <a:r>
+              <a:rPr lang="en-US" dirty="0" smtClean="0">
+                <a:latin typeface="Times New Roman" panose="02020603050405020304" pitchFamily="18" charset="0"/>
+                <a:cs typeface="Times New Roman" panose="02020603050405020304" pitchFamily="18" charset="0"/>
+              </a:rPr>
+              <a:t>: </a:t>
+            </a:r>
+            <a:r>
+              <a:rPr lang="ru-RU" dirty="0" err="1" smtClean="0">
+                <a:latin typeface="Times New Roman" panose="02020603050405020304" pitchFamily="18" charset="0"/>
+                <a:cs typeface="Times New Roman" panose="02020603050405020304" pitchFamily="18" charset="0"/>
+              </a:rPr>
+              <a:t>Микросервис</a:t>
+            </a:r>
+            <a:endParaRPr lang="ru-RU" dirty="0">
+              <a:latin typeface="Times New Roman" panose="02020603050405020304" pitchFamily="18" charset="0"/>
+              <a:cs typeface="Times New Roman" panose="02020603050405020304" pitchFamily="18" charset="0"/>
+            </a:endParaRPr>
+          </a:p>
+        </p:txBody>
+      </p:sp>
+      <p:sp>
+        <p:nvSpPr>
+          <p:cNvPr id="6" name="TextBox 5"/>
+          <p:cNvSpPr txBox="1"/>
+          <p:nvPr/>
+        </p:nvSpPr>
+        <p:spPr>
+          <a:xfrm>
+            <a:off x="5498123" y="1336430"/>
+            <a:ext cx="5210908" cy="4247317"/>
+          </a:xfrm>
+          <a:prstGeom prst="rect">
+            <a:avLst/>
+          </a:prstGeom>
+          <a:noFill/>
+        </p:spPr>
+        <p:txBody>
+          <a:bodyPr wrap="square" rtlCol="0">
+            <a:spAutoFit/>
+          </a:bodyPr>
+          <a:lstStyle/>
+          <a:p>
+            <a:r>
+              <a:rPr lang="ru-RU" dirty="0" smtClean="0"/>
+              <a:t>Основные плюсы: </a:t>
+            </a:r>
+          </a:p>
+          <a:p>
+            <a:pPr marL="285750" indent="-285750">
+              <a:buFont typeface="Wingdings" panose="05000000000000000000" pitchFamily="2" charset="2"/>
+              <a:buChar char="ü"/>
+            </a:pPr>
+            <a:r>
+              <a:rPr lang="ru-RU" dirty="0" smtClean="0"/>
+              <a:t>Высокая эффективность разработки в больших проектах</a:t>
+            </a:r>
+          </a:p>
+          <a:p>
+            <a:pPr marL="285750" indent="-285750">
+              <a:buFont typeface="Wingdings" panose="05000000000000000000" pitchFamily="2" charset="2"/>
+              <a:buChar char="ü"/>
+            </a:pPr>
+            <a:r>
+              <a:rPr lang="ru-RU" dirty="0" smtClean="0"/>
+              <a:t>Высокая надёжность</a:t>
+            </a:r>
+          </a:p>
+          <a:p>
+            <a:pPr marL="285750" indent="-285750">
+              <a:buFont typeface="Wingdings" panose="05000000000000000000" pitchFamily="2" charset="2"/>
+              <a:buChar char="ü"/>
+            </a:pPr>
+            <a:r>
+              <a:rPr lang="ru-RU" dirty="0" smtClean="0"/>
+              <a:t>Реализуемая безопасность</a:t>
+            </a:r>
+          </a:p>
+          <a:p>
+            <a:pPr marL="285750" indent="-285750">
+              <a:buFont typeface="Wingdings" panose="05000000000000000000" pitchFamily="2" charset="2"/>
+              <a:buChar char="ü"/>
+            </a:pPr>
+            <a:r>
+              <a:rPr lang="ru-RU" dirty="0" smtClean="0"/>
+              <a:t>Масштабируемость</a:t>
+            </a:r>
+          </a:p>
+          <a:p>
+            <a:pPr marL="285750" indent="-285750">
+              <a:buFont typeface="Wingdings" panose="05000000000000000000" pitchFamily="2" charset="2"/>
+              <a:buChar char="ü"/>
+            </a:pPr>
+            <a:r>
+              <a:rPr lang="ru-RU" dirty="0" smtClean="0"/>
+              <a:t>Тестируемость</a:t>
+            </a:r>
+          </a:p>
+          <a:p>
+            <a:endParaRPr lang="ru-RU" dirty="0"/>
+          </a:p>
+          <a:p>
+            <a:r>
+              <a:rPr lang="ru-RU" dirty="0"/>
+              <a:t>О</a:t>
+            </a:r>
+            <a:r>
+              <a:rPr lang="ru-RU" dirty="0" smtClean="0"/>
+              <a:t>сновные минусы</a:t>
+            </a:r>
+            <a:r>
+              <a:rPr lang="en-US" dirty="0" smtClean="0"/>
+              <a:t>:</a:t>
+            </a:r>
+          </a:p>
+          <a:p>
+            <a:pPr marL="285750" indent="-285750">
+              <a:buFont typeface="Arial" panose="020B0604020202020204" pitchFamily="34" charset="0"/>
+              <a:buChar char="•"/>
+            </a:pPr>
+            <a:r>
+              <a:rPr lang="ru-RU" dirty="0" smtClean="0"/>
+              <a:t>Медленный старт</a:t>
+            </a:r>
+          </a:p>
+          <a:p>
+            <a:pPr marL="285750" indent="-285750">
+              <a:buFont typeface="Arial" panose="020B0604020202020204" pitchFamily="34" charset="0"/>
+              <a:buChar char="•"/>
+            </a:pPr>
+            <a:r>
+              <a:rPr lang="ru-RU" dirty="0" smtClean="0"/>
+              <a:t>Требуется придерживаться строгости</a:t>
+            </a:r>
+          </a:p>
+          <a:p>
+            <a:pPr marL="285750" indent="-285750">
+              <a:buFont typeface="Arial" panose="020B0604020202020204" pitchFamily="34" charset="0"/>
+              <a:buChar char="•"/>
+            </a:pPr>
+            <a:r>
+              <a:rPr lang="ru-RU" dirty="0" smtClean="0"/>
+              <a:t>Затраты на инфраструктуру </a:t>
+            </a:r>
+          </a:p>
+          <a:p>
+            <a:endParaRPr lang="ru-RU" dirty="0" smtClean="0"/>
+          </a:p>
+          <a:p>
+            <a:r>
+              <a:rPr lang="ru-RU" dirty="0" smtClean="0">
+                <a:solidFill>
+                  <a:schemeClr val="accent6">
+                    <a:lumMod val="75000"/>
+                  </a:schemeClr>
+                </a:solidFill>
+              </a:rPr>
+              <a:t>Отлично подходит для крупных проектов</a:t>
+            </a:r>
+            <a:r>
+              <a:rPr lang="ru-RU" dirty="0" smtClean="0"/>
+              <a:t>, </a:t>
+            </a:r>
+          </a:p>
+          <a:p>
+            <a:r>
+              <a:rPr lang="ru-RU" dirty="0" smtClean="0"/>
+              <a:t>плюсы раскрываются с ростом проекта.</a:t>
+            </a:r>
+          </a:p>
+        </p:txBody>
+      </p:sp>
+      <p:pic>
+        <p:nvPicPr>
+          <p:cNvPr id="3" name="Рисунок 2"/>
+          <p:cNvPicPr>
+            <a:picLocks noChangeAspect="1"/>
+          </p:cNvPicPr>
+          <p:nvPr/>
+        </p:nvPicPr>
+        <p:blipFill>
+          <a:blip r:embed="rId2"/>
+          <a:stretch>
+            <a:fillRect/>
+          </a:stretch>
+        </p:blipFill>
+        <p:spPr>
+          <a:xfrm>
+            <a:off x="1089899" y="1336430"/>
+            <a:ext cx="4408224" cy="4853354"/>
+          </a:xfrm>
+          <a:prstGeom prst="rect">
+            <a:avLst/>
+          </a:prstGeom>
+        </p:spPr>
+      </p:pic>
+      <p:pic>
+        <p:nvPicPr>
+          <p:cNvPr id="7" name="Picture 2" descr="Ярославский государственный университет — Википедия"/>
+          <p:cNvPicPr>
+            <a:picLocks noChangeAspect="1" noChangeArrowheads="1"/>
+          </p:cNvPicPr>
+          <p:nvPr/>
+        </p:nvPicPr>
+        <p:blipFill>
+          <a:blip r:embed="rId3">
+            <a:extLst>
+              <a:ext uri="{28A0092B-C50C-407E-A947-70E740481C1C}">
+                <a14:useLocalDpi xmlns:a14="http://schemas.microsoft.com/office/drawing/2010/main" val="0"/>
+              </a:ext>
+            </a:extLst>
+          </a:blip>
+          <a:srcRect/>
+          <a:stretch>
+            <a:fillRect/>
+          </a:stretch>
+        </p:blipFill>
+        <p:spPr bwMode="auto">
+          <a:xfrm>
+            <a:off x="0" y="5477607"/>
+            <a:ext cx="1380392" cy="1380393"/>
+          </a:xfrm>
+          <a:prstGeom prst="rect">
+            <a:avLst/>
+          </a:prstGeom>
+          <a:noFill/>
+          <a:extLst>
+            <a:ext uri="{909E8E84-426E-40DD-AFC4-6F175D3DCCD1}">
+              <a14:hiddenFill xmlns:a14="http://schemas.microsoft.com/office/drawing/2010/main">
+                <a:solidFill>
+                  <a:srgbClr val="FFFFFF"/>
+                </a:solidFill>
+              </a14:hiddenFill>
+            </a:ext>
+          </a:extLst>
+        </p:spPr>
+      </p:pic>
+    </p:spTree>
+    <p:extLst>
+      <p:ext uri="{BB962C8B-B14F-4D97-AF65-F5344CB8AC3E}">
+        <p14:creationId xmlns:p14="http://schemas.microsoft.com/office/powerpoint/2010/main" val="1100342782"/>
+      </p:ext>
+    </p:extLst>
+  </p:cSld>
+  <p:clrMapOvr>
+    <a:masterClrMapping/>
+  </p:clrMapOvr>
+  <p:timing>
+    <p:tnLst>
+      <p:par>
+        <p:cTn id="1" dur="indefinite" restart="never" nodeType="tmRoot"/>
+      </p:par>
+    </p:tnLst>
+  </p:timing>
+</p:sld>
+</file>
+
+<file path=ppt/slides/slide14.xml><?xml version="1.0" encoding="utf-8"?>
+<p:sld xmlns:a="http://schemas.openxmlformats.org/drawingml/2006/main" xmlns:r="http://schemas.openxmlformats.org/officeDocument/2006/relationships" xmlns:p="http://schemas.openxmlformats.org/presentationml/2006/main">
+  <p:cSld>
+    <p:spTree>
+      <p:nvGrpSpPr>
+        <p:cNvPr id="1" name=""/>
+        <p:cNvGrpSpPr/>
+        <p:nvPr/>
+      </p:nvGrpSpPr>
+      <p:grpSpPr>
+        <a:xfrm>
+          <a:off x="0" y="0"/>
+          <a:ext cx="0" cy="0"/>
+          <a:chOff x="0" y="0"/>
+          <a:chExt cx="0" cy="0"/>
+        </a:xfrm>
+      </p:grpSpPr>
+      <p:sp>
+        <p:nvSpPr>
+          <p:cNvPr id="2" name="Заголовок 1"/>
+          <p:cNvSpPr>
+            <a:spLocks noGrp="1"/>
+          </p:cNvSpPr>
+          <p:nvPr>
+            <p:ph type="title"/>
+          </p:nvPr>
+        </p:nvSpPr>
+        <p:spPr>
+          <a:xfrm>
+            <a:off x="0" y="291305"/>
+            <a:ext cx="12192000" cy="696667"/>
+          </a:xfrm>
+        </p:spPr>
+        <p:txBody>
+          <a:bodyPr/>
+          <a:lstStyle/>
+          <a:p>
+            <a:pPr algn="ctr"/>
+            <a:r>
+              <a:rPr lang="en-US" dirty="0" smtClean="0">
+                <a:latin typeface="Times New Roman" panose="02020603050405020304" pitchFamily="18" charset="0"/>
+                <a:cs typeface="Times New Roman" panose="02020603050405020304" pitchFamily="18" charset="0"/>
+              </a:rPr>
+              <a:t>3.MINIX</a:t>
+            </a:r>
+            <a:endParaRPr lang="ru-RU" dirty="0">
+              <a:latin typeface="Times New Roman" panose="02020603050405020304" pitchFamily="18" charset="0"/>
+              <a:cs typeface="Times New Roman" panose="02020603050405020304" pitchFamily="18" charset="0"/>
+            </a:endParaRPr>
+          </a:p>
+        </p:txBody>
+      </p:sp>
+      <p:sp>
+        <p:nvSpPr>
+          <p:cNvPr id="3" name="Объект 2"/>
+          <p:cNvSpPr>
+            <a:spLocks noGrp="1"/>
+          </p:cNvSpPr>
+          <p:nvPr>
+            <p:ph idx="1"/>
+          </p:nvPr>
+        </p:nvSpPr>
+        <p:spPr>
+          <a:xfrm>
+            <a:off x="5327451" y="1359633"/>
+            <a:ext cx="6622502" cy="1231167"/>
+          </a:xfrm>
+        </p:spPr>
+        <p:txBody>
+          <a:bodyPr>
+            <a:normAutofit/>
+          </a:bodyPr>
+          <a:lstStyle/>
+          <a:p>
+            <a:r>
+              <a:rPr lang="en-US" sz="2400" dirty="0">
+                <a:latin typeface="Times New Roman" panose="02020603050405020304" pitchFamily="18" charset="0"/>
+                <a:cs typeface="Times New Roman" panose="02020603050405020304" pitchFamily="18" charset="0"/>
+              </a:rPr>
+              <a:t>MINIX</a:t>
+            </a:r>
+            <a:r>
+              <a:rPr lang="ru-RU" sz="2400" dirty="0">
+                <a:latin typeface="Times New Roman" panose="02020603050405020304" pitchFamily="18" charset="0"/>
+                <a:cs typeface="Times New Roman" panose="02020603050405020304" pitchFamily="18" charset="0"/>
+              </a:rPr>
+              <a:t>, написанная в 1987 году Эндрю </a:t>
+            </a:r>
+            <a:r>
+              <a:rPr lang="ru-RU" sz="2400" dirty="0" err="1">
+                <a:latin typeface="Times New Roman" panose="02020603050405020304" pitchFamily="18" charset="0"/>
+                <a:cs typeface="Times New Roman" panose="02020603050405020304" pitchFamily="18" charset="0"/>
+              </a:rPr>
+              <a:t>Таненбаумом</a:t>
+            </a:r>
+            <a:r>
+              <a:rPr lang="ru-RU" sz="2400" dirty="0">
+                <a:latin typeface="Times New Roman" panose="02020603050405020304" pitchFamily="18" charset="0"/>
+                <a:cs typeface="Times New Roman" panose="02020603050405020304" pitchFamily="18" charset="0"/>
+              </a:rPr>
+              <a:t>, является эталоном </a:t>
+            </a:r>
+            <a:r>
+              <a:rPr lang="ru-RU" sz="2400" dirty="0" err="1">
+                <a:latin typeface="Times New Roman" panose="02020603050405020304" pitchFamily="18" charset="0"/>
+                <a:cs typeface="Times New Roman" panose="02020603050405020304" pitchFamily="18" charset="0"/>
+              </a:rPr>
+              <a:t>микросервисных</a:t>
+            </a:r>
+            <a:r>
+              <a:rPr lang="ru-RU" sz="2400" dirty="0">
+                <a:latin typeface="Times New Roman" panose="02020603050405020304" pitchFamily="18" charset="0"/>
+                <a:cs typeface="Times New Roman" panose="02020603050405020304" pitchFamily="18" charset="0"/>
+              </a:rPr>
+              <a:t> ОС</a:t>
+            </a:r>
+            <a:endParaRPr lang="ru-RU" sz="2400" dirty="0">
+              <a:latin typeface="Times New Roman" panose="02020603050405020304" pitchFamily="18" charset="0"/>
+              <a:cs typeface="Times New Roman" panose="02020603050405020304" pitchFamily="18" charset="0"/>
+            </a:endParaRPr>
+          </a:p>
+        </p:txBody>
+      </p:sp>
+      <p:pic>
+        <p:nvPicPr>
+          <p:cNvPr id="4" name="Picture 2" descr="Ярославский государственный университет — Википедия"/>
+          <p:cNvPicPr>
+            <a:picLocks noChangeAspect="1" noChangeArrowheads="1"/>
+          </p:cNvPicPr>
+          <p:nvPr/>
+        </p:nvPicPr>
+        <p:blipFill>
+          <a:blip r:embed="rId2">
+            <a:extLst>
+              <a:ext uri="{28A0092B-C50C-407E-A947-70E740481C1C}">
+                <a14:useLocalDpi xmlns:a14="http://schemas.microsoft.com/office/drawing/2010/main" val="0"/>
+              </a:ext>
+            </a:extLst>
+          </a:blip>
+          <a:srcRect/>
+          <a:stretch>
+            <a:fillRect/>
+          </a:stretch>
+        </p:blipFill>
+        <p:spPr bwMode="auto">
+          <a:xfrm>
+            <a:off x="0" y="5477607"/>
+            <a:ext cx="1380392" cy="1380393"/>
+          </a:xfrm>
+          <a:prstGeom prst="rect">
+            <a:avLst/>
+          </a:prstGeom>
+          <a:noFill/>
+          <a:extLst>
+            <a:ext uri="{909E8E84-426E-40DD-AFC4-6F175D3DCCD1}">
+              <a14:hiddenFill xmlns:a14="http://schemas.microsoft.com/office/drawing/2010/main">
+                <a:solidFill>
+                  <a:srgbClr val="FFFFFF"/>
+                </a:solidFill>
+              </a14:hiddenFill>
+            </a:ext>
+          </a:extLst>
+        </p:spPr>
+      </p:pic>
+      <p:pic>
+        <p:nvPicPr>
+          <p:cNvPr id="7170" name="Picture 2" descr="Таненбаум, Эндрю — Википедия"/>
+          <p:cNvPicPr>
+            <a:picLocks noChangeAspect="1" noChangeArrowheads="1"/>
+          </p:cNvPicPr>
+          <p:nvPr/>
+        </p:nvPicPr>
+        <p:blipFill>
+          <a:blip r:embed="rId3">
+            <a:extLst>
+              <a:ext uri="{28A0092B-C50C-407E-A947-70E740481C1C}">
+                <a14:useLocalDpi xmlns:a14="http://schemas.microsoft.com/office/drawing/2010/main" val="0"/>
+              </a:ext>
+            </a:extLst>
+          </a:blip>
+          <a:srcRect/>
+          <a:stretch>
+            <a:fillRect/>
+          </a:stretch>
+        </p:blipFill>
+        <p:spPr bwMode="auto">
+          <a:xfrm>
+            <a:off x="1717603" y="1359633"/>
+            <a:ext cx="3195056" cy="4797964"/>
+          </a:xfrm>
+          <a:prstGeom prst="rect">
+            <a:avLst/>
+          </a:prstGeom>
+          <a:noFill/>
+          <a:extLst>
+            <a:ext uri="{909E8E84-426E-40DD-AFC4-6F175D3DCCD1}">
+              <a14:hiddenFill xmlns:a14="http://schemas.microsoft.com/office/drawing/2010/main">
+                <a:solidFill>
+                  <a:srgbClr val="FFFFFF"/>
+                </a:solidFill>
+              </a14:hiddenFill>
+            </a:ext>
+          </a:extLst>
+        </p:spPr>
+      </p:pic>
+      <p:pic>
+        <p:nvPicPr>
+          <p:cNvPr id="7172" name="Picture 4" descr="MINIX - InstallGentoo Wiki"/>
+          <p:cNvPicPr>
+            <a:picLocks noChangeAspect="1" noChangeArrowheads="1"/>
+          </p:cNvPicPr>
+          <p:nvPr/>
+        </p:nvPicPr>
+        <p:blipFill>
+          <a:blip r:embed="rId4">
+            <a:extLst>
+              <a:ext uri="{28A0092B-C50C-407E-A947-70E740481C1C}">
+                <a14:useLocalDpi xmlns:a14="http://schemas.microsoft.com/office/drawing/2010/main" val="0"/>
+              </a:ext>
+            </a:extLst>
+          </a:blip>
+          <a:srcRect/>
+          <a:stretch>
+            <a:fillRect/>
+          </a:stretch>
+        </p:blipFill>
+        <p:spPr bwMode="auto">
+          <a:xfrm>
+            <a:off x="6831107" y="2458361"/>
+            <a:ext cx="2760198" cy="3699236"/>
+          </a:xfrm>
+          <a:prstGeom prst="rect">
+            <a:avLst/>
+          </a:prstGeom>
+          <a:noFill/>
+          <a:extLst>
+            <a:ext uri="{909E8E84-426E-40DD-AFC4-6F175D3DCCD1}">
+              <a14:hiddenFill xmlns:a14="http://schemas.microsoft.com/office/drawing/2010/main">
+                <a:solidFill>
+                  <a:srgbClr val="FFFFFF"/>
+                </a:solidFill>
+              </a14:hiddenFill>
+            </a:ext>
+          </a:extLst>
+        </p:spPr>
+      </p:pic>
+      <p:sp>
+        <p:nvSpPr>
+          <p:cNvPr id="5" name="TextBox 4"/>
+          <p:cNvSpPr txBox="1"/>
+          <p:nvPr/>
+        </p:nvSpPr>
+        <p:spPr>
+          <a:xfrm>
+            <a:off x="2449088" y="6167803"/>
+            <a:ext cx="1732085" cy="369332"/>
+          </a:xfrm>
+          <a:prstGeom prst="rect">
+            <a:avLst/>
+          </a:prstGeom>
+          <a:noFill/>
+        </p:spPr>
+        <p:txBody>
+          <a:bodyPr wrap="square" rtlCol="0">
+            <a:spAutoFit/>
+          </a:bodyPr>
+          <a:lstStyle/>
+          <a:p>
+            <a:r>
+              <a:rPr lang="ru-RU" dirty="0" smtClean="0"/>
+              <a:t>Дедушка </a:t>
+            </a:r>
+            <a:r>
+              <a:rPr lang="en-US" dirty="0" smtClean="0"/>
+              <a:t>Linux</a:t>
+            </a:r>
+            <a:endParaRPr lang="ru-RU" dirty="0"/>
+          </a:p>
+        </p:txBody>
+      </p:sp>
+    </p:spTree>
+    <p:extLst>
+      <p:ext uri="{BB962C8B-B14F-4D97-AF65-F5344CB8AC3E}">
+        <p14:creationId xmlns:p14="http://schemas.microsoft.com/office/powerpoint/2010/main" val="3434262736"/>
+      </p:ext>
+    </p:extLst>
+  </p:cSld>
+  <p:clrMapOvr>
+    <a:masterClrMapping/>
+  </p:clrMapOvr>
+  <p:timing>
+    <p:tnLst>
+      <p:par>
+        <p:cTn id="1" dur="indefinite" restart="never" nodeType="tmRoot"/>
+      </p:par>
+    </p:tnLst>
+  </p:timing>
+</p:sld>
+</file>
+
+<file path=ppt/slides/slide15.xml><?xml version="1.0" encoding="utf-8"?>
+<p:sld xmlns:a="http://schemas.openxmlformats.org/drawingml/2006/main" xmlns:r="http://schemas.openxmlformats.org/officeDocument/2006/relationships" xmlns:p="http://schemas.openxmlformats.org/presentationml/2006/main">
+  <p:cSld>
+    <p:spTree>
+      <p:nvGrpSpPr>
+        <p:cNvPr id="1" name=""/>
+        <p:cNvGrpSpPr/>
+        <p:nvPr/>
+      </p:nvGrpSpPr>
+      <p:grpSpPr>
+        <a:xfrm>
+          <a:off x="0" y="0"/>
+          <a:ext cx="0" cy="0"/>
+          <a:chOff x="0" y="0"/>
+          <a:chExt cx="0" cy="0"/>
+        </a:xfrm>
+      </p:grpSpPr>
+      <p:sp>
+        <p:nvSpPr>
+          <p:cNvPr id="2" name="Заголовок 1"/>
+          <p:cNvSpPr>
+            <a:spLocks noGrp="1"/>
+          </p:cNvSpPr>
+          <p:nvPr>
+            <p:ph type="title"/>
+          </p:nvPr>
+        </p:nvSpPr>
+        <p:spPr>
+          <a:xfrm>
+            <a:off x="0" y="291305"/>
+            <a:ext cx="12192000" cy="696667"/>
+          </a:xfrm>
+        </p:spPr>
+        <p:txBody>
+          <a:bodyPr/>
+          <a:lstStyle/>
+          <a:p>
+            <a:pPr algn="ctr"/>
+            <a:r>
+              <a:rPr lang="ru-RU" dirty="0" smtClean="0">
+                <a:latin typeface="Times New Roman" panose="02020603050405020304" pitchFamily="18" charset="0"/>
+                <a:cs typeface="Times New Roman" panose="02020603050405020304" pitchFamily="18" charset="0"/>
+              </a:rPr>
+              <a:t>Интерфейсы</a:t>
+            </a:r>
+            <a:endParaRPr lang="ru-RU" dirty="0">
+              <a:latin typeface="Times New Roman" panose="02020603050405020304" pitchFamily="18" charset="0"/>
+              <a:cs typeface="Times New Roman" panose="02020603050405020304" pitchFamily="18" charset="0"/>
+            </a:endParaRPr>
+          </a:p>
+        </p:txBody>
+      </p:sp>
+      <p:sp>
+        <p:nvSpPr>
+          <p:cNvPr id="3" name="Объект 2"/>
+          <p:cNvSpPr>
+            <a:spLocks noGrp="1"/>
+          </p:cNvSpPr>
+          <p:nvPr>
+            <p:ph idx="1"/>
+          </p:nvPr>
+        </p:nvSpPr>
+        <p:spPr>
+          <a:xfrm>
+            <a:off x="996461" y="1157410"/>
+            <a:ext cx="10515600" cy="1928690"/>
+          </a:xfrm>
+        </p:spPr>
+        <p:txBody>
+          <a:bodyPr/>
+          <a:lstStyle/>
+          <a:p>
+            <a:r>
+              <a:rPr lang="ru-RU" dirty="0">
+                <a:latin typeface="Times New Roman" panose="02020603050405020304" pitchFamily="18" charset="0"/>
+                <a:cs typeface="Times New Roman" panose="02020603050405020304" pitchFamily="18" charset="0"/>
+              </a:rPr>
+              <a:t>Эндрю </a:t>
+            </a:r>
+            <a:r>
+              <a:rPr lang="ru-RU" dirty="0" err="1" smtClean="0">
+                <a:latin typeface="Times New Roman" panose="02020603050405020304" pitchFamily="18" charset="0"/>
+                <a:cs typeface="Times New Roman" panose="02020603050405020304" pitchFamily="18" charset="0"/>
+              </a:rPr>
+              <a:t>Таненбаумом</a:t>
+            </a:r>
+            <a:r>
+              <a:rPr lang="en-US" dirty="0" smtClean="0">
+                <a:latin typeface="Times New Roman" panose="02020603050405020304" pitchFamily="18" charset="0"/>
+                <a:cs typeface="Times New Roman" panose="02020603050405020304" pitchFamily="18" charset="0"/>
+              </a:rPr>
+              <a:t> </a:t>
+            </a:r>
+            <a:r>
+              <a:rPr lang="ru-RU" dirty="0" smtClean="0">
+                <a:latin typeface="Times New Roman" panose="02020603050405020304" pitchFamily="18" charset="0"/>
+                <a:cs typeface="Times New Roman" panose="02020603050405020304" pitchFamily="18" charset="0"/>
+              </a:rPr>
+              <a:t>выделял особое внимание формированию интерфейсов. Вся операционная система состоит из интерфейсов, включающих интерфейс пользователя, интерфейс системных вызовов ядра, драйверы устройств.</a:t>
+            </a:r>
+            <a:endParaRPr lang="ru-RU" dirty="0"/>
+          </a:p>
+        </p:txBody>
+      </p:sp>
+      <p:pic>
+        <p:nvPicPr>
+          <p:cNvPr id="17412" name="Picture 4" descr="Обновите концептуальную иллюстрацию"/>
+          <p:cNvPicPr>
+            <a:picLocks noChangeAspect="1" noChangeArrowheads="1"/>
+          </p:cNvPicPr>
+          <p:nvPr/>
+        </p:nvPicPr>
+        <p:blipFill>
+          <a:blip r:embed="rId2">
+            <a:extLst>
+              <a:ext uri="{28A0092B-C50C-407E-A947-70E740481C1C}">
+                <a14:useLocalDpi xmlns:a14="http://schemas.microsoft.com/office/drawing/2010/main" val="0"/>
+              </a:ext>
+            </a:extLst>
+          </a:blip>
+          <a:srcRect/>
+          <a:stretch>
+            <a:fillRect/>
+          </a:stretch>
+        </p:blipFill>
+        <p:spPr bwMode="auto">
+          <a:xfrm>
+            <a:off x="6597162" y="3086099"/>
+            <a:ext cx="3575538" cy="3575538"/>
+          </a:xfrm>
+          <a:prstGeom prst="rect">
+            <a:avLst/>
+          </a:prstGeom>
+          <a:noFill/>
+          <a:extLst>
+            <a:ext uri="{909E8E84-426E-40DD-AFC4-6F175D3DCCD1}">
+              <a14:hiddenFill xmlns:a14="http://schemas.microsoft.com/office/drawing/2010/main">
+                <a:solidFill>
+                  <a:srgbClr val="FFFFFF"/>
+                </a:solidFill>
+              </a14:hiddenFill>
+            </a:ext>
+          </a:extLst>
+        </p:spPr>
+      </p:pic>
+      <p:pic>
+        <p:nvPicPr>
+          <p:cNvPr id="17414" name="Picture 6" descr="Деятельность по вводу данных с помощью папок и компьютеров"/>
+          <p:cNvPicPr>
+            <a:picLocks noChangeAspect="1" noChangeArrowheads="1"/>
+          </p:cNvPicPr>
+          <p:nvPr/>
+        </p:nvPicPr>
+        <p:blipFill>
+          <a:blip r:embed="rId3">
+            <a:extLst>
+              <a:ext uri="{28A0092B-C50C-407E-A947-70E740481C1C}">
+                <a14:useLocalDpi xmlns:a14="http://schemas.microsoft.com/office/drawing/2010/main" val="0"/>
+              </a:ext>
+            </a:extLst>
+          </a:blip>
+          <a:srcRect/>
+          <a:stretch>
+            <a:fillRect/>
+          </a:stretch>
+        </p:blipFill>
+        <p:spPr bwMode="auto">
+          <a:xfrm>
+            <a:off x="1116622" y="3086099"/>
+            <a:ext cx="4919312" cy="3575538"/>
+          </a:xfrm>
+          <a:prstGeom prst="rect">
+            <a:avLst/>
+          </a:prstGeom>
+          <a:noFill/>
+          <a:extLst>
+            <a:ext uri="{909E8E84-426E-40DD-AFC4-6F175D3DCCD1}">
+              <a14:hiddenFill xmlns:a14="http://schemas.microsoft.com/office/drawing/2010/main">
+                <a:solidFill>
+                  <a:srgbClr val="FFFFFF"/>
+                </a:solidFill>
+              </a14:hiddenFill>
+            </a:ext>
+          </a:extLst>
+        </p:spPr>
+      </p:pic>
+    </p:spTree>
+    <p:extLst>
+      <p:ext uri="{BB962C8B-B14F-4D97-AF65-F5344CB8AC3E}">
+        <p14:creationId xmlns:p14="http://schemas.microsoft.com/office/powerpoint/2010/main" val="1529101945"/>
+      </p:ext>
+    </p:extLst>
+  </p:cSld>
+  <p:clrMapOvr>
+    <a:masterClrMapping/>
+  </p:clrMapOvr>
+  <p:timing>
+    <p:tnLst>
+      <p:par>
+        <p:cTn id="1" dur="indefinite" restart="never" nodeType="tmRoot"/>
+      </p:par>
+    </p:tnLst>
+  </p:timing>
+</p:sld>
+</file>
+
+<file path=ppt/slides/slide16.xml><?xml version="1.0" encoding="utf-8"?>
+<p:sld xmlns:a="http://schemas.openxmlformats.org/drawingml/2006/main" xmlns:r="http://schemas.openxmlformats.org/officeDocument/2006/relationships" xmlns:p="http://schemas.openxmlformats.org/presentationml/2006/main">
+  <p:cSld>
+    <p:spTree>
+      <p:nvGrpSpPr>
+        <p:cNvPr id="1" name=""/>
+        <p:cNvGrpSpPr/>
+        <p:nvPr/>
+      </p:nvGrpSpPr>
+      <p:grpSpPr>
+        <a:xfrm>
+          <a:off x="0" y="0"/>
+          <a:ext cx="0" cy="0"/>
+          <a:chOff x="0" y="0"/>
+          <a:chExt cx="0" cy="0"/>
+        </a:xfrm>
+      </p:grpSpPr>
+      <p:sp>
+        <p:nvSpPr>
+          <p:cNvPr id="2" name="Заголовок 1"/>
+          <p:cNvSpPr>
+            <a:spLocks noGrp="1"/>
+          </p:cNvSpPr>
+          <p:nvPr>
+            <p:ph type="title"/>
+          </p:nvPr>
+        </p:nvSpPr>
+        <p:spPr>
+          <a:xfrm>
+            <a:off x="0" y="291305"/>
+            <a:ext cx="12192000" cy="696667"/>
+          </a:xfrm>
+        </p:spPr>
+        <p:txBody>
+          <a:bodyPr/>
+          <a:lstStyle/>
+          <a:p>
+            <a:pPr algn="ctr"/>
+            <a:r>
+              <a:rPr lang="ru-RU" dirty="0" smtClean="0">
+                <a:latin typeface="Times New Roman" panose="02020603050405020304" pitchFamily="18" charset="0"/>
+                <a:cs typeface="Times New Roman" panose="02020603050405020304" pitchFamily="18" charset="0"/>
+              </a:rPr>
+              <a:t>Архитектура </a:t>
+            </a:r>
+            <a:r>
+              <a:rPr lang="en-US" dirty="0" smtClean="0">
+                <a:latin typeface="Times New Roman" panose="02020603050405020304" pitchFamily="18" charset="0"/>
+                <a:cs typeface="Times New Roman" panose="02020603050405020304" pitchFamily="18" charset="0"/>
+              </a:rPr>
+              <a:t>MINIX 3</a:t>
+            </a:r>
+            <a:endParaRPr lang="ru-RU" dirty="0">
+              <a:latin typeface="Times New Roman" panose="02020603050405020304" pitchFamily="18" charset="0"/>
+              <a:cs typeface="Times New Roman" panose="02020603050405020304" pitchFamily="18" charset="0"/>
+            </a:endParaRPr>
+          </a:p>
+        </p:txBody>
+      </p:sp>
+    </p:spTree>
+    <p:extLst>
+      <p:ext uri="{BB962C8B-B14F-4D97-AF65-F5344CB8AC3E}">
+        <p14:creationId xmlns:p14="http://schemas.microsoft.com/office/powerpoint/2010/main" val="3489329777"/>
+      </p:ext>
+    </p:extLst>
+  </p:cSld>
+  <p:clrMapOvr>
+    <a:masterClrMapping/>
+  </p:clrMapOvr>
+  <p:timing>
+    <p:tnLst>
+      <p:par>
+        <p:cTn id="1" dur="indefinite" restart="never" nodeType="tmRoot"/>
+      </p:par>
+    </p:tnLst>
+  </p:timing>
+</p:sld>
+</file>
+
+<file path=ppt/slides/slide17.xml><?xml version="1.0" encoding="utf-8"?>
+<p:sld xmlns:a="http://schemas.openxmlformats.org/drawingml/2006/main" xmlns:r="http://schemas.openxmlformats.org/officeDocument/2006/relationships" xmlns:p="http://schemas.openxmlformats.org/presentationml/2006/main">
+  <p:cSld>
+    <p:spTree>
+      <p:nvGrpSpPr>
+        <p:cNvPr id="1" name=""/>
+        <p:cNvGrpSpPr/>
+        <p:nvPr/>
+      </p:nvGrpSpPr>
+      <p:grpSpPr>
+        <a:xfrm>
+          <a:off x="0" y="0"/>
+          <a:ext cx="0" cy="0"/>
+          <a:chOff x="0" y="0"/>
+          <a:chExt cx="0" cy="0"/>
+        </a:xfrm>
+      </p:grpSpPr>
+      <p:sp>
+        <p:nvSpPr>
+          <p:cNvPr id="2" name="Заголовок 1"/>
+          <p:cNvSpPr>
+            <a:spLocks noGrp="1"/>
+          </p:cNvSpPr>
+          <p:nvPr>
+            <p:ph type="title"/>
+          </p:nvPr>
+        </p:nvSpPr>
+        <p:spPr>
+          <a:xfrm>
+            <a:off x="0" y="291305"/>
+            <a:ext cx="12192000" cy="696667"/>
+          </a:xfrm>
+        </p:spPr>
+        <p:txBody>
+          <a:bodyPr/>
+          <a:lstStyle/>
+          <a:p>
+            <a:pPr algn="ctr"/>
+            <a:r>
+              <a:rPr lang="ru-RU" dirty="0" smtClean="0">
+                <a:latin typeface="Times New Roman" panose="02020603050405020304" pitchFamily="18" charset="0"/>
+                <a:cs typeface="Times New Roman" panose="02020603050405020304" pitchFamily="18" charset="0"/>
+              </a:rPr>
+              <a:t>Источники</a:t>
+            </a:r>
+            <a:endParaRPr lang="ru-RU" dirty="0">
+              <a:latin typeface="Times New Roman" panose="02020603050405020304" pitchFamily="18" charset="0"/>
+              <a:cs typeface="Times New Roman" panose="02020603050405020304" pitchFamily="18" charset="0"/>
+            </a:endParaRPr>
+          </a:p>
+        </p:txBody>
+      </p:sp>
+      <p:sp>
+        <p:nvSpPr>
+          <p:cNvPr id="3" name="Объект 2"/>
+          <p:cNvSpPr>
+            <a:spLocks noGrp="1"/>
+          </p:cNvSpPr>
+          <p:nvPr>
+            <p:ph idx="1"/>
+          </p:nvPr>
+        </p:nvSpPr>
+        <p:spPr/>
+        <p:txBody>
+          <a:bodyPr/>
+          <a:lstStyle/>
+          <a:p>
+            <a:pPr marL="514350" indent="-514350">
+              <a:buFont typeface="+mj-lt"/>
+              <a:buAutoNum type="arabicPeriod"/>
+            </a:pPr>
+            <a:r>
+              <a:rPr lang="ru-RU" dirty="0" smtClean="0"/>
+              <a:t>Полный текст</a:t>
+            </a:r>
+            <a:r>
+              <a:rPr lang="en-US" dirty="0" smtClean="0"/>
+              <a:t>:</a:t>
+            </a:r>
+          </a:p>
+          <a:p>
+            <a:pPr marL="514350" indent="-514350">
+              <a:buFont typeface="+mj-lt"/>
+              <a:buAutoNum type="arabicPeriod"/>
+            </a:pPr>
+            <a:r>
+              <a:rPr lang="ru-RU" dirty="0" smtClean="0"/>
+              <a:t>Шаблон</a:t>
+            </a:r>
+            <a:r>
+              <a:rPr lang="en-US" dirty="0" smtClean="0"/>
+              <a:t>: </a:t>
+            </a:r>
+            <a:r>
+              <a:rPr lang="en-US" dirty="0" smtClean="0">
+                <a:hlinkClick r:id="rId2"/>
+              </a:rPr>
+              <a:t>http://powerpointbase.com</a:t>
+            </a:r>
+            <a:r>
+              <a:rPr lang="ru-RU" dirty="0" smtClean="0"/>
+              <a:t> </a:t>
+            </a:r>
+            <a:endParaRPr lang="en-US" dirty="0" smtClean="0"/>
+          </a:p>
+          <a:p>
+            <a:pPr marL="514350" indent="-514350">
+              <a:buFont typeface="+mj-lt"/>
+              <a:buAutoNum type="arabicPeriod"/>
+            </a:pPr>
+            <a:r>
+              <a:rPr lang="ru-RU" dirty="0"/>
+              <a:t>Иллюстрации</a:t>
+            </a:r>
+            <a:r>
+              <a:rPr lang="en-US" dirty="0"/>
+              <a:t>: https://ru.freepik.com/</a:t>
+            </a:r>
+            <a:endParaRPr lang="ru-RU" dirty="0"/>
+          </a:p>
+          <a:p>
+            <a:pPr marL="514350" indent="-514350">
+              <a:buFont typeface="+mj-lt"/>
+              <a:buAutoNum type="arabicPeriod"/>
+            </a:pPr>
+            <a:endParaRPr lang="en-US" dirty="0" smtClean="0"/>
+          </a:p>
+        </p:txBody>
+      </p:sp>
+      <p:pic>
+        <p:nvPicPr>
+          <p:cNvPr id="4" name="Picture 2" descr="Ярославский государственный университет — Википедия"/>
+          <p:cNvPicPr>
+            <a:picLocks noChangeAspect="1" noChangeArrowheads="1"/>
+          </p:cNvPicPr>
+          <p:nvPr/>
+        </p:nvPicPr>
+        <p:blipFill>
+          <a:blip r:embed="rId3">
+            <a:extLst>
+              <a:ext uri="{28A0092B-C50C-407E-A947-70E740481C1C}">
+                <a14:useLocalDpi xmlns:a14="http://schemas.microsoft.com/office/drawing/2010/main" val="0"/>
+              </a:ext>
+            </a:extLst>
+          </a:blip>
+          <a:srcRect/>
+          <a:stretch>
+            <a:fillRect/>
+          </a:stretch>
+        </p:blipFill>
+        <p:spPr bwMode="auto">
+          <a:xfrm>
+            <a:off x="0" y="5477607"/>
+            <a:ext cx="1380392" cy="1380393"/>
+          </a:xfrm>
+          <a:prstGeom prst="rect">
+            <a:avLst/>
+          </a:prstGeom>
+          <a:noFill/>
+          <a:extLst>
+            <a:ext uri="{909E8E84-426E-40DD-AFC4-6F175D3DCCD1}">
+              <a14:hiddenFill xmlns:a14="http://schemas.microsoft.com/office/drawing/2010/main">
+                <a:solidFill>
+                  <a:srgbClr val="FFFFFF"/>
+                </a:solidFill>
+              </a14:hiddenFill>
+            </a:ext>
+          </a:extLst>
+        </p:spPr>
+      </p:pic>
+    </p:spTree>
+    <p:extLst>
+      <p:ext uri="{BB962C8B-B14F-4D97-AF65-F5344CB8AC3E}">
+        <p14:creationId xmlns:p14="http://schemas.microsoft.com/office/powerpoint/2010/main" val="2551143339"/>
+      </p:ext>
+    </p:extLst>
+  </p:cSld>
+  <p:clrMapOvr>
+    <a:masterClrMapping/>
+  </p:clrMapOvr>
+  <p:timing>
+    <p:tnLst>
+      <p:par>
+        <p:cTn id="1" dur="indefinite" restart="never" nodeType="tmRoot"/>
+      </p:par>
+    </p:tnLst>
+  </p:timing>
 </p:sld>
 </file>
 
@@ -3582,16 +7057,28 @@
             <p:ph type="title"/>
           </p:nvPr>
         </p:nvSpPr>
-        <p:spPr/>
+        <p:spPr>
+          <a:xfrm>
+            <a:off x="0" y="291305"/>
+            <a:ext cx="12107008" cy="696667"/>
+          </a:xfrm>
+        </p:spPr>
         <p:txBody>
           <a:bodyPr/>
           <a:lstStyle/>
           <a:p>
-            <a:r>
-              <a:rPr lang="en-US" dirty="0"/>
-              <a:t>Slide title</a:t>
-            </a:r>
-            <a:endParaRPr lang="ru-UA" dirty="0"/>
+            <a:pPr algn="ctr"/>
+            <a:r>
+              <a:rPr lang="ru-RU" dirty="0" smtClean="0">
+                <a:latin typeface="Times New Roman" panose="02020603050405020304" pitchFamily="18" charset="0"/>
+                <a:cs typeface="Times New Roman" panose="02020603050405020304" pitchFamily="18" charset="0"/>
+              </a:rPr>
+              <a:t>План доклада</a:t>
+            </a:r>
+            <a:endParaRPr lang="ru-UA" dirty="0">
+              <a:latin typeface="Times New Roman" panose="02020603050405020304" pitchFamily="18" charset="0"/>
+              <a:cs typeface="Times New Roman" panose="02020603050405020304" pitchFamily="18" charset="0"/>
+            </a:endParaRPr>
           </a:p>
         </p:txBody>
       </p:sp>
@@ -3611,10 +7098,10 @@
         </p:nvGrpSpPr>
         <p:grpSpPr bwMode="auto">
           <a:xfrm>
-            <a:off x="3541776" y="4297645"/>
-            <a:ext cx="5105400" cy="555625"/>
-            <a:chOff x="1248" y="1440"/>
-            <a:chExt cx="3216" cy="350"/>
+            <a:off x="3541776" y="4289709"/>
+            <a:ext cx="5692778" cy="563563"/>
+            <a:chOff x="1248" y="1435"/>
+            <a:chExt cx="3216" cy="355"/>
           </a:xfrm>
         </p:grpSpPr>
         <p:sp>
@@ -3671,7 +7158,10 @@
             <a:bodyPr wrap="none" anchor="ctr"/>
             <a:lstStyle/>
             <a:p>
-              <a:endParaRPr lang="en-US"/>
+              <a:endParaRPr lang="en-US">
+                <a:latin typeface="Times New Roman" panose="02020603050405020304" pitchFamily="18" charset="0"/>
+                <a:cs typeface="Times New Roman" panose="02020603050405020304" pitchFamily="18" charset="0"/>
+              </a:endParaRPr>
             </a:p>
           </p:txBody>
         </p:sp>
@@ -3749,7 +7239,10 @@
             </a:bodyPr>
             <a:lstStyle/>
             <a:p>
-              <a:endParaRPr lang="en-US"/>
+              <a:endParaRPr lang="en-US">
+                <a:latin typeface="Times New Roman" panose="02020603050405020304" pitchFamily="18" charset="0"/>
+                <a:cs typeface="Times New Roman" panose="02020603050405020304" pitchFamily="18" charset="0"/>
+              </a:endParaRPr>
             </a:p>
           </p:txBody>
         </p:sp>
@@ -3769,8 +7262,8 @@
           </p:nvSpPr>
           <p:spPr bwMode="gray">
             <a:xfrm>
-              <a:off x="2256" y="1482"/>
-              <a:ext cx="1536" cy="288"/>
+              <a:off x="1686" y="1435"/>
+              <a:ext cx="1772" cy="291"/>
             </a:xfrm>
             <a:prstGeom prst="rect">
               <a:avLst/>
@@ -3817,13 +7310,22 @@
             <a:p>
               <a:pPr algn="l"/>
               <a:r>
-                <a:rPr lang="en-US" sz="2400">
+                <a:rPr lang="ru-RU" sz="2400" dirty="0" smtClean="0">
                   <a:solidFill>
                     <a:srgbClr val="000000"/>
                   </a:solidFill>
+                  <a:latin typeface="Times New Roman" panose="02020603050405020304" pitchFamily="18" charset="0"/>
+                  <a:cs typeface="Times New Roman" panose="02020603050405020304" pitchFamily="18" charset="0"/>
                 </a:rPr>
-                <a:t>Click to add Title</a:t>
+                <a:t>Исторический экскурс</a:t>
               </a:r>
+              <a:endParaRPr lang="en-US" sz="2400" dirty="0">
+                <a:solidFill>
+                  <a:srgbClr val="000000"/>
+                </a:solidFill>
+                <a:latin typeface="Times New Roman" panose="02020603050405020304" pitchFamily="18" charset="0"/>
+                <a:cs typeface="Times New Roman" panose="02020603050405020304" pitchFamily="18" charset="0"/>
+              </a:endParaRPr>
             </a:p>
           </p:txBody>
         </p:sp>
@@ -3844,7 +7346,7 @@
           <p:spPr bwMode="gray">
             <a:xfrm>
               <a:off x="1296" y="1454"/>
-              <a:ext cx="223" cy="288"/>
+              <a:ext cx="191" cy="291"/>
             </a:xfrm>
             <a:prstGeom prst="rect">
               <a:avLst/>
@@ -3894,6 +7396,8 @@
                   <a:solidFill>
                     <a:srgbClr val="FFFFFF"/>
                   </a:solidFill>
+                  <a:latin typeface="Times New Roman" panose="02020603050405020304" pitchFamily="18" charset="0"/>
+                  <a:cs typeface="Times New Roman" panose="02020603050405020304" pitchFamily="18" charset="0"/>
                 </a:rPr>
                 <a:t>4</a:t>
               </a:r>
@@ -3917,10 +7421,10 @@
         </p:nvGrpSpPr>
         <p:grpSpPr bwMode="auto">
           <a:xfrm>
-            <a:off x="3541776" y="1783045"/>
-            <a:ext cx="5105400" cy="555625"/>
-            <a:chOff x="1248" y="2030"/>
-            <a:chExt cx="3216" cy="350"/>
+            <a:off x="3541776" y="1778285"/>
+            <a:ext cx="5810253" cy="560388"/>
+            <a:chOff x="1248" y="2027"/>
+            <a:chExt cx="3660" cy="353"/>
           </a:xfrm>
         </p:grpSpPr>
         <p:sp>
@@ -3938,9 +7442,9 @@
             <p:nvPr/>
           </p:nvSpPr>
           <p:spPr bwMode="gray">
-            <a:xfrm>
-              <a:off x="1440" y="2380"/>
-              <a:ext cx="3024" cy="0"/>
+            <a:xfrm flipV="1">
+              <a:off x="1440" y="2379"/>
+              <a:ext cx="3394" cy="1"/>
             </a:xfrm>
             <a:prstGeom prst="line">
               <a:avLst/>
@@ -3977,7 +7481,10 @@
             <a:bodyPr wrap="none" anchor="ctr"/>
             <a:lstStyle/>
             <a:p>
-              <a:endParaRPr lang="en-US"/>
+              <a:endParaRPr lang="en-US">
+                <a:latin typeface="Times New Roman" panose="02020603050405020304" pitchFamily="18" charset="0"/>
+                <a:cs typeface="Times New Roman" panose="02020603050405020304" pitchFamily="18" charset="0"/>
+              </a:endParaRPr>
             </a:p>
           </p:txBody>
         </p:sp>
@@ -4055,7 +7562,10 @@
             </a:bodyPr>
             <a:lstStyle/>
             <a:p>
-              <a:endParaRPr lang="en-US"/>
+              <a:endParaRPr lang="en-US">
+                <a:latin typeface="Times New Roman" panose="02020603050405020304" pitchFamily="18" charset="0"/>
+                <a:cs typeface="Times New Roman" panose="02020603050405020304" pitchFamily="18" charset="0"/>
+              </a:endParaRPr>
             </a:p>
           </p:txBody>
         </p:sp>
@@ -4075,8 +7585,8 @@
           </p:nvSpPr>
           <p:spPr bwMode="gray">
             <a:xfrm>
-              <a:off x="2256" y="2072"/>
-              <a:ext cx="1536" cy="288"/>
+              <a:off x="1736" y="2027"/>
+              <a:ext cx="3172" cy="291"/>
             </a:xfrm>
             <a:prstGeom prst="rect">
               <a:avLst/>
@@ -4123,13 +7633,52 @@
             <a:p>
               <a:pPr algn="l"/>
               <a:r>
-                <a:rPr lang="en-US" sz="2400">
+                <a:rPr lang="ru-RU" sz="2400" dirty="0" err="1" smtClean="0">
                   <a:solidFill>
                     <a:srgbClr val="000000"/>
                   </a:solidFill>
+                  <a:latin typeface="Times New Roman" panose="02020603050405020304" pitchFamily="18" charset="0"/>
+                  <a:cs typeface="Times New Roman" panose="02020603050405020304" pitchFamily="18" charset="0"/>
                 </a:rPr>
-                <a:t>Click to add Title</a:t>
+                <a:t>Микросервисная</a:t>
               </a:r>
+              <a:r>
+                <a:rPr lang="ru-RU" sz="2400" dirty="0" smtClean="0">
+                  <a:solidFill>
+                    <a:srgbClr val="000000"/>
+                  </a:solidFill>
+                  <a:latin typeface="Times New Roman" panose="02020603050405020304" pitchFamily="18" charset="0"/>
+                  <a:cs typeface="Times New Roman" panose="02020603050405020304" pitchFamily="18" charset="0"/>
+                </a:rPr>
+                <a:t> архитектура (</a:t>
+              </a:r>
+              <a:r>
+                <a:rPr lang="en-US" sz="2400" dirty="0" smtClean="0">
+                  <a:solidFill>
+                    <a:srgbClr val="000000"/>
+                  </a:solidFill>
+                  <a:latin typeface="Times New Roman" panose="02020603050405020304" pitchFamily="18" charset="0"/>
+                  <a:cs typeface="Times New Roman" panose="02020603050405020304" pitchFamily="18" charset="0"/>
+                </a:rPr>
+                <a:t>MSA</a:t>
+              </a:r>
+              <a:r>
+                <a:rPr lang="ru-RU" sz="2400" dirty="0" smtClean="0">
+                  <a:solidFill>
+                    <a:srgbClr val="000000"/>
+                  </a:solidFill>
+                  <a:latin typeface="Times New Roman" panose="02020603050405020304" pitchFamily="18" charset="0"/>
+                  <a:cs typeface="Times New Roman" panose="02020603050405020304" pitchFamily="18" charset="0"/>
+                </a:rPr>
+                <a:t>)</a:t>
+              </a:r>
+              <a:endParaRPr lang="en-US" sz="2400" dirty="0">
+                <a:solidFill>
+                  <a:srgbClr val="000000"/>
+                </a:solidFill>
+                <a:latin typeface="Times New Roman" panose="02020603050405020304" pitchFamily="18" charset="0"/>
+                <a:cs typeface="Times New Roman" panose="02020603050405020304" pitchFamily="18" charset="0"/>
+              </a:endParaRPr>
             </a:p>
           </p:txBody>
         </p:sp>
@@ -4150,7 +7699,7 @@
           <p:spPr bwMode="gray">
             <a:xfrm>
               <a:off x="1296" y="2044"/>
-              <a:ext cx="223" cy="288"/>
+              <a:ext cx="213" cy="291"/>
             </a:xfrm>
             <a:prstGeom prst="rect">
               <a:avLst/>
@@ -4200,6 +7749,8 @@
                   <a:solidFill>
                     <a:srgbClr val="FFFFFF"/>
                   </a:solidFill>
+                  <a:latin typeface="Times New Roman" panose="02020603050405020304" pitchFamily="18" charset="0"/>
+                  <a:cs typeface="Times New Roman" panose="02020603050405020304" pitchFamily="18" charset="0"/>
                 </a:rPr>
                 <a:t>1</a:t>
               </a:r>
@@ -4223,8 +7774,8 @@
         </p:nvGrpSpPr>
         <p:grpSpPr bwMode="auto">
           <a:xfrm>
-            <a:off x="3541776" y="2621245"/>
-            <a:ext cx="5105400" cy="555625"/>
+            <a:off x="3541776" y="2624708"/>
+            <a:ext cx="5692778" cy="699848"/>
             <a:chOff x="1248" y="2640"/>
             <a:chExt cx="3216" cy="350"/>
           </a:xfrm>
@@ -4283,7 +7834,10 @@
             <a:bodyPr wrap="none" anchor="ctr"/>
             <a:lstStyle/>
             <a:p>
-              <a:endParaRPr lang="en-US"/>
+              <a:endParaRPr lang="en-US">
+                <a:latin typeface="Times New Roman" panose="02020603050405020304" pitchFamily="18" charset="0"/>
+                <a:cs typeface="Times New Roman" panose="02020603050405020304" pitchFamily="18" charset="0"/>
+              </a:endParaRPr>
             </a:p>
           </p:txBody>
         </p:sp>
@@ -4361,7 +7915,10 @@
             </a:bodyPr>
             <a:lstStyle/>
             <a:p>
-              <a:endParaRPr lang="en-US"/>
+              <a:endParaRPr lang="en-US">
+                <a:latin typeface="Times New Roman" panose="02020603050405020304" pitchFamily="18" charset="0"/>
+                <a:cs typeface="Times New Roman" panose="02020603050405020304" pitchFamily="18" charset="0"/>
+              </a:endParaRPr>
             </a:p>
           </p:txBody>
         </p:sp>
@@ -4381,8 +7938,8 @@
           </p:nvSpPr>
           <p:spPr bwMode="gray">
             <a:xfrm>
-              <a:off x="2256" y="2682"/>
-              <a:ext cx="1536" cy="288"/>
+              <a:off x="1703" y="2695"/>
+              <a:ext cx="2089" cy="231"/>
             </a:xfrm>
             <a:prstGeom prst="rect">
               <a:avLst/>
@@ -4429,13 +7986,42 @@
             <a:p>
               <a:pPr algn="l"/>
               <a:r>
-                <a:rPr lang="en-US" sz="2400">
+                <a:rPr lang="ru-RU" sz="2400" dirty="0" smtClean="0">
                   <a:solidFill>
                     <a:srgbClr val="000000"/>
                   </a:solidFill>
+                  <a:latin typeface="Times New Roman" panose="02020603050405020304" pitchFamily="18" charset="0"/>
+                  <a:cs typeface="Times New Roman" panose="02020603050405020304" pitchFamily="18" charset="0"/>
                 </a:rPr>
-                <a:t>Click to add Title</a:t>
+                <a:t>Монолит </a:t>
               </a:r>
+              <a:r>
+                <a:rPr lang="en-US" sz="2400" dirty="0" smtClean="0">
+                  <a:solidFill>
+                    <a:srgbClr val="000000"/>
+                  </a:solidFill>
+                  <a:latin typeface="Times New Roman" panose="02020603050405020304" pitchFamily="18" charset="0"/>
+                  <a:cs typeface="Times New Roman" panose="02020603050405020304" pitchFamily="18" charset="0"/>
+                </a:rPr>
+                <a:t>VS </a:t>
+              </a:r>
+              <a:r>
+                <a:rPr lang="ru-RU" sz="2400" dirty="0" err="1" smtClean="0">
+                  <a:solidFill>
+                    <a:srgbClr val="000000"/>
+                  </a:solidFill>
+                  <a:latin typeface="Times New Roman" panose="02020603050405020304" pitchFamily="18" charset="0"/>
+                  <a:cs typeface="Times New Roman" panose="02020603050405020304" pitchFamily="18" charset="0"/>
+                </a:rPr>
+                <a:t>Микросервис</a:t>
+              </a:r>
+              <a:endParaRPr lang="en-US" sz="2400" dirty="0">
+                <a:solidFill>
+                  <a:srgbClr val="000000"/>
+                </a:solidFill>
+                <a:latin typeface="Times New Roman" panose="02020603050405020304" pitchFamily="18" charset="0"/>
+                <a:cs typeface="Times New Roman" panose="02020603050405020304" pitchFamily="18" charset="0"/>
+              </a:endParaRPr>
             </a:p>
           </p:txBody>
         </p:sp>
@@ -4456,7 +8042,7 @@
           <p:spPr bwMode="gray">
             <a:xfrm>
               <a:off x="1296" y="2654"/>
-              <a:ext cx="223" cy="288"/>
+              <a:ext cx="191" cy="231"/>
             </a:xfrm>
             <a:prstGeom prst="rect">
               <a:avLst/>
@@ -4506,6 +8092,8 @@
                   <a:solidFill>
                     <a:srgbClr val="FFFFFF"/>
                   </a:solidFill>
+                  <a:latin typeface="Times New Roman" panose="02020603050405020304" pitchFamily="18" charset="0"/>
+                  <a:cs typeface="Times New Roman" panose="02020603050405020304" pitchFamily="18" charset="0"/>
                 </a:rPr>
                 <a:t>2</a:t>
               </a:r>
@@ -4529,8 +8117,8 @@
         </p:nvGrpSpPr>
         <p:grpSpPr bwMode="auto">
           <a:xfrm>
-            <a:off x="3541776" y="3459445"/>
-            <a:ext cx="5105400" cy="555625"/>
+            <a:off x="3541775" y="3459578"/>
+            <a:ext cx="5692779" cy="578264"/>
             <a:chOff x="1248" y="3230"/>
             <a:chExt cx="3216" cy="350"/>
           </a:xfrm>
@@ -4589,7 +8177,10 @@
             <a:bodyPr wrap="none" anchor="ctr"/>
             <a:lstStyle/>
             <a:p>
-              <a:endParaRPr lang="en-US"/>
+              <a:endParaRPr lang="en-US">
+                <a:latin typeface="Times New Roman" panose="02020603050405020304" pitchFamily="18" charset="0"/>
+                <a:cs typeface="Times New Roman" panose="02020603050405020304" pitchFamily="18" charset="0"/>
+              </a:endParaRPr>
             </a:p>
           </p:txBody>
         </p:sp>
@@ -4667,7 +8258,10 @@
             </a:bodyPr>
             <a:lstStyle/>
             <a:p>
-              <a:endParaRPr lang="en-US"/>
+              <a:endParaRPr lang="en-US">
+                <a:latin typeface="Times New Roman" panose="02020603050405020304" pitchFamily="18" charset="0"/>
+                <a:cs typeface="Times New Roman" panose="02020603050405020304" pitchFamily="18" charset="0"/>
+              </a:endParaRPr>
             </a:p>
           </p:txBody>
         </p:sp>
@@ -4687,8 +8281,8 @@
           </p:nvSpPr>
           <p:spPr bwMode="gray">
             <a:xfrm>
-              <a:off x="2256" y="3272"/>
-              <a:ext cx="1536" cy="288"/>
+              <a:off x="1707" y="3239"/>
+              <a:ext cx="757" cy="279"/>
             </a:xfrm>
             <a:prstGeom prst="rect">
               <a:avLst/>
@@ -4735,13 +8329,22 @@
             <a:p>
               <a:pPr algn="l"/>
               <a:r>
-                <a:rPr lang="en-US" sz="2400">
+                <a:rPr lang="en-US" sz="2400" dirty="0" smtClean="0">
                   <a:solidFill>
                     <a:srgbClr val="000000"/>
                   </a:solidFill>
+                  <a:latin typeface="Times New Roman" panose="02020603050405020304" pitchFamily="18" charset="0"/>
+                  <a:cs typeface="Times New Roman" panose="02020603050405020304" pitchFamily="18" charset="0"/>
                 </a:rPr>
-                <a:t>Click to add Title</a:t>
+                <a:t>MINIX 3</a:t>
               </a:r>
+              <a:endParaRPr lang="en-US" sz="2400" dirty="0">
+                <a:solidFill>
+                  <a:srgbClr val="000000"/>
+                </a:solidFill>
+                <a:latin typeface="Times New Roman" panose="02020603050405020304" pitchFamily="18" charset="0"/>
+                <a:cs typeface="Times New Roman" panose="02020603050405020304" pitchFamily="18" charset="0"/>
+              </a:endParaRPr>
             </a:p>
           </p:txBody>
         </p:sp>
@@ -4762,7 +8365,7 @@
           <p:spPr bwMode="gray">
             <a:xfrm>
               <a:off x="1296" y="3244"/>
-              <a:ext cx="223" cy="288"/>
+              <a:ext cx="191" cy="279"/>
             </a:xfrm>
             <a:prstGeom prst="rect">
               <a:avLst/>
@@ -4812,6 +8415,8 @@
                   <a:solidFill>
                     <a:srgbClr val="FFFFFF"/>
                   </a:solidFill>
+                  <a:latin typeface="Times New Roman" panose="02020603050405020304" pitchFamily="18" charset="0"/>
+                  <a:cs typeface="Times New Roman" panose="02020603050405020304" pitchFamily="18" charset="0"/>
                 </a:rPr>
                 <a:t>3</a:t>
               </a:r>
@@ -4835,10 +8440,10 @@
         </p:nvGrpSpPr>
         <p:grpSpPr bwMode="auto">
           <a:xfrm>
-            <a:off x="3541776" y="5158070"/>
-            <a:ext cx="5105400" cy="555625"/>
-            <a:chOff x="1248" y="3230"/>
-            <a:chExt cx="3216" cy="350"/>
+            <a:off x="3541776" y="5089819"/>
+            <a:ext cx="5692778" cy="623889"/>
+            <a:chOff x="1248" y="3187"/>
+            <a:chExt cx="3216" cy="393"/>
           </a:xfrm>
         </p:grpSpPr>
         <p:sp>
@@ -4895,7 +8500,10 @@
             <a:bodyPr wrap="none" anchor="ctr"/>
             <a:lstStyle/>
             <a:p>
-              <a:endParaRPr lang="en-US"/>
+              <a:endParaRPr lang="en-US">
+                <a:latin typeface="Times New Roman" panose="02020603050405020304" pitchFamily="18" charset="0"/>
+                <a:cs typeface="Times New Roman" panose="02020603050405020304" pitchFamily="18" charset="0"/>
+              </a:endParaRPr>
             </a:p>
           </p:txBody>
         </p:sp>
@@ -4973,7 +8581,10 @@
             </a:bodyPr>
             <a:lstStyle/>
             <a:p>
-              <a:endParaRPr lang="en-US"/>
+              <a:endParaRPr lang="en-US">
+                <a:latin typeface="Times New Roman" panose="02020603050405020304" pitchFamily="18" charset="0"/>
+                <a:cs typeface="Times New Roman" panose="02020603050405020304" pitchFamily="18" charset="0"/>
+              </a:endParaRPr>
             </a:p>
           </p:txBody>
         </p:sp>
@@ -4993,8 +8604,8 @@
           </p:nvSpPr>
           <p:spPr bwMode="gray">
             <a:xfrm>
-              <a:off x="2256" y="3272"/>
-              <a:ext cx="1536" cy="288"/>
+              <a:off x="1703" y="3187"/>
+              <a:ext cx="772" cy="291"/>
             </a:xfrm>
             <a:prstGeom prst="rect">
               <a:avLst/>
@@ -5041,13 +8652,22 @@
             <a:p>
               <a:pPr algn="l"/>
               <a:r>
-                <a:rPr lang="en-US" sz="2400">
+                <a:rPr lang="ru-RU" sz="2400" dirty="0" smtClean="0">
                   <a:solidFill>
                     <a:srgbClr val="000000"/>
                   </a:solidFill>
+                  <a:latin typeface="Times New Roman" panose="02020603050405020304" pitchFamily="18" charset="0"/>
+                  <a:cs typeface="Times New Roman" panose="02020603050405020304" pitchFamily="18" charset="0"/>
                 </a:rPr>
-                <a:t>Click to add Title</a:t>
+                <a:t>Вопросы</a:t>
               </a:r>
+              <a:endParaRPr lang="en-US" sz="2400" dirty="0">
+                <a:solidFill>
+                  <a:srgbClr val="000000"/>
+                </a:solidFill>
+                <a:latin typeface="Times New Roman" panose="02020603050405020304" pitchFamily="18" charset="0"/>
+                <a:cs typeface="Times New Roman" panose="02020603050405020304" pitchFamily="18" charset="0"/>
+              </a:endParaRPr>
             </a:p>
           </p:txBody>
         </p:sp>
@@ -5068,7 +8688,7 @@
           <p:spPr bwMode="gray">
             <a:xfrm>
               <a:off x="1296" y="3244"/>
-              <a:ext cx="223" cy="288"/>
+              <a:ext cx="191" cy="291"/>
             </a:xfrm>
             <a:prstGeom prst="rect">
               <a:avLst/>
@@ -5118,6 +8738,8 @@
                   <a:solidFill>
                     <a:srgbClr val="FFFFFF"/>
                   </a:solidFill>
+                  <a:latin typeface="Times New Roman" panose="02020603050405020304" pitchFamily="18" charset="0"/>
+                  <a:cs typeface="Times New Roman" panose="02020603050405020304" pitchFamily="18" charset="0"/>
                 </a:rPr>
                 <a:t>5</a:t>
               </a:r>
@@ -5125,6 +8747,47 @@
           </p:txBody>
         </p:sp>
       </p:grpSp>
+      <p:pic>
+        <p:nvPicPr>
+          <p:cNvPr id="29" name="Picture 2" descr="Ярославский государственный университет — Википедия"/>
+          <p:cNvPicPr>
+            <a:picLocks noChangeAspect="1" noChangeArrowheads="1"/>
+          </p:cNvPicPr>
+          <p:nvPr/>
+        </p:nvPicPr>
+        <p:blipFill>
+          <a:blip r:embed="rId2">
+            <a:extLst>
+              <a:ext uri="{28A0092B-C50C-407E-A947-70E740481C1C}">
+                <a14:useLocalDpi xmlns:a14="http://schemas.microsoft.com/office/drawing/2010/main" val="0"/>
+              </a:ext>
+            </a:extLst>
+          </a:blip>
+          <a:srcRect/>
+          <a:stretch>
+            <a:fillRect/>
+          </a:stretch>
+        </p:blipFill>
+        <p:spPr bwMode="auto">
+          <a:xfrm>
+            <a:off x="0" y="5477607"/>
+            <a:ext cx="1380392" cy="1380393"/>
+          </a:xfrm>
+          <a:prstGeom prst="rect">
+            <a:avLst/>
+          </a:prstGeom>
+          <a:noFill/>
+          <a:extLst>
+            <a:ext uri="{909E8E84-426E-40DD-AFC4-6F175D3DCCD1}">
+              <a14:hiddenFill xmlns:a14="http://schemas.microsoft.com/office/drawing/2010/main">
+                <a:solidFill>
+                  <a:srgbClr val="FFFFFF"/>
+                </a:solidFill>
+              </a14:hiddenFill>
+            </a:ext>
+          </a:extLst>
+        </p:spPr>
+      </p:pic>
     </p:spTree>
     <p:extLst>
       <p:ext uri="{BB962C8B-B14F-4D97-AF65-F5344CB8AC3E}">
@@ -5135,6 +8798,13 @@
   <p:clrMapOvr>
     <a:masterClrMapping/>
   </p:clrMapOvr>
+  <p:timing>
+    <p:tnLst>
+      <p:par>
+        <p:cTn id="1" dur="indefinite" restart="never" nodeType="tmRoot"/>
+      </p:par>
+    </p:tnLst>
+  </p:timing>
 </p:sld>
 </file>
 
@@ -5157,7 +8827,7 @@
       </p:grpSpPr>
       <p:sp>
         <p:nvSpPr>
-          <p:cNvPr id="2" name="Title 1"/>
+          <p:cNvPr id="2" name="Заголовок 1"/>
           <p:cNvSpPr>
             <a:spLocks noGrp="1"/>
           </p:cNvSpPr>
@@ -5165,370 +8835,1654 @@
             <p:ph type="title"/>
           </p:nvPr>
         </p:nvSpPr>
-        <p:spPr/>
+        <p:spPr>
+          <a:xfrm>
+            <a:off x="0" y="291305"/>
+            <a:ext cx="12192000" cy="696667"/>
+          </a:xfrm>
+        </p:spPr>
         <p:txBody>
           <a:bodyPr/>
           <a:lstStyle/>
           <a:p>
-            <a:endParaRPr lang="en-US"/>
+            <a:pPr algn="ctr"/>
+            <a:r>
+              <a:rPr lang="ru-RU" dirty="0" smtClean="0">
+                <a:latin typeface="Times New Roman" panose="02020603050405020304" pitchFamily="18" charset="0"/>
+                <a:cs typeface="Times New Roman" panose="02020603050405020304" pitchFamily="18" charset="0"/>
+              </a:rPr>
+              <a:t>1.</a:t>
+            </a:r>
+            <a:r>
+              <a:rPr lang="en-US" dirty="0" err="1" smtClean="0">
+                <a:latin typeface="Times New Roman" panose="02020603050405020304" pitchFamily="18" charset="0"/>
+                <a:cs typeface="Times New Roman" panose="02020603050405020304" pitchFamily="18" charset="0"/>
+              </a:rPr>
+              <a:t>MicroService</a:t>
+            </a:r>
+            <a:endParaRPr lang="ru-RU" dirty="0">
+              <a:latin typeface="Times New Roman" panose="02020603050405020304" pitchFamily="18" charset="0"/>
+              <a:cs typeface="Times New Roman" panose="02020603050405020304" pitchFamily="18" charset="0"/>
+            </a:endParaRPr>
           </a:p>
         </p:txBody>
       </p:sp>
       <p:sp>
         <p:nvSpPr>
-          <p:cNvPr id="4" name="Прямоугольник 3"/>
-          <p:cNvSpPr/>
+          <p:cNvPr id="3" name="Объект 2"/>
+          <p:cNvSpPr>
+            <a:spLocks noGrp="1"/>
+          </p:cNvSpPr>
+          <p:nvPr>
+            <p:ph idx="1"/>
+          </p:nvPr>
+        </p:nvSpPr>
+        <p:spPr>
+          <a:xfrm>
+            <a:off x="1770184" y="1104656"/>
+            <a:ext cx="10515600" cy="1031875"/>
+          </a:xfrm>
+        </p:spPr>
+        <p:txBody>
+          <a:bodyPr/>
+          <a:lstStyle/>
+          <a:p>
+            <a:r>
+              <a:rPr lang="ru-RU" i="1" dirty="0" err="1">
+                <a:latin typeface="Times New Roman" panose="02020603050405020304" pitchFamily="18" charset="0"/>
+                <a:cs typeface="Times New Roman" panose="02020603050405020304" pitchFamily="18" charset="0"/>
+              </a:rPr>
+              <a:t>Микросервис</a:t>
+            </a:r>
+            <a:r>
+              <a:rPr lang="ru-RU" dirty="0">
+                <a:latin typeface="Times New Roman" panose="02020603050405020304" pitchFamily="18" charset="0"/>
+                <a:cs typeface="Times New Roman" panose="02020603050405020304" pitchFamily="18" charset="0"/>
+              </a:rPr>
+              <a:t> – отдельная, независимая, выполняющая свою задачу, составная единица приложения.</a:t>
+            </a:r>
+            <a:endParaRPr lang="ru-RU" dirty="0">
+              <a:latin typeface="Times New Roman" panose="02020603050405020304" pitchFamily="18" charset="0"/>
+              <a:cs typeface="Times New Roman" panose="02020603050405020304" pitchFamily="18" charset="0"/>
+            </a:endParaRPr>
+          </a:p>
+        </p:txBody>
+      </p:sp>
+      <p:sp>
+        <p:nvSpPr>
+          <p:cNvPr id="4" name="TextBox 3"/>
+          <p:cNvSpPr txBox="1"/>
           <p:nvPr/>
         </p:nvSpPr>
         <p:spPr>
           <a:xfrm>
-            <a:off x="0" y="0"/>
-            <a:ext cx="12192000" cy="6858000"/>
+            <a:off x="888022" y="3156438"/>
+            <a:ext cx="3922741" cy="1846659"/>
           </a:xfrm>
           <a:prstGeom prst="rect">
             <a:avLst/>
           </a:prstGeom>
-          <a:gradFill flip="none" rotWithShape="1">
-            <a:gsLst>
-              <a:gs pos="0">
-                <a:schemeClr val="accent3">
-                  <a:lumMod val="5000"/>
-                  <a:lumOff val="95000"/>
-                </a:schemeClr>
-              </a:gs>
-              <a:gs pos="74000">
-                <a:schemeClr val="accent3">
-                  <a:lumMod val="45000"/>
-                  <a:lumOff val="55000"/>
-                </a:schemeClr>
-              </a:gs>
-              <a:gs pos="83000">
-                <a:schemeClr val="accent3">
-                  <a:lumMod val="45000"/>
-                  <a:lumOff val="55000"/>
-                </a:schemeClr>
-              </a:gs>
-              <a:gs pos="100000">
-                <a:schemeClr val="accent3">
-                  <a:lumMod val="30000"/>
-                  <a:lumOff val="70000"/>
-                </a:schemeClr>
-              </a:gs>
-            </a:gsLst>
-            <a:lin ang="5400000" scaled="1"/>
-            <a:tileRect/>
-          </a:gradFill>
-          <a:ln>
-            <a:noFill/>
-          </a:ln>
+          <a:noFill/>
         </p:spPr>
-        <p:style>
-          <a:lnRef idx="2">
-            <a:schemeClr val="accent1">
-              <a:shade val="50000"/>
-            </a:schemeClr>
-          </a:lnRef>
-          <a:fillRef idx="1">
-            <a:schemeClr val="accent1"/>
-          </a:fillRef>
-          <a:effectRef idx="0">
-            <a:schemeClr val="accent1"/>
-          </a:effectRef>
-          <a:fontRef idx="minor">
-            <a:schemeClr val="lt1"/>
-          </a:fontRef>
-        </p:style>
         <p:txBody>
-          <a:bodyPr rtlCol="0" anchor="ctr"/>
+          <a:bodyPr wrap="none" rtlCol="0">
+            <a:spAutoFit/>
+          </a:bodyPr>
           <a:lstStyle/>
           <a:p>
-            <a:pPr algn="ctr"/>
-            <a:endParaRPr lang="ru-RU" dirty="0"/>
+            <a:pPr marL="285750" lvl="0" indent="-285750">
+              <a:buFont typeface="Arial" panose="020B0604020202020204" pitchFamily="34" charset="0"/>
+              <a:buChar char="•"/>
+            </a:pPr>
+            <a:r>
+              <a:rPr lang="ru-RU" sz="2400" dirty="0">
+                <a:latin typeface="Times New Roman" panose="02020603050405020304" pitchFamily="18" charset="0"/>
+                <a:cs typeface="Times New Roman" panose="02020603050405020304" pitchFamily="18" charset="0"/>
+              </a:rPr>
+              <a:t>Небольшой</a:t>
+            </a:r>
+          </a:p>
+          <a:p>
+            <a:pPr marL="285750" lvl="0" indent="-285750">
+              <a:buFont typeface="Arial" panose="020B0604020202020204" pitchFamily="34" charset="0"/>
+              <a:buChar char="•"/>
+            </a:pPr>
+            <a:r>
+              <a:rPr lang="ru-RU" sz="2400" dirty="0">
+                <a:latin typeface="Times New Roman" panose="02020603050405020304" pitchFamily="18" charset="0"/>
+                <a:cs typeface="Times New Roman" panose="02020603050405020304" pitchFamily="18" charset="0"/>
+              </a:rPr>
+              <a:t>Узкоспециализированный</a:t>
+            </a:r>
+          </a:p>
+          <a:p>
+            <a:pPr marL="285750" lvl="0" indent="-285750">
+              <a:buFont typeface="Arial" panose="020B0604020202020204" pitchFamily="34" charset="0"/>
+              <a:buChar char="•"/>
+            </a:pPr>
+            <a:r>
+              <a:rPr lang="ru-RU" sz="2400" dirty="0">
+                <a:latin typeface="Times New Roman" panose="02020603050405020304" pitchFamily="18" charset="0"/>
+                <a:cs typeface="Times New Roman" panose="02020603050405020304" pitchFamily="18" charset="0"/>
+              </a:rPr>
+              <a:t>Независимый</a:t>
+            </a:r>
+          </a:p>
+          <a:p>
+            <a:pPr marL="285750" lvl="0" indent="-285750">
+              <a:buFont typeface="Arial" panose="020B0604020202020204" pitchFamily="34" charset="0"/>
+              <a:buChar char="•"/>
+            </a:pPr>
+            <a:r>
+              <a:rPr lang="ru-RU" sz="2400" dirty="0">
+                <a:latin typeface="Times New Roman" panose="02020603050405020304" pitchFamily="18" charset="0"/>
+                <a:cs typeface="Times New Roman" panose="02020603050405020304" pitchFamily="18" charset="0"/>
+              </a:rPr>
+              <a:t>Закрытый</a:t>
+            </a:r>
+          </a:p>
+          <a:p>
+            <a:endParaRPr lang="ru-RU" dirty="0">
+              <a:latin typeface="Times New Roman" panose="02020603050405020304" pitchFamily="18" charset="0"/>
+              <a:cs typeface="Times New Roman" panose="02020603050405020304" pitchFamily="18" charset="0"/>
+            </a:endParaRPr>
           </a:p>
         </p:txBody>
       </p:sp>
       <p:pic>
         <p:nvPicPr>
-          <p:cNvPr id="16" name="Content Placeholder 15"/>
+          <p:cNvPr id="5" name="Рисунок 4"/>
           <p:cNvPicPr>
-            <a:picLocks noGrp="1" noChangeAspect="1"/>
+            <a:picLocks noChangeAspect="1"/>
           </p:cNvPicPr>
-          <p:nvPr>
-            <p:ph idx="1"/>
-          </p:nvPr>
+          <p:nvPr/>
         </p:nvPicPr>
         <p:blipFill>
-          <a:blip r:embed="rId2">
-            <a:extLst>
-              <a:ext uri="{28A0092B-C50C-407E-A947-70E740481C1C}">
-                <a14:useLocalDpi xmlns:a14="http://schemas.microsoft.com/office/drawing/2010/main" val="0"/>
-              </a:ext>
-            </a:extLst>
-          </a:blip>
+          <a:blip r:embed="rId2"/>
           <a:stretch>
             <a:fillRect/>
           </a:stretch>
         </p:blipFill>
         <p:spPr>
           <a:xfrm>
-            <a:off x="307630" y="165347"/>
-            <a:ext cx="2487930" cy="746379"/>
-          </a:xfrm>
-        </p:spPr>
-      </p:pic>
-      <p:sp>
-        <p:nvSpPr>
-          <p:cNvPr id="5" name="Прямоугольник 6"/>
-          <p:cNvSpPr/>
-          <p:nvPr/>
-        </p:nvSpPr>
-        <p:spPr>
-          <a:xfrm>
-            <a:off x="7847376" y="1179779"/>
-            <a:ext cx="4134506" cy="5016758"/>
+            <a:off x="5115802" y="2253215"/>
+            <a:ext cx="4678829" cy="4022397"/>
           </a:xfrm>
           <a:prstGeom prst="rect">
             <a:avLst/>
           </a:prstGeom>
         </p:spPr>
-        <p:txBody>
-          <a:bodyPr wrap="square">
-            <a:spAutoFit/>
-          </a:bodyPr>
-          <a:lstStyle/>
-          <a:p>
-            <a:r>
-              <a:rPr lang="en-US" sz="1600" dirty="0">
-                <a:hlinkClick r:id="rId3"/>
-              </a:rPr>
-              <a:t>http://powerpointbase.com</a:t>
-            </a:r>
-            <a:r>
-              <a:rPr lang="ru-RU" sz="1600" dirty="0"/>
-              <a:t> </a:t>
-            </a:r>
-            <a:r>
-              <a:rPr lang="en-US" sz="1600" dirty="0"/>
-              <a:t> – </a:t>
-            </a:r>
-            <a:r>
-              <a:rPr lang="ru-RU" sz="1600" dirty="0"/>
-              <a:t>это самый крупный портал бесплатных шаблонов презентаций </a:t>
-            </a:r>
-            <a:r>
-              <a:rPr lang="en-US" sz="1600" dirty="0"/>
-              <a:t>PowerPoint.</a:t>
-            </a:r>
-          </a:p>
-          <a:p>
-            <a:endParaRPr lang="en-US" sz="1600" dirty="0"/>
-          </a:p>
-          <a:p>
-            <a:r>
-              <a:rPr lang="en-US" sz="1600" dirty="0">
-                <a:hlinkClick r:id="rId4"/>
-              </a:rPr>
-              <a:t>http://powerpointbase.com/premium/</a:t>
-            </a:r>
-            <a:r>
-              <a:rPr lang="en-US" sz="1600" dirty="0"/>
-              <a:t> - Premium </a:t>
-            </a:r>
-            <a:r>
-              <a:rPr lang="ru-RU" sz="1600" dirty="0"/>
-              <a:t>шаблоны презентаций </a:t>
-            </a:r>
-            <a:r>
-              <a:rPr lang="en-US" sz="1600" dirty="0"/>
-              <a:t>PowerPoint</a:t>
-            </a:r>
-          </a:p>
-          <a:p>
-            <a:endParaRPr lang="en-US" sz="1600" dirty="0"/>
-          </a:p>
-          <a:p>
-            <a:r>
-              <a:rPr lang="en-US" sz="1600" dirty="0">
-                <a:hlinkClick r:id="rId5"/>
-              </a:rPr>
-              <a:t>http://powerpointbase.com/wordtemplates/</a:t>
-            </a:r>
-            <a:r>
-              <a:rPr lang="en-US" sz="1600" dirty="0"/>
-              <a:t> - </a:t>
-            </a:r>
-            <a:r>
-              <a:rPr lang="ru-RU" sz="1600" dirty="0"/>
-              <a:t>шаблоны </a:t>
-            </a:r>
-            <a:r>
-              <a:rPr lang="en-US" sz="1600" dirty="0"/>
-              <a:t>Word </a:t>
-            </a:r>
-            <a:r>
-              <a:rPr lang="ru-RU" sz="1600" dirty="0"/>
-              <a:t>для создания эффектных раздаточных материалов</a:t>
-            </a:r>
-          </a:p>
-          <a:p>
-            <a:endParaRPr lang="ru-RU" sz="1600" dirty="0"/>
-          </a:p>
-          <a:p>
-            <a:r>
-              <a:rPr lang="en-US" sz="1600" dirty="0">
-                <a:hlinkClick r:id="rId6"/>
-              </a:rPr>
-              <a:t>http://powerpointbase.com/diagrams/</a:t>
-            </a:r>
-            <a:r>
-              <a:rPr lang="ru-RU" sz="1600" dirty="0"/>
-              <a:t> - шаблоны диаграмм и графиков для большей визуализации в презентациях</a:t>
-            </a:r>
-          </a:p>
-          <a:p>
-            <a:endParaRPr lang="ru-RU" sz="1600" dirty="0"/>
-          </a:p>
-          <a:p>
-            <a:r>
-              <a:rPr lang="en-US" sz="1600" dirty="0">
-                <a:hlinkClick r:id="rId7"/>
-              </a:rPr>
-              <a:t>http://powerpointbase.com/certificates/</a:t>
-            </a:r>
-            <a:r>
-              <a:rPr lang="ru-RU" sz="1600" dirty="0"/>
-              <a:t> - шаблоны сертификатов, дипломов, грамот</a:t>
-            </a:r>
-          </a:p>
-          <a:p>
-            <a:endParaRPr lang="ru-RU" sz="1600" dirty="0"/>
-          </a:p>
-          <a:p>
-            <a:r>
-              <a:rPr lang="ru-RU" sz="1600" dirty="0"/>
-              <a:t>А также видео-уроки, статьи и многое другое…  </a:t>
-            </a:r>
-          </a:p>
-        </p:txBody>
-      </p:sp>
+      </p:pic>
+      <p:pic>
+        <p:nvPicPr>
+          <p:cNvPr id="7" name="Picture 2" descr="Ярославский государственный университет — Википедия"/>
+          <p:cNvPicPr>
+            <a:picLocks noChangeAspect="1" noChangeArrowheads="1"/>
+          </p:cNvPicPr>
+          <p:nvPr/>
+        </p:nvPicPr>
+        <p:blipFill>
+          <a:blip r:embed="rId3">
+            <a:extLst>
+              <a:ext uri="{28A0092B-C50C-407E-A947-70E740481C1C}">
+                <a14:useLocalDpi xmlns:a14="http://schemas.microsoft.com/office/drawing/2010/main" val="0"/>
+              </a:ext>
+            </a:extLst>
+          </a:blip>
+          <a:srcRect/>
+          <a:stretch>
+            <a:fillRect/>
+          </a:stretch>
+        </p:blipFill>
+        <p:spPr bwMode="auto">
+          <a:xfrm>
+            <a:off x="0" y="5477607"/>
+            <a:ext cx="1380392" cy="1380393"/>
+          </a:xfrm>
+          <a:prstGeom prst="rect">
+            <a:avLst/>
+          </a:prstGeom>
+          <a:noFill/>
+          <a:extLst>
+            <a:ext uri="{909E8E84-426E-40DD-AFC4-6F175D3DCCD1}">
+              <a14:hiddenFill xmlns:a14="http://schemas.microsoft.com/office/drawing/2010/main">
+                <a:solidFill>
+                  <a:srgbClr val="FFFFFF"/>
+                </a:solidFill>
+              </a14:hiddenFill>
+            </a:ext>
+          </a:extLst>
+        </p:spPr>
+      </p:pic>
+    </p:spTree>
+    <p:extLst>
+      <p:ext uri="{BB962C8B-B14F-4D97-AF65-F5344CB8AC3E}">
+        <p14:creationId xmlns:p14="http://schemas.microsoft.com/office/powerpoint/2010/main" val="3595467375"/>
+      </p:ext>
+    </p:extLst>
+  </p:cSld>
+  <p:clrMapOvr>
+    <a:masterClrMapping/>
+  </p:clrMapOvr>
+  <p:timing>
+    <p:tnLst>
+      <p:par>
+        <p:cTn id="1" dur="indefinite" restart="never" nodeType="tmRoot"/>
+      </p:par>
+    </p:tnLst>
+  </p:timing>
+</p:sld>
+</file>
+
+<file path=ppt/slides/slide4.xml><?xml version="1.0" encoding="utf-8"?>
+<p:sld xmlns:a="http://schemas.openxmlformats.org/drawingml/2006/main" xmlns:r="http://schemas.openxmlformats.org/officeDocument/2006/relationships" xmlns:p="http://schemas.openxmlformats.org/presentationml/2006/main">
+  <p:cSld>
+    <p:spTree>
+      <p:nvGrpSpPr>
+        <p:cNvPr id="1" name=""/>
+        <p:cNvGrpSpPr/>
+        <p:nvPr/>
+      </p:nvGrpSpPr>
+      <p:grpSpPr>
+        <a:xfrm>
+          <a:off x="0" y="0"/>
+          <a:ext cx="0" cy="0"/>
+          <a:chOff x="0" y="0"/>
+          <a:chExt cx="0" cy="0"/>
+        </a:xfrm>
+      </p:grpSpPr>
       <p:sp>
         <p:nvSpPr>
-          <p:cNvPr id="6" name="Прямоугольник 7"/>
-          <p:cNvSpPr/>
-          <p:nvPr/>
+          <p:cNvPr id="2" name="Заголовок 1"/>
+          <p:cNvSpPr>
+            <a:spLocks noGrp="1"/>
+          </p:cNvSpPr>
+          <p:nvPr>
+            <p:ph type="title"/>
+          </p:nvPr>
         </p:nvSpPr>
         <p:spPr>
           <a:xfrm>
-            <a:off x="242206" y="3638401"/>
-            <a:ext cx="3622478" cy="369332"/>
+            <a:off x="0" y="414397"/>
+            <a:ext cx="12192000" cy="696667"/>
+          </a:xfrm>
+        </p:spPr>
+        <p:txBody>
+          <a:bodyPr/>
+          <a:lstStyle/>
+          <a:p>
+            <a:pPr algn="ctr"/>
+            <a:r>
+              <a:rPr lang="ru-RU" dirty="0" smtClean="0">
+                <a:latin typeface="Times New Roman" panose="02020603050405020304" pitchFamily="18" charset="0"/>
+                <a:cs typeface="Times New Roman" panose="02020603050405020304" pitchFamily="18" charset="0"/>
+              </a:rPr>
+              <a:t>Небольшой</a:t>
+            </a:r>
+            <a:endParaRPr lang="ru-RU" dirty="0">
+              <a:latin typeface="Times New Roman" panose="02020603050405020304" pitchFamily="18" charset="0"/>
+              <a:cs typeface="Times New Roman" panose="02020603050405020304" pitchFamily="18" charset="0"/>
+            </a:endParaRPr>
+          </a:p>
+        </p:txBody>
+      </p:sp>
+      <p:pic>
+        <p:nvPicPr>
+          <p:cNvPr id="4" name="Рисунок 3"/>
+          <p:cNvPicPr>
+            <a:picLocks noChangeAspect="1"/>
+          </p:cNvPicPr>
+          <p:nvPr/>
+        </p:nvPicPr>
+        <p:blipFill>
+          <a:blip r:embed="rId2"/>
+          <a:stretch>
+            <a:fillRect/>
+          </a:stretch>
+        </p:blipFill>
+        <p:spPr>
+          <a:xfrm>
+            <a:off x="873369" y="1579441"/>
+            <a:ext cx="4760865" cy="4144351"/>
           </a:xfrm>
           <a:prstGeom prst="rect">
             <a:avLst/>
           </a:prstGeom>
         </p:spPr>
-        <p:txBody>
-          <a:bodyPr wrap="square">
-            <a:spAutoFit/>
-          </a:bodyPr>
-          <a:lstStyle/>
-          <a:p>
-            <a:r>
-              <a:rPr lang="ru-RU" b="1" dirty="0"/>
-              <a:t>НАШИ УСЛУГИ: </a:t>
-            </a:r>
-          </a:p>
-        </p:txBody>
-      </p:sp>
-      <p:sp>
-        <p:nvSpPr>
-          <p:cNvPr id="13" name="Прямоугольник 14"/>
-          <p:cNvSpPr/>
+      </p:pic>
+      <p:pic>
+        <p:nvPicPr>
+          <p:cNvPr id="5" name="Рисунок 4"/>
+          <p:cNvPicPr>
+            <a:picLocks noChangeAspect="1"/>
+          </p:cNvPicPr>
           <p:nvPr/>
-        </p:nvSpPr>
+        </p:nvPicPr>
+        <p:blipFill>
+          <a:blip r:embed="rId3"/>
+          <a:stretch>
+            <a:fillRect/>
+          </a:stretch>
+        </p:blipFill>
         <p:spPr>
           <a:xfrm>
-            <a:off x="242206" y="5727295"/>
-            <a:ext cx="4119047" cy="369332"/>
+            <a:off x="9551296" y="2697010"/>
+            <a:ext cx="1238423" cy="1209844"/>
           </a:xfrm>
           <a:prstGeom prst="rect">
             <a:avLst/>
           </a:prstGeom>
         </p:spPr>
-        <p:txBody>
-          <a:bodyPr wrap="square">
-            <a:spAutoFit/>
-          </a:bodyPr>
-          <a:lstStyle/>
-          <a:p>
-            <a:r>
-              <a:rPr lang="ru-RU" b="1" dirty="0"/>
-              <a:t>КОНТАКТЫ: </a:t>
-            </a:r>
-            <a:r>
-              <a:rPr lang="en-US" dirty="0">
-                <a:hlinkClick r:id="rId8"/>
-              </a:rPr>
-              <a:t>powerpointbase@gmail.com</a:t>
-            </a:r>
-            <a:r>
-              <a:rPr lang="en-US" dirty="0"/>
-              <a:t> </a:t>
-            </a:r>
-            <a:endParaRPr lang="ru-RU" dirty="0"/>
-          </a:p>
-        </p:txBody>
-      </p:sp>
-      <p:sp>
-        <p:nvSpPr>
-          <p:cNvPr id="15" name="Прямоугольник 7"/>
-          <p:cNvSpPr/>
+      </p:pic>
+      <p:pic>
+        <p:nvPicPr>
+          <p:cNvPr id="6" name="Рисунок 5"/>
+          <p:cNvPicPr>
+            <a:picLocks noChangeAspect="1"/>
+          </p:cNvPicPr>
           <p:nvPr/>
-        </p:nvSpPr>
+        </p:nvPicPr>
+        <p:blipFill>
+          <a:blip r:embed="rId4"/>
+          <a:stretch>
+            <a:fillRect/>
+          </a:stretch>
+        </p:blipFill>
         <p:spPr>
           <a:xfrm>
-            <a:off x="242206" y="1179779"/>
-            <a:ext cx="4412089" cy="369332"/>
+            <a:off x="7890706" y="1786516"/>
+            <a:ext cx="1267002" cy="1219370"/>
           </a:xfrm>
           <a:prstGeom prst="rect">
             <a:avLst/>
           </a:prstGeom>
         </p:spPr>
+      </p:pic>
+      <p:pic>
+        <p:nvPicPr>
+          <p:cNvPr id="8" name="Рисунок 7"/>
+          <p:cNvPicPr>
+            <a:picLocks noChangeAspect="1"/>
+          </p:cNvPicPr>
+          <p:nvPr/>
+        </p:nvPicPr>
+        <p:blipFill>
+          <a:blip r:embed="rId5"/>
+          <a:stretch>
+            <a:fillRect/>
+          </a:stretch>
+        </p:blipFill>
+        <p:spPr>
+          <a:xfrm>
+            <a:off x="6344432" y="2697010"/>
+            <a:ext cx="1152686" cy="1486107"/>
+          </a:xfrm>
+          <a:prstGeom prst="rect">
+            <a:avLst/>
+          </a:prstGeom>
+        </p:spPr>
+      </p:pic>
+      <p:pic>
+        <p:nvPicPr>
+          <p:cNvPr id="9" name="Рисунок 8"/>
+          <p:cNvPicPr>
+            <a:picLocks noChangeAspect="1"/>
+          </p:cNvPicPr>
+          <p:nvPr/>
+        </p:nvPicPr>
+        <p:blipFill>
+          <a:blip r:embed="rId6"/>
+          <a:stretch>
+            <a:fillRect/>
+          </a:stretch>
+        </p:blipFill>
+        <p:spPr>
+          <a:xfrm>
+            <a:off x="7781387" y="3833570"/>
+            <a:ext cx="1552792" cy="1600423"/>
+          </a:xfrm>
+          <a:prstGeom prst="rect">
+            <a:avLst/>
+          </a:prstGeom>
+        </p:spPr>
+      </p:pic>
+      <p:sp>
+        <p:nvSpPr>
+          <p:cNvPr id="10" name="TextBox 9"/>
+          <p:cNvSpPr txBox="1"/>
+          <p:nvPr/>
+        </p:nvSpPr>
+        <p:spPr>
+          <a:xfrm>
+            <a:off x="7715100" y="3158118"/>
+            <a:ext cx="1836196" cy="584775"/>
+          </a:xfrm>
+          <a:prstGeom prst="rect">
+            <a:avLst/>
+          </a:prstGeom>
+          <a:noFill/>
+        </p:spPr>
         <p:txBody>
-          <a:bodyPr wrap="square">
+          <a:bodyPr wrap="square" rtlCol="0">
             <a:spAutoFit/>
           </a:bodyPr>
           <a:lstStyle/>
           <a:p>
             <a:r>
-              <a:rPr lang="ru-RU" b="1" dirty="0"/>
-              <a:t>НАШИ СТРАНИЦЫ В СОЦИАЛЬНЫХ СЕТЯХ: </a:t>
-            </a:r>
+              <a:rPr lang="ru-RU" sz="3200" b="1" dirty="0" smtClean="0">
+                <a:solidFill>
+                  <a:srgbClr val="114739"/>
+                </a:solidFill>
+                <a:latin typeface="Times New Roman" panose="02020603050405020304" pitchFamily="18" charset="0"/>
+                <a:cs typeface="Times New Roman" panose="02020603050405020304" pitchFamily="18" charset="0"/>
+              </a:rPr>
+              <a:t>Команда</a:t>
+            </a:r>
+            <a:endParaRPr lang="ru-RU" sz="3200" b="1" dirty="0">
+              <a:solidFill>
+                <a:srgbClr val="114739"/>
+              </a:solidFill>
+              <a:latin typeface="Times New Roman" panose="02020603050405020304" pitchFamily="18" charset="0"/>
+              <a:cs typeface="Times New Roman" panose="02020603050405020304" pitchFamily="18" charset="0"/>
+            </a:endParaRPr>
+          </a:p>
+        </p:txBody>
+      </p:sp>
+      <p:sp>
+        <p:nvSpPr>
+          <p:cNvPr id="11" name="TextBox 10"/>
+          <p:cNvSpPr txBox="1"/>
+          <p:nvPr/>
+        </p:nvSpPr>
+        <p:spPr>
+          <a:xfrm>
+            <a:off x="1825052" y="5723792"/>
+            <a:ext cx="2857498" cy="646331"/>
+          </a:xfrm>
+          <a:prstGeom prst="rect">
+            <a:avLst/>
+          </a:prstGeom>
+          <a:noFill/>
+        </p:spPr>
+        <p:txBody>
+          <a:bodyPr wrap="square" rtlCol="0">
+            <a:spAutoFit/>
+          </a:bodyPr>
+          <a:lstStyle/>
+          <a:p>
+            <a:r>
+              <a:rPr lang="ru-RU" dirty="0" smtClean="0">
+                <a:latin typeface="Times New Roman" panose="02020603050405020304" pitchFamily="18" charset="0"/>
+                <a:cs typeface="Times New Roman" panose="02020603050405020304" pitchFamily="18" charset="0"/>
+              </a:rPr>
+              <a:t>Полное переписывание за 1 итерацию (7 дней)</a:t>
+            </a:r>
+            <a:endParaRPr lang="ru-RU" dirty="0">
+              <a:latin typeface="Times New Roman" panose="02020603050405020304" pitchFamily="18" charset="0"/>
+              <a:cs typeface="Times New Roman" panose="02020603050405020304" pitchFamily="18" charset="0"/>
+            </a:endParaRPr>
+          </a:p>
+        </p:txBody>
+      </p:sp>
+      <p:sp>
+        <p:nvSpPr>
+          <p:cNvPr id="12" name="TextBox 11"/>
+          <p:cNvSpPr txBox="1"/>
+          <p:nvPr/>
+        </p:nvSpPr>
+        <p:spPr>
+          <a:xfrm>
+            <a:off x="7497118" y="5723792"/>
+            <a:ext cx="2646484" cy="369332"/>
+          </a:xfrm>
+          <a:prstGeom prst="rect">
+            <a:avLst/>
+          </a:prstGeom>
+          <a:noFill/>
+        </p:spPr>
+        <p:txBody>
+          <a:bodyPr wrap="square" rtlCol="0">
+            <a:spAutoFit/>
+          </a:bodyPr>
+          <a:lstStyle/>
+          <a:p>
+            <a:r>
+              <a:rPr lang="ru-RU" dirty="0" smtClean="0">
+                <a:latin typeface="Times New Roman" panose="02020603050405020304" pitchFamily="18" charset="0"/>
+                <a:cs typeface="Times New Roman" panose="02020603050405020304" pitchFamily="18" charset="0"/>
+              </a:rPr>
+              <a:t>Не более 12 человек</a:t>
+            </a:r>
+            <a:endParaRPr lang="ru-RU" dirty="0">
+              <a:latin typeface="Times New Roman" panose="02020603050405020304" pitchFamily="18" charset="0"/>
+              <a:cs typeface="Times New Roman" panose="02020603050405020304" pitchFamily="18" charset="0"/>
+            </a:endParaRPr>
           </a:p>
         </p:txBody>
       </p:sp>
       <p:pic>
         <p:nvPicPr>
-          <p:cNvPr id="1026" name="Picture 2" descr="Social Media Icons Set Logo, Social Media Icons, Social Media ..."/>
+          <p:cNvPr id="13" name="Picture 2" descr="Ярославский государственный университет — Википедия"/>
           <p:cNvPicPr>
             <a:picLocks noChangeAspect="1" noChangeArrowheads="1"/>
           </p:cNvPicPr>
           <p:nvPr/>
         </p:nvPicPr>
-        <p:blipFill rotWithShape="1">
-          <a:blip r:embed="rId9" cstate="print">
+        <p:blipFill>
+          <a:blip r:embed="rId7">
             <a:extLst>
               <a:ext uri="{28A0092B-C50C-407E-A947-70E740481C1C}">
                 <a14:useLocalDpi xmlns:a14="http://schemas.microsoft.com/office/drawing/2010/main" val="0"/>
               </a:ext>
             </a:extLst>
           </a:blip>
-          <a:srcRect l="7854" t="4652" r="66796" b="69848"/>
-          <a:stretch/>
+          <a:srcRect/>
+          <a:stretch>
+            <a:fillRect/>
+          </a:stretch>
         </p:blipFill>
         <p:spPr bwMode="auto">
           <a:xfrm>
-            <a:off x="336205" y="1648042"/>
-            <a:ext cx="324502" cy="326422"/>
+            <a:off x="0" y="5477607"/>
+            <a:ext cx="1380392" cy="1380393"/>
+          </a:xfrm>
+          <a:prstGeom prst="rect">
+            <a:avLst/>
+          </a:prstGeom>
+          <a:noFill/>
+          <a:extLst>
+            <a:ext uri="{909E8E84-426E-40DD-AFC4-6F175D3DCCD1}">
+              <a14:hiddenFill xmlns:a14="http://schemas.microsoft.com/office/drawing/2010/main">
+                <a:solidFill>
+                  <a:srgbClr val="FFFFFF"/>
+                </a:solidFill>
+              </a14:hiddenFill>
+            </a:ext>
+          </a:extLst>
+        </p:spPr>
+      </p:pic>
+    </p:spTree>
+    <p:extLst>
+      <p:ext uri="{BB962C8B-B14F-4D97-AF65-F5344CB8AC3E}">
+        <p14:creationId xmlns:p14="http://schemas.microsoft.com/office/powerpoint/2010/main" val="1611139865"/>
+      </p:ext>
+    </p:extLst>
+  </p:cSld>
+  <p:clrMapOvr>
+    <a:masterClrMapping/>
+  </p:clrMapOvr>
+  <p:timing>
+    <p:tnLst>
+      <p:par>
+        <p:cTn id="1" dur="indefinite" restart="never" nodeType="tmRoot"/>
+      </p:par>
+    </p:tnLst>
+  </p:timing>
+</p:sld>
+</file>
+
+<file path=ppt/slides/slide5.xml><?xml version="1.0" encoding="utf-8"?>
+<p:sld xmlns:a="http://schemas.openxmlformats.org/drawingml/2006/main" xmlns:r="http://schemas.openxmlformats.org/officeDocument/2006/relationships" xmlns:p="http://schemas.openxmlformats.org/presentationml/2006/main">
+  <p:cSld>
+    <p:spTree>
+      <p:nvGrpSpPr>
+        <p:cNvPr id="1" name=""/>
+        <p:cNvGrpSpPr/>
+        <p:nvPr/>
+      </p:nvGrpSpPr>
+      <p:grpSpPr>
+        <a:xfrm>
+          <a:off x="0" y="0"/>
+          <a:ext cx="0" cy="0"/>
+          <a:chOff x="0" y="0"/>
+          <a:chExt cx="0" cy="0"/>
+        </a:xfrm>
+      </p:grpSpPr>
+      <p:sp>
+        <p:nvSpPr>
+          <p:cNvPr id="2" name="Заголовок 1"/>
+          <p:cNvSpPr>
+            <a:spLocks noGrp="1"/>
+          </p:cNvSpPr>
+          <p:nvPr>
+            <p:ph type="title"/>
+          </p:nvPr>
+        </p:nvSpPr>
+        <p:spPr>
+          <a:xfrm>
+            <a:off x="0" y="414397"/>
+            <a:ext cx="12192000" cy="696667"/>
+          </a:xfrm>
+        </p:spPr>
+        <p:txBody>
+          <a:bodyPr/>
+          <a:lstStyle/>
+          <a:p>
+            <a:pPr algn="ctr"/>
+            <a:r>
+              <a:rPr lang="ru-RU" i="1" dirty="0">
+                <a:latin typeface="Times New Roman" panose="02020603050405020304" pitchFamily="18" charset="0"/>
+                <a:cs typeface="Times New Roman" panose="02020603050405020304" pitchFamily="18" charset="0"/>
+              </a:rPr>
+              <a:t>Узкоспециализированный</a:t>
+            </a:r>
+            <a:r>
+              <a:rPr lang="ru-RU" dirty="0">
+                <a:latin typeface="Times New Roman" panose="02020603050405020304" pitchFamily="18" charset="0"/>
+                <a:cs typeface="Times New Roman" panose="02020603050405020304" pitchFamily="18" charset="0"/>
+              </a:rPr>
+              <a:t> </a:t>
+            </a:r>
+            <a:endParaRPr lang="ru-RU" dirty="0">
+              <a:latin typeface="Times New Roman" panose="02020603050405020304" pitchFamily="18" charset="0"/>
+              <a:cs typeface="Times New Roman" panose="02020603050405020304" pitchFamily="18" charset="0"/>
+            </a:endParaRPr>
+          </a:p>
+        </p:txBody>
+      </p:sp>
+      <p:pic>
+        <p:nvPicPr>
+          <p:cNvPr id="3076" name="Picture 4" descr="Бизнес-менеджмент характер искусства векторная иллюстрация плоской линии"/>
+          <p:cNvPicPr>
+            <a:picLocks noChangeAspect="1" noChangeArrowheads="1"/>
+          </p:cNvPicPr>
+          <p:nvPr/>
+        </p:nvPicPr>
+        <p:blipFill>
+          <a:blip r:embed="rId2">
+            <a:extLst>
+              <a:ext uri="{28A0092B-C50C-407E-A947-70E740481C1C}">
+                <a14:useLocalDpi xmlns:a14="http://schemas.microsoft.com/office/drawing/2010/main" val="0"/>
+              </a:ext>
+            </a:extLst>
+          </a:blip>
+          <a:srcRect/>
+          <a:stretch>
+            <a:fillRect/>
+          </a:stretch>
+        </p:blipFill>
+        <p:spPr bwMode="auto">
+          <a:xfrm>
+            <a:off x="1896328" y="942904"/>
+            <a:ext cx="8399342" cy="5595089"/>
+          </a:xfrm>
+          <a:prstGeom prst="rect">
+            <a:avLst/>
+          </a:prstGeom>
+          <a:noFill/>
+          <a:extLst>
+            <a:ext uri="{909E8E84-426E-40DD-AFC4-6F175D3DCCD1}">
+              <a14:hiddenFill xmlns:a14="http://schemas.microsoft.com/office/drawing/2010/main">
+                <a:solidFill>
+                  <a:srgbClr val="FFFFFF"/>
+                </a:solidFill>
+              </a14:hiddenFill>
+            </a:ext>
+          </a:extLst>
+        </p:spPr>
+      </p:pic>
+      <p:sp>
+        <p:nvSpPr>
+          <p:cNvPr id="4" name="TextBox 3"/>
+          <p:cNvSpPr txBox="1"/>
+          <p:nvPr/>
+        </p:nvSpPr>
+        <p:spPr>
+          <a:xfrm>
+            <a:off x="1803888" y="5856520"/>
+            <a:ext cx="8584222" cy="830997"/>
+          </a:xfrm>
+          <a:prstGeom prst="rect">
+            <a:avLst/>
+          </a:prstGeom>
+          <a:noFill/>
+        </p:spPr>
+        <p:txBody>
+          <a:bodyPr wrap="square" rtlCol="0">
+            <a:spAutoFit/>
+          </a:bodyPr>
+          <a:lstStyle/>
+          <a:p>
+            <a:pPr algn="ctr"/>
+            <a:r>
+              <a:rPr lang="ru-RU" sz="2400" dirty="0" smtClean="0">
+                <a:latin typeface="Times New Roman" panose="02020603050405020304" pitchFamily="18" charset="0"/>
+                <a:cs typeface="Times New Roman" panose="02020603050405020304" pitchFamily="18" charset="0"/>
+              </a:rPr>
+              <a:t>Один человек в состоянии полностью удержать контекст </a:t>
+            </a:r>
+            <a:r>
+              <a:rPr lang="ru-RU" sz="2400" dirty="0" err="1" smtClean="0">
+                <a:latin typeface="Times New Roman" panose="02020603050405020304" pitchFamily="18" charset="0"/>
+                <a:cs typeface="Times New Roman" panose="02020603050405020304" pitchFamily="18" charset="0"/>
+              </a:rPr>
+              <a:t>микросервиса</a:t>
+            </a:r>
+            <a:r>
+              <a:rPr lang="ru-RU" sz="2400" dirty="0" smtClean="0">
+                <a:latin typeface="Times New Roman" panose="02020603050405020304" pitchFamily="18" charset="0"/>
+                <a:cs typeface="Times New Roman" panose="02020603050405020304" pitchFamily="18" charset="0"/>
+              </a:rPr>
+              <a:t> в голове</a:t>
+            </a:r>
+            <a:endParaRPr lang="ru-RU" sz="2400" dirty="0">
+              <a:latin typeface="Times New Roman" panose="02020603050405020304" pitchFamily="18" charset="0"/>
+              <a:cs typeface="Times New Roman" panose="02020603050405020304" pitchFamily="18" charset="0"/>
+            </a:endParaRPr>
+          </a:p>
+        </p:txBody>
+      </p:sp>
+      <p:pic>
+        <p:nvPicPr>
+          <p:cNvPr id="7" name="Picture 2" descr="Ярославский государственный университет — Википедия"/>
+          <p:cNvPicPr>
+            <a:picLocks noChangeAspect="1" noChangeArrowheads="1"/>
+          </p:cNvPicPr>
+          <p:nvPr/>
+        </p:nvPicPr>
+        <p:blipFill>
+          <a:blip r:embed="rId3">
+            <a:extLst>
+              <a:ext uri="{28A0092B-C50C-407E-A947-70E740481C1C}">
+                <a14:useLocalDpi xmlns:a14="http://schemas.microsoft.com/office/drawing/2010/main" val="0"/>
+              </a:ext>
+            </a:extLst>
+          </a:blip>
+          <a:srcRect/>
+          <a:stretch>
+            <a:fillRect/>
+          </a:stretch>
+        </p:blipFill>
+        <p:spPr bwMode="auto">
+          <a:xfrm>
+            <a:off x="0" y="5477607"/>
+            <a:ext cx="1380392" cy="1380393"/>
+          </a:xfrm>
+          <a:prstGeom prst="rect">
+            <a:avLst/>
+          </a:prstGeom>
+          <a:noFill/>
+          <a:extLst>
+            <a:ext uri="{909E8E84-426E-40DD-AFC4-6F175D3DCCD1}">
+              <a14:hiddenFill xmlns:a14="http://schemas.microsoft.com/office/drawing/2010/main">
+                <a:solidFill>
+                  <a:srgbClr val="FFFFFF"/>
+                </a:solidFill>
+              </a14:hiddenFill>
+            </a:ext>
+          </a:extLst>
+        </p:spPr>
+      </p:pic>
+    </p:spTree>
+    <p:extLst>
+      <p:ext uri="{BB962C8B-B14F-4D97-AF65-F5344CB8AC3E}">
+        <p14:creationId xmlns:p14="http://schemas.microsoft.com/office/powerpoint/2010/main" val="3176182444"/>
+      </p:ext>
+    </p:extLst>
+  </p:cSld>
+  <p:clrMapOvr>
+    <a:masterClrMapping/>
+  </p:clrMapOvr>
+  <p:timing>
+    <p:tnLst>
+      <p:par>
+        <p:cTn id="1" dur="indefinite" restart="never" nodeType="tmRoot"/>
+      </p:par>
+    </p:tnLst>
+  </p:timing>
+</p:sld>
+</file>
+
+<file path=ppt/slides/slide6.xml><?xml version="1.0" encoding="utf-8"?>
+<p:sld xmlns:a="http://schemas.openxmlformats.org/drawingml/2006/main" xmlns:r="http://schemas.openxmlformats.org/officeDocument/2006/relationships" xmlns:p="http://schemas.openxmlformats.org/presentationml/2006/main">
+  <p:cSld>
+    <p:spTree>
+      <p:nvGrpSpPr>
+        <p:cNvPr id="1" name=""/>
+        <p:cNvGrpSpPr/>
+        <p:nvPr/>
+      </p:nvGrpSpPr>
+      <p:grpSpPr>
+        <a:xfrm>
+          <a:off x="0" y="0"/>
+          <a:ext cx="0" cy="0"/>
+          <a:chOff x="0" y="0"/>
+          <a:chExt cx="0" cy="0"/>
+        </a:xfrm>
+      </p:grpSpPr>
+      <p:sp>
+        <p:nvSpPr>
+          <p:cNvPr id="2" name="Заголовок 1"/>
+          <p:cNvSpPr>
+            <a:spLocks noGrp="1"/>
+          </p:cNvSpPr>
+          <p:nvPr>
+            <p:ph type="title"/>
+          </p:nvPr>
+        </p:nvSpPr>
+        <p:spPr>
+          <a:xfrm>
+            <a:off x="-140676" y="284717"/>
+            <a:ext cx="12192000" cy="696667"/>
+          </a:xfrm>
+        </p:spPr>
+        <p:txBody>
+          <a:bodyPr/>
+          <a:lstStyle/>
+          <a:p>
+            <a:pPr algn="ctr"/>
+            <a:r>
+              <a:rPr lang="ru-RU" i="1" dirty="0" smtClean="0"/>
+              <a:t>Независимый</a:t>
+            </a:r>
+            <a:endParaRPr lang="ru-RU" dirty="0">
+              <a:latin typeface="Times New Roman" panose="02020603050405020304" pitchFamily="18" charset="0"/>
+              <a:cs typeface="Times New Roman" panose="02020603050405020304" pitchFamily="18" charset="0"/>
+            </a:endParaRPr>
+          </a:p>
+        </p:txBody>
+      </p:sp>
+      <p:sp>
+        <p:nvSpPr>
+          <p:cNvPr id="4" name="TextBox 3"/>
+          <p:cNvSpPr txBox="1"/>
+          <p:nvPr/>
+        </p:nvSpPr>
+        <p:spPr>
+          <a:xfrm>
+            <a:off x="2003181" y="5933892"/>
+            <a:ext cx="8185638" cy="830997"/>
+          </a:xfrm>
+          <a:prstGeom prst="rect">
+            <a:avLst/>
+          </a:prstGeom>
+          <a:noFill/>
+        </p:spPr>
+        <p:txBody>
+          <a:bodyPr wrap="square" rtlCol="0">
+            <a:spAutoFit/>
+          </a:bodyPr>
+          <a:lstStyle/>
+          <a:p>
+            <a:pPr algn="ctr"/>
+            <a:r>
+              <a:rPr lang="ru-RU" sz="2400" dirty="0" smtClean="0">
+                <a:latin typeface="Times New Roman" panose="02020603050405020304" pitchFamily="18" charset="0"/>
+                <a:cs typeface="Times New Roman" panose="02020603050405020304" pitchFamily="18" charset="0"/>
+              </a:rPr>
+              <a:t>ВЗАИМОДЕЙСТВИЕ </a:t>
+            </a:r>
+            <a:r>
+              <a:rPr lang="ru-RU" sz="2400" dirty="0">
+                <a:latin typeface="Times New Roman" panose="02020603050405020304" pitchFamily="18" charset="0"/>
+                <a:cs typeface="Times New Roman" panose="02020603050405020304" pitchFamily="18" charset="0"/>
+              </a:rPr>
+              <a:t>с другими </a:t>
+            </a:r>
+            <a:r>
+              <a:rPr lang="ru-RU" sz="2400" dirty="0" smtClean="0">
+                <a:latin typeface="Times New Roman" panose="02020603050405020304" pitchFamily="18" charset="0"/>
+                <a:cs typeface="Times New Roman" panose="02020603050405020304" pitchFamily="18" charset="0"/>
+              </a:rPr>
+              <a:t>сервисами ТОЛЬКО ЧЕРЕЗ </a:t>
+            </a:r>
+            <a:r>
+              <a:rPr lang="ru-RU" sz="2400" dirty="0">
+                <a:latin typeface="Times New Roman" panose="02020603050405020304" pitchFamily="18" charset="0"/>
+                <a:cs typeface="Times New Roman" panose="02020603050405020304" pitchFamily="18" charset="0"/>
+              </a:rPr>
+              <a:t>заданные </a:t>
+            </a:r>
+            <a:r>
+              <a:rPr lang="ru-RU" sz="2400" dirty="0" smtClean="0">
+                <a:latin typeface="Times New Roman" panose="02020603050405020304" pitchFamily="18" charset="0"/>
+                <a:cs typeface="Times New Roman" panose="02020603050405020304" pitchFamily="18" charset="0"/>
+              </a:rPr>
+              <a:t>ИНТЕРФЕЙСЫ. Подобно </a:t>
+            </a:r>
+            <a:r>
+              <a:rPr lang="en-US" sz="2400" dirty="0" smtClean="0">
+                <a:latin typeface="Times New Roman" panose="02020603050405020304" pitchFamily="18" charset="0"/>
+                <a:cs typeface="Times New Roman" panose="02020603050405020304" pitchFamily="18" charset="0"/>
+              </a:rPr>
+              <a:t>API.</a:t>
+            </a:r>
+            <a:endParaRPr lang="ru-RU" sz="2400" dirty="0">
+              <a:latin typeface="Times New Roman" panose="02020603050405020304" pitchFamily="18" charset="0"/>
+              <a:cs typeface="Times New Roman" panose="02020603050405020304" pitchFamily="18" charset="0"/>
+            </a:endParaRPr>
+          </a:p>
+        </p:txBody>
+      </p:sp>
+      <p:pic>
+        <p:nvPicPr>
+          <p:cNvPr id="6" name="Рисунок 5"/>
+          <p:cNvPicPr>
+            <a:picLocks noChangeAspect="1"/>
+          </p:cNvPicPr>
+          <p:nvPr/>
+        </p:nvPicPr>
+        <p:blipFill>
+          <a:blip r:embed="rId2"/>
+          <a:stretch>
+            <a:fillRect/>
+          </a:stretch>
+        </p:blipFill>
+        <p:spPr>
+          <a:xfrm>
+            <a:off x="3436251" y="1205107"/>
+            <a:ext cx="5038145" cy="4728785"/>
+          </a:xfrm>
+          <a:prstGeom prst="rect">
+            <a:avLst/>
+          </a:prstGeom>
+        </p:spPr>
+      </p:pic>
+      <p:pic>
+        <p:nvPicPr>
+          <p:cNvPr id="9" name="Picture 2" descr="Ярославский государственный университет — Википедия"/>
+          <p:cNvPicPr>
+            <a:picLocks noChangeAspect="1" noChangeArrowheads="1"/>
+          </p:cNvPicPr>
+          <p:nvPr/>
+        </p:nvPicPr>
+        <p:blipFill>
+          <a:blip r:embed="rId3">
+            <a:extLst>
+              <a:ext uri="{28A0092B-C50C-407E-A947-70E740481C1C}">
+                <a14:useLocalDpi xmlns:a14="http://schemas.microsoft.com/office/drawing/2010/main" val="0"/>
+              </a:ext>
+            </a:extLst>
+          </a:blip>
+          <a:srcRect/>
+          <a:stretch>
+            <a:fillRect/>
+          </a:stretch>
+        </p:blipFill>
+        <p:spPr bwMode="auto">
+          <a:xfrm>
+            <a:off x="0" y="5477607"/>
+            <a:ext cx="1380392" cy="1380393"/>
+          </a:xfrm>
+          <a:prstGeom prst="rect">
+            <a:avLst/>
+          </a:prstGeom>
+          <a:noFill/>
+          <a:extLst>
+            <a:ext uri="{909E8E84-426E-40DD-AFC4-6F175D3DCCD1}">
+              <a14:hiddenFill xmlns:a14="http://schemas.microsoft.com/office/drawing/2010/main">
+                <a:solidFill>
+                  <a:srgbClr val="FFFFFF"/>
+                </a:solidFill>
+              </a14:hiddenFill>
+            </a:ext>
+          </a:extLst>
+        </p:spPr>
+      </p:pic>
+    </p:spTree>
+    <p:extLst>
+      <p:ext uri="{BB962C8B-B14F-4D97-AF65-F5344CB8AC3E}">
+        <p14:creationId xmlns:p14="http://schemas.microsoft.com/office/powerpoint/2010/main" val="1970562164"/>
+      </p:ext>
+    </p:extLst>
+  </p:cSld>
+  <p:clrMapOvr>
+    <a:masterClrMapping/>
+  </p:clrMapOvr>
+  <p:timing>
+    <p:tnLst>
+      <p:par>
+        <p:cTn id="1" dur="indefinite" restart="never" nodeType="tmRoot"/>
+      </p:par>
+    </p:tnLst>
+  </p:timing>
+</p:sld>
+</file>
+
+<file path=ppt/slides/slide7.xml><?xml version="1.0" encoding="utf-8"?>
+<p:sld xmlns:a="http://schemas.openxmlformats.org/drawingml/2006/main" xmlns:r="http://schemas.openxmlformats.org/officeDocument/2006/relationships" xmlns:p="http://schemas.openxmlformats.org/presentationml/2006/main">
+  <p:cSld>
+    <p:spTree>
+      <p:nvGrpSpPr>
+        <p:cNvPr id="1" name=""/>
+        <p:cNvGrpSpPr/>
+        <p:nvPr/>
+      </p:nvGrpSpPr>
+      <p:grpSpPr>
+        <a:xfrm>
+          <a:off x="0" y="0"/>
+          <a:ext cx="0" cy="0"/>
+          <a:chOff x="0" y="0"/>
+          <a:chExt cx="0" cy="0"/>
+        </a:xfrm>
+      </p:grpSpPr>
+      <p:sp>
+        <p:nvSpPr>
+          <p:cNvPr id="2" name="Заголовок 1"/>
+          <p:cNvSpPr>
+            <a:spLocks noGrp="1"/>
+          </p:cNvSpPr>
+          <p:nvPr>
+            <p:ph type="title"/>
+          </p:nvPr>
+        </p:nvSpPr>
+        <p:spPr>
+          <a:xfrm>
+            <a:off x="0" y="414397"/>
+            <a:ext cx="12192000" cy="696667"/>
+          </a:xfrm>
+        </p:spPr>
+        <p:txBody>
+          <a:bodyPr/>
+          <a:lstStyle/>
+          <a:p>
+            <a:pPr algn="ctr"/>
+            <a:r>
+              <a:rPr lang="ru-RU" dirty="0" smtClean="0">
+                <a:latin typeface="Times New Roman" panose="02020603050405020304" pitchFamily="18" charset="0"/>
+                <a:cs typeface="Times New Roman" panose="02020603050405020304" pitchFamily="18" charset="0"/>
+              </a:rPr>
+              <a:t>Закрытый</a:t>
+            </a:r>
+            <a:endParaRPr lang="ru-RU" dirty="0">
+              <a:latin typeface="Times New Roman" panose="02020603050405020304" pitchFamily="18" charset="0"/>
+              <a:cs typeface="Times New Roman" panose="02020603050405020304" pitchFamily="18" charset="0"/>
+            </a:endParaRPr>
+          </a:p>
+        </p:txBody>
+      </p:sp>
+      <p:pic>
+        <p:nvPicPr>
+          <p:cNvPr id="5122" name="Picture 2" descr="Векторная иллюстрация плоской концепции квалифицированной команды по всему миру"/>
+          <p:cNvPicPr>
+            <a:picLocks noChangeAspect="1" noChangeArrowheads="1"/>
+          </p:cNvPicPr>
+          <p:nvPr/>
+        </p:nvPicPr>
+        <p:blipFill>
+          <a:blip r:embed="rId2">
+            <a:extLst>
+              <a:ext uri="{28A0092B-C50C-407E-A947-70E740481C1C}">
+                <a14:useLocalDpi xmlns:a14="http://schemas.microsoft.com/office/drawing/2010/main" val="0"/>
+              </a:ext>
+            </a:extLst>
+          </a:blip>
+          <a:srcRect/>
+          <a:stretch>
+            <a:fillRect/>
+          </a:stretch>
+        </p:blipFill>
+        <p:spPr bwMode="auto">
+          <a:xfrm>
+            <a:off x="3114675" y="1111064"/>
+            <a:ext cx="5962650" cy="4981575"/>
+          </a:xfrm>
+          <a:prstGeom prst="rect">
+            <a:avLst/>
+          </a:prstGeom>
+          <a:noFill/>
+          <a:extLst>
+            <a:ext uri="{909E8E84-426E-40DD-AFC4-6F175D3DCCD1}">
+              <a14:hiddenFill xmlns:a14="http://schemas.microsoft.com/office/drawing/2010/main">
+                <a:solidFill>
+                  <a:srgbClr val="FFFFFF"/>
+                </a:solidFill>
+              </a14:hiddenFill>
+            </a:ext>
+          </a:extLst>
+        </p:spPr>
+      </p:pic>
+      <p:sp>
+        <p:nvSpPr>
+          <p:cNvPr id="6" name="TextBox 5"/>
+          <p:cNvSpPr txBox="1"/>
+          <p:nvPr/>
+        </p:nvSpPr>
+        <p:spPr>
+          <a:xfrm>
+            <a:off x="1172308" y="5677140"/>
+            <a:ext cx="9847384" cy="830997"/>
+          </a:xfrm>
+          <a:prstGeom prst="rect">
+            <a:avLst/>
+          </a:prstGeom>
+          <a:noFill/>
+        </p:spPr>
+        <p:txBody>
+          <a:bodyPr wrap="square" rtlCol="0">
+            <a:spAutoFit/>
+          </a:bodyPr>
+          <a:lstStyle/>
+          <a:p>
+            <a:pPr algn="ctr"/>
+            <a:r>
+              <a:rPr lang="ru-RU" sz="2400" dirty="0" smtClean="0">
+                <a:latin typeface="Times New Roman" panose="02020603050405020304" pitchFamily="18" charset="0"/>
+                <a:cs typeface="Times New Roman" panose="02020603050405020304" pitchFamily="18" charset="0"/>
+              </a:rPr>
+              <a:t>Реализация не доступна из вне, бизнес контекст и служебная информация скрыты на уровне сервиса</a:t>
+            </a:r>
+            <a:endParaRPr lang="ru-RU" sz="2400" dirty="0">
+              <a:latin typeface="Times New Roman" panose="02020603050405020304" pitchFamily="18" charset="0"/>
+              <a:cs typeface="Times New Roman" panose="02020603050405020304" pitchFamily="18" charset="0"/>
+            </a:endParaRPr>
+          </a:p>
+        </p:txBody>
+      </p:sp>
+      <p:pic>
+        <p:nvPicPr>
+          <p:cNvPr id="8" name="Picture 2" descr="Ярославский государственный университет — Википедия"/>
+          <p:cNvPicPr>
+            <a:picLocks noChangeAspect="1" noChangeArrowheads="1"/>
+          </p:cNvPicPr>
+          <p:nvPr/>
+        </p:nvPicPr>
+        <p:blipFill>
+          <a:blip r:embed="rId3">
+            <a:extLst>
+              <a:ext uri="{28A0092B-C50C-407E-A947-70E740481C1C}">
+                <a14:useLocalDpi xmlns:a14="http://schemas.microsoft.com/office/drawing/2010/main" val="0"/>
+              </a:ext>
+            </a:extLst>
+          </a:blip>
+          <a:srcRect/>
+          <a:stretch>
+            <a:fillRect/>
+          </a:stretch>
+        </p:blipFill>
+        <p:spPr bwMode="auto">
+          <a:xfrm>
+            <a:off x="0" y="5477607"/>
+            <a:ext cx="1380392" cy="1380393"/>
+          </a:xfrm>
+          <a:prstGeom prst="rect">
+            <a:avLst/>
+          </a:prstGeom>
+          <a:noFill/>
+          <a:extLst>
+            <a:ext uri="{909E8E84-426E-40DD-AFC4-6F175D3DCCD1}">
+              <a14:hiddenFill xmlns:a14="http://schemas.microsoft.com/office/drawing/2010/main">
+                <a:solidFill>
+                  <a:srgbClr val="FFFFFF"/>
+                </a:solidFill>
+              </a14:hiddenFill>
+            </a:ext>
+          </a:extLst>
+        </p:spPr>
+      </p:pic>
+    </p:spTree>
+    <p:extLst>
+      <p:ext uri="{BB962C8B-B14F-4D97-AF65-F5344CB8AC3E}">
+        <p14:creationId xmlns:p14="http://schemas.microsoft.com/office/powerpoint/2010/main" val="1983272013"/>
+      </p:ext>
+    </p:extLst>
+  </p:cSld>
+  <p:clrMapOvr>
+    <a:masterClrMapping/>
+  </p:clrMapOvr>
+  <p:timing>
+    <p:tnLst>
+      <p:par>
+        <p:cTn id="1" dur="indefinite" restart="never" nodeType="tmRoot"/>
+      </p:par>
+    </p:tnLst>
+  </p:timing>
+</p:sld>
+</file>
+
+<file path=ppt/slides/slide8.xml><?xml version="1.0" encoding="utf-8"?>
+<p:sld xmlns:a="http://schemas.openxmlformats.org/drawingml/2006/main" xmlns:r="http://schemas.openxmlformats.org/officeDocument/2006/relationships" xmlns:p="http://schemas.openxmlformats.org/presentationml/2006/main">
+  <p:cSld>
+    <p:spTree>
+      <p:nvGrpSpPr>
+        <p:cNvPr id="1" name=""/>
+        <p:cNvGrpSpPr/>
+        <p:nvPr/>
+      </p:nvGrpSpPr>
+      <p:grpSpPr>
+        <a:xfrm>
+          <a:off x="0" y="0"/>
+          <a:ext cx="0" cy="0"/>
+          <a:chOff x="0" y="0"/>
+          <a:chExt cx="0" cy="0"/>
+        </a:xfrm>
+      </p:grpSpPr>
+      <p:sp>
+        <p:nvSpPr>
+          <p:cNvPr id="2" name="Заголовок 1"/>
+          <p:cNvSpPr>
+            <a:spLocks noGrp="1"/>
+          </p:cNvSpPr>
+          <p:nvPr>
+            <p:ph type="title"/>
+          </p:nvPr>
+        </p:nvSpPr>
+        <p:spPr>
+          <a:xfrm>
+            <a:off x="0" y="307733"/>
+            <a:ext cx="12192000" cy="882464"/>
+          </a:xfrm>
+        </p:spPr>
+        <p:txBody>
+          <a:bodyPr>
+            <a:normAutofit/>
+          </a:bodyPr>
+          <a:lstStyle/>
+          <a:p>
+            <a:pPr algn="ctr"/>
+            <a:r>
+              <a:rPr lang="ru-RU" dirty="0" err="1">
+                <a:latin typeface="Times New Roman" panose="02020603050405020304" pitchFamily="18" charset="0"/>
+                <a:cs typeface="Times New Roman" panose="02020603050405020304" pitchFamily="18" charset="0"/>
+              </a:rPr>
+              <a:t>Микросервисная</a:t>
+            </a:r>
+            <a:r>
+              <a:rPr lang="ru-RU" dirty="0">
+                <a:latin typeface="Times New Roman" panose="02020603050405020304" pitchFamily="18" charset="0"/>
+                <a:cs typeface="Times New Roman" panose="02020603050405020304" pitchFamily="18" charset="0"/>
+              </a:rPr>
+              <a:t> архитектура (</a:t>
+            </a:r>
+            <a:r>
+              <a:rPr lang="en-US" dirty="0">
+                <a:latin typeface="Times New Roman" panose="02020603050405020304" pitchFamily="18" charset="0"/>
+                <a:cs typeface="Times New Roman" panose="02020603050405020304" pitchFamily="18" charset="0"/>
+              </a:rPr>
+              <a:t>MSA</a:t>
+            </a:r>
+            <a:r>
+              <a:rPr lang="ru-RU" dirty="0" smtClean="0">
+                <a:latin typeface="Times New Roman" panose="02020603050405020304" pitchFamily="18" charset="0"/>
+                <a:cs typeface="Times New Roman" panose="02020603050405020304" pitchFamily="18" charset="0"/>
+              </a:rPr>
+              <a:t>)</a:t>
+            </a:r>
+            <a:endParaRPr lang="ru-RU" dirty="0">
+              <a:latin typeface="Times New Roman" panose="02020603050405020304" pitchFamily="18" charset="0"/>
+              <a:cs typeface="Times New Roman" panose="02020603050405020304" pitchFamily="18" charset="0"/>
+            </a:endParaRPr>
+          </a:p>
+        </p:txBody>
+      </p:sp>
+      <p:sp>
+        <p:nvSpPr>
+          <p:cNvPr id="3" name="Объект 2"/>
+          <p:cNvSpPr>
+            <a:spLocks noGrp="1"/>
+          </p:cNvSpPr>
+          <p:nvPr>
+            <p:ph idx="1"/>
+          </p:nvPr>
+        </p:nvSpPr>
+        <p:spPr>
+          <a:xfrm>
+            <a:off x="1031631" y="1658570"/>
+            <a:ext cx="10515600" cy="4566383"/>
+          </a:xfrm>
+        </p:spPr>
+        <p:txBody>
+          <a:bodyPr>
+            <a:normAutofit/>
+          </a:bodyPr>
+          <a:lstStyle/>
+          <a:p>
+            <a:endParaRPr lang="en-US" sz="2400" b="1" i="1" dirty="0" smtClean="0">
+              <a:latin typeface="Times New Roman" panose="02020603050405020304" pitchFamily="18" charset="0"/>
+              <a:cs typeface="Times New Roman" panose="02020603050405020304" pitchFamily="18" charset="0"/>
+            </a:endParaRPr>
+          </a:p>
+          <a:p>
+            <a:r>
+              <a:rPr lang="ru-RU" sz="2400" b="1" i="1" dirty="0" smtClean="0">
+                <a:latin typeface="Times New Roman" panose="02020603050405020304" pitchFamily="18" charset="0"/>
+                <a:cs typeface="Times New Roman" panose="02020603050405020304" pitchFamily="18" charset="0"/>
+              </a:rPr>
+              <a:t>Распределённой </a:t>
+            </a:r>
+            <a:r>
+              <a:rPr lang="ru-RU" sz="2400" b="1" i="1" dirty="0">
+                <a:latin typeface="Times New Roman" panose="02020603050405020304" pitchFamily="18" charset="0"/>
+                <a:cs typeface="Times New Roman" panose="02020603050405020304" pitchFamily="18" charset="0"/>
+              </a:rPr>
+              <a:t>системой</a:t>
+            </a:r>
+            <a:r>
+              <a:rPr lang="ru-RU" sz="2400" b="1" dirty="0">
+                <a:latin typeface="Times New Roman" panose="02020603050405020304" pitchFamily="18" charset="0"/>
+                <a:cs typeface="Times New Roman" panose="02020603050405020304" pitchFamily="18" charset="0"/>
+              </a:rPr>
+              <a:t> </a:t>
+            </a:r>
+            <a:r>
+              <a:rPr lang="ru-RU" sz="2400" dirty="0">
+                <a:latin typeface="Times New Roman" panose="02020603050405020304" pitchFamily="18" charset="0"/>
+                <a:cs typeface="Times New Roman" panose="02020603050405020304" pitchFamily="18" charset="0"/>
+              </a:rPr>
+              <a:t>называется </a:t>
+            </a:r>
+            <a:r>
+              <a:rPr lang="ru-RU" sz="2400" i="1" dirty="0">
+                <a:latin typeface="Times New Roman" panose="02020603050405020304" pitchFamily="18" charset="0"/>
+                <a:cs typeface="Times New Roman" panose="02020603050405020304" pitchFamily="18" charset="0"/>
+              </a:rPr>
+              <a:t>система</a:t>
+            </a:r>
+            <a:r>
+              <a:rPr lang="ru-RU" sz="2400" dirty="0">
+                <a:latin typeface="Times New Roman" panose="02020603050405020304" pitchFamily="18" charset="0"/>
+                <a:cs typeface="Times New Roman" panose="02020603050405020304" pitchFamily="18" charset="0"/>
+              </a:rPr>
+              <a:t>, использующая несколько отдельных вычислительных узлов для </a:t>
+            </a:r>
+            <a:r>
+              <a:rPr lang="ru-RU" sz="2400" i="1" dirty="0">
+                <a:latin typeface="Times New Roman" panose="02020603050405020304" pitchFamily="18" charset="0"/>
+                <a:cs typeface="Times New Roman" panose="02020603050405020304" pitchFamily="18" charset="0"/>
+              </a:rPr>
+              <a:t>реализации общих задач</a:t>
+            </a:r>
+            <a:r>
+              <a:rPr lang="ru-RU" sz="2400" dirty="0">
+                <a:latin typeface="Times New Roman" panose="02020603050405020304" pitchFamily="18" charset="0"/>
+                <a:cs typeface="Times New Roman" panose="02020603050405020304" pitchFamily="18" charset="0"/>
+              </a:rPr>
+              <a:t> – задач системы</a:t>
+            </a:r>
+            <a:r>
+              <a:rPr lang="ru-RU" sz="2400" dirty="0" smtClean="0">
+                <a:latin typeface="Times New Roman" panose="02020603050405020304" pitchFamily="18" charset="0"/>
+                <a:cs typeface="Times New Roman" panose="02020603050405020304" pitchFamily="18" charset="0"/>
+              </a:rPr>
+              <a:t>.</a:t>
+            </a:r>
+            <a:endParaRPr lang="en-US" sz="2400" dirty="0" smtClean="0">
+              <a:latin typeface="Times New Roman" panose="02020603050405020304" pitchFamily="18" charset="0"/>
+              <a:cs typeface="Times New Roman" panose="02020603050405020304" pitchFamily="18" charset="0"/>
+            </a:endParaRPr>
+          </a:p>
+          <a:p>
+            <a:endParaRPr lang="en-US" sz="2400" dirty="0">
+              <a:latin typeface="Times New Roman" panose="02020603050405020304" pitchFamily="18" charset="0"/>
+              <a:cs typeface="Times New Roman" panose="02020603050405020304" pitchFamily="18" charset="0"/>
+            </a:endParaRPr>
+          </a:p>
+          <a:p>
+            <a:endParaRPr lang="en-US" sz="2400" dirty="0" smtClean="0">
+              <a:latin typeface="Times New Roman" panose="02020603050405020304" pitchFamily="18" charset="0"/>
+              <a:cs typeface="Times New Roman" panose="02020603050405020304" pitchFamily="18" charset="0"/>
+            </a:endParaRPr>
+          </a:p>
+          <a:p>
+            <a:endParaRPr lang="ru-RU" sz="2400" dirty="0">
+              <a:latin typeface="Times New Roman" panose="02020603050405020304" pitchFamily="18" charset="0"/>
+              <a:cs typeface="Times New Roman" panose="02020603050405020304" pitchFamily="18" charset="0"/>
+            </a:endParaRPr>
+          </a:p>
+          <a:p>
+            <a:r>
+              <a:rPr lang="en-US" sz="2400" b="1" dirty="0">
+                <a:latin typeface="Times New Roman" panose="02020603050405020304" pitchFamily="18" charset="0"/>
+                <a:cs typeface="Times New Roman" panose="02020603050405020304" pitchFamily="18" charset="0"/>
+              </a:rPr>
+              <a:t>MSA</a:t>
+            </a:r>
+            <a:r>
+              <a:rPr lang="ru-RU" sz="2400" b="1" dirty="0">
+                <a:latin typeface="Times New Roman" panose="02020603050405020304" pitchFamily="18" charset="0"/>
+                <a:cs typeface="Times New Roman" panose="02020603050405020304" pitchFamily="18" charset="0"/>
+              </a:rPr>
+              <a:t> (</a:t>
+            </a:r>
+            <a:r>
+              <a:rPr lang="en-US" sz="2400" b="1" dirty="0">
+                <a:latin typeface="Times New Roman" panose="02020603050405020304" pitchFamily="18" charset="0"/>
+                <a:cs typeface="Times New Roman" panose="02020603050405020304" pitchFamily="18" charset="0"/>
+              </a:rPr>
+              <a:t>Micro Service Architecture</a:t>
+            </a:r>
+            <a:r>
+              <a:rPr lang="ru-RU" sz="2400" b="1" dirty="0">
+                <a:latin typeface="Times New Roman" panose="02020603050405020304" pitchFamily="18" charset="0"/>
+                <a:cs typeface="Times New Roman" panose="02020603050405020304" pitchFamily="18" charset="0"/>
+              </a:rPr>
+              <a:t>) </a:t>
+            </a:r>
+            <a:r>
+              <a:rPr lang="ru-RU" sz="2400" dirty="0">
+                <a:latin typeface="Times New Roman" panose="02020603050405020304" pitchFamily="18" charset="0"/>
+                <a:cs typeface="Times New Roman" panose="02020603050405020304" pitchFamily="18" charset="0"/>
+              </a:rPr>
+              <a:t>– </a:t>
+            </a:r>
+            <a:r>
+              <a:rPr lang="ru-RU" sz="2400" i="1" dirty="0">
+                <a:latin typeface="Times New Roman" panose="02020603050405020304" pitchFamily="18" charset="0"/>
+                <a:cs typeface="Times New Roman" panose="02020603050405020304" pitchFamily="18" charset="0"/>
+              </a:rPr>
+              <a:t>организация</a:t>
+            </a:r>
+            <a:r>
+              <a:rPr lang="ru-RU" sz="2400" dirty="0">
+                <a:latin typeface="Times New Roman" panose="02020603050405020304" pitchFamily="18" charset="0"/>
+                <a:cs typeface="Times New Roman" panose="02020603050405020304" pitchFamily="18" charset="0"/>
+              </a:rPr>
+              <a:t> </a:t>
+            </a:r>
+            <a:r>
+              <a:rPr lang="ru-RU" sz="2400" i="1" dirty="0">
+                <a:latin typeface="Times New Roman" panose="02020603050405020304" pitchFamily="18" charset="0"/>
+                <a:cs typeface="Times New Roman" panose="02020603050405020304" pitchFamily="18" charset="0"/>
+              </a:rPr>
+              <a:t>распределённой </a:t>
+            </a:r>
+            <a:r>
+              <a:rPr lang="ru-RU" sz="2400" i="1" dirty="0" smtClean="0">
+                <a:latin typeface="Times New Roman" panose="02020603050405020304" pitchFamily="18" charset="0"/>
+                <a:cs typeface="Times New Roman" panose="02020603050405020304" pitchFamily="18" charset="0"/>
+              </a:rPr>
+              <a:t>системы</a:t>
+            </a:r>
+            <a:r>
+              <a:rPr lang="en-US" sz="2400" dirty="0">
+                <a:latin typeface="Times New Roman" panose="02020603050405020304" pitchFamily="18" charset="0"/>
+                <a:cs typeface="Times New Roman" panose="02020603050405020304" pitchFamily="18" charset="0"/>
+              </a:rPr>
+              <a:t> </a:t>
+            </a:r>
+            <a:r>
+              <a:rPr lang="ru-RU" sz="2400" i="1" dirty="0" err="1" smtClean="0">
+                <a:latin typeface="Times New Roman" panose="02020603050405020304" pitchFamily="18" charset="0"/>
+                <a:cs typeface="Times New Roman" panose="02020603050405020304" pitchFamily="18" charset="0"/>
+              </a:rPr>
+              <a:t>микросервисов</a:t>
+            </a:r>
+            <a:r>
+              <a:rPr lang="ru-RU" sz="2400" dirty="0">
+                <a:latin typeface="Times New Roman" panose="02020603050405020304" pitchFamily="18" charset="0"/>
+                <a:cs typeface="Times New Roman" panose="02020603050405020304" pitchFamily="18" charset="0"/>
+              </a:rPr>
+              <a:t>, как отдельных </a:t>
+            </a:r>
+            <a:r>
+              <a:rPr lang="ru-RU" sz="2400" dirty="0" smtClean="0">
+                <a:latin typeface="Times New Roman" panose="02020603050405020304" pitchFamily="18" charset="0"/>
+                <a:cs typeface="Times New Roman" panose="02020603050405020304" pitchFamily="18" charset="0"/>
+              </a:rPr>
+              <a:t>функциональных </a:t>
+            </a:r>
+            <a:r>
+              <a:rPr lang="ru-RU" sz="2400" dirty="0">
+                <a:latin typeface="Times New Roman" panose="02020603050405020304" pitchFamily="18" charset="0"/>
+                <a:cs typeface="Times New Roman" panose="02020603050405020304" pitchFamily="18" charset="0"/>
+              </a:rPr>
+              <a:t>узлов.</a:t>
+            </a:r>
+          </a:p>
+          <a:p>
+            <a:endParaRPr lang="ru-RU" dirty="0"/>
+          </a:p>
+        </p:txBody>
+      </p:sp>
+      <p:pic>
+        <p:nvPicPr>
+          <p:cNvPr id="4" name="Picture 2" descr="Ярославский государственный университет — Википедия"/>
+          <p:cNvPicPr>
+            <a:picLocks noChangeAspect="1" noChangeArrowheads="1"/>
+          </p:cNvPicPr>
+          <p:nvPr/>
+        </p:nvPicPr>
+        <p:blipFill>
+          <a:blip r:embed="rId2">
+            <a:extLst>
+              <a:ext uri="{28A0092B-C50C-407E-A947-70E740481C1C}">
+                <a14:useLocalDpi xmlns:a14="http://schemas.microsoft.com/office/drawing/2010/main" val="0"/>
+              </a:ext>
+            </a:extLst>
+          </a:blip>
+          <a:srcRect/>
+          <a:stretch>
+            <a:fillRect/>
+          </a:stretch>
+        </p:blipFill>
+        <p:spPr bwMode="auto">
+          <a:xfrm>
+            <a:off x="0" y="5477607"/>
+            <a:ext cx="1380392" cy="1380393"/>
+          </a:xfrm>
+          <a:prstGeom prst="rect">
+            <a:avLst/>
+          </a:prstGeom>
+          <a:noFill/>
+          <a:extLst>
+            <a:ext uri="{909E8E84-426E-40DD-AFC4-6F175D3DCCD1}">
+              <a14:hiddenFill xmlns:a14="http://schemas.microsoft.com/office/drawing/2010/main">
+                <a:solidFill>
+                  <a:srgbClr val="FFFFFF"/>
+                </a:solidFill>
+              </a14:hiddenFill>
+            </a:ext>
+          </a:extLst>
+        </p:spPr>
+      </p:pic>
+    </p:spTree>
+    <p:extLst>
+      <p:ext uri="{BB962C8B-B14F-4D97-AF65-F5344CB8AC3E}">
+        <p14:creationId xmlns:p14="http://schemas.microsoft.com/office/powerpoint/2010/main" val="3088657044"/>
+      </p:ext>
+    </p:extLst>
+  </p:cSld>
+  <p:clrMapOvr>
+    <a:masterClrMapping/>
+  </p:clrMapOvr>
+  <p:timing>
+    <p:tnLst>
+      <p:par>
+        <p:cTn id="1" dur="indefinite" restart="never" nodeType="tmRoot"/>
+      </p:par>
+    </p:tnLst>
+  </p:timing>
+</p:sld>
+</file>
+
+<file path=ppt/slides/slide9.xml><?xml version="1.0" encoding="utf-8"?>
+<p:sld xmlns:a="http://schemas.openxmlformats.org/drawingml/2006/main" xmlns:r="http://schemas.openxmlformats.org/officeDocument/2006/relationships" xmlns:p="http://schemas.openxmlformats.org/presentationml/2006/main">
+  <p:cSld>
+    <p:spTree>
+      <p:nvGrpSpPr>
+        <p:cNvPr id="1" name=""/>
+        <p:cNvGrpSpPr/>
+        <p:nvPr/>
+      </p:nvGrpSpPr>
+      <p:grpSpPr>
+        <a:xfrm>
+          <a:off x="0" y="0"/>
+          <a:ext cx="0" cy="0"/>
+          <a:chOff x="0" y="0"/>
+          <a:chExt cx="0" cy="0"/>
+        </a:xfrm>
+      </p:grpSpPr>
+      <p:sp>
+        <p:nvSpPr>
+          <p:cNvPr id="2" name="Заголовок 1"/>
+          <p:cNvSpPr>
+            <a:spLocks noGrp="1"/>
+          </p:cNvSpPr>
+          <p:nvPr>
+            <p:ph type="title"/>
+          </p:nvPr>
+        </p:nvSpPr>
+        <p:spPr>
+          <a:xfrm>
+            <a:off x="0" y="291305"/>
+            <a:ext cx="12192000" cy="696667"/>
+          </a:xfrm>
+        </p:spPr>
+        <p:txBody>
+          <a:bodyPr/>
+          <a:lstStyle/>
+          <a:p>
+            <a:pPr algn="ctr"/>
+            <a:r>
+              <a:rPr lang="ru-RU" dirty="0">
+                <a:latin typeface="Times New Roman" panose="02020603050405020304" pitchFamily="18" charset="0"/>
+                <a:cs typeface="Times New Roman" panose="02020603050405020304" pitchFamily="18" charset="0"/>
+              </a:rPr>
+              <a:t>2</a:t>
+            </a:r>
+            <a:r>
+              <a:rPr lang="ru-RU" dirty="0" smtClean="0">
+                <a:latin typeface="Times New Roman" panose="02020603050405020304" pitchFamily="18" charset="0"/>
+                <a:cs typeface="Times New Roman" panose="02020603050405020304" pitchFamily="18" charset="0"/>
+              </a:rPr>
+              <a:t>.Монолит </a:t>
+            </a:r>
+            <a:r>
+              <a:rPr lang="en-US" dirty="0" smtClean="0">
+                <a:latin typeface="Times New Roman" panose="02020603050405020304" pitchFamily="18" charset="0"/>
+                <a:cs typeface="Times New Roman" panose="02020603050405020304" pitchFamily="18" charset="0"/>
+              </a:rPr>
+              <a:t>VS </a:t>
+            </a:r>
+            <a:r>
+              <a:rPr lang="ru-RU" dirty="0" err="1" smtClean="0">
+                <a:latin typeface="Times New Roman" panose="02020603050405020304" pitchFamily="18" charset="0"/>
+                <a:cs typeface="Times New Roman" panose="02020603050405020304" pitchFamily="18" charset="0"/>
+              </a:rPr>
+              <a:t>Микросервис</a:t>
+            </a:r>
+            <a:endParaRPr lang="ru-RU" dirty="0">
+              <a:latin typeface="Times New Roman" panose="02020603050405020304" pitchFamily="18" charset="0"/>
+              <a:cs typeface="Times New Roman" panose="02020603050405020304" pitchFamily="18" charset="0"/>
+            </a:endParaRPr>
+          </a:p>
+        </p:txBody>
+      </p:sp>
+      <p:pic>
+        <p:nvPicPr>
+          <p:cNvPr id="6148" name="Picture 4" descr="Microservices vs Monolith"/>
+          <p:cNvPicPr>
+            <a:picLocks noChangeAspect="1" noChangeArrowheads="1"/>
+          </p:cNvPicPr>
+          <p:nvPr/>
+        </p:nvPicPr>
+        <p:blipFill>
+          <a:blip r:embed="rId2">
+            <a:extLst>
+              <a:ext uri="{28A0092B-C50C-407E-A947-70E740481C1C}">
+                <a14:useLocalDpi xmlns:a14="http://schemas.microsoft.com/office/drawing/2010/main" val="0"/>
+              </a:ext>
+            </a:extLst>
+          </a:blip>
+          <a:srcRect/>
+          <a:stretch>
+            <a:fillRect/>
+          </a:stretch>
+        </p:blipFill>
+        <p:spPr bwMode="auto">
+          <a:xfrm>
+            <a:off x="1254612" y="1382466"/>
+            <a:ext cx="9126482" cy="4745772"/>
           </a:xfrm>
           <a:prstGeom prst="rect">
             <a:avLst/>
@@ -5547,57 +10501,29 @@
       </p:pic>
       <p:pic>
         <p:nvPicPr>
-          <p:cNvPr id="23" name="Picture 22"/>
-          <p:cNvPicPr>
-            <a:picLocks noChangeAspect="1"/>
-          </p:cNvPicPr>
-          <p:nvPr/>
-        </p:nvPicPr>
-        <p:blipFill>
-          <a:blip r:embed="rId10" cstate="print">
-            <a:extLst>
-              <a:ext uri="{28A0092B-C50C-407E-A947-70E740481C1C}">
-                <a14:useLocalDpi xmlns:a14="http://schemas.microsoft.com/office/drawing/2010/main" val="0"/>
-              </a:ext>
-            </a:extLst>
-          </a:blip>
-          <a:stretch>
-            <a:fillRect/>
-          </a:stretch>
-        </p:blipFill>
-        <p:spPr>
-          <a:xfrm>
-            <a:off x="336205" y="2077683"/>
-            <a:ext cx="325544" cy="326423"/>
-          </a:xfrm>
-          <a:prstGeom prst="rect">
-            <a:avLst/>
-          </a:prstGeom>
-        </p:spPr>
-      </p:pic>
-      <p:pic>
-        <p:nvPicPr>
-          <p:cNvPr id="27" name="Picture 2" descr="Social Media Icons Set Logo, Social Media Icons, Social Media ..."/>
+          <p:cNvPr id="7" name="Picture 2" descr="Ярославский государственный университет — Википедия"/>
           <p:cNvPicPr>
             <a:picLocks noChangeAspect="1" noChangeArrowheads="1"/>
           </p:cNvPicPr>
           <p:nvPr/>
         </p:nvPicPr>
-        <p:blipFill rotWithShape="1">
-          <a:blip r:embed="rId11" cstate="print">
+        <p:blipFill>
+          <a:blip r:embed="rId3">
             <a:extLst>
               <a:ext uri="{28A0092B-C50C-407E-A947-70E740481C1C}">
                 <a14:useLocalDpi xmlns:a14="http://schemas.microsoft.com/office/drawing/2010/main" val="0"/>
               </a:ext>
             </a:extLst>
           </a:blip>
-          <a:srcRect l="66804" t="4652" r="7846" b="69848"/>
-          <a:stretch/>
+          <a:srcRect/>
+          <a:stretch>
+            <a:fillRect/>
+          </a:stretch>
         </p:blipFill>
         <p:spPr bwMode="auto">
           <a:xfrm>
-            <a:off x="334217" y="2945620"/>
-            <a:ext cx="328475" cy="326422"/>
+            <a:off x="0" y="5477607"/>
+            <a:ext cx="1380392" cy="1380393"/>
           </a:xfrm>
           <a:prstGeom prst="rect">
             <a:avLst/>
@@ -5614,306 +10540,23 @@
           </a:extLst>
         </p:spPr>
       </p:pic>
-      <p:sp>
-        <p:nvSpPr>
-          <p:cNvPr id="24" name="Rectangle 23"/>
-          <p:cNvSpPr/>
-          <p:nvPr/>
-        </p:nvSpPr>
-        <p:spPr>
-          <a:xfrm>
-            <a:off x="660707" y="1628801"/>
-            <a:ext cx="4467890" cy="369332"/>
-          </a:xfrm>
-          <a:prstGeom prst="rect">
-            <a:avLst/>
-          </a:prstGeom>
-        </p:spPr>
-        <p:txBody>
-          <a:bodyPr wrap="none">
-            <a:spAutoFit/>
-          </a:bodyPr>
-          <a:lstStyle/>
-          <a:p>
-            <a:r>
-              <a:rPr lang="en-US" dirty="0">
-                <a:hlinkClick r:id="rId12"/>
-              </a:rPr>
-              <a:t>https://www.facebook.com/powerpointfree/</a:t>
-            </a:r>
-            <a:r>
-              <a:rPr lang="en-US" dirty="0"/>
-              <a:t> </a:t>
-            </a:r>
-          </a:p>
-        </p:txBody>
-      </p:sp>
-      <p:sp>
-        <p:nvSpPr>
-          <p:cNvPr id="29" name="Rectangle 28"/>
-          <p:cNvSpPr/>
-          <p:nvPr/>
-        </p:nvSpPr>
-        <p:spPr>
-          <a:xfrm>
-            <a:off x="659396" y="2051908"/>
-            <a:ext cx="3044616" cy="369332"/>
-          </a:xfrm>
-          <a:prstGeom prst="rect">
-            <a:avLst/>
-          </a:prstGeom>
-        </p:spPr>
-        <p:txBody>
-          <a:bodyPr wrap="none">
-            <a:spAutoFit/>
-          </a:bodyPr>
-          <a:lstStyle/>
-          <a:p>
-            <a:r>
-              <a:rPr lang="en-US" dirty="0">
-                <a:hlinkClick r:id="rId13"/>
-              </a:rPr>
-              <a:t>https://vk.com/club79040830</a:t>
-            </a:r>
-            <a:r>
-              <a:rPr lang="en-US" dirty="0"/>
-              <a:t> </a:t>
-            </a:r>
-          </a:p>
-        </p:txBody>
-      </p:sp>
-      <p:sp>
-        <p:nvSpPr>
-          <p:cNvPr id="30" name="Rectangle 29"/>
-          <p:cNvSpPr/>
-          <p:nvPr/>
-        </p:nvSpPr>
-        <p:spPr>
-          <a:xfrm>
-            <a:off x="659396" y="2924165"/>
-            <a:ext cx="6781800" cy="369332"/>
-          </a:xfrm>
-          <a:prstGeom prst="rect">
-            <a:avLst/>
-          </a:prstGeom>
-        </p:spPr>
-        <p:txBody>
-          <a:bodyPr wrap="square">
-            <a:spAutoFit/>
-          </a:bodyPr>
-          <a:lstStyle/>
-          <a:p>
-            <a:r>
-              <a:rPr lang="en-US" dirty="0">
-                <a:hlinkClick r:id="rId14"/>
-              </a:rPr>
-              <a:t>https://www.youtube.com/channel/UC3Kc-8AJVMloXo2YQbmAOqA</a:t>
-            </a:r>
-            <a:endParaRPr lang="en-US" dirty="0"/>
-          </a:p>
-        </p:txBody>
-      </p:sp>
-      <p:cxnSp>
-        <p:nvCxnSpPr>
-          <p:cNvPr id="33" name="Straight Connector 32"/>
-          <p:cNvCxnSpPr/>
-          <p:nvPr/>
-        </p:nvCxnSpPr>
-        <p:spPr>
-          <a:xfrm>
-            <a:off x="7572375" y="1240341"/>
-            <a:ext cx="0" cy="4849019"/>
-          </a:xfrm>
-          <a:prstGeom prst="line">
-            <a:avLst/>
-          </a:prstGeom>
-          <a:ln>
-            <a:solidFill>
-              <a:schemeClr val="bg1">
-                <a:lumMod val="75000"/>
-              </a:schemeClr>
-            </a:solidFill>
-          </a:ln>
-        </p:spPr>
-        <p:style>
-          <a:lnRef idx="1">
-            <a:schemeClr val="dk1"/>
-          </a:lnRef>
-          <a:fillRef idx="0">
-            <a:schemeClr val="dk1"/>
-          </a:fillRef>
-          <a:effectRef idx="0">
-            <a:schemeClr val="dk1"/>
-          </a:effectRef>
-          <a:fontRef idx="minor">
-            <a:schemeClr val="tx1"/>
-          </a:fontRef>
-        </p:style>
-      </p:cxnSp>
-      <p:sp>
-        <p:nvSpPr>
-          <p:cNvPr id="34" name="Rectangle 33"/>
-          <p:cNvSpPr/>
-          <p:nvPr/>
-        </p:nvSpPr>
-        <p:spPr>
-          <a:xfrm>
-            <a:off x="242206" y="3970298"/>
-            <a:ext cx="5565691" cy="1477328"/>
-          </a:xfrm>
-          <a:prstGeom prst="rect">
-            <a:avLst/>
-          </a:prstGeom>
-        </p:spPr>
-        <p:txBody>
-          <a:bodyPr wrap="none">
-            <a:spAutoFit/>
-          </a:bodyPr>
-          <a:lstStyle/>
-          <a:p>
-            <a:pPr marL="285750" indent="-285750">
-              <a:buFont typeface="Wingdings" panose="05000000000000000000" pitchFamily="2" charset="2"/>
-              <a:buChar char="ü"/>
-            </a:pPr>
-            <a:r>
-              <a:rPr lang="ru-RU" dirty="0"/>
-              <a:t>Разработка (оформление) презентации «под ключ»</a:t>
-            </a:r>
-          </a:p>
-          <a:p>
-            <a:pPr marL="285750" indent="-285750">
-              <a:buFont typeface="Wingdings" panose="05000000000000000000" pitchFamily="2" charset="2"/>
-              <a:buChar char="ü"/>
-            </a:pPr>
-            <a:r>
-              <a:rPr lang="ru-RU" dirty="0"/>
-              <a:t>Разработка авторского шаблона презентации</a:t>
-            </a:r>
-          </a:p>
-          <a:p>
-            <a:pPr marL="285750" indent="-285750">
-              <a:buFont typeface="Wingdings" panose="05000000000000000000" pitchFamily="2" charset="2"/>
-              <a:buChar char="ü"/>
-            </a:pPr>
-            <a:r>
-              <a:rPr lang="ru-RU" dirty="0"/>
-              <a:t>Оформление раздаточных материалов</a:t>
-            </a:r>
-          </a:p>
-          <a:p>
-            <a:pPr marL="285750" indent="-285750">
-              <a:buFont typeface="Wingdings" panose="05000000000000000000" pitchFamily="2" charset="2"/>
-              <a:buChar char="ü"/>
-            </a:pPr>
-            <a:r>
-              <a:rPr lang="ru-RU" dirty="0"/>
-              <a:t>Разработка фирменного стиля</a:t>
-            </a:r>
-          </a:p>
-          <a:p>
-            <a:r>
-              <a:rPr lang="ru-RU" dirty="0"/>
-              <a:t>Детальнее: </a:t>
-            </a:r>
-            <a:r>
-              <a:rPr lang="en-US" dirty="0">
-                <a:hlinkClick r:id="rId15"/>
-              </a:rPr>
-              <a:t>http://powerpointbase.com/offer.html</a:t>
-            </a:r>
-            <a:r>
-              <a:rPr lang="ru-RU" dirty="0"/>
-              <a:t> </a:t>
-            </a:r>
-            <a:endParaRPr lang="en-US" dirty="0"/>
-          </a:p>
-        </p:txBody>
-      </p:sp>
-      <p:pic>
-        <p:nvPicPr>
-          <p:cNvPr id="32" name="Picture 22">
-            <a:extLst>
-              <a:ext uri="{FF2B5EF4-FFF2-40B4-BE49-F238E27FC236}">
-                <a16:creationId xmlns:a16="http://schemas.microsoft.com/office/drawing/2014/main" id="{C702CA38-3FE8-4424-9559-6E2445696DDB}"/>
-              </a:ext>
-            </a:extLst>
-          </p:cNvPr>
-          <p:cNvPicPr>
-            <a:picLocks noChangeAspect="1"/>
-          </p:cNvPicPr>
-          <p:nvPr/>
-        </p:nvPicPr>
-        <p:blipFill>
-          <a:blip r:embed="rId16">
-            <a:extLst>
-              <a:ext uri="{28A0092B-C50C-407E-A947-70E740481C1C}">
-                <a14:useLocalDpi xmlns:a14="http://schemas.microsoft.com/office/drawing/2010/main" val="0"/>
-              </a:ext>
-            </a:extLst>
-          </a:blip>
-          <a:srcRect/>
-          <a:stretch/>
-        </p:blipFill>
-        <p:spPr>
-          <a:xfrm>
-            <a:off x="334217" y="2525510"/>
-            <a:ext cx="325544" cy="325544"/>
-          </a:xfrm>
-          <a:prstGeom prst="rect">
-            <a:avLst/>
-          </a:prstGeom>
-        </p:spPr>
-      </p:pic>
-      <p:sp>
-        <p:nvSpPr>
-          <p:cNvPr id="35" name="Rectangle 28">
-            <a:extLst>
-              <a:ext uri="{FF2B5EF4-FFF2-40B4-BE49-F238E27FC236}">
-                <a16:creationId xmlns:a16="http://schemas.microsoft.com/office/drawing/2014/main" id="{2A1A9CE7-E210-4085-B797-E46729EB1331}"/>
-              </a:ext>
-            </a:extLst>
-          </p:cNvPr>
-          <p:cNvSpPr/>
-          <p:nvPr/>
-        </p:nvSpPr>
-        <p:spPr>
-          <a:xfrm>
-            <a:off x="657408" y="2499296"/>
-            <a:ext cx="2944652" cy="369332"/>
-          </a:xfrm>
-          <a:prstGeom prst="rect">
-            <a:avLst/>
-          </a:prstGeom>
-        </p:spPr>
-        <p:txBody>
-          <a:bodyPr wrap="none">
-            <a:spAutoFit/>
-          </a:bodyPr>
-          <a:lstStyle/>
-          <a:p>
-            <a:r>
-              <a:rPr lang="en-US" dirty="0">
-                <a:hlinkClick r:id="rId17"/>
-              </a:rPr>
-              <a:t>https://t.me/powerpointhub</a:t>
-            </a:r>
-            <a:r>
-              <a:rPr lang="en-US" dirty="0"/>
-              <a:t> </a:t>
-            </a:r>
-          </a:p>
-        </p:txBody>
-      </p:sp>
     </p:spTree>
     <p:extLst>
       <p:ext uri="{BB962C8B-B14F-4D97-AF65-F5344CB8AC3E}">
-        <p14:creationId xmlns:p14="http://schemas.microsoft.com/office/powerpoint/2010/main" val="4190436781"/>
+        <p14:creationId xmlns:p14="http://schemas.microsoft.com/office/powerpoint/2010/main" val="1410042093"/>
       </p:ext>
     </p:extLst>
   </p:cSld>
   <p:clrMapOvr>
     <a:masterClrMapping/>
   </p:clrMapOvr>
+  <p:timing>
+    <p:tnLst>
+      <p:par>
+        <p:cTn id="1" dur="indefinite" restart="never" nodeType="tmRoot"/>
+      </p:par>
+    </p:tnLst>
+  </p:timing>
 </p:sld>
 </file>
 

--- a/Путь в науку 2024/Микросервисная архитектура в ОС.pptx
+++ b/Путь в науку 2024/Микросервисная архитектура в ОС.pptx
@@ -21,7 +21,19 @@
     <p:sldId id="272" r:id="rId15"/>
     <p:sldId id="274" r:id="rId16"/>
     <p:sldId id="273" r:id="rId17"/>
-    <p:sldId id="264" r:id="rId18"/>
+    <p:sldId id="275" r:id="rId18"/>
+    <p:sldId id="276" r:id="rId19"/>
+    <p:sldId id="278" r:id="rId20"/>
+    <p:sldId id="280" r:id="rId21"/>
+    <p:sldId id="281" r:id="rId22"/>
+    <p:sldId id="282" r:id="rId23"/>
+    <p:sldId id="283" r:id="rId24"/>
+    <p:sldId id="284" r:id="rId25"/>
+    <p:sldId id="285" r:id="rId26"/>
+    <p:sldId id="286" r:id="rId27"/>
+    <p:sldId id="287" r:id="rId28"/>
+    <p:sldId id="264" r:id="rId29"/>
+    <p:sldId id="288" r:id="rId30"/>
   </p:sldIdLst>
   <p:sldSz cx="12192000" cy="6858000"/>
   <p:notesSz cx="6858000" cy="9144000"/>
@@ -303,7 +315,7 @@
           <a:p>
             <a:fld id="{727BC1F1-26C4-4172-9B9C-25E3323FD759}" type="datetimeFigureOut">
               <a:rPr lang="ru-UA" smtClean="0"/>
-              <a:t>05/12/2024</a:t>
+              <a:t>05/13/2024</a:t>
             </a:fld>
             <a:endParaRPr lang="ru-UA"/>
           </a:p>
@@ -503,7 +515,7 @@
           <a:p>
             <a:fld id="{727BC1F1-26C4-4172-9B9C-25E3323FD759}" type="datetimeFigureOut">
               <a:rPr lang="ru-UA" smtClean="0"/>
-              <a:t>05/12/2024</a:t>
+              <a:t>05/13/2024</a:t>
             </a:fld>
             <a:endParaRPr lang="ru-UA"/>
           </a:p>
@@ -713,7 +725,7 @@
           <a:p>
             <a:fld id="{727BC1F1-26C4-4172-9B9C-25E3323FD759}" type="datetimeFigureOut">
               <a:rPr lang="ru-UA" smtClean="0"/>
-              <a:t>05/12/2024</a:t>
+              <a:t>05/13/2024</a:t>
             </a:fld>
             <a:endParaRPr lang="ru-UA"/>
           </a:p>
@@ -970,7 +982,7 @@
           <a:p>
             <a:fld id="{727BC1F1-26C4-4172-9B9C-25E3323FD759}" type="datetimeFigureOut">
               <a:rPr lang="ru-UA" smtClean="0"/>
-              <a:t>05/12/2024</a:t>
+              <a:t>05/13/2024</a:t>
             </a:fld>
             <a:endParaRPr lang="ru-UA"/>
           </a:p>
@@ -1246,7 +1258,7 @@
           <a:p>
             <a:fld id="{727BC1F1-26C4-4172-9B9C-25E3323FD759}" type="datetimeFigureOut">
               <a:rPr lang="ru-UA" smtClean="0"/>
-              <a:t>05/12/2024</a:t>
+              <a:t>05/13/2024</a:t>
             </a:fld>
             <a:endParaRPr lang="ru-UA"/>
           </a:p>
@@ -1514,7 +1526,7 @@
           <a:p>
             <a:fld id="{727BC1F1-26C4-4172-9B9C-25E3323FD759}" type="datetimeFigureOut">
               <a:rPr lang="ru-UA" smtClean="0"/>
-              <a:t>05/12/2024</a:t>
+              <a:t>05/13/2024</a:t>
             </a:fld>
             <a:endParaRPr lang="ru-UA"/>
           </a:p>
@@ -1929,7 +1941,7 @@
           <a:p>
             <a:fld id="{727BC1F1-26C4-4172-9B9C-25E3323FD759}" type="datetimeFigureOut">
               <a:rPr lang="ru-UA" smtClean="0"/>
-              <a:t>05/12/2024</a:t>
+              <a:t>05/13/2024</a:t>
             </a:fld>
             <a:endParaRPr lang="ru-UA"/>
           </a:p>
@@ -2071,7 +2083,7 @@
           <a:p>
             <a:fld id="{727BC1F1-26C4-4172-9B9C-25E3323FD759}" type="datetimeFigureOut">
               <a:rPr lang="ru-UA" smtClean="0"/>
-              <a:t>05/12/2024</a:t>
+              <a:t>05/13/2024</a:t>
             </a:fld>
             <a:endParaRPr lang="ru-UA"/>
           </a:p>
@@ -2184,7 +2196,7 @@
           <a:p>
             <a:fld id="{727BC1F1-26C4-4172-9B9C-25E3323FD759}" type="datetimeFigureOut">
               <a:rPr lang="ru-UA" smtClean="0"/>
-              <a:t>05/12/2024</a:t>
+              <a:t>05/13/2024</a:t>
             </a:fld>
             <a:endParaRPr lang="ru-UA"/>
           </a:p>
@@ -2497,7 +2509,7 @@
           <a:p>
             <a:fld id="{727BC1F1-26C4-4172-9B9C-25E3323FD759}" type="datetimeFigureOut">
               <a:rPr lang="ru-UA" smtClean="0"/>
-              <a:t>05/12/2024</a:t>
+              <a:t>05/13/2024</a:t>
             </a:fld>
             <a:endParaRPr lang="ru-UA"/>
           </a:p>
@@ -2786,7 +2798,7 @@
           <a:p>
             <a:fld id="{727BC1F1-26C4-4172-9B9C-25E3323FD759}" type="datetimeFigureOut">
               <a:rPr lang="ru-UA" smtClean="0"/>
-              <a:t>05/12/2024</a:t>
+              <a:t>05/13/2024</a:t>
             </a:fld>
             <a:endParaRPr lang="ru-UA"/>
           </a:p>
@@ -3065,7 +3077,7 @@
           <a:p>
             <a:fld id="{727BC1F1-26C4-4172-9B9C-25E3323FD759}" type="datetimeFigureOut">
               <a:rPr lang="ru-UA" smtClean="0"/>
-              <a:t>05/12/2024</a:t>
+              <a:t>05/13/2024</a:t>
             </a:fld>
             <a:endParaRPr lang="ru-UA"/>
           </a:p>
@@ -6365,10 +6377,6 @@
               </a:rPr>
               <a:t> ОС</a:t>
             </a:r>
-            <a:endParaRPr lang="ru-RU" sz="2400" dirty="0">
-              <a:latin typeface="Times New Roman" panose="02020603050405020304" pitchFamily="18" charset="0"/>
-              <a:cs typeface="Times New Roman" panose="02020603050405020304" pitchFamily="18" charset="0"/>
-            </a:endParaRPr>
           </a:p>
         </p:txBody>
       </p:sp>
@@ -6735,6 +6743,47 @@
           </a:extLst>
         </p:spPr>
       </p:pic>
+      <p:pic>
+        <p:nvPicPr>
+          <p:cNvPr id="6" name="Picture 2" descr="Ярославский государственный университет — Википедия"/>
+          <p:cNvPicPr>
+            <a:picLocks noChangeAspect="1" noChangeArrowheads="1"/>
+          </p:cNvPicPr>
+          <p:nvPr/>
+        </p:nvPicPr>
+        <p:blipFill>
+          <a:blip r:embed="rId4">
+            <a:extLst>
+              <a:ext uri="{28A0092B-C50C-407E-A947-70E740481C1C}">
+                <a14:useLocalDpi xmlns:a14="http://schemas.microsoft.com/office/drawing/2010/main" val="0"/>
+              </a:ext>
+            </a:extLst>
+          </a:blip>
+          <a:srcRect/>
+          <a:stretch>
+            <a:fillRect/>
+          </a:stretch>
+        </p:blipFill>
+        <p:spPr bwMode="auto">
+          <a:xfrm>
+            <a:off x="0" y="5477607"/>
+            <a:ext cx="1380392" cy="1380393"/>
+          </a:xfrm>
+          <a:prstGeom prst="rect">
+            <a:avLst/>
+          </a:prstGeom>
+          <a:noFill/>
+          <a:extLst>
+            <a:ext uri="{909E8E84-426E-40DD-AFC4-6F175D3DCCD1}">
+              <a14:hiddenFill xmlns:a14="http://schemas.microsoft.com/office/drawing/2010/main">
+                <a:solidFill>
+                  <a:srgbClr val="FFFFFF"/>
+                </a:solidFill>
+              </a14:hiddenFill>
+            </a:ext>
+          </a:extLst>
+        </p:spPr>
+      </p:pic>
     </p:spTree>
     <p:extLst>
       <p:ext uri="{BB962C8B-B14F-4D97-AF65-F5344CB8AC3E}">
@@ -6814,6 +6863,80 @@
           </a:p>
         </p:txBody>
       </p:sp>
+      <p:pic>
+        <p:nvPicPr>
+          <p:cNvPr id="3" name="Рисунок 2" descr="http://minix3.ru/articles_files/pic1.JPG"/>
+          <p:cNvPicPr/>
+          <p:nvPr/>
+        </p:nvPicPr>
+        <p:blipFill>
+          <a:blip r:embed="rId2">
+            <a:extLst>
+              <a:ext uri="{28A0092B-C50C-407E-A947-70E740481C1C}">
+                <a14:useLocalDpi xmlns:a14="http://schemas.microsoft.com/office/drawing/2010/main" val="0"/>
+              </a:ext>
+            </a:extLst>
+          </a:blip>
+          <a:srcRect/>
+          <a:stretch>
+            <a:fillRect/>
+          </a:stretch>
+        </p:blipFill>
+        <p:spPr bwMode="auto">
+          <a:xfrm>
+            <a:off x="2054835" y="987972"/>
+            <a:ext cx="7379311" cy="5456790"/>
+          </a:xfrm>
+          <a:prstGeom prst="rect">
+            <a:avLst/>
+          </a:prstGeom>
+          <a:noFill/>
+          <a:ln>
+            <a:noFill/>
+          </a:ln>
+        </p:spPr>
+      </p:pic>
+      <p:pic>
+        <p:nvPicPr>
+          <p:cNvPr id="4" name="Picture 2" descr="Ярославский государственный университет — Википедия"/>
+          <p:cNvPicPr>
+            <a:picLocks noChangeAspect="1" noChangeArrowheads="1"/>
+          </p:cNvPicPr>
+          <p:nvPr/>
+        </p:nvPicPr>
+        <p:blipFill>
+          <a:blip r:embed="rId3">
+            <a:extLst>
+              <a:ext uri="{28A0092B-C50C-407E-A947-70E740481C1C}">
+                <a14:useLocalDpi xmlns:a14="http://schemas.microsoft.com/office/drawing/2010/main" val="0"/>
+              </a:ext>
+            </a:extLst>
+          </a:blip>
+          <a:srcRect/>
+          <a:stretch>
+            <a:fillRect/>
+          </a:stretch>
+        </p:blipFill>
+        <p:spPr bwMode="auto">
+          <a:xfrm>
+            <a:off x="0" y="5477607"/>
+            <a:ext cx="1380392" cy="1380393"/>
+          </a:xfrm>
+          <a:prstGeom prst="rect">
+            <a:avLst/>
+          </a:prstGeom>
+          <a:noFill/>
+          <a:extLst>
+            <a:ext uri="{909E8E84-426E-40DD-AFC4-6F175D3DCCD1}">
+              <a14:hiddenFill xmlns:a14="http://schemas.microsoft.com/office/drawing/2010/main">
+                <a:solidFill>
+                  <a:srgbClr val="FFFFFF"/>
+                </a:solidFill>
+              </a14:hiddenFill>
+            </a:ext>
+          </a:extLst>
+        </p:spPr>
+      </p:pic>
     </p:spTree>
     <p:extLst>
       <p:ext uri="{BB962C8B-B14F-4D97-AF65-F5344CB8AC3E}">
@@ -6877,7 +7000,7 @@
                 <a:latin typeface="Times New Roman" panose="02020603050405020304" pitchFamily="18" charset="0"/>
                 <a:cs typeface="Times New Roman" panose="02020603050405020304" pitchFamily="18" charset="0"/>
               </a:rPr>
-              <a:t>Источники</a:t>
+              <a:t>Тезисы по архитектуре</a:t>
             </a:r>
             <a:endParaRPr lang="ru-RU" dirty="0">
               <a:latin typeface="Times New Roman" panose="02020603050405020304" pitchFamily="18" charset="0"/>
@@ -6901,65 +7024,120 @@
           <a:bodyPr/>
           <a:lstStyle/>
           <a:p>
-            <a:pPr marL="514350" indent="-514350">
-              <a:buFont typeface="+mj-lt"/>
-              <a:buAutoNum type="arabicPeriod"/>
-            </a:pPr>
-            <a:r>
-              <a:rPr lang="ru-RU" dirty="0" smtClean="0"/>
-              <a:t>Полный текст</a:t>
-            </a:r>
-            <a:r>
-              <a:rPr lang="en-US" dirty="0" smtClean="0"/>
-              <a:t>:</a:t>
-            </a:r>
-          </a:p>
-          <a:p>
-            <a:pPr marL="514350" indent="-514350">
-              <a:buFont typeface="+mj-lt"/>
-              <a:buAutoNum type="arabicPeriod"/>
-            </a:pPr>
-            <a:r>
-              <a:rPr lang="ru-RU" dirty="0" smtClean="0"/>
-              <a:t>Шаблон</a:t>
-            </a:r>
-            <a:r>
-              <a:rPr lang="en-US" dirty="0" smtClean="0"/>
-              <a:t>: </a:t>
+            <a:r>
+              <a:rPr lang="ru-RU" dirty="0" smtClean="0">
+                <a:latin typeface="Times New Roman" panose="02020603050405020304" pitchFamily="18" charset="0"/>
+                <a:cs typeface="Times New Roman" panose="02020603050405020304" pitchFamily="18" charset="0"/>
+              </a:rPr>
+              <a:t>1.Каждый процесс = </a:t>
+            </a:r>
+            <a:r>
+              <a:rPr lang="ru-RU" dirty="0" err="1" smtClean="0">
+                <a:latin typeface="Times New Roman" panose="02020603050405020304" pitchFamily="18" charset="0"/>
+                <a:cs typeface="Times New Roman" panose="02020603050405020304" pitchFamily="18" charset="0"/>
+              </a:rPr>
+              <a:t>микросервис</a:t>
+            </a:r>
+            <a:endParaRPr lang="ru-RU" dirty="0">
+              <a:latin typeface="Times New Roman" panose="02020603050405020304" pitchFamily="18" charset="0"/>
+              <a:cs typeface="Times New Roman" panose="02020603050405020304" pitchFamily="18" charset="0"/>
+            </a:endParaRPr>
+          </a:p>
+          <a:p>
+            <a:r>
+              <a:rPr lang="ru-RU" dirty="0" smtClean="0">
+                <a:latin typeface="Times New Roman" panose="02020603050405020304" pitchFamily="18" charset="0"/>
+                <a:cs typeface="Times New Roman" panose="02020603050405020304" pitchFamily="18" charset="0"/>
+              </a:rPr>
+              <a:t>2.Драйвер = </a:t>
+            </a:r>
+            <a:r>
+              <a:rPr lang="ru-RU" dirty="0" err="1" smtClean="0">
+                <a:latin typeface="Times New Roman" panose="02020603050405020304" pitchFamily="18" charset="0"/>
+                <a:cs typeface="Times New Roman" panose="02020603050405020304" pitchFamily="18" charset="0"/>
+              </a:rPr>
+              <a:t>микросервис</a:t>
+            </a:r>
+            <a:r>
+              <a:rPr lang="ru-RU" dirty="0" smtClean="0">
+                <a:latin typeface="Times New Roman" panose="02020603050405020304" pitchFamily="18" charset="0"/>
+                <a:cs typeface="Times New Roman" panose="02020603050405020304" pitchFamily="18" charset="0"/>
+              </a:rPr>
+              <a:t>, который может общаться с ядром (операции ввода</a:t>
             </a:r>
             <a:r>
               <a:rPr lang="en-US" dirty="0" smtClean="0">
-                <a:hlinkClick r:id="rId2"/>
-              </a:rPr>
-              <a:t>http://powerpointbase.com</a:t>
-            </a:r>
-            <a:r>
-              <a:rPr lang="ru-RU" dirty="0" smtClean="0"/>
-              <a:t> </a:t>
-            </a:r>
-            <a:endParaRPr lang="en-US" dirty="0" smtClean="0"/>
-          </a:p>
-          <a:p>
-            <a:pPr marL="514350" indent="-514350">
-              <a:buFont typeface="+mj-lt"/>
-              <a:buAutoNum type="arabicPeriod"/>
-            </a:pPr>
-            <a:r>
-              <a:rPr lang="ru-RU" dirty="0"/>
-              <a:t>Иллюстрации</a:t>
-            </a:r>
-            <a:r>
-              <a:rPr lang="en-US" dirty="0"/>
-              <a:t>: https://ru.freepik.com/</a:t>
-            </a:r>
-            <a:endParaRPr lang="ru-RU" dirty="0"/>
-          </a:p>
-          <a:p>
-            <a:pPr marL="514350" indent="-514350">
-              <a:buFont typeface="+mj-lt"/>
-              <a:buAutoNum type="arabicPeriod"/>
-            </a:pPr>
-            <a:endParaRPr lang="en-US" dirty="0" smtClean="0"/>
+                <a:latin typeface="Times New Roman" panose="02020603050405020304" pitchFamily="18" charset="0"/>
+                <a:cs typeface="Times New Roman" panose="02020603050405020304" pitchFamily="18" charset="0"/>
+              </a:rPr>
+              <a:t>/</a:t>
+            </a:r>
+            <a:r>
+              <a:rPr lang="ru-RU" dirty="0" smtClean="0">
+                <a:latin typeface="Times New Roman" panose="02020603050405020304" pitchFamily="18" charset="0"/>
+                <a:cs typeface="Times New Roman" panose="02020603050405020304" pitchFamily="18" charset="0"/>
+              </a:rPr>
+              <a:t>вывода)</a:t>
+            </a:r>
+          </a:p>
+          <a:p>
+            <a:r>
+              <a:rPr lang="ru-RU" dirty="0" smtClean="0">
+                <a:latin typeface="Times New Roman" panose="02020603050405020304" pitchFamily="18" charset="0"/>
+                <a:cs typeface="Times New Roman" panose="02020603050405020304" pitchFamily="18" charset="0"/>
+              </a:rPr>
+              <a:t>3.Микросервисы могут взаимодействовать между собой, но есть ограничения (битовая карта доступа)</a:t>
+            </a:r>
+          </a:p>
+          <a:p>
+            <a:r>
+              <a:rPr lang="ru-RU" dirty="0" smtClean="0">
+                <a:latin typeface="Times New Roman" panose="02020603050405020304" pitchFamily="18" charset="0"/>
+                <a:cs typeface="Times New Roman" panose="02020603050405020304" pitchFamily="18" charset="0"/>
+              </a:rPr>
+              <a:t>4.За активностью </a:t>
+            </a:r>
+            <a:r>
+              <a:rPr lang="ru-RU" dirty="0" err="1" smtClean="0">
+                <a:latin typeface="Times New Roman" panose="02020603050405020304" pitchFamily="18" charset="0"/>
+                <a:cs typeface="Times New Roman" panose="02020603050405020304" pitchFamily="18" charset="0"/>
+              </a:rPr>
+              <a:t>микросервисов</a:t>
+            </a:r>
+            <a:r>
+              <a:rPr lang="ru-RU" dirty="0" smtClean="0">
+                <a:latin typeface="Times New Roman" panose="02020603050405020304" pitchFamily="18" charset="0"/>
+                <a:cs typeface="Times New Roman" panose="02020603050405020304" pitchFamily="18" charset="0"/>
+              </a:rPr>
+              <a:t> следит сервис реинкарнации.</a:t>
+            </a:r>
+          </a:p>
+          <a:p>
+            <a:r>
+              <a:rPr lang="ru-RU" dirty="0" smtClean="0">
+                <a:latin typeface="Times New Roman" panose="02020603050405020304" pitchFamily="18" charset="0"/>
+                <a:cs typeface="Times New Roman" panose="02020603050405020304" pitchFamily="18" charset="0"/>
+              </a:rPr>
+              <a:t>5.Вся система = набор независимых серверов (</a:t>
+            </a:r>
+            <a:r>
+              <a:rPr lang="ru-RU" dirty="0" err="1" smtClean="0">
+                <a:latin typeface="Times New Roman" panose="02020603050405020304" pitchFamily="18" charset="0"/>
+                <a:cs typeface="Times New Roman" panose="02020603050405020304" pitchFamily="18" charset="0"/>
+              </a:rPr>
+              <a:t>микросервисов</a:t>
+            </a:r>
+            <a:r>
+              <a:rPr lang="ru-RU" dirty="0" smtClean="0">
+                <a:latin typeface="Times New Roman" panose="02020603050405020304" pitchFamily="18" charset="0"/>
+                <a:cs typeface="Times New Roman" panose="02020603050405020304" pitchFamily="18" charset="0"/>
+              </a:rPr>
+              <a:t>), идейно похоже на экосистему в интернете.</a:t>
+            </a:r>
+            <a:endParaRPr lang="ru-RU" dirty="0">
+              <a:latin typeface="Times New Roman" panose="02020603050405020304" pitchFamily="18" charset="0"/>
+              <a:cs typeface="Times New Roman" panose="02020603050405020304" pitchFamily="18" charset="0"/>
+            </a:endParaRPr>
           </a:p>
         </p:txBody>
       </p:sp>
@@ -6972,7 +7150,7 @@
           <p:nvPr/>
         </p:nvPicPr>
         <p:blipFill>
-          <a:blip r:embed="rId3">
+          <a:blip r:embed="rId2">
             <a:extLst>
               <a:ext uri="{28A0092B-C50C-407E-A947-70E740481C1C}">
                 <a14:useLocalDpi xmlns:a14="http://schemas.microsoft.com/office/drawing/2010/main" val="0"/>
@@ -7007,7 +7185,361 @@
     </p:spTree>
     <p:extLst>
       <p:ext uri="{BB962C8B-B14F-4D97-AF65-F5344CB8AC3E}">
-        <p14:creationId xmlns:p14="http://schemas.microsoft.com/office/powerpoint/2010/main" val="2551143339"/>
+        <p14:creationId xmlns:p14="http://schemas.microsoft.com/office/powerpoint/2010/main" val="59924274"/>
+      </p:ext>
+    </p:extLst>
+  </p:cSld>
+  <p:clrMapOvr>
+    <a:masterClrMapping/>
+  </p:clrMapOvr>
+  <p:timing>
+    <p:tnLst>
+      <p:par>
+        <p:cTn id="1" dur="indefinite" restart="never" nodeType="tmRoot"/>
+      </p:par>
+    </p:tnLst>
+  </p:timing>
+</p:sld>
+</file>
+
+<file path=ppt/slides/slide18.xml><?xml version="1.0" encoding="utf-8"?>
+<p:sld xmlns:a="http://schemas.openxmlformats.org/drawingml/2006/main" xmlns:r="http://schemas.openxmlformats.org/officeDocument/2006/relationships" xmlns:p="http://schemas.openxmlformats.org/presentationml/2006/main">
+  <p:cSld>
+    <p:spTree>
+      <p:nvGrpSpPr>
+        <p:cNvPr id="1" name=""/>
+        <p:cNvGrpSpPr/>
+        <p:nvPr/>
+      </p:nvGrpSpPr>
+      <p:grpSpPr>
+        <a:xfrm>
+          <a:off x="0" y="0"/>
+          <a:ext cx="0" cy="0"/>
+          <a:chOff x="0" y="0"/>
+          <a:chExt cx="0" cy="0"/>
+        </a:xfrm>
+      </p:grpSpPr>
+      <p:sp>
+        <p:nvSpPr>
+          <p:cNvPr id="2" name="Заголовок 1"/>
+          <p:cNvSpPr>
+            <a:spLocks noGrp="1"/>
+          </p:cNvSpPr>
+          <p:nvPr>
+            <p:ph type="title"/>
+          </p:nvPr>
+        </p:nvSpPr>
+        <p:spPr>
+          <a:xfrm>
+            <a:off x="0" y="291305"/>
+            <a:ext cx="12192000" cy="696667"/>
+          </a:xfrm>
+        </p:spPr>
+        <p:txBody>
+          <a:bodyPr/>
+          <a:lstStyle/>
+          <a:p>
+            <a:pPr algn="ctr"/>
+            <a:r>
+              <a:rPr lang="ru-RU" dirty="0" smtClean="0">
+                <a:latin typeface="Times New Roman" panose="02020603050405020304" pitchFamily="18" charset="0"/>
+                <a:cs typeface="Times New Roman" panose="02020603050405020304" pitchFamily="18" charset="0"/>
+              </a:rPr>
+              <a:t>Ограничения - это хорошо</a:t>
+            </a:r>
+            <a:endParaRPr lang="ru-RU" dirty="0">
+              <a:latin typeface="Times New Roman" panose="02020603050405020304" pitchFamily="18" charset="0"/>
+              <a:cs typeface="Times New Roman" panose="02020603050405020304" pitchFamily="18" charset="0"/>
+            </a:endParaRPr>
+          </a:p>
+        </p:txBody>
+      </p:sp>
+      <p:pic>
+        <p:nvPicPr>
+          <p:cNvPr id="1026" name="Picture 2" descr="Технология текстуры фона"/>
+          <p:cNvPicPr>
+            <a:picLocks noChangeAspect="1" noChangeArrowheads="1"/>
+          </p:cNvPicPr>
+          <p:nvPr/>
+        </p:nvPicPr>
+        <p:blipFill>
+          <a:blip r:embed="rId2">
+            <a:extLst>
+              <a:ext uri="{28A0092B-C50C-407E-A947-70E740481C1C}">
+                <a14:useLocalDpi xmlns:a14="http://schemas.microsoft.com/office/drawing/2010/main" val="0"/>
+              </a:ext>
+            </a:extLst>
+          </a:blip>
+          <a:srcRect/>
+          <a:stretch>
+            <a:fillRect/>
+          </a:stretch>
+        </p:blipFill>
+        <p:spPr bwMode="auto">
+          <a:xfrm>
+            <a:off x="1052390" y="2445115"/>
+            <a:ext cx="4454832" cy="2504954"/>
+          </a:xfrm>
+          <a:prstGeom prst="rect">
+            <a:avLst/>
+          </a:prstGeom>
+          <a:noFill/>
+          <a:extLst>
+            <a:ext uri="{909E8E84-426E-40DD-AFC4-6F175D3DCCD1}">
+              <a14:hiddenFill xmlns:a14="http://schemas.microsoft.com/office/drawing/2010/main">
+                <a:solidFill>
+                  <a:srgbClr val="FFFFFF"/>
+                </a:solidFill>
+              </a14:hiddenFill>
+            </a:ext>
+          </a:extLst>
+        </p:spPr>
+      </p:pic>
+      <p:pic>
+        <p:nvPicPr>
+          <p:cNvPr id="1028" name="Picture 4" descr="Концепция интеллектуальной собственности"/>
+          <p:cNvPicPr>
+            <a:picLocks noChangeAspect="1" noChangeArrowheads="1"/>
+          </p:cNvPicPr>
+          <p:nvPr/>
+        </p:nvPicPr>
+        <p:blipFill>
+          <a:blip r:embed="rId3">
+            <a:extLst>
+              <a:ext uri="{28A0092B-C50C-407E-A947-70E740481C1C}">
+                <a14:useLocalDpi xmlns:a14="http://schemas.microsoft.com/office/drawing/2010/main" val="0"/>
+              </a:ext>
+            </a:extLst>
+          </a:blip>
+          <a:srcRect/>
+          <a:stretch>
+            <a:fillRect/>
+          </a:stretch>
+        </p:blipFill>
+        <p:spPr bwMode="auto">
+          <a:xfrm>
+            <a:off x="6181540" y="1427587"/>
+            <a:ext cx="4341632" cy="4341632"/>
+          </a:xfrm>
+          <a:prstGeom prst="rect">
+            <a:avLst/>
+          </a:prstGeom>
+          <a:noFill/>
+          <a:extLst>
+            <a:ext uri="{909E8E84-426E-40DD-AFC4-6F175D3DCCD1}">
+              <a14:hiddenFill xmlns:a14="http://schemas.microsoft.com/office/drawing/2010/main">
+                <a:solidFill>
+                  <a:srgbClr val="FFFFFF"/>
+                </a:solidFill>
+              </a14:hiddenFill>
+            </a:ext>
+          </a:extLst>
+        </p:spPr>
+      </p:pic>
+      <p:pic>
+        <p:nvPicPr>
+          <p:cNvPr id="6" name="Picture 2" descr="Ярославский государственный университет — Википедия"/>
+          <p:cNvPicPr>
+            <a:picLocks noChangeAspect="1" noChangeArrowheads="1"/>
+          </p:cNvPicPr>
+          <p:nvPr/>
+        </p:nvPicPr>
+        <p:blipFill>
+          <a:blip r:embed="rId4">
+            <a:extLst>
+              <a:ext uri="{28A0092B-C50C-407E-A947-70E740481C1C}">
+                <a14:useLocalDpi xmlns:a14="http://schemas.microsoft.com/office/drawing/2010/main" val="0"/>
+              </a:ext>
+            </a:extLst>
+          </a:blip>
+          <a:srcRect/>
+          <a:stretch>
+            <a:fillRect/>
+          </a:stretch>
+        </p:blipFill>
+        <p:spPr bwMode="auto">
+          <a:xfrm>
+            <a:off x="0" y="5477607"/>
+            <a:ext cx="1380392" cy="1380393"/>
+          </a:xfrm>
+          <a:prstGeom prst="rect">
+            <a:avLst/>
+          </a:prstGeom>
+          <a:noFill/>
+          <a:extLst>
+            <a:ext uri="{909E8E84-426E-40DD-AFC4-6F175D3DCCD1}">
+              <a14:hiddenFill xmlns:a14="http://schemas.microsoft.com/office/drawing/2010/main">
+                <a:solidFill>
+                  <a:srgbClr val="FFFFFF"/>
+                </a:solidFill>
+              </a14:hiddenFill>
+            </a:ext>
+          </a:extLst>
+        </p:spPr>
+      </p:pic>
+    </p:spTree>
+    <p:extLst>
+      <p:ext uri="{BB962C8B-B14F-4D97-AF65-F5344CB8AC3E}">
+        <p14:creationId xmlns:p14="http://schemas.microsoft.com/office/powerpoint/2010/main" val="1391769153"/>
+      </p:ext>
+    </p:extLst>
+  </p:cSld>
+  <p:clrMapOvr>
+    <a:masterClrMapping/>
+  </p:clrMapOvr>
+  <p:timing>
+    <p:tnLst>
+      <p:par>
+        <p:cTn id="1" dur="indefinite" restart="never" nodeType="tmRoot"/>
+      </p:par>
+    </p:tnLst>
+  </p:timing>
+</p:sld>
+</file>
+
+<file path=ppt/slides/slide19.xml><?xml version="1.0" encoding="utf-8"?>
+<p:sld xmlns:a="http://schemas.openxmlformats.org/drawingml/2006/main" xmlns:r="http://schemas.openxmlformats.org/officeDocument/2006/relationships" xmlns:p="http://schemas.openxmlformats.org/presentationml/2006/main">
+  <p:cSld>
+    <p:spTree>
+      <p:nvGrpSpPr>
+        <p:cNvPr id="1" name=""/>
+        <p:cNvGrpSpPr/>
+        <p:nvPr/>
+      </p:nvGrpSpPr>
+      <p:grpSpPr>
+        <a:xfrm>
+          <a:off x="0" y="0"/>
+          <a:ext cx="0" cy="0"/>
+          <a:chOff x="0" y="0"/>
+          <a:chExt cx="0" cy="0"/>
+        </a:xfrm>
+      </p:grpSpPr>
+      <p:sp>
+        <p:nvSpPr>
+          <p:cNvPr id="2" name="Заголовок 1"/>
+          <p:cNvSpPr>
+            <a:spLocks noGrp="1"/>
+          </p:cNvSpPr>
+          <p:nvPr>
+            <p:ph type="title"/>
+          </p:nvPr>
+        </p:nvSpPr>
+        <p:spPr>
+          <a:xfrm>
+            <a:off x="0" y="291305"/>
+            <a:ext cx="12192000" cy="696667"/>
+          </a:xfrm>
+        </p:spPr>
+        <p:txBody>
+          <a:bodyPr/>
+          <a:lstStyle/>
+          <a:p>
+            <a:pPr algn="ctr"/>
+            <a:r>
+              <a:rPr lang="ru-RU" dirty="0" smtClean="0">
+                <a:latin typeface="Times New Roman" panose="02020603050405020304" pitchFamily="18" charset="0"/>
+                <a:cs typeface="Times New Roman" panose="02020603050405020304" pitchFamily="18" charset="0"/>
+              </a:rPr>
+              <a:t>Ограничения в </a:t>
+            </a:r>
+            <a:r>
+              <a:rPr lang="en-US" dirty="0" smtClean="0">
+                <a:latin typeface="Times New Roman" panose="02020603050405020304" pitchFamily="18" charset="0"/>
+                <a:cs typeface="Times New Roman" panose="02020603050405020304" pitchFamily="18" charset="0"/>
+              </a:rPr>
+              <a:t>MINIX 3</a:t>
+            </a:r>
+            <a:endParaRPr lang="ru-RU" dirty="0">
+              <a:latin typeface="Times New Roman" panose="02020603050405020304" pitchFamily="18" charset="0"/>
+              <a:cs typeface="Times New Roman" panose="02020603050405020304" pitchFamily="18" charset="0"/>
+            </a:endParaRPr>
+          </a:p>
+        </p:txBody>
+      </p:sp>
+      <p:sp>
+        <p:nvSpPr>
+          <p:cNvPr id="3" name="Объект 2"/>
+          <p:cNvSpPr>
+            <a:spLocks noGrp="1"/>
+          </p:cNvSpPr>
+          <p:nvPr>
+            <p:ph idx="1"/>
+          </p:nvPr>
+        </p:nvSpPr>
+        <p:spPr/>
+        <p:txBody>
+          <a:bodyPr/>
+          <a:lstStyle/>
+          <a:p>
+            <a:r>
+              <a:rPr lang="ru-RU" dirty="0"/>
+              <a:t>Изоляция </a:t>
+            </a:r>
+            <a:r>
+              <a:rPr lang="ru-RU" dirty="0" smtClean="0"/>
+              <a:t>ядра</a:t>
+            </a:r>
+          </a:p>
+          <a:p>
+            <a:r>
+              <a:rPr lang="ru-RU" dirty="0" smtClean="0"/>
+              <a:t>Изоляция памяти</a:t>
+            </a:r>
+          </a:p>
+          <a:p>
+            <a:r>
+              <a:rPr lang="ru-RU" dirty="0" smtClean="0"/>
+              <a:t>Ограничение межпроцессорного взаимодействия</a:t>
+            </a:r>
+            <a:endParaRPr lang="ru-RU" dirty="0"/>
+          </a:p>
+        </p:txBody>
+      </p:sp>
+      <p:pic>
+        <p:nvPicPr>
+          <p:cNvPr id="4" name="Picture 2" descr="Ярославский государственный университет — Википедия"/>
+          <p:cNvPicPr>
+            <a:picLocks noChangeAspect="1" noChangeArrowheads="1"/>
+          </p:cNvPicPr>
+          <p:nvPr/>
+        </p:nvPicPr>
+        <p:blipFill>
+          <a:blip r:embed="rId2">
+            <a:extLst>
+              <a:ext uri="{28A0092B-C50C-407E-A947-70E740481C1C}">
+                <a14:useLocalDpi xmlns:a14="http://schemas.microsoft.com/office/drawing/2010/main" val="0"/>
+              </a:ext>
+            </a:extLst>
+          </a:blip>
+          <a:srcRect/>
+          <a:stretch>
+            <a:fillRect/>
+          </a:stretch>
+        </p:blipFill>
+        <p:spPr bwMode="auto">
+          <a:xfrm>
+            <a:off x="0" y="5477607"/>
+            <a:ext cx="1380392" cy="1380393"/>
+          </a:xfrm>
+          <a:prstGeom prst="rect">
+            <a:avLst/>
+          </a:prstGeom>
+          <a:noFill/>
+          <a:extLst>
+            <a:ext uri="{909E8E84-426E-40DD-AFC4-6F175D3DCCD1}">
+              <a14:hiddenFill xmlns:a14="http://schemas.microsoft.com/office/drawing/2010/main">
+                <a:solidFill>
+                  <a:srgbClr val="FFFFFF"/>
+                </a:solidFill>
+              </a14:hiddenFill>
+            </a:ext>
+          </a:extLst>
+        </p:spPr>
+      </p:pic>
+    </p:spTree>
+    <p:extLst>
+      <p:ext uri="{BB962C8B-B14F-4D97-AF65-F5344CB8AC3E}">
+        <p14:creationId xmlns:p14="http://schemas.microsoft.com/office/powerpoint/2010/main" val="3492858626"/>
       </p:ext>
     </p:extLst>
   </p:cSld>
@@ -8808,6 +9340,1974 @@
 </p:sld>
 </file>
 
+<file path=ppt/slides/slide20.xml><?xml version="1.0" encoding="utf-8"?>
+<p:sld xmlns:a="http://schemas.openxmlformats.org/drawingml/2006/main" xmlns:r="http://schemas.openxmlformats.org/officeDocument/2006/relationships" xmlns:p="http://schemas.openxmlformats.org/presentationml/2006/main">
+  <p:cSld>
+    <p:spTree>
+      <p:nvGrpSpPr>
+        <p:cNvPr id="1" name=""/>
+        <p:cNvGrpSpPr/>
+        <p:nvPr/>
+      </p:nvGrpSpPr>
+      <p:grpSpPr>
+        <a:xfrm>
+          <a:off x="0" y="0"/>
+          <a:ext cx="0" cy="0"/>
+          <a:chOff x="0" y="0"/>
+          <a:chExt cx="0" cy="0"/>
+        </a:xfrm>
+      </p:grpSpPr>
+      <p:sp>
+        <p:nvSpPr>
+          <p:cNvPr id="2" name="Заголовок 1"/>
+          <p:cNvSpPr>
+            <a:spLocks noGrp="1"/>
+          </p:cNvSpPr>
+          <p:nvPr>
+            <p:ph type="title"/>
+          </p:nvPr>
+        </p:nvSpPr>
+        <p:spPr>
+          <a:xfrm>
+            <a:off x="0" y="291305"/>
+            <a:ext cx="12192000" cy="696667"/>
+          </a:xfrm>
+        </p:spPr>
+        <p:txBody>
+          <a:bodyPr/>
+          <a:lstStyle/>
+          <a:p>
+            <a:pPr algn="ctr"/>
+            <a:r>
+              <a:rPr lang="ru-RU" dirty="0" smtClean="0">
+                <a:latin typeface="Times New Roman" panose="02020603050405020304" pitchFamily="18" charset="0"/>
+                <a:cs typeface="Times New Roman" panose="02020603050405020304" pitchFamily="18" charset="0"/>
+              </a:rPr>
+              <a:t>Преимущества </a:t>
+            </a:r>
+            <a:r>
+              <a:rPr lang="en-US" dirty="0" smtClean="0">
+                <a:latin typeface="Times New Roman" panose="02020603050405020304" pitchFamily="18" charset="0"/>
+                <a:cs typeface="Times New Roman" panose="02020603050405020304" pitchFamily="18" charset="0"/>
+              </a:rPr>
+              <a:t>MINIX 3</a:t>
+            </a:r>
+            <a:endParaRPr lang="ru-RU" dirty="0">
+              <a:latin typeface="Times New Roman" panose="02020603050405020304" pitchFamily="18" charset="0"/>
+              <a:cs typeface="Times New Roman" panose="02020603050405020304" pitchFamily="18" charset="0"/>
+            </a:endParaRPr>
+          </a:p>
+        </p:txBody>
+      </p:sp>
+      <p:sp>
+        <p:nvSpPr>
+          <p:cNvPr id="3" name="Объект 2"/>
+          <p:cNvSpPr>
+            <a:spLocks noGrp="1"/>
+          </p:cNvSpPr>
+          <p:nvPr>
+            <p:ph idx="1"/>
+          </p:nvPr>
+        </p:nvSpPr>
+        <p:spPr/>
+        <p:txBody>
+          <a:bodyPr/>
+          <a:lstStyle/>
+          <a:p>
+            <a:pPr marL="514350" indent="-514350">
+              <a:buFont typeface="+mj-lt"/>
+              <a:buAutoNum type="arabicPeriod"/>
+            </a:pPr>
+            <a:r>
+              <a:rPr lang="ru-RU" dirty="0" smtClean="0">
+                <a:latin typeface="Times New Roman" panose="02020603050405020304" pitchFamily="18" charset="0"/>
+                <a:cs typeface="Times New Roman" panose="02020603050405020304" pitchFamily="18" charset="0"/>
+              </a:rPr>
+              <a:t>Короткий цикл разработки</a:t>
+            </a:r>
+          </a:p>
+          <a:p>
+            <a:pPr marL="514350" indent="-514350">
+              <a:buFont typeface="+mj-lt"/>
+              <a:buAutoNum type="arabicPeriod"/>
+            </a:pPr>
+            <a:r>
+              <a:rPr lang="ru-RU" dirty="0" smtClean="0">
+                <a:latin typeface="Times New Roman" panose="02020603050405020304" pitchFamily="18" charset="0"/>
+                <a:cs typeface="Times New Roman" panose="02020603050405020304" pitchFamily="18" charset="0"/>
+              </a:rPr>
+              <a:t>Высокая надёжность</a:t>
+            </a:r>
+          </a:p>
+          <a:p>
+            <a:pPr marL="514350" indent="-514350">
+              <a:buFont typeface="+mj-lt"/>
+              <a:buAutoNum type="arabicPeriod"/>
+            </a:pPr>
+            <a:r>
+              <a:rPr lang="ru-RU" dirty="0" smtClean="0">
+                <a:latin typeface="Times New Roman" panose="02020603050405020304" pitchFamily="18" charset="0"/>
+                <a:cs typeface="Times New Roman" panose="02020603050405020304" pitchFamily="18" charset="0"/>
+              </a:rPr>
+              <a:t>Высокая </a:t>
+            </a:r>
+            <a:r>
+              <a:rPr lang="ru-RU" dirty="0" err="1" smtClean="0">
+                <a:latin typeface="Times New Roman" panose="02020603050405020304" pitchFamily="18" charset="0"/>
+                <a:cs typeface="Times New Roman" panose="02020603050405020304" pitchFamily="18" charset="0"/>
+              </a:rPr>
+              <a:t>отслеживаемость</a:t>
+            </a:r>
+            <a:endParaRPr lang="ru-RU" dirty="0">
+              <a:latin typeface="Times New Roman" panose="02020603050405020304" pitchFamily="18" charset="0"/>
+              <a:cs typeface="Times New Roman" panose="02020603050405020304" pitchFamily="18" charset="0"/>
+            </a:endParaRPr>
+          </a:p>
+          <a:p>
+            <a:pPr marL="514350" indent="-514350">
+              <a:buFont typeface="+mj-lt"/>
+              <a:buAutoNum type="arabicPeriod"/>
+            </a:pPr>
+            <a:r>
+              <a:rPr lang="ru-RU" dirty="0" smtClean="0">
+                <a:latin typeface="Times New Roman" panose="02020603050405020304" pitchFamily="18" charset="0"/>
+                <a:cs typeface="Times New Roman" panose="02020603050405020304" pitchFamily="18" charset="0"/>
+              </a:rPr>
+              <a:t>Гибкость конфигурации и удобное администрирование</a:t>
+            </a:r>
+          </a:p>
+          <a:p>
+            <a:pPr marL="514350" indent="-514350">
+              <a:buFont typeface="+mj-lt"/>
+              <a:buAutoNum type="arabicPeriod"/>
+            </a:pPr>
+            <a:r>
+              <a:rPr lang="ru-RU" dirty="0" smtClean="0">
+                <a:latin typeface="Times New Roman" panose="02020603050405020304" pitchFamily="18" charset="0"/>
+                <a:cs typeface="Times New Roman" panose="02020603050405020304" pitchFamily="18" charset="0"/>
+              </a:rPr>
+              <a:t>Хорошо покрывается тестами</a:t>
+            </a:r>
+          </a:p>
+        </p:txBody>
+      </p:sp>
+      <p:pic>
+        <p:nvPicPr>
+          <p:cNvPr id="4" name="Picture 2" descr="Ярославский государственный университет — Википедия"/>
+          <p:cNvPicPr>
+            <a:picLocks noChangeAspect="1" noChangeArrowheads="1"/>
+          </p:cNvPicPr>
+          <p:nvPr/>
+        </p:nvPicPr>
+        <p:blipFill>
+          <a:blip r:embed="rId2">
+            <a:extLst>
+              <a:ext uri="{28A0092B-C50C-407E-A947-70E740481C1C}">
+                <a14:useLocalDpi xmlns:a14="http://schemas.microsoft.com/office/drawing/2010/main" val="0"/>
+              </a:ext>
+            </a:extLst>
+          </a:blip>
+          <a:srcRect/>
+          <a:stretch>
+            <a:fillRect/>
+          </a:stretch>
+        </p:blipFill>
+        <p:spPr bwMode="auto">
+          <a:xfrm>
+            <a:off x="0" y="5477607"/>
+            <a:ext cx="1380392" cy="1380393"/>
+          </a:xfrm>
+          <a:prstGeom prst="rect">
+            <a:avLst/>
+          </a:prstGeom>
+          <a:noFill/>
+          <a:extLst>
+            <a:ext uri="{909E8E84-426E-40DD-AFC4-6F175D3DCCD1}">
+              <a14:hiddenFill xmlns:a14="http://schemas.microsoft.com/office/drawing/2010/main">
+                <a:solidFill>
+                  <a:srgbClr val="FFFFFF"/>
+                </a:solidFill>
+              </a14:hiddenFill>
+            </a:ext>
+          </a:extLst>
+        </p:spPr>
+      </p:pic>
+    </p:spTree>
+    <p:extLst>
+      <p:ext uri="{BB962C8B-B14F-4D97-AF65-F5344CB8AC3E}">
+        <p14:creationId xmlns:p14="http://schemas.microsoft.com/office/powerpoint/2010/main" val="3804120314"/>
+      </p:ext>
+    </p:extLst>
+  </p:cSld>
+  <p:clrMapOvr>
+    <a:masterClrMapping/>
+  </p:clrMapOvr>
+  <p:timing>
+    <p:tnLst>
+      <p:par>
+        <p:cTn id="1" dur="indefinite" restart="never" nodeType="tmRoot"/>
+      </p:par>
+    </p:tnLst>
+  </p:timing>
+</p:sld>
+</file>
+
+<file path=ppt/slides/slide21.xml><?xml version="1.0" encoding="utf-8"?>
+<p:sld xmlns:a="http://schemas.openxmlformats.org/drawingml/2006/main" xmlns:r="http://schemas.openxmlformats.org/officeDocument/2006/relationships" xmlns:p="http://schemas.openxmlformats.org/presentationml/2006/main">
+  <p:cSld>
+    <p:spTree>
+      <p:nvGrpSpPr>
+        <p:cNvPr id="1" name=""/>
+        <p:cNvGrpSpPr/>
+        <p:nvPr/>
+      </p:nvGrpSpPr>
+      <p:grpSpPr>
+        <a:xfrm>
+          <a:off x="0" y="0"/>
+          <a:ext cx="0" cy="0"/>
+          <a:chOff x="0" y="0"/>
+          <a:chExt cx="0" cy="0"/>
+        </a:xfrm>
+      </p:grpSpPr>
+      <p:sp>
+        <p:nvSpPr>
+          <p:cNvPr id="2" name="Заголовок 1"/>
+          <p:cNvSpPr>
+            <a:spLocks noGrp="1"/>
+          </p:cNvSpPr>
+          <p:nvPr>
+            <p:ph type="title"/>
+          </p:nvPr>
+        </p:nvSpPr>
+        <p:spPr>
+          <a:xfrm>
+            <a:off x="0" y="96715"/>
+            <a:ext cx="12192000" cy="696667"/>
+          </a:xfrm>
+        </p:spPr>
+        <p:txBody>
+          <a:bodyPr/>
+          <a:lstStyle/>
+          <a:p>
+            <a:pPr algn="ctr"/>
+            <a:r>
+              <a:rPr lang="ru-RU" dirty="0" smtClean="0">
+                <a:latin typeface="Times New Roman" panose="02020603050405020304" pitchFamily="18" charset="0"/>
+                <a:cs typeface="Times New Roman" panose="02020603050405020304" pitchFamily="18" charset="0"/>
+              </a:rPr>
+              <a:t>Выводы по </a:t>
+            </a:r>
+            <a:r>
+              <a:rPr lang="en-US" dirty="0" smtClean="0">
+                <a:latin typeface="Times New Roman" panose="02020603050405020304" pitchFamily="18" charset="0"/>
+                <a:cs typeface="Times New Roman" panose="02020603050405020304" pitchFamily="18" charset="0"/>
+              </a:rPr>
+              <a:t>MINIX</a:t>
+            </a:r>
+            <a:endParaRPr lang="ru-RU" dirty="0">
+              <a:latin typeface="Times New Roman" panose="02020603050405020304" pitchFamily="18" charset="0"/>
+              <a:cs typeface="Times New Roman" panose="02020603050405020304" pitchFamily="18" charset="0"/>
+            </a:endParaRPr>
+          </a:p>
+        </p:txBody>
+      </p:sp>
+      <p:pic>
+        <p:nvPicPr>
+          <p:cNvPr id="2052" name="Picture 4" descr="MINIX ist tot - GNU/Linux.ch"/>
+          <p:cNvPicPr>
+            <a:picLocks noChangeAspect="1" noChangeArrowheads="1"/>
+          </p:cNvPicPr>
+          <p:nvPr/>
+        </p:nvPicPr>
+        <p:blipFill>
+          <a:blip r:embed="rId2">
+            <a:extLst>
+              <a:ext uri="{28A0092B-C50C-407E-A947-70E740481C1C}">
+                <a14:useLocalDpi xmlns:a14="http://schemas.microsoft.com/office/drawing/2010/main" val="0"/>
+              </a:ext>
+            </a:extLst>
+          </a:blip>
+          <a:srcRect/>
+          <a:stretch>
+            <a:fillRect/>
+          </a:stretch>
+        </p:blipFill>
+        <p:spPr bwMode="auto">
+          <a:xfrm>
+            <a:off x="2502434" y="979179"/>
+            <a:ext cx="7187132" cy="5749706"/>
+          </a:xfrm>
+          <a:prstGeom prst="rect">
+            <a:avLst/>
+          </a:prstGeom>
+          <a:noFill/>
+          <a:extLst>
+            <a:ext uri="{909E8E84-426E-40DD-AFC4-6F175D3DCCD1}">
+              <a14:hiddenFill xmlns:a14="http://schemas.microsoft.com/office/drawing/2010/main">
+                <a:solidFill>
+                  <a:srgbClr val="FFFFFF"/>
+                </a:solidFill>
+              </a14:hiddenFill>
+            </a:ext>
+          </a:extLst>
+        </p:spPr>
+      </p:pic>
+      <p:pic>
+        <p:nvPicPr>
+          <p:cNvPr id="6" name="Picture 2" descr="Ярославский государственный университет — Википедия"/>
+          <p:cNvPicPr>
+            <a:picLocks noChangeAspect="1" noChangeArrowheads="1"/>
+          </p:cNvPicPr>
+          <p:nvPr/>
+        </p:nvPicPr>
+        <p:blipFill>
+          <a:blip r:embed="rId3">
+            <a:extLst>
+              <a:ext uri="{28A0092B-C50C-407E-A947-70E740481C1C}">
+                <a14:useLocalDpi xmlns:a14="http://schemas.microsoft.com/office/drawing/2010/main" val="0"/>
+              </a:ext>
+            </a:extLst>
+          </a:blip>
+          <a:srcRect/>
+          <a:stretch>
+            <a:fillRect/>
+          </a:stretch>
+        </p:blipFill>
+        <p:spPr bwMode="auto">
+          <a:xfrm>
+            <a:off x="0" y="5477607"/>
+            <a:ext cx="1380392" cy="1380393"/>
+          </a:xfrm>
+          <a:prstGeom prst="rect">
+            <a:avLst/>
+          </a:prstGeom>
+          <a:noFill/>
+          <a:extLst>
+            <a:ext uri="{909E8E84-426E-40DD-AFC4-6F175D3DCCD1}">
+              <a14:hiddenFill xmlns:a14="http://schemas.microsoft.com/office/drawing/2010/main">
+                <a:solidFill>
+                  <a:srgbClr val="FFFFFF"/>
+                </a:solidFill>
+              </a14:hiddenFill>
+            </a:ext>
+          </a:extLst>
+        </p:spPr>
+      </p:pic>
+    </p:spTree>
+    <p:extLst>
+      <p:ext uri="{BB962C8B-B14F-4D97-AF65-F5344CB8AC3E}">
+        <p14:creationId xmlns:p14="http://schemas.microsoft.com/office/powerpoint/2010/main" val="272387457"/>
+      </p:ext>
+    </p:extLst>
+  </p:cSld>
+  <p:clrMapOvr>
+    <a:masterClrMapping/>
+  </p:clrMapOvr>
+  <p:timing>
+    <p:tnLst>
+      <p:par>
+        <p:cTn id="1" dur="indefinite" restart="never" nodeType="tmRoot"/>
+      </p:par>
+    </p:tnLst>
+  </p:timing>
+</p:sld>
+</file>
+
+<file path=ppt/slides/slide22.xml><?xml version="1.0" encoding="utf-8"?>
+<p:sld xmlns:a="http://schemas.openxmlformats.org/drawingml/2006/main" xmlns:r="http://schemas.openxmlformats.org/officeDocument/2006/relationships" xmlns:p="http://schemas.openxmlformats.org/presentationml/2006/main">
+  <p:cSld>
+    <p:spTree>
+      <p:nvGrpSpPr>
+        <p:cNvPr id="1" name=""/>
+        <p:cNvGrpSpPr/>
+        <p:nvPr/>
+      </p:nvGrpSpPr>
+      <p:grpSpPr>
+        <a:xfrm>
+          <a:off x="0" y="0"/>
+          <a:ext cx="0" cy="0"/>
+          <a:chOff x="0" y="0"/>
+          <a:chExt cx="0" cy="0"/>
+        </a:xfrm>
+      </p:grpSpPr>
+      <p:sp>
+        <p:nvSpPr>
+          <p:cNvPr id="2" name="Заголовок 1"/>
+          <p:cNvSpPr>
+            <a:spLocks noGrp="1"/>
+          </p:cNvSpPr>
+          <p:nvPr>
+            <p:ph type="title"/>
+          </p:nvPr>
+        </p:nvSpPr>
+        <p:spPr>
+          <a:xfrm>
+            <a:off x="0" y="360484"/>
+            <a:ext cx="12192000" cy="696667"/>
+          </a:xfrm>
+        </p:spPr>
+        <p:txBody>
+          <a:bodyPr/>
+          <a:lstStyle/>
+          <a:p>
+            <a:pPr algn="ctr"/>
+            <a:r>
+              <a:rPr lang="en-US" dirty="0" smtClean="0">
+                <a:latin typeface="Times New Roman" panose="02020603050405020304" pitchFamily="18" charset="0"/>
+                <a:cs typeface="Times New Roman" panose="02020603050405020304" pitchFamily="18" charset="0"/>
+              </a:rPr>
+              <a:t>	</a:t>
+            </a:r>
+            <a:r>
+              <a:rPr lang="ru-RU" dirty="0" smtClean="0">
+                <a:latin typeface="Times New Roman" panose="02020603050405020304" pitchFamily="18" charset="0"/>
+                <a:cs typeface="Times New Roman" panose="02020603050405020304" pitchFamily="18" charset="0"/>
+              </a:rPr>
+              <a:t>Историческая справка</a:t>
+            </a:r>
+            <a:r>
+              <a:rPr lang="en-US" dirty="0" smtClean="0">
+                <a:latin typeface="Times New Roman" panose="02020603050405020304" pitchFamily="18" charset="0"/>
+                <a:cs typeface="Times New Roman" panose="02020603050405020304" pitchFamily="18" charset="0"/>
+              </a:rPr>
+              <a:t>: MINIX (1987-...)</a:t>
+            </a:r>
+            <a:endParaRPr lang="ru-RU" dirty="0">
+              <a:latin typeface="Times New Roman" panose="02020603050405020304" pitchFamily="18" charset="0"/>
+              <a:cs typeface="Times New Roman" panose="02020603050405020304" pitchFamily="18" charset="0"/>
+            </a:endParaRPr>
+          </a:p>
+        </p:txBody>
+      </p:sp>
+      <p:pic>
+        <p:nvPicPr>
+          <p:cNvPr id="3074" name="Picture 2" descr="«Компьютерные сети (pdf+epub)» – Эндрю Таненбаум | ЛитРес"/>
+          <p:cNvPicPr>
+            <a:picLocks noChangeAspect="1" noChangeArrowheads="1"/>
+          </p:cNvPicPr>
+          <p:nvPr/>
+        </p:nvPicPr>
+        <p:blipFill>
+          <a:blip r:embed="rId2">
+            <a:extLst>
+              <a:ext uri="{28A0092B-C50C-407E-A947-70E740481C1C}">
+                <a14:useLocalDpi xmlns:a14="http://schemas.microsoft.com/office/drawing/2010/main" val="0"/>
+              </a:ext>
+            </a:extLst>
+          </a:blip>
+          <a:srcRect/>
+          <a:stretch>
+            <a:fillRect/>
+          </a:stretch>
+        </p:blipFill>
+        <p:spPr bwMode="auto">
+          <a:xfrm>
+            <a:off x="7182070" y="1911840"/>
+            <a:ext cx="2814783" cy="3974610"/>
+          </a:xfrm>
+          <a:prstGeom prst="rect">
+            <a:avLst/>
+          </a:prstGeom>
+          <a:noFill/>
+          <a:extLst>
+            <a:ext uri="{909E8E84-426E-40DD-AFC4-6F175D3DCCD1}">
+              <a14:hiddenFill xmlns:a14="http://schemas.microsoft.com/office/drawing/2010/main">
+                <a:solidFill>
+                  <a:srgbClr val="FFFFFF"/>
+                </a:solidFill>
+              </a14:hiddenFill>
+            </a:ext>
+          </a:extLst>
+        </p:spPr>
+      </p:pic>
+      <p:pic>
+        <p:nvPicPr>
+          <p:cNvPr id="3078" name="Picture 6" descr="Эндрю Таненбаум — исследователь в области информатики — OneKu"/>
+          <p:cNvPicPr>
+            <a:picLocks noChangeAspect="1" noChangeArrowheads="1"/>
+          </p:cNvPicPr>
+          <p:nvPr/>
+        </p:nvPicPr>
+        <p:blipFill>
+          <a:blip r:embed="rId3">
+            <a:extLst>
+              <a:ext uri="{28A0092B-C50C-407E-A947-70E740481C1C}">
+                <a14:useLocalDpi xmlns:a14="http://schemas.microsoft.com/office/drawing/2010/main" val="0"/>
+              </a:ext>
+            </a:extLst>
+          </a:blip>
+          <a:srcRect/>
+          <a:stretch>
+            <a:fillRect/>
+          </a:stretch>
+        </p:blipFill>
+        <p:spPr bwMode="auto">
+          <a:xfrm>
+            <a:off x="1140312" y="1911840"/>
+            <a:ext cx="5304693" cy="3978520"/>
+          </a:xfrm>
+          <a:prstGeom prst="rect">
+            <a:avLst/>
+          </a:prstGeom>
+          <a:noFill/>
+          <a:extLst>
+            <a:ext uri="{909E8E84-426E-40DD-AFC4-6F175D3DCCD1}">
+              <a14:hiddenFill xmlns:a14="http://schemas.microsoft.com/office/drawing/2010/main">
+                <a:solidFill>
+                  <a:srgbClr val="FFFFFF"/>
+                </a:solidFill>
+              </a14:hiddenFill>
+            </a:ext>
+          </a:extLst>
+        </p:spPr>
+      </p:pic>
+      <p:pic>
+        <p:nvPicPr>
+          <p:cNvPr id="7" name="Picture 2" descr="Ярославский государственный университет — Википедия"/>
+          <p:cNvPicPr>
+            <a:picLocks noChangeAspect="1" noChangeArrowheads="1"/>
+          </p:cNvPicPr>
+          <p:nvPr/>
+        </p:nvPicPr>
+        <p:blipFill>
+          <a:blip r:embed="rId4">
+            <a:extLst>
+              <a:ext uri="{28A0092B-C50C-407E-A947-70E740481C1C}">
+                <a14:useLocalDpi xmlns:a14="http://schemas.microsoft.com/office/drawing/2010/main" val="0"/>
+              </a:ext>
+            </a:extLst>
+          </a:blip>
+          <a:srcRect/>
+          <a:stretch>
+            <a:fillRect/>
+          </a:stretch>
+        </p:blipFill>
+        <p:spPr bwMode="auto">
+          <a:xfrm>
+            <a:off x="0" y="5477607"/>
+            <a:ext cx="1380392" cy="1380393"/>
+          </a:xfrm>
+          <a:prstGeom prst="rect">
+            <a:avLst/>
+          </a:prstGeom>
+          <a:noFill/>
+          <a:extLst>
+            <a:ext uri="{909E8E84-426E-40DD-AFC4-6F175D3DCCD1}">
+              <a14:hiddenFill xmlns:a14="http://schemas.microsoft.com/office/drawing/2010/main">
+                <a:solidFill>
+                  <a:srgbClr val="FFFFFF"/>
+                </a:solidFill>
+              </a14:hiddenFill>
+            </a:ext>
+          </a:extLst>
+        </p:spPr>
+      </p:pic>
+    </p:spTree>
+    <p:extLst>
+      <p:ext uri="{BB962C8B-B14F-4D97-AF65-F5344CB8AC3E}">
+        <p14:creationId xmlns:p14="http://schemas.microsoft.com/office/powerpoint/2010/main" val="465908884"/>
+      </p:ext>
+    </p:extLst>
+  </p:cSld>
+  <p:clrMapOvr>
+    <a:masterClrMapping/>
+  </p:clrMapOvr>
+  <p:timing>
+    <p:tnLst>
+      <p:par>
+        <p:cTn id="1" dur="indefinite" restart="never" nodeType="tmRoot"/>
+      </p:par>
+    </p:tnLst>
+  </p:timing>
+</p:sld>
+</file>
+
+<file path=ppt/slides/slide23.xml><?xml version="1.0" encoding="utf-8"?>
+<p:sld xmlns:a="http://schemas.openxmlformats.org/drawingml/2006/main" xmlns:r="http://schemas.openxmlformats.org/officeDocument/2006/relationships" xmlns:p="http://schemas.openxmlformats.org/presentationml/2006/main">
+  <p:cSld>
+    <p:spTree>
+      <p:nvGrpSpPr>
+        <p:cNvPr id="1" name=""/>
+        <p:cNvGrpSpPr/>
+        <p:nvPr/>
+      </p:nvGrpSpPr>
+      <p:grpSpPr>
+        <a:xfrm>
+          <a:off x="0" y="0"/>
+          <a:ext cx="0" cy="0"/>
+          <a:chOff x="0" y="0"/>
+          <a:chExt cx="0" cy="0"/>
+        </a:xfrm>
+      </p:grpSpPr>
+      <p:sp>
+        <p:nvSpPr>
+          <p:cNvPr id="2" name="Заголовок 1"/>
+          <p:cNvSpPr>
+            <a:spLocks noGrp="1"/>
+          </p:cNvSpPr>
+          <p:nvPr>
+            <p:ph type="title"/>
+          </p:nvPr>
+        </p:nvSpPr>
+        <p:spPr>
+          <a:xfrm>
+            <a:off x="0" y="291305"/>
+            <a:ext cx="12192000" cy="696667"/>
+          </a:xfrm>
+        </p:spPr>
+        <p:txBody>
+          <a:bodyPr/>
+          <a:lstStyle/>
+          <a:p>
+            <a:pPr algn="ctr"/>
+            <a:r>
+              <a:rPr lang="en-US" dirty="0" smtClean="0">
+                <a:latin typeface="Times New Roman" panose="02020603050405020304" pitchFamily="18" charset="0"/>
+                <a:cs typeface="Times New Roman" panose="02020603050405020304" pitchFamily="18" charset="0"/>
+              </a:rPr>
+              <a:t>LINUX (1992-...)</a:t>
+            </a:r>
+            <a:endParaRPr lang="ru-RU" dirty="0">
+              <a:latin typeface="Times New Roman" panose="02020603050405020304" pitchFamily="18" charset="0"/>
+              <a:cs typeface="Times New Roman" panose="02020603050405020304" pitchFamily="18" charset="0"/>
+            </a:endParaRPr>
+          </a:p>
+        </p:txBody>
+      </p:sp>
+      <p:pic>
+        <p:nvPicPr>
+          <p:cNvPr id="4098" name="Picture 2" descr="Линус Торвальдс | История создателя ОС Linux"/>
+          <p:cNvPicPr>
+            <a:picLocks noChangeAspect="1" noChangeArrowheads="1"/>
+          </p:cNvPicPr>
+          <p:nvPr/>
+        </p:nvPicPr>
+        <p:blipFill>
+          <a:blip r:embed="rId2">
+            <a:extLst>
+              <a:ext uri="{28A0092B-C50C-407E-A947-70E740481C1C}">
+                <a14:useLocalDpi xmlns:a14="http://schemas.microsoft.com/office/drawing/2010/main" val="0"/>
+              </a:ext>
+            </a:extLst>
+          </a:blip>
+          <a:srcRect/>
+          <a:stretch>
+            <a:fillRect/>
+          </a:stretch>
+        </p:blipFill>
+        <p:spPr bwMode="auto">
+          <a:xfrm>
+            <a:off x="1572272" y="1475859"/>
+            <a:ext cx="8917898" cy="4458950"/>
+          </a:xfrm>
+          <a:prstGeom prst="rect">
+            <a:avLst/>
+          </a:prstGeom>
+          <a:noFill/>
+          <a:extLst>
+            <a:ext uri="{909E8E84-426E-40DD-AFC4-6F175D3DCCD1}">
+              <a14:hiddenFill xmlns:a14="http://schemas.microsoft.com/office/drawing/2010/main">
+                <a:solidFill>
+                  <a:srgbClr val="FFFFFF"/>
+                </a:solidFill>
+              </a14:hiddenFill>
+            </a:ext>
+          </a:extLst>
+        </p:spPr>
+      </p:pic>
+      <p:pic>
+        <p:nvPicPr>
+          <p:cNvPr id="5" name="Picture 2" descr="Ярославский государственный университет — Википедия"/>
+          <p:cNvPicPr>
+            <a:picLocks noChangeAspect="1" noChangeArrowheads="1"/>
+          </p:cNvPicPr>
+          <p:nvPr/>
+        </p:nvPicPr>
+        <p:blipFill>
+          <a:blip r:embed="rId3">
+            <a:extLst>
+              <a:ext uri="{28A0092B-C50C-407E-A947-70E740481C1C}">
+                <a14:useLocalDpi xmlns:a14="http://schemas.microsoft.com/office/drawing/2010/main" val="0"/>
+              </a:ext>
+            </a:extLst>
+          </a:blip>
+          <a:srcRect/>
+          <a:stretch>
+            <a:fillRect/>
+          </a:stretch>
+        </p:blipFill>
+        <p:spPr bwMode="auto">
+          <a:xfrm>
+            <a:off x="0" y="5477607"/>
+            <a:ext cx="1380392" cy="1380393"/>
+          </a:xfrm>
+          <a:prstGeom prst="rect">
+            <a:avLst/>
+          </a:prstGeom>
+          <a:noFill/>
+          <a:extLst>
+            <a:ext uri="{909E8E84-426E-40DD-AFC4-6F175D3DCCD1}">
+              <a14:hiddenFill xmlns:a14="http://schemas.microsoft.com/office/drawing/2010/main">
+                <a:solidFill>
+                  <a:srgbClr val="FFFFFF"/>
+                </a:solidFill>
+              </a14:hiddenFill>
+            </a:ext>
+          </a:extLst>
+        </p:spPr>
+      </p:pic>
+    </p:spTree>
+    <p:extLst>
+      <p:ext uri="{BB962C8B-B14F-4D97-AF65-F5344CB8AC3E}">
+        <p14:creationId xmlns:p14="http://schemas.microsoft.com/office/powerpoint/2010/main" val="1686267986"/>
+      </p:ext>
+    </p:extLst>
+  </p:cSld>
+  <p:clrMapOvr>
+    <a:masterClrMapping/>
+  </p:clrMapOvr>
+  <p:timing>
+    <p:tnLst>
+      <p:par>
+        <p:cTn id="1" dur="indefinite" restart="never" nodeType="tmRoot"/>
+      </p:par>
+    </p:tnLst>
+  </p:timing>
+</p:sld>
+</file>
+
+<file path=ppt/slides/slide24.xml><?xml version="1.0" encoding="utf-8"?>
+<p:sld xmlns:a="http://schemas.openxmlformats.org/drawingml/2006/main" xmlns:r="http://schemas.openxmlformats.org/officeDocument/2006/relationships" xmlns:p="http://schemas.openxmlformats.org/presentationml/2006/main">
+  <p:cSld>
+    <p:spTree>
+      <p:nvGrpSpPr>
+        <p:cNvPr id="1" name=""/>
+        <p:cNvGrpSpPr/>
+        <p:nvPr/>
+      </p:nvGrpSpPr>
+      <p:grpSpPr>
+        <a:xfrm>
+          <a:off x="0" y="0"/>
+          <a:ext cx="0" cy="0"/>
+          <a:chOff x="0" y="0"/>
+          <a:chExt cx="0" cy="0"/>
+        </a:xfrm>
+      </p:grpSpPr>
+      <p:sp>
+        <p:nvSpPr>
+          <p:cNvPr id="2" name="Заголовок 1"/>
+          <p:cNvSpPr>
+            <a:spLocks noGrp="1"/>
+          </p:cNvSpPr>
+          <p:nvPr>
+            <p:ph type="title"/>
+          </p:nvPr>
+        </p:nvSpPr>
+        <p:spPr>
+          <a:xfrm>
+            <a:off x="0" y="291305"/>
+            <a:ext cx="12192000" cy="696667"/>
+          </a:xfrm>
+        </p:spPr>
+        <p:txBody>
+          <a:bodyPr/>
+          <a:lstStyle/>
+          <a:p>
+            <a:pPr algn="ctr"/>
+            <a:r>
+              <a:rPr lang="en-US" dirty="0" smtClean="0">
+                <a:latin typeface="Times New Roman" panose="02020603050405020304" pitchFamily="18" charset="0"/>
+                <a:cs typeface="Times New Roman" panose="02020603050405020304" pitchFamily="18" charset="0"/>
+              </a:rPr>
+              <a:t>MS DOS (1981-...)</a:t>
+            </a:r>
+            <a:endParaRPr lang="ru-RU" dirty="0">
+              <a:latin typeface="Times New Roman" panose="02020603050405020304" pitchFamily="18" charset="0"/>
+              <a:cs typeface="Times New Roman" panose="02020603050405020304" pitchFamily="18" charset="0"/>
+            </a:endParaRPr>
+          </a:p>
+        </p:txBody>
+      </p:sp>
+      <p:pic>
+        <p:nvPicPr>
+          <p:cNvPr id="5122" name="Picture 2" descr="Dos Computer Royalty-Free Images, Stock Photos &amp; Pictures | Shutterstock"/>
+          <p:cNvPicPr>
+            <a:picLocks noChangeAspect="1" noChangeArrowheads="1"/>
+          </p:cNvPicPr>
+          <p:nvPr/>
+        </p:nvPicPr>
+        <p:blipFill>
+          <a:blip r:embed="rId2">
+            <a:extLst>
+              <a:ext uri="{28A0092B-C50C-407E-A947-70E740481C1C}">
+                <a14:useLocalDpi xmlns:a14="http://schemas.microsoft.com/office/drawing/2010/main" val="0"/>
+              </a:ext>
+            </a:extLst>
+          </a:blip>
+          <a:srcRect/>
+          <a:stretch>
+            <a:fillRect/>
+          </a:stretch>
+        </p:blipFill>
+        <p:spPr bwMode="auto">
+          <a:xfrm>
+            <a:off x="923872" y="1608990"/>
+            <a:ext cx="5134027" cy="4714749"/>
+          </a:xfrm>
+          <a:prstGeom prst="rect">
+            <a:avLst/>
+          </a:prstGeom>
+          <a:noFill/>
+          <a:extLst>
+            <a:ext uri="{909E8E84-426E-40DD-AFC4-6F175D3DCCD1}">
+              <a14:hiddenFill xmlns:a14="http://schemas.microsoft.com/office/drawing/2010/main">
+                <a:solidFill>
+                  <a:srgbClr val="FFFFFF"/>
+                </a:solidFill>
+              </a14:hiddenFill>
+            </a:ext>
+          </a:extLst>
+        </p:spPr>
+      </p:pic>
+      <p:pic>
+        <p:nvPicPr>
+          <p:cNvPr id="5126" name="Picture 6" descr="Microsoft Logo (1980 - 1981)"/>
+          <p:cNvPicPr>
+            <a:picLocks noChangeAspect="1" noChangeArrowheads="1"/>
+          </p:cNvPicPr>
+          <p:nvPr/>
+        </p:nvPicPr>
+        <p:blipFill>
+          <a:blip r:embed="rId3">
+            <a:extLst>
+              <a:ext uri="{28A0092B-C50C-407E-A947-70E740481C1C}">
+                <a14:useLocalDpi xmlns:a14="http://schemas.microsoft.com/office/drawing/2010/main" val="0"/>
+              </a:ext>
+            </a:extLst>
+          </a:blip>
+          <a:srcRect/>
+          <a:stretch>
+            <a:fillRect/>
+          </a:stretch>
+        </p:blipFill>
+        <p:spPr bwMode="auto">
+          <a:xfrm>
+            <a:off x="6802927" y="3966364"/>
+            <a:ext cx="4094377" cy="1405736"/>
+          </a:xfrm>
+          <a:prstGeom prst="rect">
+            <a:avLst/>
+          </a:prstGeom>
+          <a:noFill/>
+          <a:extLst>
+            <a:ext uri="{909E8E84-426E-40DD-AFC4-6F175D3DCCD1}">
+              <a14:hiddenFill xmlns:a14="http://schemas.microsoft.com/office/drawing/2010/main">
+                <a:solidFill>
+                  <a:srgbClr val="FFFFFF"/>
+                </a:solidFill>
+              </a14:hiddenFill>
+            </a:ext>
+          </a:extLst>
+        </p:spPr>
+      </p:pic>
+      <p:pic>
+        <p:nvPicPr>
+          <p:cNvPr id="5128" name="Picture 8" descr="File:Intel logo (1968-2006).svg - Wikipedia"/>
+          <p:cNvPicPr>
+            <a:picLocks noChangeAspect="1" noChangeArrowheads="1"/>
+          </p:cNvPicPr>
+          <p:nvPr/>
+        </p:nvPicPr>
+        <p:blipFill>
+          <a:blip r:embed="rId4">
+            <a:extLst>
+              <a:ext uri="{28A0092B-C50C-407E-A947-70E740481C1C}">
+                <a14:useLocalDpi xmlns:a14="http://schemas.microsoft.com/office/drawing/2010/main" val="0"/>
+              </a:ext>
+            </a:extLst>
+          </a:blip>
+          <a:srcRect/>
+          <a:stretch>
+            <a:fillRect/>
+          </a:stretch>
+        </p:blipFill>
+        <p:spPr bwMode="auto">
+          <a:xfrm>
+            <a:off x="7031528" y="1928810"/>
+            <a:ext cx="3325810" cy="1886115"/>
+          </a:xfrm>
+          <a:prstGeom prst="rect">
+            <a:avLst/>
+          </a:prstGeom>
+          <a:noFill/>
+          <a:extLst>
+            <a:ext uri="{909E8E84-426E-40DD-AFC4-6F175D3DCCD1}">
+              <a14:hiddenFill xmlns:a14="http://schemas.microsoft.com/office/drawing/2010/main">
+                <a:solidFill>
+                  <a:srgbClr val="FFFFFF"/>
+                </a:solidFill>
+              </a14:hiddenFill>
+            </a:ext>
+          </a:extLst>
+        </p:spPr>
+      </p:pic>
+      <p:pic>
+        <p:nvPicPr>
+          <p:cNvPr id="8" name="Picture 2" descr="Ярославский государственный университет — Википедия"/>
+          <p:cNvPicPr>
+            <a:picLocks noChangeAspect="1" noChangeArrowheads="1"/>
+          </p:cNvPicPr>
+          <p:nvPr/>
+        </p:nvPicPr>
+        <p:blipFill>
+          <a:blip r:embed="rId5">
+            <a:extLst>
+              <a:ext uri="{28A0092B-C50C-407E-A947-70E740481C1C}">
+                <a14:useLocalDpi xmlns:a14="http://schemas.microsoft.com/office/drawing/2010/main" val="0"/>
+              </a:ext>
+            </a:extLst>
+          </a:blip>
+          <a:srcRect/>
+          <a:stretch>
+            <a:fillRect/>
+          </a:stretch>
+        </p:blipFill>
+        <p:spPr bwMode="auto">
+          <a:xfrm>
+            <a:off x="0" y="5477607"/>
+            <a:ext cx="1380392" cy="1380393"/>
+          </a:xfrm>
+          <a:prstGeom prst="rect">
+            <a:avLst/>
+          </a:prstGeom>
+          <a:noFill/>
+          <a:extLst>
+            <a:ext uri="{909E8E84-426E-40DD-AFC4-6F175D3DCCD1}">
+              <a14:hiddenFill xmlns:a14="http://schemas.microsoft.com/office/drawing/2010/main">
+                <a:solidFill>
+                  <a:srgbClr val="FFFFFF"/>
+                </a:solidFill>
+              </a14:hiddenFill>
+            </a:ext>
+          </a:extLst>
+        </p:spPr>
+      </p:pic>
+    </p:spTree>
+    <p:extLst>
+      <p:ext uri="{BB962C8B-B14F-4D97-AF65-F5344CB8AC3E}">
+        <p14:creationId xmlns:p14="http://schemas.microsoft.com/office/powerpoint/2010/main" val="460692135"/>
+      </p:ext>
+    </p:extLst>
+  </p:cSld>
+  <p:clrMapOvr>
+    <a:masterClrMapping/>
+  </p:clrMapOvr>
+  <p:timing>
+    <p:tnLst>
+      <p:par>
+        <p:cTn id="1" dur="indefinite" restart="never" nodeType="tmRoot"/>
+      </p:par>
+    </p:tnLst>
+  </p:timing>
+</p:sld>
+</file>
+
+<file path=ppt/slides/slide25.xml><?xml version="1.0" encoding="utf-8"?>
+<p:sld xmlns:a="http://schemas.openxmlformats.org/drawingml/2006/main" xmlns:r="http://schemas.openxmlformats.org/officeDocument/2006/relationships" xmlns:p="http://schemas.openxmlformats.org/presentationml/2006/main">
+  <p:cSld>
+    <p:spTree>
+      <p:nvGrpSpPr>
+        <p:cNvPr id="1" name=""/>
+        <p:cNvGrpSpPr/>
+        <p:nvPr/>
+      </p:nvGrpSpPr>
+      <p:grpSpPr>
+        <a:xfrm>
+          <a:off x="0" y="0"/>
+          <a:ext cx="0" cy="0"/>
+          <a:chOff x="0" y="0"/>
+          <a:chExt cx="0" cy="0"/>
+        </a:xfrm>
+      </p:grpSpPr>
+      <p:pic>
+        <p:nvPicPr>
+          <p:cNvPr id="6152" name="Picture 8" descr="A Visual History of Windows, microsoft windows - thirstymag.com"/>
+          <p:cNvPicPr>
+            <a:picLocks noChangeAspect="1" noChangeArrowheads="1"/>
+          </p:cNvPicPr>
+          <p:nvPr/>
+        </p:nvPicPr>
+        <p:blipFill>
+          <a:blip r:embed="rId2" cstate="hqprint">
+            <a:extLst>
+              <a:ext uri="{28A0092B-C50C-407E-A947-70E740481C1C}">
+                <a14:useLocalDpi xmlns:a14="http://schemas.microsoft.com/office/drawing/2010/main" val="0"/>
+              </a:ext>
+            </a:extLst>
+          </a:blip>
+          <a:srcRect/>
+          <a:stretch>
+            <a:fillRect/>
+          </a:stretch>
+        </p:blipFill>
+        <p:spPr bwMode="auto">
+          <a:xfrm>
+            <a:off x="1652955" y="0"/>
+            <a:ext cx="8563707" cy="6868807"/>
+          </a:xfrm>
+          <a:prstGeom prst="rect">
+            <a:avLst/>
+          </a:prstGeom>
+          <a:noFill/>
+          <a:extLst>
+            <a:ext uri="{909E8E84-426E-40DD-AFC4-6F175D3DCCD1}">
+              <a14:hiddenFill xmlns:a14="http://schemas.microsoft.com/office/drawing/2010/main">
+                <a:solidFill>
+                  <a:srgbClr val="FFFFFF"/>
+                </a:solidFill>
+              </a14:hiddenFill>
+            </a:ext>
+          </a:extLst>
+        </p:spPr>
+      </p:pic>
+      <p:pic>
+        <p:nvPicPr>
+          <p:cNvPr id="9" name="Picture 2" descr="Ярославский государственный университет — Википедия"/>
+          <p:cNvPicPr>
+            <a:picLocks noChangeAspect="1" noChangeArrowheads="1"/>
+          </p:cNvPicPr>
+          <p:nvPr/>
+        </p:nvPicPr>
+        <p:blipFill>
+          <a:blip r:embed="rId3">
+            <a:extLst>
+              <a:ext uri="{28A0092B-C50C-407E-A947-70E740481C1C}">
+                <a14:useLocalDpi xmlns:a14="http://schemas.microsoft.com/office/drawing/2010/main" val="0"/>
+              </a:ext>
+            </a:extLst>
+          </a:blip>
+          <a:srcRect/>
+          <a:stretch>
+            <a:fillRect/>
+          </a:stretch>
+        </p:blipFill>
+        <p:spPr bwMode="auto">
+          <a:xfrm>
+            <a:off x="0" y="5477607"/>
+            <a:ext cx="1380392" cy="1380393"/>
+          </a:xfrm>
+          <a:prstGeom prst="rect">
+            <a:avLst/>
+          </a:prstGeom>
+          <a:noFill/>
+          <a:extLst>
+            <a:ext uri="{909E8E84-426E-40DD-AFC4-6F175D3DCCD1}">
+              <a14:hiddenFill xmlns:a14="http://schemas.microsoft.com/office/drawing/2010/main">
+                <a:solidFill>
+                  <a:srgbClr val="FFFFFF"/>
+                </a:solidFill>
+              </a14:hiddenFill>
+            </a:ext>
+          </a:extLst>
+        </p:spPr>
+      </p:pic>
+    </p:spTree>
+    <p:extLst>
+      <p:ext uri="{BB962C8B-B14F-4D97-AF65-F5344CB8AC3E}">
+        <p14:creationId xmlns:p14="http://schemas.microsoft.com/office/powerpoint/2010/main" val="2845178688"/>
+      </p:ext>
+    </p:extLst>
+  </p:cSld>
+  <p:clrMapOvr>
+    <a:masterClrMapping/>
+  </p:clrMapOvr>
+  <p:timing>
+    <p:tnLst>
+      <p:par>
+        <p:cTn id="1" dur="indefinite" restart="never" nodeType="tmRoot"/>
+      </p:par>
+    </p:tnLst>
+  </p:timing>
+</p:sld>
+</file>
+
+<file path=ppt/slides/slide26.xml><?xml version="1.0" encoding="utf-8"?>
+<p:sld xmlns:a="http://schemas.openxmlformats.org/drawingml/2006/main" xmlns:r="http://schemas.openxmlformats.org/officeDocument/2006/relationships" xmlns:p="http://schemas.openxmlformats.org/presentationml/2006/main">
+  <p:cSld>
+    <p:spTree>
+      <p:nvGrpSpPr>
+        <p:cNvPr id="1" name=""/>
+        <p:cNvGrpSpPr/>
+        <p:nvPr/>
+      </p:nvGrpSpPr>
+      <p:grpSpPr>
+        <a:xfrm>
+          <a:off x="0" y="0"/>
+          <a:ext cx="0" cy="0"/>
+          <a:chOff x="0" y="0"/>
+          <a:chExt cx="0" cy="0"/>
+        </a:xfrm>
+      </p:grpSpPr>
+      <p:pic>
+        <p:nvPicPr>
+          <p:cNvPr id="4" name="Picture 6" descr="Многообразие Linux-дистрибутивов / Хабр"/>
+          <p:cNvPicPr>
+            <a:picLocks noChangeAspect="1" noChangeArrowheads="1"/>
+          </p:cNvPicPr>
+          <p:nvPr/>
+        </p:nvPicPr>
+        <p:blipFill>
+          <a:blip r:embed="rId2">
+            <a:extLst>
+              <a:ext uri="{28A0092B-C50C-407E-A947-70E740481C1C}">
+                <a14:useLocalDpi xmlns:a14="http://schemas.microsoft.com/office/drawing/2010/main" val="0"/>
+              </a:ext>
+            </a:extLst>
+          </a:blip>
+          <a:srcRect/>
+          <a:stretch>
+            <a:fillRect/>
+          </a:stretch>
+        </p:blipFill>
+        <p:spPr bwMode="auto">
+          <a:xfrm>
+            <a:off x="1603130" y="738552"/>
+            <a:ext cx="8953500" cy="5056095"/>
+          </a:xfrm>
+          <a:prstGeom prst="rect">
+            <a:avLst/>
+          </a:prstGeom>
+          <a:noFill/>
+          <a:extLst>
+            <a:ext uri="{909E8E84-426E-40DD-AFC4-6F175D3DCCD1}">
+              <a14:hiddenFill xmlns:a14="http://schemas.microsoft.com/office/drawing/2010/main">
+                <a:solidFill>
+                  <a:srgbClr val="FFFFFF"/>
+                </a:solidFill>
+              </a14:hiddenFill>
+            </a:ext>
+          </a:extLst>
+        </p:spPr>
+      </p:pic>
+      <p:pic>
+        <p:nvPicPr>
+          <p:cNvPr id="5" name="Picture 2" descr="Ярославский государственный университет — Википедия"/>
+          <p:cNvPicPr>
+            <a:picLocks noChangeAspect="1" noChangeArrowheads="1"/>
+          </p:cNvPicPr>
+          <p:nvPr/>
+        </p:nvPicPr>
+        <p:blipFill>
+          <a:blip r:embed="rId3">
+            <a:extLst>
+              <a:ext uri="{28A0092B-C50C-407E-A947-70E740481C1C}">
+                <a14:useLocalDpi xmlns:a14="http://schemas.microsoft.com/office/drawing/2010/main" val="0"/>
+              </a:ext>
+            </a:extLst>
+          </a:blip>
+          <a:srcRect/>
+          <a:stretch>
+            <a:fillRect/>
+          </a:stretch>
+        </p:blipFill>
+        <p:spPr bwMode="auto">
+          <a:xfrm>
+            <a:off x="0" y="5477607"/>
+            <a:ext cx="1380392" cy="1380393"/>
+          </a:xfrm>
+          <a:prstGeom prst="rect">
+            <a:avLst/>
+          </a:prstGeom>
+          <a:noFill/>
+          <a:extLst>
+            <a:ext uri="{909E8E84-426E-40DD-AFC4-6F175D3DCCD1}">
+              <a14:hiddenFill xmlns:a14="http://schemas.microsoft.com/office/drawing/2010/main">
+                <a:solidFill>
+                  <a:srgbClr val="FFFFFF"/>
+                </a:solidFill>
+              </a14:hiddenFill>
+            </a:ext>
+          </a:extLst>
+        </p:spPr>
+      </p:pic>
+    </p:spTree>
+    <p:extLst>
+      <p:ext uri="{BB962C8B-B14F-4D97-AF65-F5344CB8AC3E}">
+        <p14:creationId xmlns:p14="http://schemas.microsoft.com/office/powerpoint/2010/main" val="2930560365"/>
+      </p:ext>
+    </p:extLst>
+  </p:cSld>
+  <p:clrMapOvr>
+    <a:masterClrMapping/>
+  </p:clrMapOvr>
+  <p:timing>
+    <p:tnLst>
+      <p:par>
+        <p:cTn id="1" dur="indefinite" restart="never" nodeType="tmRoot"/>
+      </p:par>
+    </p:tnLst>
+  </p:timing>
+</p:sld>
+</file>
+
+<file path=ppt/slides/slide27.xml><?xml version="1.0" encoding="utf-8"?>
+<p:sld xmlns:a="http://schemas.openxmlformats.org/drawingml/2006/main" xmlns:r="http://schemas.openxmlformats.org/officeDocument/2006/relationships" xmlns:p="http://schemas.openxmlformats.org/presentationml/2006/main">
+  <p:cSld>
+    <p:spTree>
+      <p:nvGrpSpPr>
+        <p:cNvPr id="1" name=""/>
+        <p:cNvGrpSpPr/>
+        <p:nvPr/>
+      </p:nvGrpSpPr>
+      <p:grpSpPr>
+        <a:xfrm>
+          <a:off x="0" y="0"/>
+          <a:ext cx="0" cy="0"/>
+          <a:chOff x="0" y="0"/>
+          <a:chExt cx="0" cy="0"/>
+        </a:xfrm>
+      </p:grpSpPr>
+      <p:sp>
+        <p:nvSpPr>
+          <p:cNvPr id="2" name="Заголовок 1"/>
+          <p:cNvSpPr>
+            <a:spLocks noGrp="1"/>
+          </p:cNvSpPr>
+          <p:nvPr>
+            <p:ph type="title"/>
+          </p:nvPr>
+        </p:nvSpPr>
+        <p:spPr>
+          <a:xfrm>
+            <a:off x="0" y="291305"/>
+            <a:ext cx="12192000" cy="696667"/>
+          </a:xfrm>
+        </p:spPr>
+        <p:txBody>
+          <a:bodyPr/>
+          <a:lstStyle/>
+          <a:p>
+            <a:pPr algn="ctr"/>
+            <a:r>
+              <a:rPr lang="en-US" dirty="0" smtClean="0">
+                <a:latin typeface="Times New Roman" panose="02020603050405020304" pitchFamily="18" charset="0"/>
+                <a:cs typeface="Times New Roman" panose="02020603050405020304" pitchFamily="18" charset="0"/>
+              </a:rPr>
+              <a:t>Intel </a:t>
+            </a:r>
+            <a:r>
+              <a:rPr lang="ru-RU" dirty="0" smtClean="0">
+                <a:latin typeface="Times New Roman" panose="02020603050405020304" pitchFamily="18" charset="0"/>
+                <a:cs typeface="Times New Roman" panose="02020603050405020304" pitchFamily="18" charset="0"/>
+              </a:rPr>
+              <a:t>и </a:t>
+            </a:r>
+            <a:r>
+              <a:rPr lang="en-US" dirty="0" smtClean="0">
+                <a:latin typeface="Times New Roman" panose="02020603050405020304" pitchFamily="18" charset="0"/>
+                <a:cs typeface="Times New Roman" panose="02020603050405020304" pitchFamily="18" charset="0"/>
+              </a:rPr>
+              <a:t>MINIX </a:t>
+            </a:r>
+            <a:r>
+              <a:rPr lang="ru-RU" dirty="0" smtClean="0">
+                <a:latin typeface="Times New Roman" panose="02020603050405020304" pitchFamily="18" charset="0"/>
+                <a:cs typeface="Times New Roman" panose="02020603050405020304" pitchFamily="18" charset="0"/>
+              </a:rPr>
+              <a:t>2017-…</a:t>
+            </a:r>
+            <a:endParaRPr lang="ru-RU" dirty="0">
+              <a:latin typeface="Times New Roman" panose="02020603050405020304" pitchFamily="18" charset="0"/>
+              <a:cs typeface="Times New Roman" panose="02020603050405020304" pitchFamily="18" charset="0"/>
+            </a:endParaRPr>
+          </a:p>
+        </p:txBody>
+      </p:sp>
+      <p:sp>
+        <p:nvSpPr>
+          <p:cNvPr id="3" name="Объект 2"/>
+          <p:cNvSpPr>
+            <a:spLocks noGrp="1"/>
+          </p:cNvSpPr>
+          <p:nvPr>
+            <p:ph idx="1"/>
+          </p:nvPr>
+        </p:nvSpPr>
+        <p:spPr/>
+        <p:txBody>
+          <a:bodyPr/>
+          <a:lstStyle/>
+          <a:p>
+            <a:r>
+              <a:rPr lang="ru-RU" dirty="0">
+                <a:latin typeface="Times New Roman" panose="02020603050405020304" pitchFamily="18" charset="0"/>
+                <a:cs typeface="Times New Roman" panose="02020603050405020304" pitchFamily="18" charset="0"/>
+                <a:hlinkClick r:id="rId2"/>
+              </a:rPr>
+              <a:t>Эндрю </a:t>
+            </a:r>
+            <a:r>
+              <a:rPr lang="ru-RU" dirty="0" err="1">
+                <a:latin typeface="Times New Roman" panose="02020603050405020304" pitchFamily="18" charset="0"/>
+                <a:cs typeface="Times New Roman" panose="02020603050405020304" pitchFamily="18" charset="0"/>
+                <a:hlinkClick r:id="rId2"/>
+              </a:rPr>
+              <a:t>Таненбаум</a:t>
+            </a:r>
+            <a:r>
+              <a:rPr lang="ru-RU" dirty="0">
+                <a:latin typeface="Times New Roman" panose="02020603050405020304" pitchFamily="18" charset="0"/>
+                <a:cs typeface="Times New Roman" panose="02020603050405020304" pitchFamily="18" charset="0"/>
+              </a:rPr>
+              <a:t>, труды которого в своё время вдохновили </a:t>
+            </a:r>
+            <a:r>
+              <a:rPr lang="ru-RU" dirty="0" err="1">
+                <a:latin typeface="Times New Roman" panose="02020603050405020304" pitchFamily="18" charset="0"/>
+                <a:cs typeface="Times New Roman" panose="02020603050405020304" pitchFamily="18" charset="0"/>
+              </a:rPr>
+              <a:t>Линуса</a:t>
+            </a:r>
+            <a:r>
+              <a:rPr lang="ru-RU" dirty="0">
+                <a:latin typeface="Times New Roman" panose="02020603050405020304" pitchFamily="18" charset="0"/>
+                <a:cs typeface="Times New Roman" panose="02020603050405020304" pitchFamily="18" charset="0"/>
+              </a:rPr>
+              <a:t> </a:t>
+            </a:r>
+            <a:r>
+              <a:rPr lang="ru-RU" dirty="0" err="1">
+                <a:latin typeface="Times New Roman" panose="02020603050405020304" pitchFamily="18" charset="0"/>
+                <a:cs typeface="Times New Roman" panose="02020603050405020304" pitchFamily="18" charset="0"/>
+              </a:rPr>
+              <a:t>Торвальдса</a:t>
+            </a:r>
+            <a:r>
+              <a:rPr lang="ru-RU" dirty="0">
+                <a:latin typeface="Times New Roman" panose="02020603050405020304" pitchFamily="18" charset="0"/>
+                <a:cs typeface="Times New Roman" panose="02020603050405020304" pitchFamily="18" charset="0"/>
+              </a:rPr>
+              <a:t> на создание ядра </a:t>
+            </a:r>
+            <a:r>
+              <a:rPr lang="ru-RU" dirty="0" err="1">
+                <a:latin typeface="Times New Roman" panose="02020603050405020304" pitchFamily="18" charset="0"/>
+                <a:cs typeface="Times New Roman" panose="02020603050405020304" pitchFamily="18" charset="0"/>
+              </a:rPr>
+              <a:t>Linux</a:t>
+            </a:r>
+            <a:r>
+              <a:rPr lang="ru-RU" dirty="0">
+                <a:latin typeface="Times New Roman" panose="02020603050405020304" pitchFamily="18" charset="0"/>
+                <a:cs typeface="Times New Roman" panose="02020603050405020304" pitchFamily="18" charset="0"/>
+              </a:rPr>
+              <a:t>, </a:t>
+            </a:r>
+            <a:r>
+              <a:rPr lang="ru-RU" dirty="0">
+                <a:latin typeface="Times New Roman" panose="02020603050405020304" pitchFamily="18" charset="0"/>
+                <a:cs typeface="Times New Roman" panose="02020603050405020304" pitchFamily="18" charset="0"/>
+                <a:hlinkClick r:id="rId3"/>
+              </a:rPr>
+              <a:t>опубликовал</a:t>
+            </a:r>
+            <a:r>
+              <a:rPr lang="ru-RU" dirty="0">
+                <a:latin typeface="Times New Roman" panose="02020603050405020304" pitchFamily="18" charset="0"/>
+                <a:cs typeface="Times New Roman" panose="02020603050405020304" pitchFamily="18" charset="0"/>
+              </a:rPr>
+              <a:t> открытое письмо к компании </a:t>
+            </a:r>
+            <a:r>
+              <a:rPr lang="ru-RU" dirty="0" err="1">
+                <a:latin typeface="Times New Roman" panose="02020603050405020304" pitchFamily="18" charset="0"/>
+                <a:cs typeface="Times New Roman" panose="02020603050405020304" pitchFamily="18" charset="0"/>
+              </a:rPr>
+              <a:t>Intel</a:t>
+            </a:r>
+            <a:r>
+              <a:rPr lang="ru-RU" dirty="0">
+                <a:latin typeface="Times New Roman" panose="02020603050405020304" pitchFamily="18" charset="0"/>
+                <a:cs typeface="Times New Roman" panose="02020603050405020304" pitchFamily="18" charset="0"/>
+              </a:rPr>
+              <a:t>, в котором высказал благодарность за использование операционной системы MINIX в составе прошивки чипа </a:t>
+            </a:r>
+            <a:r>
+              <a:rPr lang="ru-RU" dirty="0" err="1">
+                <a:latin typeface="Times New Roman" panose="02020603050405020304" pitchFamily="18" charset="0"/>
+                <a:cs typeface="Times New Roman" panose="02020603050405020304" pitchFamily="18" charset="0"/>
+              </a:rPr>
+              <a:t>Intel</a:t>
+            </a:r>
+            <a:r>
+              <a:rPr lang="ru-RU" dirty="0">
+                <a:latin typeface="Times New Roman" panose="02020603050405020304" pitchFamily="18" charset="0"/>
+                <a:cs typeface="Times New Roman" panose="02020603050405020304" pitchFamily="18" charset="0"/>
+              </a:rPr>
+              <a:t> ME 11 (</a:t>
+            </a:r>
+            <a:r>
+              <a:rPr lang="ru-RU" dirty="0" err="1">
+                <a:latin typeface="Times New Roman" panose="02020603050405020304" pitchFamily="18" charset="0"/>
+                <a:cs typeface="Times New Roman" panose="02020603050405020304" pitchFamily="18" charset="0"/>
+              </a:rPr>
+              <a:t>Management</a:t>
+            </a:r>
+            <a:r>
+              <a:rPr lang="ru-RU" dirty="0">
+                <a:latin typeface="Times New Roman" panose="02020603050405020304" pitchFamily="18" charset="0"/>
+                <a:cs typeface="Times New Roman" panose="02020603050405020304" pitchFamily="18" charset="0"/>
+              </a:rPr>
+              <a:t> </a:t>
+            </a:r>
+            <a:r>
+              <a:rPr lang="ru-RU" dirty="0" err="1">
+                <a:latin typeface="Times New Roman" panose="02020603050405020304" pitchFamily="18" charset="0"/>
+                <a:cs typeface="Times New Roman" panose="02020603050405020304" pitchFamily="18" charset="0"/>
+              </a:rPr>
+              <a:t>Engine</a:t>
+            </a:r>
+            <a:r>
+              <a:rPr lang="ru-RU" dirty="0">
+                <a:latin typeface="Times New Roman" panose="02020603050405020304" pitchFamily="18" charset="0"/>
+                <a:cs typeface="Times New Roman" panose="02020603050405020304" pitchFamily="18" charset="0"/>
+              </a:rPr>
+              <a:t>). </a:t>
+            </a:r>
+            <a:r>
+              <a:rPr lang="ru-RU" dirty="0" err="1">
+                <a:latin typeface="Times New Roman" panose="02020603050405020304" pitchFamily="18" charset="0"/>
+                <a:cs typeface="Times New Roman" panose="02020603050405020304" pitchFamily="18" charset="0"/>
+              </a:rPr>
+              <a:t>Intel</a:t>
+            </a:r>
+            <a:r>
+              <a:rPr lang="ru-RU" dirty="0">
+                <a:latin typeface="Times New Roman" panose="02020603050405020304" pitchFamily="18" charset="0"/>
+                <a:cs typeface="Times New Roman" panose="02020603050405020304" pitchFamily="18" charset="0"/>
+              </a:rPr>
+              <a:t> ME 11 поставляется во всех современных ПК и ноутбуках с процессорами </a:t>
+            </a:r>
+            <a:r>
+              <a:rPr lang="ru-RU" dirty="0" err="1">
+                <a:latin typeface="Times New Roman" panose="02020603050405020304" pitchFamily="18" charset="0"/>
+                <a:cs typeface="Times New Roman" panose="02020603050405020304" pitchFamily="18" charset="0"/>
+              </a:rPr>
+              <a:t>Intel</a:t>
+            </a:r>
+            <a:r>
+              <a:rPr lang="ru-RU" dirty="0">
+                <a:latin typeface="Times New Roman" panose="02020603050405020304" pitchFamily="18" charset="0"/>
+                <a:cs typeface="Times New Roman" panose="02020603050405020304" pitchFamily="18" charset="0"/>
+              </a:rPr>
+              <a:t>, </a:t>
+            </a:r>
+            <a:r>
+              <a:rPr lang="ru-RU" dirty="0">
+                <a:solidFill>
+                  <a:schemeClr val="accent6"/>
+                </a:solidFill>
+                <a:latin typeface="Times New Roman" panose="02020603050405020304" pitchFamily="18" charset="0"/>
+                <a:cs typeface="Times New Roman" panose="02020603050405020304" pitchFamily="18" charset="0"/>
+              </a:rPr>
+              <a:t>что делает MINIX наиболее широко используемой ОС в мире</a:t>
+            </a:r>
+            <a:endParaRPr lang="ru-RU" dirty="0">
+              <a:solidFill>
+                <a:schemeClr val="accent6"/>
+              </a:solidFill>
+              <a:latin typeface="Times New Roman" panose="02020603050405020304" pitchFamily="18" charset="0"/>
+              <a:cs typeface="Times New Roman" panose="02020603050405020304" pitchFamily="18" charset="0"/>
+            </a:endParaRPr>
+          </a:p>
+        </p:txBody>
+      </p:sp>
+      <p:pic>
+        <p:nvPicPr>
+          <p:cNvPr id="4" name="Picture 2" descr="Ярославский государственный университет — Википедия"/>
+          <p:cNvPicPr>
+            <a:picLocks noChangeAspect="1" noChangeArrowheads="1"/>
+          </p:cNvPicPr>
+          <p:nvPr/>
+        </p:nvPicPr>
+        <p:blipFill>
+          <a:blip r:embed="rId4">
+            <a:extLst>
+              <a:ext uri="{28A0092B-C50C-407E-A947-70E740481C1C}">
+                <a14:useLocalDpi xmlns:a14="http://schemas.microsoft.com/office/drawing/2010/main" val="0"/>
+              </a:ext>
+            </a:extLst>
+          </a:blip>
+          <a:srcRect/>
+          <a:stretch>
+            <a:fillRect/>
+          </a:stretch>
+        </p:blipFill>
+        <p:spPr bwMode="auto">
+          <a:xfrm>
+            <a:off x="0" y="5477607"/>
+            <a:ext cx="1380392" cy="1380393"/>
+          </a:xfrm>
+          <a:prstGeom prst="rect">
+            <a:avLst/>
+          </a:prstGeom>
+          <a:noFill/>
+          <a:extLst>
+            <a:ext uri="{909E8E84-426E-40DD-AFC4-6F175D3DCCD1}">
+              <a14:hiddenFill xmlns:a14="http://schemas.microsoft.com/office/drawing/2010/main">
+                <a:solidFill>
+                  <a:srgbClr val="FFFFFF"/>
+                </a:solidFill>
+              </a14:hiddenFill>
+            </a:ext>
+          </a:extLst>
+        </p:spPr>
+      </p:pic>
+    </p:spTree>
+    <p:extLst>
+      <p:ext uri="{BB962C8B-B14F-4D97-AF65-F5344CB8AC3E}">
+        <p14:creationId xmlns:p14="http://schemas.microsoft.com/office/powerpoint/2010/main" val="2009189179"/>
+      </p:ext>
+    </p:extLst>
+  </p:cSld>
+  <p:clrMapOvr>
+    <a:masterClrMapping/>
+  </p:clrMapOvr>
+  <p:timing>
+    <p:tnLst>
+      <p:par>
+        <p:cTn id="1" dur="indefinite" restart="never" nodeType="tmRoot"/>
+      </p:par>
+    </p:tnLst>
+  </p:timing>
+</p:sld>
+</file>
+
+<file path=ppt/slides/slide28.xml><?xml version="1.0" encoding="utf-8"?>
+<p:sld xmlns:a="http://schemas.openxmlformats.org/drawingml/2006/main" xmlns:r="http://schemas.openxmlformats.org/officeDocument/2006/relationships" xmlns:p="http://schemas.openxmlformats.org/presentationml/2006/main">
+  <p:cSld>
+    <p:spTree>
+      <p:nvGrpSpPr>
+        <p:cNvPr id="1" name=""/>
+        <p:cNvGrpSpPr/>
+        <p:nvPr/>
+      </p:nvGrpSpPr>
+      <p:grpSpPr>
+        <a:xfrm>
+          <a:off x="0" y="0"/>
+          <a:ext cx="0" cy="0"/>
+          <a:chOff x="0" y="0"/>
+          <a:chExt cx="0" cy="0"/>
+        </a:xfrm>
+      </p:grpSpPr>
+      <p:sp>
+        <p:nvSpPr>
+          <p:cNvPr id="2" name="Заголовок 1"/>
+          <p:cNvSpPr>
+            <a:spLocks noGrp="1"/>
+          </p:cNvSpPr>
+          <p:nvPr>
+            <p:ph type="title"/>
+          </p:nvPr>
+        </p:nvSpPr>
+        <p:spPr>
+          <a:xfrm>
+            <a:off x="0" y="291305"/>
+            <a:ext cx="12192000" cy="696667"/>
+          </a:xfrm>
+        </p:spPr>
+        <p:txBody>
+          <a:bodyPr/>
+          <a:lstStyle/>
+          <a:p>
+            <a:pPr algn="ctr"/>
+            <a:r>
+              <a:rPr lang="ru-RU" dirty="0" smtClean="0">
+                <a:latin typeface="Times New Roman" panose="02020603050405020304" pitchFamily="18" charset="0"/>
+                <a:cs typeface="Times New Roman" panose="02020603050405020304" pitchFamily="18" charset="0"/>
+              </a:rPr>
+              <a:t>Источники</a:t>
+            </a:r>
+            <a:endParaRPr lang="ru-RU" dirty="0">
+              <a:latin typeface="Times New Roman" panose="02020603050405020304" pitchFamily="18" charset="0"/>
+              <a:cs typeface="Times New Roman" panose="02020603050405020304" pitchFamily="18" charset="0"/>
+            </a:endParaRPr>
+          </a:p>
+        </p:txBody>
+      </p:sp>
+      <p:sp>
+        <p:nvSpPr>
+          <p:cNvPr id="3" name="Объект 2"/>
+          <p:cNvSpPr>
+            <a:spLocks noGrp="1"/>
+          </p:cNvSpPr>
+          <p:nvPr>
+            <p:ph idx="1"/>
+          </p:nvPr>
+        </p:nvSpPr>
+        <p:spPr/>
+        <p:txBody>
+          <a:bodyPr/>
+          <a:lstStyle/>
+          <a:p>
+            <a:pPr marL="514350" indent="-514350">
+              <a:buFont typeface="+mj-lt"/>
+              <a:buAutoNum type="arabicPeriod"/>
+            </a:pPr>
+            <a:r>
+              <a:rPr lang="ru-RU" dirty="0" smtClean="0"/>
+              <a:t>Полный текст</a:t>
+            </a:r>
+            <a:r>
+              <a:rPr lang="en-US" dirty="0" smtClean="0"/>
+              <a:t>:</a:t>
+            </a:r>
+            <a:r>
+              <a:rPr lang="ru-RU" dirty="0" smtClean="0"/>
+              <a:t> </a:t>
+            </a:r>
+            <a:r>
+              <a:rPr lang="en-US" dirty="0" smtClean="0"/>
+              <a:t>https</a:t>
+            </a:r>
+            <a:r>
+              <a:rPr lang="en-US" dirty="0"/>
+              <a:t>://github.com/SkibaSAY/Cursovay4_MicroServicesOS</a:t>
+            </a:r>
+            <a:endParaRPr lang="en-US" dirty="0" smtClean="0"/>
+          </a:p>
+          <a:p>
+            <a:pPr marL="514350" indent="-514350">
+              <a:buFont typeface="+mj-lt"/>
+              <a:buAutoNum type="arabicPeriod"/>
+            </a:pPr>
+            <a:r>
+              <a:rPr lang="ru-RU" dirty="0" smtClean="0"/>
+              <a:t>Шаблон</a:t>
+            </a:r>
+            <a:r>
+              <a:rPr lang="en-US" dirty="0" smtClean="0"/>
+              <a:t>: </a:t>
+            </a:r>
+            <a:r>
+              <a:rPr lang="en-US" dirty="0" smtClean="0">
+                <a:hlinkClick r:id="rId2"/>
+              </a:rPr>
+              <a:t>http://powerpointbase.com</a:t>
+            </a:r>
+            <a:r>
+              <a:rPr lang="ru-RU" dirty="0" smtClean="0"/>
+              <a:t> </a:t>
+            </a:r>
+            <a:endParaRPr lang="en-US" dirty="0" smtClean="0"/>
+          </a:p>
+          <a:p>
+            <a:pPr marL="514350" indent="-514350">
+              <a:buFont typeface="+mj-lt"/>
+              <a:buAutoNum type="arabicPeriod"/>
+            </a:pPr>
+            <a:r>
+              <a:rPr lang="ru-RU" dirty="0"/>
+              <a:t>Иллюстрации</a:t>
+            </a:r>
+            <a:r>
+              <a:rPr lang="en-US" dirty="0"/>
+              <a:t>: </a:t>
+            </a:r>
+            <a:r>
+              <a:rPr lang="en-US" dirty="0">
+                <a:hlinkClick r:id="rId3"/>
+              </a:rPr>
+              <a:t>https://ru.freepik.com</a:t>
+            </a:r>
+            <a:r>
+              <a:rPr lang="en-US" dirty="0" smtClean="0">
+                <a:hlinkClick r:id="rId3"/>
+              </a:rPr>
+              <a:t>/</a:t>
+            </a:r>
+            <a:endParaRPr lang="ru-RU" dirty="0" smtClean="0"/>
+          </a:p>
+          <a:p>
+            <a:pPr marL="514350" indent="-514350">
+              <a:buFont typeface="+mj-lt"/>
+              <a:buAutoNum type="arabicPeriod"/>
+            </a:pPr>
+            <a:r>
+              <a:rPr lang="ru-RU" dirty="0" smtClean="0"/>
+              <a:t>Подсистема </a:t>
+            </a:r>
+            <a:r>
+              <a:rPr lang="en-US" dirty="0" smtClean="0"/>
+              <a:t>MINIX </a:t>
+            </a:r>
+            <a:r>
+              <a:rPr lang="ru-RU" dirty="0" smtClean="0"/>
+              <a:t>в процессорах </a:t>
+            </a:r>
+            <a:r>
+              <a:rPr lang="en-US" dirty="0" smtClean="0"/>
+              <a:t>Intel:</a:t>
+            </a:r>
+          </a:p>
+          <a:p>
+            <a:pPr marL="0" indent="0">
+              <a:buNone/>
+            </a:pPr>
+            <a:r>
+              <a:rPr lang="en-US" dirty="0" smtClean="0"/>
+              <a:t>https</a:t>
+            </a:r>
+            <a:r>
+              <a:rPr lang="en-US" dirty="0"/>
+              <a:t>://www.opennet.ru/opennews/art.shtml?num=47539</a:t>
+            </a:r>
+            <a:endParaRPr lang="ru-RU" dirty="0"/>
+          </a:p>
+          <a:p>
+            <a:pPr marL="514350" indent="-514350">
+              <a:buFont typeface="+mj-lt"/>
+              <a:buAutoNum type="arabicPeriod"/>
+            </a:pPr>
+            <a:endParaRPr lang="en-US" dirty="0" smtClean="0"/>
+          </a:p>
+        </p:txBody>
+      </p:sp>
+      <p:pic>
+        <p:nvPicPr>
+          <p:cNvPr id="4" name="Picture 2" descr="Ярославский государственный университет — Википедия"/>
+          <p:cNvPicPr>
+            <a:picLocks noChangeAspect="1" noChangeArrowheads="1"/>
+          </p:cNvPicPr>
+          <p:nvPr/>
+        </p:nvPicPr>
+        <p:blipFill>
+          <a:blip r:embed="rId4">
+            <a:extLst>
+              <a:ext uri="{28A0092B-C50C-407E-A947-70E740481C1C}">
+                <a14:useLocalDpi xmlns:a14="http://schemas.microsoft.com/office/drawing/2010/main" val="0"/>
+              </a:ext>
+            </a:extLst>
+          </a:blip>
+          <a:srcRect/>
+          <a:stretch>
+            <a:fillRect/>
+          </a:stretch>
+        </p:blipFill>
+        <p:spPr bwMode="auto">
+          <a:xfrm>
+            <a:off x="0" y="5477607"/>
+            <a:ext cx="1380392" cy="1380393"/>
+          </a:xfrm>
+          <a:prstGeom prst="rect">
+            <a:avLst/>
+          </a:prstGeom>
+          <a:noFill/>
+          <a:extLst>
+            <a:ext uri="{909E8E84-426E-40DD-AFC4-6F175D3DCCD1}">
+              <a14:hiddenFill xmlns:a14="http://schemas.microsoft.com/office/drawing/2010/main">
+                <a:solidFill>
+                  <a:srgbClr val="FFFFFF"/>
+                </a:solidFill>
+              </a14:hiddenFill>
+            </a:ext>
+          </a:extLst>
+        </p:spPr>
+      </p:pic>
+    </p:spTree>
+    <p:extLst>
+      <p:ext uri="{BB962C8B-B14F-4D97-AF65-F5344CB8AC3E}">
+        <p14:creationId xmlns:p14="http://schemas.microsoft.com/office/powerpoint/2010/main" val="2551143339"/>
+      </p:ext>
+    </p:extLst>
+  </p:cSld>
+  <p:clrMapOvr>
+    <a:masterClrMapping/>
+  </p:clrMapOvr>
+  <p:timing>
+    <p:tnLst>
+      <p:par>
+        <p:cTn id="1" dur="indefinite" restart="never" nodeType="tmRoot"/>
+      </p:par>
+    </p:tnLst>
+  </p:timing>
+</p:sld>
+</file>
+
+<file path=ppt/slides/slide29.xml><?xml version="1.0" encoding="utf-8"?>
+<p:sld xmlns:a="http://schemas.openxmlformats.org/drawingml/2006/main" xmlns:r="http://schemas.openxmlformats.org/officeDocument/2006/relationships" xmlns:p="http://schemas.openxmlformats.org/presentationml/2006/main">
+  <p:cSld>
+    <p:spTree>
+      <p:nvGrpSpPr>
+        <p:cNvPr id="1" name=""/>
+        <p:cNvGrpSpPr/>
+        <p:nvPr/>
+      </p:nvGrpSpPr>
+      <p:grpSpPr>
+        <a:xfrm>
+          <a:off x="0" y="0"/>
+          <a:ext cx="0" cy="0"/>
+          <a:chOff x="0" y="0"/>
+          <a:chExt cx="0" cy="0"/>
+        </a:xfrm>
+      </p:grpSpPr>
+      <p:sp>
+        <p:nvSpPr>
+          <p:cNvPr id="2" name="Заголовок 1"/>
+          <p:cNvSpPr>
+            <a:spLocks noGrp="1"/>
+          </p:cNvSpPr>
+          <p:nvPr>
+            <p:ph type="title"/>
+          </p:nvPr>
+        </p:nvSpPr>
+        <p:spPr>
+          <a:xfrm>
+            <a:off x="0" y="291305"/>
+            <a:ext cx="12192000" cy="696667"/>
+          </a:xfrm>
+        </p:spPr>
+        <p:txBody>
+          <a:bodyPr/>
+          <a:lstStyle/>
+          <a:p>
+            <a:pPr algn="ctr"/>
+            <a:r>
+              <a:rPr lang="ru-RU" dirty="0" smtClean="0">
+                <a:latin typeface="Times New Roman" panose="02020603050405020304" pitchFamily="18" charset="0"/>
+                <a:cs typeface="Times New Roman" panose="02020603050405020304" pitchFamily="18" charset="0"/>
+              </a:rPr>
+              <a:t>Вопросы</a:t>
+            </a:r>
+            <a:r>
+              <a:rPr lang="en-US" dirty="0" smtClean="0">
+                <a:latin typeface="Times New Roman" panose="02020603050405020304" pitchFamily="18" charset="0"/>
+                <a:cs typeface="Times New Roman" panose="02020603050405020304" pitchFamily="18" charset="0"/>
+              </a:rPr>
+              <a:t>:</a:t>
+            </a:r>
+            <a:endParaRPr lang="ru-RU" dirty="0">
+              <a:latin typeface="Times New Roman" panose="02020603050405020304" pitchFamily="18" charset="0"/>
+              <a:cs typeface="Times New Roman" panose="02020603050405020304" pitchFamily="18" charset="0"/>
+            </a:endParaRPr>
+          </a:p>
+        </p:txBody>
+      </p:sp>
+      <p:pic>
+        <p:nvPicPr>
+          <p:cNvPr id="4" name="Рисунок 3"/>
+          <p:cNvPicPr>
+            <a:picLocks noChangeAspect="1"/>
+          </p:cNvPicPr>
+          <p:nvPr/>
+        </p:nvPicPr>
+        <p:blipFill>
+          <a:blip r:embed="rId2"/>
+          <a:stretch>
+            <a:fillRect/>
+          </a:stretch>
+        </p:blipFill>
+        <p:spPr>
+          <a:xfrm>
+            <a:off x="3845491" y="1362780"/>
+            <a:ext cx="4501015" cy="4471977"/>
+          </a:xfrm>
+          <a:prstGeom prst="rect">
+            <a:avLst/>
+          </a:prstGeom>
+        </p:spPr>
+      </p:pic>
+      <p:sp>
+        <p:nvSpPr>
+          <p:cNvPr id="5" name="TextBox 4"/>
+          <p:cNvSpPr txBox="1"/>
+          <p:nvPr/>
+        </p:nvSpPr>
+        <p:spPr>
+          <a:xfrm>
+            <a:off x="4711211" y="5834757"/>
+            <a:ext cx="2769576" cy="369332"/>
+          </a:xfrm>
+          <a:prstGeom prst="rect">
+            <a:avLst/>
+          </a:prstGeom>
+          <a:noFill/>
+        </p:spPr>
+        <p:txBody>
+          <a:bodyPr wrap="square" rtlCol="0">
+            <a:spAutoFit/>
+          </a:bodyPr>
+          <a:lstStyle/>
+          <a:p>
+            <a:r>
+              <a:rPr lang="ru-RU" dirty="0" smtClean="0"/>
+              <a:t>Ссылка на полную версию</a:t>
+            </a:r>
+            <a:endParaRPr lang="ru-RU" dirty="0"/>
+          </a:p>
+        </p:txBody>
+      </p:sp>
+      <p:pic>
+        <p:nvPicPr>
+          <p:cNvPr id="6" name="Picture 2" descr="Ярославский государственный университет — Википедия"/>
+          <p:cNvPicPr>
+            <a:picLocks noChangeAspect="1" noChangeArrowheads="1"/>
+          </p:cNvPicPr>
+          <p:nvPr/>
+        </p:nvPicPr>
+        <p:blipFill>
+          <a:blip r:embed="rId3">
+            <a:extLst>
+              <a:ext uri="{28A0092B-C50C-407E-A947-70E740481C1C}">
+                <a14:useLocalDpi xmlns:a14="http://schemas.microsoft.com/office/drawing/2010/main" val="0"/>
+              </a:ext>
+            </a:extLst>
+          </a:blip>
+          <a:srcRect/>
+          <a:stretch>
+            <a:fillRect/>
+          </a:stretch>
+        </p:blipFill>
+        <p:spPr bwMode="auto">
+          <a:xfrm>
+            <a:off x="0" y="5477607"/>
+            <a:ext cx="1380392" cy="1380393"/>
+          </a:xfrm>
+          <a:prstGeom prst="rect">
+            <a:avLst/>
+          </a:prstGeom>
+          <a:noFill/>
+          <a:extLst>
+            <a:ext uri="{909E8E84-426E-40DD-AFC4-6F175D3DCCD1}">
+              <a14:hiddenFill xmlns:a14="http://schemas.microsoft.com/office/drawing/2010/main">
+                <a:solidFill>
+                  <a:srgbClr val="FFFFFF"/>
+                </a:solidFill>
+              </a14:hiddenFill>
+            </a:ext>
+          </a:extLst>
+        </p:spPr>
+      </p:pic>
+    </p:spTree>
+    <p:extLst>
+      <p:ext uri="{BB962C8B-B14F-4D97-AF65-F5344CB8AC3E}">
+        <p14:creationId xmlns:p14="http://schemas.microsoft.com/office/powerpoint/2010/main" val="463815022"/>
+      </p:ext>
+    </p:extLst>
+  </p:cSld>
+  <p:clrMapOvr>
+    <a:masterClrMapping/>
+  </p:clrMapOvr>
+  <p:timing>
+    <p:tnLst>
+      <p:par>
+        <p:cTn id="1" dur="indefinite" restart="never" nodeType="tmRoot"/>
+      </p:par>
+    </p:tnLst>
+  </p:timing>
+</p:sld>
+</file>
+
 <file path=ppt/slides/slide3.xml><?xml version="1.0" encoding="utf-8"?>
 <p:sld xmlns:a="http://schemas.openxmlformats.org/drawingml/2006/main" xmlns:r="http://schemas.openxmlformats.org/officeDocument/2006/relationships" xmlns:p="http://schemas.openxmlformats.org/presentationml/2006/main">
   <p:cSld>
@@ -8901,10 +11401,6 @@
               </a:rPr>
               <a:t> – отдельная, независимая, выполняющая свою задачу, составная единица приложения.</a:t>
             </a:r>
-            <a:endParaRPr lang="ru-RU" dirty="0">
-              <a:latin typeface="Times New Roman" panose="02020603050405020304" pitchFamily="18" charset="0"/>
-              <a:cs typeface="Times New Roman" panose="02020603050405020304" pitchFamily="18" charset="0"/>
-            </a:endParaRPr>
           </a:p>
         </p:txBody>
       </p:sp>
@@ -9473,10 +11969,6 @@
               </a:rPr>
               <a:t> </a:t>
             </a:r>
-            <a:endParaRPr lang="ru-RU" dirty="0">
-              <a:latin typeface="Times New Roman" panose="02020603050405020304" pitchFamily="18" charset="0"/>
-              <a:cs typeface="Times New Roman" panose="02020603050405020304" pitchFamily="18" charset="0"/>
-            </a:endParaRPr>
           </a:p>
         </p:txBody>
       </p:sp>

--- a/Путь в науку 2024/Микросервисная архитектура в ОС.pptx
+++ b/Путь в науку 2024/Микросервисная архитектура в ОС.pptx
@@ -315,7 +315,7 @@
           <a:p>
             <a:fld id="{727BC1F1-26C4-4172-9B9C-25E3323FD759}" type="datetimeFigureOut">
               <a:rPr lang="ru-UA" smtClean="0"/>
-              <a:t>05/13/2024</a:t>
+              <a:t>05/14/2024</a:t>
             </a:fld>
             <a:endParaRPr lang="ru-UA"/>
           </a:p>
@@ -515,7 +515,7 @@
           <a:p>
             <a:fld id="{727BC1F1-26C4-4172-9B9C-25E3323FD759}" type="datetimeFigureOut">
               <a:rPr lang="ru-UA" smtClean="0"/>
-              <a:t>05/13/2024</a:t>
+              <a:t>05/14/2024</a:t>
             </a:fld>
             <a:endParaRPr lang="ru-UA"/>
           </a:p>
@@ -725,7 +725,7 @@
           <a:p>
             <a:fld id="{727BC1F1-26C4-4172-9B9C-25E3323FD759}" type="datetimeFigureOut">
               <a:rPr lang="ru-UA" smtClean="0"/>
-              <a:t>05/13/2024</a:t>
+              <a:t>05/14/2024</a:t>
             </a:fld>
             <a:endParaRPr lang="ru-UA"/>
           </a:p>
@@ -982,7 +982,7 @@
           <a:p>
             <a:fld id="{727BC1F1-26C4-4172-9B9C-25E3323FD759}" type="datetimeFigureOut">
               <a:rPr lang="ru-UA" smtClean="0"/>
-              <a:t>05/13/2024</a:t>
+              <a:t>05/14/2024</a:t>
             </a:fld>
             <a:endParaRPr lang="ru-UA"/>
           </a:p>
@@ -1258,7 +1258,7 @@
           <a:p>
             <a:fld id="{727BC1F1-26C4-4172-9B9C-25E3323FD759}" type="datetimeFigureOut">
               <a:rPr lang="ru-UA" smtClean="0"/>
-              <a:t>05/13/2024</a:t>
+              <a:t>05/14/2024</a:t>
             </a:fld>
             <a:endParaRPr lang="ru-UA"/>
           </a:p>
@@ -1526,7 +1526,7 @@
           <a:p>
             <a:fld id="{727BC1F1-26C4-4172-9B9C-25E3323FD759}" type="datetimeFigureOut">
               <a:rPr lang="ru-UA" smtClean="0"/>
-              <a:t>05/13/2024</a:t>
+              <a:t>05/14/2024</a:t>
             </a:fld>
             <a:endParaRPr lang="ru-UA"/>
           </a:p>
@@ -1941,7 +1941,7 @@
           <a:p>
             <a:fld id="{727BC1F1-26C4-4172-9B9C-25E3323FD759}" type="datetimeFigureOut">
               <a:rPr lang="ru-UA" smtClean="0"/>
-              <a:t>05/13/2024</a:t>
+              <a:t>05/14/2024</a:t>
             </a:fld>
             <a:endParaRPr lang="ru-UA"/>
           </a:p>
@@ -2083,7 +2083,7 @@
           <a:p>
             <a:fld id="{727BC1F1-26C4-4172-9B9C-25E3323FD759}" type="datetimeFigureOut">
               <a:rPr lang="ru-UA" smtClean="0"/>
-              <a:t>05/13/2024</a:t>
+              <a:t>05/14/2024</a:t>
             </a:fld>
             <a:endParaRPr lang="ru-UA"/>
           </a:p>
@@ -2196,7 +2196,7 @@
           <a:p>
             <a:fld id="{727BC1F1-26C4-4172-9B9C-25E3323FD759}" type="datetimeFigureOut">
               <a:rPr lang="ru-UA" smtClean="0"/>
-              <a:t>05/13/2024</a:t>
+              <a:t>05/14/2024</a:t>
             </a:fld>
             <a:endParaRPr lang="ru-UA"/>
           </a:p>
@@ -2509,7 +2509,7 @@
           <a:p>
             <a:fld id="{727BC1F1-26C4-4172-9B9C-25E3323FD759}" type="datetimeFigureOut">
               <a:rPr lang="ru-UA" smtClean="0"/>
-              <a:t>05/13/2024</a:t>
+              <a:t>05/14/2024</a:t>
             </a:fld>
             <a:endParaRPr lang="ru-UA"/>
           </a:p>
@@ -2798,7 +2798,7 @@
           <a:p>
             <a:fld id="{727BC1F1-26C4-4172-9B9C-25E3323FD759}" type="datetimeFigureOut">
               <a:rPr lang="ru-UA" smtClean="0"/>
-              <a:t>05/13/2024</a:t>
+              <a:t>05/14/2024</a:t>
             </a:fld>
             <a:endParaRPr lang="ru-UA"/>
           </a:p>
@@ -3077,7 +3077,7 @@
           <a:p>
             <a:fld id="{727BC1F1-26C4-4172-9B9C-25E3323FD759}" type="datetimeFigureOut">
               <a:rPr lang="ru-UA" smtClean="0"/>
-              <a:t>05/13/2024</a:t>
+              <a:t>05/14/2024</a:t>
             </a:fld>
             <a:endParaRPr lang="ru-UA"/>
           </a:p>
@@ -9473,21 +9473,19 @@
                 <a:latin typeface="Times New Roman" panose="02020603050405020304" pitchFamily="18" charset="0"/>
                 <a:cs typeface="Times New Roman" panose="02020603050405020304" pitchFamily="18" charset="0"/>
               </a:rPr>
-              <a:t>Гибкость конфигурации и удобное администрирование</a:t>
-            </a:r>
-          </a:p>
-          <a:p>
-            <a:pPr marL="514350" indent="-514350">
-              <a:buFont typeface="+mj-lt"/>
-              <a:buAutoNum type="arabicPeriod"/>
-            </a:pPr>
+              <a:t>Гибкость конфигурации и удобное </a:t>
+            </a:r>
             <a:r>
               <a:rPr lang="ru-RU" dirty="0" smtClean="0">
                 <a:latin typeface="Times New Roman" panose="02020603050405020304" pitchFamily="18" charset="0"/>
                 <a:cs typeface="Times New Roman" panose="02020603050405020304" pitchFamily="18" charset="0"/>
               </a:rPr>
-              <a:t>Хорошо покрывается тестами</a:t>
-            </a:r>
+              <a:t>администрирование</a:t>
+            </a:r>
+            <a:endParaRPr lang="ru-RU" dirty="0" smtClean="0">
+              <a:latin typeface="Times New Roman" panose="02020603050405020304" pitchFamily="18" charset="0"/>
+              <a:cs typeface="Times New Roman" panose="02020603050405020304" pitchFamily="18" charset="0"/>
+            </a:endParaRPr>
           </a:p>
         </p:txBody>
       </p:sp>
@@ -10812,13 +10810,6 @@
               </a:rPr>
               <a:t>что делает MINIX наиболее широко используемой ОС в мире</a:t>
             </a:r>
-            <a:endParaRPr lang="ru-RU" dirty="0">
-              <a:solidFill>
-                <a:schemeClr val="accent6"/>
-              </a:solidFill>
-              <a:latin typeface="Times New Roman" panose="02020603050405020304" pitchFamily="18" charset="0"/>
-              <a:cs typeface="Times New Roman" panose="02020603050405020304" pitchFamily="18" charset="0"/>
-            </a:endParaRPr>
           </a:p>
         </p:txBody>
       </p:sp>
@@ -11209,7 +11200,7 @@
         </p:blipFill>
         <p:spPr>
           <a:xfrm>
-            <a:off x="3845491" y="1362780"/>
+            <a:off x="908860" y="1362780"/>
             <a:ext cx="4501015" cy="4471977"/>
           </a:xfrm>
           <a:prstGeom prst="rect">
@@ -11225,7 +11216,7 @@
         </p:nvSpPr>
         <p:spPr>
           <a:xfrm>
-            <a:off x="4711211" y="5834757"/>
+            <a:off x="1669073" y="5650091"/>
             <a:ext cx="2769576" cy="369332"/>
           </a:xfrm>
           <a:prstGeom prst="rect">
@@ -11288,6 +11279,60 @@
           </a:extLst>
         </p:spPr>
       </p:pic>
+      <p:pic>
+        <p:nvPicPr>
+          <p:cNvPr id="3" name="Рисунок 2"/>
+          <p:cNvPicPr>
+            <a:picLocks noChangeAspect="1"/>
+          </p:cNvPicPr>
+          <p:nvPr/>
+        </p:nvPicPr>
+        <p:blipFill>
+          <a:blip r:embed="rId4"/>
+          <a:stretch>
+            <a:fillRect/>
+          </a:stretch>
+        </p:blipFill>
+        <p:spPr>
+          <a:xfrm>
+            <a:off x="6421586" y="1607573"/>
+            <a:ext cx="4220410" cy="4190898"/>
+          </a:xfrm>
+          <a:prstGeom prst="rect">
+            <a:avLst/>
+          </a:prstGeom>
+        </p:spPr>
+      </p:pic>
+      <p:sp>
+        <p:nvSpPr>
+          <p:cNvPr id="7" name="TextBox 6"/>
+          <p:cNvSpPr txBox="1"/>
+          <p:nvPr/>
+        </p:nvSpPr>
+        <p:spPr>
+          <a:xfrm>
+            <a:off x="7947102" y="5798471"/>
+            <a:ext cx="1169377" cy="369332"/>
+          </a:xfrm>
+          <a:prstGeom prst="rect">
+            <a:avLst/>
+          </a:prstGeom>
+          <a:noFill/>
+        </p:spPr>
+        <p:txBody>
+          <a:bodyPr wrap="square" rtlCol="0">
+            <a:spAutoFit/>
+          </a:bodyPr>
+          <a:lstStyle/>
+          <a:p>
+            <a:r>
+              <a:rPr lang="en-US" dirty="0" smtClean="0"/>
+              <a:t>Intel ME</a:t>
+            </a:r>
+            <a:endParaRPr lang="ru-RU" dirty="0"/>
+          </a:p>
+        </p:txBody>
+      </p:sp>
     </p:spTree>
     <p:extLst>
       <p:ext uri="{BB962C8B-B14F-4D97-AF65-F5344CB8AC3E}">
